--- a/docs/diagrams/UndoRedoSequenceDiagram.pptx
+++ b/docs/diagrams/UndoRedoSequenceDiagram.pptx
@@ -126,8 +126,193 @@
 </p:presentation>
 </file>
 
-<file path=ppt/revisionInfo.xml><?xml version="1.0" encoding="utf-8"?>
-<p1510:revInfo xmlns:a="http://schemas.openxmlformats.org/drawingml/2006/main" xmlns:r="http://schemas.openxmlformats.org/officeDocument/2006/relationships" xmlns:p1510="http://schemas.microsoft.com/office/powerpoint/2015/10/main"/>
+<file path=ppt/changesInfos/changesInfo1.xml><?xml version="1.0" encoding="utf-8"?>
+<pc:chgInfo xmlns:a="http://schemas.openxmlformats.org/drawingml/2006/main" xmlns:r="http://schemas.openxmlformats.org/officeDocument/2006/relationships" xmlns:ac="http://schemas.microsoft.com/office/drawing/2013/main/command" xmlns:pc="http://schemas.microsoft.com/office/powerpoint/2013/main/command">
+  <pc:docChgLst>
+    <pc:chgData name="Shengmin Leong" userId="075411cc4697ef0d" providerId="LiveId" clId="{D90C1B27-0260-4FC4-8019-5E27427485AA}"/>
+    <pc:docChg chg="undo custSel modSld">
+      <pc:chgData name="Shengmin Leong" userId="075411cc4697ef0d" providerId="LiveId" clId="{D90C1B27-0260-4FC4-8019-5E27427485AA}" dt="2018-10-14T08:20:02.026" v="146" actId="1076"/>
+      <pc:docMkLst>
+        <pc:docMk/>
+      </pc:docMkLst>
+      <pc:sldChg chg="addSp delSp modSp">
+        <pc:chgData name="Shengmin Leong" userId="075411cc4697ef0d" providerId="LiveId" clId="{D90C1B27-0260-4FC4-8019-5E27427485AA}" dt="2018-10-14T08:20:02.026" v="146" actId="1076"/>
+        <pc:sldMkLst>
+          <pc:docMk/>
+          <pc:sldMk cId="3945898909" sldId="267"/>
+        </pc:sldMkLst>
+        <pc:spChg chg="mod">
+          <ac:chgData name="Shengmin Leong" userId="075411cc4697ef0d" providerId="LiveId" clId="{D90C1B27-0260-4FC4-8019-5E27427485AA}" dt="2018-10-14T08:18:03.457" v="106" actId="1076"/>
+          <ac:spMkLst>
+            <pc:docMk/>
+            <pc:sldMk cId="3945898909" sldId="267"/>
+            <ac:spMk id="41" creationId="{00000000-0000-0000-0000-000000000000}"/>
+          </ac:spMkLst>
+        </pc:spChg>
+        <pc:spChg chg="add del mod">
+          <ac:chgData name="Shengmin Leong" userId="075411cc4697ef0d" providerId="LiveId" clId="{D90C1B27-0260-4FC4-8019-5E27427485AA}" dt="2018-10-14T08:14:42.734" v="66" actId="1076"/>
+          <ac:spMkLst>
+            <pc:docMk/>
+            <pc:sldMk cId="3945898909" sldId="267"/>
+            <ac:spMk id="47" creationId="{B9C27FBA-8B35-400C-814C-FAAC821AC745}"/>
+          </ac:spMkLst>
+        </pc:spChg>
+        <pc:spChg chg="mod">
+          <ac:chgData name="Shengmin Leong" userId="075411cc4697ef0d" providerId="LiveId" clId="{D90C1B27-0260-4FC4-8019-5E27427485AA}" dt="2018-10-14T08:13:11.190" v="31" actId="14100"/>
+          <ac:spMkLst>
+            <pc:docMk/>
+            <pc:sldMk cId="3945898909" sldId="267"/>
+            <ac:spMk id="49" creationId="{00000000-0000-0000-0000-000000000000}"/>
+          </ac:spMkLst>
+        </pc:spChg>
+        <pc:spChg chg="mod">
+          <ac:chgData name="Shengmin Leong" userId="075411cc4697ef0d" providerId="LiveId" clId="{D90C1B27-0260-4FC4-8019-5E27427485AA}" dt="2018-10-14T08:17:06.929" v="95" actId="1076"/>
+          <ac:spMkLst>
+            <pc:docMk/>
+            <pc:sldMk cId="3945898909" sldId="267"/>
+            <ac:spMk id="56" creationId="{00000000-0000-0000-0000-000000000000}"/>
+          </ac:spMkLst>
+        </pc:spChg>
+        <pc:spChg chg="add mod">
+          <ac:chgData name="Shengmin Leong" userId="075411cc4697ef0d" providerId="LiveId" clId="{D90C1B27-0260-4FC4-8019-5E27427485AA}" dt="2018-10-14T08:18:33.938" v="123" actId="14100"/>
+          <ac:spMkLst>
+            <pc:docMk/>
+            <pc:sldMk cId="3945898909" sldId="267"/>
+            <ac:spMk id="57" creationId="{42AFB9F6-4A5D-43F8-9DF9-040D03E2D799}"/>
+          </ac:spMkLst>
+        </pc:spChg>
+        <pc:spChg chg="add mod">
+          <ac:chgData name="Shengmin Leong" userId="075411cc4697ef0d" providerId="LiveId" clId="{D90C1B27-0260-4FC4-8019-5E27427485AA}" dt="2018-10-14T08:18:10.739" v="121" actId="1035"/>
+          <ac:spMkLst>
+            <pc:docMk/>
+            <pc:sldMk cId="3945898909" sldId="267"/>
+            <ac:spMk id="70" creationId="{9DE35DCF-F76B-45E0-8A3F-91478B8BCF35}"/>
+          </ac:spMkLst>
+        </pc:spChg>
+        <pc:spChg chg="add mod">
+          <ac:chgData name="Shengmin Leong" userId="075411cc4697ef0d" providerId="LiveId" clId="{D90C1B27-0260-4FC4-8019-5E27427485AA}" dt="2018-10-14T08:20:02.026" v="146" actId="1076"/>
+          <ac:spMkLst>
+            <pc:docMk/>
+            <pc:sldMk cId="3945898909" sldId="267"/>
+            <ac:spMk id="71" creationId="{6F6A4A78-460E-463D-B35D-5601ACAB7A66}"/>
+          </ac:spMkLst>
+        </pc:spChg>
+        <pc:spChg chg="mod">
+          <ac:chgData name="Shengmin Leong" userId="075411cc4697ef0d" providerId="LiveId" clId="{D90C1B27-0260-4FC4-8019-5E27427485AA}" dt="2018-10-14T08:11:12.396" v="26" actId="20577"/>
+          <ac:spMkLst>
+            <pc:docMk/>
+            <pc:sldMk cId="3945898909" sldId="267"/>
+            <ac:spMk id="79" creationId="{00000000-0000-0000-0000-000000000000}"/>
+          </ac:spMkLst>
+        </pc:spChg>
+        <pc:spChg chg="mod">
+          <ac:chgData name="Shengmin Leong" userId="075411cc4697ef0d" providerId="LiveId" clId="{D90C1B27-0260-4FC4-8019-5E27427485AA}" dt="2018-10-14T08:10:03.978" v="6" actId="20577"/>
+          <ac:spMkLst>
+            <pc:docMk/>
+            <pc:sldMk cId="3945898909" sldId="267"/>
+            <ac:spMk id="84" creationId="{00000000-0000-0000-0000-000000000000}"/>
+          </ac:spMkLst>
+        </pc:spChg>
+        <pc:spChg chg="mod">
+          <ac:chgData name="Shengmin Leong" userId="075411cc4697ef0d" providerId="LiveId" clId="{D90C1B27-0260-4FC4-8019-5E27427485AA}" dt="2018-10-14T08:13:56.189" v="41" actId="1076"/>
+          <ac:spMkLst>
+            <pc:docMk/>
+            <pc:sldMk cId="3945898909" sldId="267"/>
+            <ac:spMk id="86" creationId="{00000000-0000-0000-0000-000000000000}"/>
+          </ac:spMkLst>
+        </pc:spChg>
+        <pc:spChg chg="mod">
+          <ac:chgData name="Shengmin Leong" userId="075411cc4697ef0d" providerId="LiveId" clId="{D90C1B27-0260-4FC4-8019-5E27427485AA}" dt="2018-10-14T08:19:34.969" v="126"/>
+          <ac:spMkLst>
+            <pc:docMk/>
+            <pc:sldMk cId="3945898909" sldId="267"/>
+            <ac:spMk id="88" creationId="{B85C6184-7378-4E89-A338-72B1E5056F4F}"/>
+          </ac:spMkLst>
+        </pc:spChg>
+        <pc:cxnChg chg="mod">
+          <ac:chgData name="Shengmin Leong" userId="075411cc4697ef0d" providerId="LiveId" clId="{D90C1B27-0260-4FC4-8019-5E27427485AA}" dt="2018-10-14T08:13:58.911" v="42" actId="1076"/>
+          <ac:cxnSpMkLst>
+            <pc:docMk/>
+            <pc:sldMk cId="3945898909" sldId="267"/>
+            <ac:cxnSpMk id="13" creationId="{00000000-0000-0000-0000-000000000000}"/>
+          </ac:cxnSpMkLst>
+        </pc:cxnChg>
+        <pc:cxnChg chg="add mod">
+          <ac:chgData name="Shengmin Leong" userId="075411cc4697ef0d" providerId="LiveId" clId="{D90C1B27-0260-4FC4-8019-5E27427485AA}" dt="2018-10-14T08:15:11.212" v="73" actId="14100"/>
+          <ac:cxnSpMkLst>
+            <pc:docMk/>
+            <pc:sldMk cId="3945898909" sldId="267"/>
+            <ac:cxnSpMk id="48" creationId="{18F96F8E-DD6D-43F2-BEF1-9BEDA58AEE84}"/>
+          </ac:cxnSpMkLst>
+        </pc:cxnChg>
+        <pc:cxnChg chg="add mod">
+          <ac:chgData name="Shengmin Leong" userId="075411cc4697ef0d" providerId="LiveId" clId="{D90C1B27-0260-4FC4-8019-5E27427485AA}" dt="2018-10-14T08:15:36.175" v="77" actId="14100"/>
+          <ac:cxnSpMkLst>
+            <pc:docMk/>
+            <pc:sldMk cId="3945898909" sldId="267"/>
+            <ac:cxnSpMk id="53" creationId="{0A0FD8B3-0BF9-4DD7-BB66-4F1F5075ECFA}"/>
+          </ac:cxnSpMkLst>
+        </pc:cxnChg>
+        <pc:cxnChg chg="add mod">
+          <ac:chgData name="Shengmin Leong" userId="075411cc4697ef0d" providerId="LiveId" clId="{D90C1B27-0260-4FC4-8019-5E27427485AA}" dt="2018-10-14T08:18:37.623" v="124" actId="1035"/>
+          <ac:cxnSpMkLst>
+            <pc:docMk/>
+            <pc:sldMk cId="3945898909" sldId="267"/>
+            <ac:cxnSpMk id="55" creationId="{3C7AEEEC-1A69-47D1-BF4C-C8C87CA6C633}"/>
+          </ac:cxnSpMkLst>
+        </pc:cxnChg>
+        <pc:cxnChg chg="add mod">
+          <ac:chgData name="Shengmin Leong" userId="075411cc4697ef0d" providerId="LiveId" clId="{D90C1B27-0260-4FC4-8019-5E27427485AA}" dt="2018-10-14T08:18:33.938" v="123" actId="14100"/>
+          <ac:cxnSpMkLst>
+            <pc:docMk/>
+            <pc:sldMk cId="3945898909" sldId="267"/>
+            <ac:cxnSpMk id="58" creationId="{B7962450-0C51-48ED-B43F-667E6F285E35}"/>
+          </ac:cxnSpMkLst>
+        </pc:cxnChg>
+        <pc:cxnChg chg="mod">
+          <ac:chgData name="Shengmin Leong" userId="075411cc4697ef0d" providerId="LiveId" clId="{D90C1B27-0260-4FC4-8019-5E27427485AA}" dt="2018-10-14T08:14:03.907" v="43" actId="1076"/>
+          <ac:cxnSpMkLst>
+            <pc:docMk/>
+            <pc:sldMk cId="3945898909" sldId="267"/>
+            <ac:cxnSpMk id="60" creationId="{7C9F21BC-13A9-471F-825A-2621FD36355F}"/>
+          </ac:cxnSpMkLst>
+        </pc:cxnChg>
+        <pc:cxnChg chg="add del mod">
+          <ac:chgData name="Shengmin Leong" userId="075411cc4697ef0d" providerId="LiveId" clId="{D90C1B27-0260-4FC4-8019-5E27427485AA}" dt="2018-10-14T08:17:44.943" v="103" actId="478"/>
+          <ac:cxnSpMkLst>
+            <pc:docMk/>
+            <pc:sldMk cId="3945898909" sldId="267"/>
+            <ac:cxnSpMk id="61" creationId="{08C4A4F9-A7A0-43C2-86AB-5BE9F1454C1C}"/>
+          </ac:cxnSpMkLst>
+        </pc:cxnChg>
+        <pc:cxnChg chg="mod">
+          <ac:chgData name="Shengmin Leong" userId="075411cc4697ef0d" providerId="LiveId" clId="{D90C1B27-0260-4FC4-8019-5E27427485AA}" dt="2018-10-14T08:13:15.344" v="32" actId="14100"/>
+          <ac:cxnSpMkLst>
+            <pc:docMk/>
+            <pc:sldMk cId="3945898909" sldId="267"/>
+            <ac:cxnSpMk id="63" creationId="{7C9F21BC-13A9-471F-825A-2621FD36355F}"/>
+          </ac:cxnSpMkLst>
+        </pc:cxnChg>
+        <pc:cxnChg chg="add del">
+          <ac:chgData name="Shengmin Leong" userId="075411cc4697ef0d" providerId="LiveId" clId="{D90C1B27-0260-4FC4-8019-5E27427485AA}" dt="2018-10-14T08:18:00.345" v="105"/>
+          <ac:cxnSpMkLst>
+            <pc:docMk/>
+            <pc:sldMk cId="3945898909" sldId="267"/>
+            <ac:cxnSpMk id="68" creationId="{D0C0272E-A883-4F9A-85ED-6A9ADB65137F}"/>
+          </ac:cxnSpMkLst>
+        </pc:cxnChg>
+        <pc:cxnChg chg="mod">
+          <ac:chgData name="Shengmin Leong" userId="075411cc4697ef0d" providerId="LiveId" clId="{D90C1B27-0260-4FC4-8019-5E27427485AA}" dt="2018-10-14T08:18:27.690" v="122" actId="1076"/>
+          <ac:cxnSpMkLst>
+            <pc:docMk/>
+            <pc:sldMk cId="3945898909" sldId="267"/>
+            <ac:cxnSpMk id="89" creationId="{E4E1C8CA-49DF-45D8-80A5-D5C8282EE927}"/>
+          </ac:cxnSpMkLst>
+        </pc:cxnChg>
+      </pc:sldChg>
+    </pc:docChg>
+  </pc:docChgLst>
+</pc:chgInfo>
 </file>
 
 <file path=ppt/notesMasters/notesMaster1.xml><?xml version="1.0" encoding="utf-8"?>
@@ -212,7 +397,7 @@
           <a:p>
             <a:fld id="{F5CC4B3F-88C1-4FFA-B1B6-F41C21DC6924}" type="datetimeFigureOut">
               <a:rPr lang="en-US" smtClean="0"/>
-              <a:t>7/6/2018</a:t>
+              <a:t>10/14/2018</a:t>
             </a:fld>
             <a:endParaRPr lang="en-US"/>
           </a:p>
@@ -658,7 +843,7 @@
           <a:p>
             <a:fld id="{78C97017-6FC3-485B-9764-EAC9E56C1D49}" type="datetimeFigureOut">
               <a:rPr lang="en-US" smtClean="0"/>
-              <a:t>7/6/2018</a:t>
+              <a:t>10/14/2018</a:t>
             </a:fld>
             <a:endParaRPr lang="en-US"/>
           </a:p>
@@ -826,7 +1011,7 @@
           <a:p>
             <a:fld id="{78C97017-6FC3-485B-9764-EAC9E56C1D49}" type="datetimeFigureOut">
               <a:rPr lang="en-US" smtClean="0"/>
-              <a:t>7/6/2018</a:t>
+              <a:t>10/14/2018</a:t>
             </a:fld>
             <a:endParaRPr lang="en-US"/>
           </a:p>
@@ -1004,7 +1189,7 @@
           <a:p>
             <a:fld id="{78C97017-6FC3-485B-9764-EAC9E56C1D49}" type="datetimeFigureOut">
               <a:rPr lang="en-US" smtClean="0"/>
-              <a:t>7/6/2018</a:t>
+              <a:t>10/14/2018</a:t>
             </a:fld>
             <a:endParaRPr lang="en-US"/>
           </a:p>
@@ -1172,7 +1357,7 @@
           <a:p>
             <a:fld id="{78C97017-6FC3-485B-9764-EAC9E56C1D49}" type="datetimeFigureOut">
               <a:rPr lang="en-US" smtClean="0"/>
-              <a:t>7/6/2018</a:t>
+              <a:t>10/14/2018</a:t>
             </a:fld>
             <a:endParaRPr lang="en-US"/>
           </a:p>
@@ -1417,7 +1602,7 @@
           <a:p>
             <a:fld id="{78C97017-6FC3-485B-9764-EAC9E56C1D49}" type="datetimeFigureOut">
               <a:rPr lang="en-US" smtClean="0"/>
-              <a:t>7/6/2018</a:t>
+              <a:t>10/14/2018</a:t>
             </a:fld>
             <a:endParaRPr lang="en-US"/>
           </a:p>
@@ -1702,7 +1887,7 @@
           <a:p>
             <a:fld id="{78C97017-6FC3-485B-9764-EAC9E56C1D49}" type="datetimeFigureOut">
               <a:rPr lang="en-US" smtClean="0"/>
-              <a:t>7/6/2018</a:t>
+              <a:t>10/14/2018</a:t>
             </a:fld>
             <a:endParaRPr lang="en-US"/>
           </a:p>
@@ -2121,7 +2306,7 @@
           <a:p>
             <a:fld id="{78C97017-6FC3-485B-9764-EAC9E56C1D49}" type="datetimeFigureOut">
               <a:rPr lang="en-US" smtClean="0"/>
-              <a:t>7/6/2018</a:t>
+              <a:t>10/14/2018</a:t>
             </a:fld>
             <a:endParaRPr lang="en-US"/>
           </a:p>
@@ -2238,7 +2423,7 @@
           <a:p>
             <a:fld id="{78C97017-6FC3-485B-9764-EAC9E56C1D49}" type="datetimeFigureOut">
               <a:rPr lang="en-US" smtClean="0"/>
-              <a:t>7/6/2018</a:t>
+              <a:t>10/14/2018</a:t>
             </a:fld>
             <a:endParaRPr lang="en-US"/>
           </a:p>
@@ -2333,7 +2518,7 @@
           <a:p>
             <a:fld id="{78C97017-6FC3-485B-9764-EAC9E56C1D49}" type="datetimeFigureOut">
               <a:rPr lang="en-US" smtClean="0"/>
-              <a:t>7/6/2018</a:t>
+              <a:t>10/14/2018</a:t>
             </a:fld>
             <a:endParaRPr lang="en-US"/>
           </a:p>
@@ -2608,7 +2793,7 @@
           <a:p>
             <a:fld id="{78C97017-6FC3-485B-9764-EAC9E56C1D49}" type="datetimeFigureOut">
               <a:rPr lang="en-US" smtClean="0"/>
-              <a:t>7/6/2018</a:t>
+              <a:t>10/14/2018</a:t>
             </a:fld>
             <a:endParaRPr lang="en-US"/>
           </a:p>
@@ -2860,7 +3045,7 @@
           <a:p>
             <a:fld id="{78C97017-6FC3-485B-9764-EAC9E56C1D49}" type="datetimeFigureOut">
               <a:rPr lang="en-US" smtClean="0"/>
-              <a:t>7/6/2018</a:t>
+              <a:t>10/14/2018</a:t>
             </a:fld>
             <a:endParaRPr lang="en-US"/>
           </a:p>
@@ -3071,7 +3256,7 @@
           <a:p>
             <a:fld id="{78C97017-6FC3-485B-9764-EAC9E56C1D49}" type="datetimeFigureOut">
               <a:rPr lang="en-US" smtClean="0"/>
-              <a:t>7/6/2018</a:t>
+              <a:t>10/14/2018</a:t>
             </a:fld>
             <a:endParaRPr lang="en-US"/>
           </a:p>
@@ -3454,7 +3639,7 @@
         </p:nvSpPr>
         <p:spPr>
           <a:xfrm>
-            <a:off x="6459374" y="118895"/>
+            <a:off x="6451258" y="161719"/>
             <a:ext cx="3903825" cy="4400926"/>
           </a:xfrm>
           <a:prstGeom prst="roundRect">
@@ -4319,7 +4504,7 @@
                   </a:schemeClr>
                 </a:solidFill>
               </a:rPr>
-              <a:t>undo</a:t>
+              <a:t>undoWish</a:t>
             </a:r>
             <a:r>
               <a:rPr lang="en-US" sz="1200" dirty="0" err="1">
@@ -4327,7 +4512,7 @@
                   <a:srgbClr val="7030A0"/>
                 </a:solidFill>
               </a:rPr>
-              <a:t>AddressBook</a:t>
+              <a:t>Book</a:t>
             </a:r>
             <a:r>
               <a:rPr lang="en-US" sz="1200" dirty="0">
@@ -4522,7 +4707,7 @@
                   <a:schemeClr val="bg1"/>
                 </a:solidFill>
               </a:rPr>
-              <a:t>VersionedAddressBook</a:t>
+              <a:t>VersionedWishBook</a:t>
             </a:r>
             <a:endParaRPr lang="en-SG" sz="1600" dirty="0">
               <a:solidFill>
@@ -4540,8 +4725,8 @@
         </p:nvSpPr>
         <p:spPr>
           <a:xfrm>
-            <a:off x="8514207" y="3182840"/>
-            <a:ext cx="129933" cy="398562"/>
+            <a:off x="8465414" y="3180217"/>
+            <a:ext cx="152505" cy="270216"/>
           </a:xfrm>
           <a:prstGeom prst="rect">
             <a:avLst/>
@@ -4726,7 +4911,7 @@
         <p:spPr>
           <a:xfrm>
             <a:off x="6887527" y="2958106"/>
-            <a:ext cx="168896" cy="775693"/>
+            <a:ext cx="152505" cy="928094"/>
           </a:xfrm>
           <a:prstGeom prst="rect">
             <a:avLst/>
@@ -5057,7 +5242,7 @@
         </p:nvSpPr>
         <p:spPr>
           <a:xfrm>
-            <a:off x="8769530" y="3267337"/>
+            <a:off x="8585069" y="3179895"/>
             <a:ext cx="2120786" cy="184666"/>
           </a:xfrm>
           <a:prstGeom prst="rect">
@@ -5104,7 +5289,7 @@
                   <a:srgbClr val="7030A0"/>
                 </a:solidFill>
               </a:rPr>
-              <a:t>ReadOnlyAddressBook</a:t>
+              <a:t>ReadOnlyWishBook</a:t>
             </a:r>
             <a:r>
               <a:rPr lang="en-US" sz="1200" dirty="0">
@@ -5133,9 +5318,9 @@
           <p:nvPr/>
         </p:nvCxnSpPr>
         <p:spPr>
-          <a:xfrm>
-            <a:off x="8588043" y="2871355"/>
-            <a:ext cx="17996" cy="1467648"/>
+          <a:xfrm flipH="1">
+            <a:off x="8539687" y="2877747"/>
+            <a:ext cx="9463" cy="1377366"/>
           </a:xfrm>
           <a:prstGeom prst="line">
             <a:avLst/>
@@ -5171,7 +5356,7 @@
         </p:nvSpPr>
         <p:spPr>
           <a:xfrm>
-            <a:off x="7667691" y="2975344"/>
+            <a:off x="7742140" y="2975344"/>
             <a:ext cx="551687" cy="184666"/>
           </a:xfrm>
           <a:prstGeom prst="rect">
@@ -5228,7 +5413,7 @@
         </p:nvCxnSpPr>
         <p:spPr>
           <a:xfrm rot="16200000" flipH="1">
-            <a:off x="8527578" y="3220579"/>
+            <a:off x="8487851" y="3220579"/>
             <a:ext cx="156923" cy="76200"/>
           </a:xfrm>
           <a:prstGeom prst="curvedConnector4">
@@ -5313,7 +5498,7 @@
         </p:nvCxnSpPr>
         <p:spPr>
           <a:xfrm flipV="1">
-            <a:off x="7043991" y="3564914"/>
+            <a:off x="7043991" y="3436194"/>
             <a:ext cx="1470216" cy="6325"/>
           </a:xfrm>
           <a:prstGeom prst="straightConnector1">
@@ -5360,8 +5545,8 @@
         </p:nvCxnSpPr>
         <p:spPr>
           <a:xfrm>
-            <a:off x="5675919" y="3733799"/>
-            <a:ext cx="1296056" cy="0"/>
+            <a:off x="5701047" y="3882656"/>
+            <a:ext cx="1262733" cy="3544"/>
           </a:xfrm>
           <a:prstGeom prst="straightConnector1">
             <a:avLst/>
@@ -5390,6 +5575,454 @@
           </a:fontRef>
         </p:style>
       </p:cxnSp>
+      <p:sp>
+        <p:nvSpPr>
+          <p:cNvPr id="47" name="Rectangle 62">
+            <a:extLst>
+              <a:ext uri="{FF2B5EF4-FFF2-40B4-BE49-F238E27FC236}">
+                <a16:creationId xmlns:a16="http://schemas.microsoft.com/office/drawing/2014/main" id="{B9C27FBA-8B35-400C-814C-FAAC821AC745}"/>
+              </a:ext>
+            </a:extLst>
+          </p:cNvPr>
+          <p:cNvSpPr/>
+          <p:nvPr/>
+        </p:nvSpPr>
+        <p:spPr>
+          <a:xfrm>
+            <a:off x="7519804" y="2043573"/>
+            <a:ext cx="2499451" cy="318609"/>
+          </a:xfrm>
+          <a:prstGeom prst="rect">
+            <a:avLst/>
+          </a:prstGeom>
+          <a:solidFill>
+            <a:srgbClr val="7030A0"/>
+          </a:solidFill>
+          <a:ln w="19050">
+            <a:solidFill>
+              <a:srgbClr val="7030A0"/>
+            </a:solidFill>
+          </a:ln>
+          <a:effectLst/>
+        </p:spPr>
+        <p:style>
+          <a:lnRef idx="1">
+            <a:schemeClr val="accent2"/>
+          </a:lnRef>
+          <a:fillRef idx="2">
+            <a:schemeClr val="accent2"/>
+          </a:fillRef>
+          <a:effectRef idx="1">
+            <a:schemeClr val="accent2"/>
+          </a:effectRef>
+          <a:fontRef idx="minor">
+            <a:schemeClr val="dk1"/>
+          </a:fontRef>
+        </p:style>
+        <p:txBody>
+          <a:bodyPr rtlCol="0" anchor="ctr"/>
+          <a:lstStyle/>
+          <a:p>
+            <a:pPr algn="ctr"/>
+            <a:r>
+              <a:rPr lang="en-US" sz="1600" dirty="0">
+                <a:solidFill>
+                  <a:schemeClr val="bg1"/>
+                </a:solidFill>
+              </a:rPr>
+              <a:t>:</a:t>
+            </a:r>
+            <a:r>
+              <a:rPr lang="en-US" sz="1600" dirty="0" err="1">
+                <a:solidFill>
+                  <a:schemeClr val="bg1"/>
+                </a:solidFill>
+              </a:rPr>
+              <a:t>VersionedWishTransaction</a:t>
+            </a:r>
+            <a:endParaRPr lang="en-SG" sz="1600" dirty="0">
+              <a:solidFill>
+                <a:schemeClr val="bg1"/>
+              </a:solidFill>
+            </a:endParaRPr>
+          </a:p>
+        </p:txBody>
+      </p:sp>
+      <p:cxnSp>
+        <p:nvCxnSpPr>
+          <p:cNvPr id="48" name="Straight Connector 47">
+            <a:extLst>
+              <a:ext uri="{FF2B5EF4-FFF2-40B4-BE49-F238E27FC236}">
+                <a16:creationId xmlns:a16="http://schemas.microsoft.com/office/drawing/2014/main" id="{18F96F8E-DD6D-43F2-BEF1-9BEDA58AEE84}"/>
+              </a:ext>
+            </a:extLst>
+          </p:cNvPr>
+          <p:cNvCxnSpPr>
+            <a:cxnSpLocks/>
+            <a:stCxn id="47" idx="2"/>
+          </p:cNvCxnSpPr>
+          <p:nvPr/>
+        </p:nvCxnSpPr>
+        <p:spPr>
+          <a:xfrm>
+            <a:off x="8769530" y="2362182"/>
+            <a:ext cx="18105" cy="1881854"/>
+          </a:xfrm>
+          <a:prstGeom prst="line">
+            <a:avLst/>
+          </a:prstGeom>
+          <a:ln w="19050">
+            <a:solidFill>
+              <a:srgbClr val="7030A0"/>
+            </a:solidFill>
+            <a:prstDash val="sysDash"/>
+          </a:ln>
+          <a:effectLst/>
+        </p:spPr>
+        <p:style>
+          <a:lnRef idx="1">
+            <a:schemeClr val="accent1"/>
+          </a:lnRef>
+          <a:fillRef idx="2">
+            <a:schemeClr val="accent1"/>
+          </a:fillRef>
+          <a:effectRef idx="1">
+            <a:schemeClr val="accent1"/>
+          </a:effectRef>
+          <a:fontRef idx="minor">
+            <a:schemeClr val="dk1"/>
+          </a:fontRef>
+        </p:style>
+      </p:cxnSp>
+      <p:cxnSp>
+        <p:nvCxnSpPr>
+          <p:cNvPr id="53" name="Straight Arrow Connector 52">
+            <a:extLst>
+              <a:ext uri="{FF2B5EF4-FFF2-40B4-BE49-F238E27FC236}">
+                <a16:creationId xmlns:a16="http://schemas.microsoft.com/office/drawing/2014/main" id="{0A0FD8B3-0BF9-4DD7-BB66-4F1F5075ECFA}"/>
+              </a:ext>
+            </a:extLst>
+          </p:cNvPr>
+          <p:cNvCxnSpPr>
+            <a:cxnSpLocks/>
+          </p:cNvCxnSpPr>
+          <p:nvPr/>
+        </p:nvCxnSpPr>
+        <p:spPr>
+          <a:xfrm>
+            <a:off x="7040032" y="3572426"/>
+            <a:ext cx="1747603" cy="0"/>
+          </a:xfrm>
+          <a:prstGeom prst="straightConnector1">
+            <a:avLst/>
+          </a:prstGeom>
+          <a:ln w="19050">
+            <a:solidFill>
+              <a:srgbClr val="7030A0"/>
+            </a:solidFill>
+            <a:tailEnd type="arrow"/>
+          </a:ln>
+        </p:spPr>
+        <p:style>
+          <a:lnRef idx="1">
+            <a:schemeClr val="accent1"/>
+          </a:lnRef>
+          <a:fillRef idx="0">
+            <a:schemeClr val="accent1"/>
+          </a:fillRef>
+          <a:effectRef idx="0">
+            <a:schemeClr val="accent1"/>
+          </a:effectRef>
+          <a:fontRef idx="minor">
+            <a:schemeClr val="tx1"/>
+          </a:fontRef>
+        </p:style>
+      </p:cxnSp>
+      <p:cxnSp>
+        <p:nvCxnSpPr>
+          <p:cNvPr id="55" name="Straight Arrow Connector 54">
+            <a:extLst>
+              <a:ext uri="{FF2B5EF4-FFF2-40B4-BE49-F238E27FC236}">
+                <a16:creationId xmlns:a16="http://schemas.microsoft.com/office/drawing/2014/main" id="{3C7AEEEC-1A69-47D1-BF4C-C8C87CA6C633}"/>
+              </a:ext>
+            </a:extLst>
+          </p:cNvPr>
+          <p:cNvCxnSpPr>
+            <a:cxnSpLocks/>
+          </p:cNvCxnSpPr>
+          <p:nvPr/>
+        </p:nvCxnSpPr>
+        <p:spPr>
+          <a:xfrm flipV="1">
+            <a:off x="7028984" y="3733800"/>
+            <a:ext cx="1758651" cy="1"/>
+          </a:xfrm>
+          <a:prstGeom prst="straightConnector1">
+            <a:avLst/>
+          </a:prstGeom>
+          <a:ln w="19050">
+            <a:solidFill>
+              <a:srgbClr val="7030A0"/>
+            </a:solidFill>
+            <a:prstDash val="sysDash"/>
+            <a:headEnd type="arrow" w="med" len="med"/>
+            <a:tailEnd type="none" w="med" len="med"/>
+          </a:ln>
+        </p:spPr>
+        <p:style>
+          <a:lnRef idx="1">
+            <a:schemeClr val="accent1"/>
+          </a:lnRef>
+          <a:fillRef idx="0">
+            <a:schemeClr val="accent1"/>
+          </a:fillRef>
+          <a:effectRef idx="0">
+            <a:schemeClr val="accent1"/>
+          </a:effectRef>
+          <a:fontRef idx="minor">
+            <a:schemeClr val="tx1"/>
+          </a:fontRef>
+        </p:style>
+      </p:cxnSp>
+      <p:sp>
+        <p:nvSpPr>
+          <p:cNvPr id="57" name="Rectangle 56">
+            <a:extLst>
+              <a:ext uri="{FF2B5EF4-FFF2-40B4-BE49-F238E27FC236}">
+                <a16:creationId xmlns:a16="http://schemas.microsoft.com/office/drawing/2014/main" id="{42AFB9F6-4A5D-43F8-9DF9-040D03E2D799}"/>
+              </a:ext>
+            </a:extLst>
+          </p:cNvPr>
+          <p:cNvSpPr/>
+          <p:nvPr/>
+        </p:nvSpPr>
+        <p:spPr>
+          <a:xfrm>
+            <a:off x="8787635" y="3538973"/>
+            <a:ext cx="114786" cy="231638"/>
+          </a:xfrm>
+          <a:prstGeom prst="rect">
+            <a:avLst/>
+          </a:prstGeom>
+          <a:solidFill>
+            <a:srgbClr val="7030A0"/>
+          </a:solidFill>
+          <a:ln>
+            <a:solidFill>
+              <a:srgbClr val="7030A0"/>
+            </a:solidFill>
+          </a:ln>
+          <a:effectLst/>
+        </p:spPr>
+        <p:style>
+          <a:lnRef idx="1">
+            <a:schemeClr val="accent3"/>
+          </a:lnRef>
+          <a:fillRef idx="2">
+            <a:schemeClr val="accent3"/>
+          </a:fillRef>
+          <a:effectRef idx="1">
+            <a:schemeClr val="accent3"/>
+          </a:effectRef>
+          <a:fontRef idx="minor">
+            <a:schemeClr val="dk1"/>
+          </a:fontRef>
+        </p:style>
+        <p:txBody>
+          <a:bodyPr rtlCol="0" anchor="ctr"/>
+          <a:lstStyle/>
+          <a:p>
+            <a:pPr algn="ctr"/>
+            <a:endParaRPr lang="en-SG" sz="1400"/>
+          </a:p>
+        </p:txBody>
+      </p:sp>
+      <p:cxnSp>
+        <p:nvCxnSpPr>
+          <p:cNvPr id="58" name="Curved Connector 12">
+            <a:extLst>
+              <a:ext uri="{FF2B5EF4-FFF2-40B4-BE49-F238E27FC236}">
+                <a16:creationId xmlns:a16="http://schemas.microsoft.com/office/drawing/2014/main" id="{B7962450-0C51-48ED-B43F-667E6F285E35}"/>
+              </a:ext>
+            </a:extLst>
+          </p:cNvPr>
+          <p:cNvCxnSpPr>
+            <a:cxnSpLocks/>
+            <a:endCxn id="57" idx="3"/>
+          </p:cNvCxnSpPr>
+          <p:nvPr/>
+        </p:nvCxnSpPr>
+        <p:spPr>
+          <a:xfrm rot="16200000" flipH="1">
+            <a:off x="8799657" y="3552028"/>
+            <a:ext cx="115822" cy="89706"/>
+          </a:xfrm>
+          <a:prstGeom prst="curvedConnector4">
+            <a:avLst>
+              <a:gd name="adj1" fmla="val 1"/>
+              <a:gd name="adj2" fmla="val 354832"/>
+            </a:avLst>
+          </a:prstGeom>
+          <a:ln>
+            <a:solidFill>
+              <a:srgbClr val="7030A0"/>
+            </a:solidFill>
+            <a:tailEnd type="triangle"/>
+          </a:ln>
+        </p:spPr>
+        <p:style>
+          <a:lnRef idx="1">
+            <a:schemeClr val="accent1"/>
+          </a:lnRef>
+          <a:fillRef idx="0">
+            <a:schemeClr val="accent1"/>
+          </a:fillRef>
+          <a:effectRef idx="0">
+            <a:schemeClr val="accent1"/>
+          </a:effectRef>
+          <a:fontRef idx="minor">
+            <a:schemeClr val="tx1"/>
+          </a:fontRef>
+        </p:style>
+      </p:cxnSp>
+      <p:sp>
+        <p:nvSpPr>
+          <p:cNvPr id="70" name="TextBox 69">
+            <a:extLst>
+              <a:ext uri="{FF2B5EF4-FFF2-40B4-BE49-F238E27FC236}">
+                <a16:creationId xmlns:a16="http://schemas.microsoft.com/office/drawing/2014/main" id="{9DE35DCF-F76B-45E0-8A3F-91478B8BCF35}"/>
+              </a:ext>
+            </a:extLst>
+          </p:cNvPr>
+          <p:cNvSpPr txBox="1"/>
+          <p:nvPr/>
+        </p:nvSpPr>
+        <p:spPr>
+          <a:xfrm>
+            <a:off x="7894540" y="3429000"/>
+            <a:ext cx="551687" cy="184666"/>
+          </a:xfrm>
+          <a:prstGeom prst="rect">
+            <a:avLst/>
+          </a:prstGeom>
+          <a:noFill/>
+          <a:ln>
+            <a:noFill/>
+          </a:ln>
+        </p:spPr>
+        <p:txBody>
+          <a:bodyPr wrap="square" lIns="0" tIns="0" rIns="0" bIns="0" rtlCol="0">
+            <a:spAutoFit/>
+          </a:bodyPr>
+          <a:lstStyle>
+            <a:defPPr>
+              <a:defRPr lang="en-US"/>
+            </a:defPPr>
+            <a:lvl1pPr algn="r">
+              <a:defRPr sz="1400">
+                <a:solidFill>
+                  <a:srgbClr val="0070C0"/>
+                </a:solidFill>
+              </a:defRPr>
+            </a:lvl1pPr>
+          </a:lstStyle>
+          <a:p>
+            <a:r>
+              <a:rPr lang="en-US" sz="1200" dirty="0">
+                <a:solidFill>
+                  <a:srgbClr val="7030A0"/>
+                </a:solidFill>
+              </a:rPr>
+              <a:t>undo</a:t>
+            </a:r>
+            <a:r>
+              <a:rPr lang="en-US" sz="1200" dirty="0">
+                <a:solidFill>
+                  <a:schemeClr val="accent4">
+                    <a:lumMod val="75000"/>
+                  </a:schemeClr>
+                </a:solidFill>
+              </a:rPr>
+              <a:t>()</a:t>
+            </a:r>
+          </a:p>
+        </p:txBody>
+      </p:sp>
+      <p:sp>
+        <p:nvSpPr>
+          <p:cNvPr id="71" name="TextBox 70">
+            <a:extLst>
+              <a:ext uri="{FF2B5EF4-FFF2-40B4-BE49-F238E27FC236}">
+                <a16:creationId xmlns:a16="http://schemas.microsoft.com/office/drawing/2014/main" id="{6F6A4A78-460E-463D-B35D-5601ACAB7A66}"/>
+              </a:ext>
+            </a:extLst>
+          </p:cNvPr>
+          <p:cNvSpPr txBox="1"/>
+          <p:nvPr/>
+        </p:nvSpPr>
+        <p:spPr>
+          <a:xfrm>
+            <a:off x="9138805" y="3538970"/>
+            <a:ext cx="1751511" cy="184666"/>
+          </a:xfrm>
+          <a:prstGeom prst="rect">
+            <a:avLst/>
+          </a:prstGeom>
+          <a:noFill/>
+        </p:spPr>
+        <p:txBody>
+          <a:bodyPr wrap="square" lIns="0" tIns="0" rIns="0" bIns="0" rtlCol="0">
+            <a:spAutoFit/>
+          </a:bodyPr>
+          <a:lstStyle>
+            <a:defPPr>
+              <a:defRPr lang="en-US"/>
+            </a:defPPr>
+            <a:lvl1pPr algn="r">
+              <a:defRPr sz="1400">
+                <a:solidFill>
+                  <a:srgbClr val="0070C0"/>
+                </a:solidFill>
+              </a:defRPr>
+            </a:lvl1pPr>
+          </a:lstStyle>
+          <a:p>
+            <a:r>
+              <a:rPr lang="en-US" sz="1200" dirty="0" err="1">
+                <a:solidFill>
+                  <a:srgbClr val="7030A0"/>
+                </a:solidFill>
+              </a:rPr>
+              <a:t>resetData</a:t>
+            </a:r>
+            <a:r>
+              <a:rPr lang="en-US" sz="1200" dirty="0">
+                <a:solidFill>
+                  <a:srgbClr val="7030A0"/>
+                </a:solidFill>
+              </a:rPr>
+              <a:t>(</a:t>
+            </a:r>
+            <a:r>
+              <a:rPr lang="en-US" sz="1200" dirty="0" err="1">
+                <a:solidFill>
+                  <a:srgbClr val="7030A0"/>
+                </a:solidFill>
+              </a:rPr>
+              <a:t>WishTransaction</a:t>
+            </a:r>
+            <a:r>
+              <a:rPr lang="en-US" sz="1200" dirty="0">
+                <a:solidFill>
+                  <a:srgbClr val="7030A0"/>
+                </a:solidFill>
+              </a:rPr>
+              <a:t>)</a:t>
+            </a:r>
+            <a:endParaRPr lang="en-US" sz="1200" dirty="0"/>
+          </a:p>
+        </p:txBody>
+      </p:sp>
     </p:spTree>
     <p:extLst>
       <p:ext uri="{BB962C8B-B14F-4D97-AF65-F5344CB8AC3E}">

--- a/docs/diagrams/UndoRedoSequenceDiagram.pptx
+++ b/docs/diagrams/UndoRedoSequenceDiagram.pptx
@@ -126,8 +126,57 @@
 </p:presentation>
 </file>
 
-<file path=ppt/revisionInfo.xml><?xml version="1.0" encoding="utf-8"?>
-<p1510:revInfo xmlns:a="http://schemas.openxmlformats.org/drawingml/2006/main" xmlns:r="http://schemas.openxmlformats.org/officeDocument/2006/relationships" xmlns:p1510="http://schemas.microsoft.com/office/powerpoint/2015/10/main"/>
+<file path=ppt/changesInfos/changesInfo1.xml><?xml version="1.0" encoding="utf-8"?>
+<pc:chgInfo xmlns:a="http://schemas.openxmlformats.org/drawingml/2006/main" xmlns:r="http://schemas.openxmlformats.org/officeDocument/2006/relationships" xmlns:ac="http://schemas.microsoft.com/office/drawing/2013/main/command" xmlns:pc="http://schemas.microsoft.com/office/powerpoint/2013/main/command">
+  <pc:docChgLst>
+    <pc:chgData name="Lionel Tan Junzer" userId="04b849c6f1991e6b" providerId="LiveId" clId="{E00091FF-EE8F-42D4-8FF9-BCFD8575F2AB}"/>
+    <pc:docChg chg="modSld">
+      <pc:chgData name="Lionel Tan Junzer" userId="04b849c6f1991e6b" providerId="LiveId" clId="{E00091FF-EE8F-42D4-8FF9-BCFD8575F2AB}" dt="2018-10-15T06:42:03.376" v="43" actId="20577"/>
+      <pc:docMkLst>
+        <pc:docMk/>
+      </pc:docMkLst>
+      <pc:sldChg chg="modSp">
+        <pc:chgData name="Lionel Tan Junzer" userId="04b849c6f1991e6b" providerId="LiveId" clId="{E00091FF-EE8F-42D4-8FF9-BCFD8575F2AB}" dt="2018-10-15T06:42:03.376" v="43" actId="20577"/>
+        <pc:sldMkLst>
+          <pc:docMk/>
+          <pc:sldMk cId="3945898909" sldId="267"/>
+        </pc:sldMkLst>
+        <pc:spChg chg="mod">
+          <ac:chgData name="Lionel Tan Junzer" userId="04b849c6f1991e6b" providerId="LiveId" clId="{E00091FF-EE8F-42D4-8FF9-BCFD8575F2AB}" dt="2018-10-15T06:41:47.154" v="10" actId="20577"/>
+          <ac:spMkLst>
+            <pc:docMk/>
+            <pc:sldMk cId="3945898909" sldId="267"/>
+            <ac:spMk id="16" creationId="{00000000-0000-0000-0000-000000000000}"/>
+          </ac:spMkLst>
+        </pc:spChg>
+        <pc:spChg chg="mod">
+          <ac:chgData name="Lionel Tan Junzer" userId="04b849c6f1991e6b" providerId="LiveId" clId="{E00091FF-EE8F-42D4-8FF9-BCFD8575F2AB}" dt="2018-10-15T06:41:55.743" v="21" actId="20577"/>
+          <ac:spMkLst>
+            <pc:docMk/>
+            <pc:sldMk cId="3945898909" sldId="267"/>
+            <ac:spMk id="79" creationId="{00000000-0000-0000-0000-000000000000}"/>
+          </ac:spMkLst>
+        </pc:spChg>
+        <pc:spChg chg="mod">
+          <ac:chgData name="Lionel Tan Junzer" userId="04b849c6f1991e6b" providerId="LiveId" clId="{E00091FF-EE8F-42D4-8FF9-BCFD8575F2AB}" dt="2018-10-15T06:41:59.751" v="32" actId="20577"/>
+          <ac:spMkLst>
+            <pc:docMk/>
+            <pc:sldMk cId="3945898909" sldId="267"/>
+            <ac:spMk id="84" creationId="{00000000-0000-0000-0000-000000000000}"/>
+          </ac:spMkLst>
+        </pc:spChg>
+        <pc:spChg chg="mod">
+          <ac:chgData name="Lionel Tan Junzer" userId="04b849c6f1991e6b" providerId="LiveId" clId="{E00091FF-EE8F-42D4-8FF9-BCFD8575F2AB}" dt="2018-10-15T06:42:03.376" v="43" actId="20577"/>
+          <ac:spMkLst>
+            <pc:docMk/>
+            <pc:sldMk cId="3945898909" sldId="267"/>
+            <ac:spMk id="88" creationId="{B85C6184-7378-4E89-A338-72B1E5056F4F}"/>
+          </ac:spMkLst>
+        </pc:spChg>
+      </pc:sldChg>
+    </pc:docChg>
+  </pc:docChgLst>
+</pc:chgInfo>
 </file>
 
 <file path=ppt/notesMasters/notesMaster1.xml><?xml version="1.0" encoding="utf-8"?>
@@ -212,7 +261,7 @@
           <a:p>
             <a:fld id="{F5CC4B3F-88C1-4FFA-B1B6-F41C21DC6924}" type="datetimeFigureOut">
               <a:rPr lang="en-US" smtClean="0"/>
-              <a:t>7/6/2018</a:t>
+              <a:t>10/15/2018</a:t>
             </a:fld>
             <a:endParaRPr lang="en-US"/>
           </a:p>
@@ -658,7 +707,7 @@
           <a:p>
             <a:fld id="{78C97017-6FC3-485B-9764-EAC9E56C1D49}" type="datetimeFigureOut">
               <a:rPr lang="en-US" smtClean="0"/>
-              <a:t>7/6/2018</a:t>
+              <a:t>10/15/2018</a:t>
             </a:fld>
             <a:endParaRPr lang="en-US"/>
           </a:p>
@@ -826,7 +875,7 @@
           <a:p>
             <a:fld id="{78C97017-6FC3-485B-9764-EAC9E56C1D49}" type="datetimeFigureOut">
               <a:rPr lang="en-US" smtClean="0"/>
-              <a:t>7/6/2018</a:t>
+              <a:t>10/15/2018</a:t>
             </a:fld>
             <a:endParaRPr lang="en-US"/>
           </a:p>
@@ -1004,7 +1053,7 @@
           <a:p>
             <a:fld id="{78C97017-6FC3-485B-9764-EAC9E56C1D49}" type="datetimeFigureOut">
               <a:rPr lang="en-US" smtClean="0"/>
-              <a:t>7/6/2018</a:t>
+              <a:t>10/15/2018</a:t>
             </a:fld>
             <a:endParaRPr lang="en-US"/>
           </a:p>
@@ -1172,7 +1221,7 @@
           <a:p>
             <a:fld id="{78C97017-6FC3-485B-9764-EAC9E56C1D49}" type="datetimeFigureOut">
               <a:rPr lang="en-US" smtClean="0"/>
-              <a:t>7/6/2018</a:t>
+              <a:t>10/15/2018</a:t>
             </a:fld>
             <a:endParaRPr lang="en-US"/>
           </a:p>
@@ -1417,7 +1466,7 @@
           <a:p>
             <a:fld id="{78C97017-6FC3-485B-9764-EAC9E56C1D49}" type="datetimeFigureOut">
               <a:rPr lang="en-US" smtClean="0"/>
-              <a:t>7/6/2018</a:t>
+              <a:t>10/15/2018</a:t>
             </a:fld>
             <a:endParaRPr lang="en-US"/>
           </a:p>
@@ -1702,7 +1751,7 @@
           <a:p>
             <a:fld id="{78C97017-6FC3-485B-9764-EAC9E56C1D49}" type="datetimeFigureOut">
               <a:rPr lang="en-US" smtClean="0"/>
-              <a:t>7/6/2018</a:t>
+              <a:t>10/15/2018</a:t>
             </a:fld>
             <a:endParaRPr lang="en-US"/>
           </a:p>
@@ -2121,7 +2170,7 @@
           <a:p>
             <a:fld id="{78C97017-6FC3-485B-9764-EAC9E56C1D49}" type="datetimeFigureOut">
               <a:rPr lang="en-US" smtClean="0"/>
-              <a:t>7/6/2018</a:t>
+              <a:t>10/15/2018</a:t>
             </a:fld>
             <a:endParaRPr lang="en-US"/>
           </a:p>
@@ -2238,7 +2287,7 @@
           <a:p>
             <a:fld id="{78C97017-6FC3-485B-9764-EAC9E56C1D49}" type="datetimeFigureOut">
               <a:rPr lang="en-US" smtClean="0"/>
-              <a:t>7/6/2018</a:t>
+              <a:t>10/15/2018</a:t>
             </a:fld>
             <a:endParaRPr lang="en-US"/>
           </a:p>
@@ -2333,7 +2382,7 @@
           <a:p>
             <a:fld id="{78C97017-6FC3-485B-9764-EAC9E56C1D49}" type="datetimeFigureOut">
               <a:rPr lang="en-US" smtClean="0"/>
-              <a:t>7/6/2018</a:t>
+              <a:t>10/15/2018</a:t>
             </a:fld>
             <a:endParaRPr lang="en-US"/>
           </a:p>
@@ -2608,7 +2657,7 @@
           <a:p>
             <a:fld id="{78C97017-6FC3-485B-9764-EAC9E56C1D49}" type="datetimeFigureOut">
               <a:rPr lang="en-US" smtClean="0"/>
-              <a:t>7/6/2018</a:t>
+              <a:t>10/15/2018</a:t>
             </a:fld>
             <a:endParaRPr lang="en-US"/>
           </a:p>
@@ -2860,7 +2909,7 @@
           <a:p>
             <a:fld id="{78C97017-6FC3-485B-9764-EAC9E56C1D49}" type="datetimeFigureOut">
               <a:rPr lang="en-US" smtClean="0"/>
-              <a:t>7/6/2018</a:t>
+              <a:t>10/15/2018</a:t>
             </a:fld>
             <a:endParaRPr lang="en-US"/>
           </a:p>
@@ -3071,7 +3120,7 @@
           <a:p>
             <a:fld id="{78C97017-6FC3-485B-9764-EAC9E56C1D49}" type="datetimeFigureOut">
               <a:rPr lang="en-US" smtClean="0"/>
-              <a:t>7/6/2018</a:t>
+              <a:t>10/15/2018</a:t>
             </a:fld>
             <a:endParaRPr lang="en-US"/>
           </a:p>
@@ -3770,7 +3819,7 @@
                   <a:schemeClr val="bg1"/>
                 </a:solidFill>
               </a:rPr>
-              <a:t>:Address</a:t>
+              <a:t>:Wish</a:t>
             </a:r>
           </a:p>
           <a:p>
@@ -4327,7 +4376,7 @@
                   <a:srgbClr val="7030A0"/>
                 </a:solidFill>
               </a:rPr>
-              <a:t>AddressBook</a:t>
+              <a:t>WishBook</a:t>
             </a:r>
             <a:r>
               <a:rPr lang="en-US" sz="1200" dirty="0">
@@ -4522,7 +4571,7 @@
                   <a:schemeClr val="bg1"/>
                 </a:solidFill>
               </a:rPr>
-              <a:t>VersionedAddressBook</a:t>
+              <a:t>VersionedWishBook</a:t>
             </a:r>
             <a:endParaRPr lang="en-SG" sz="1600" dirty="0">
               <a:solidFill>
@@ -5104,7 +5153,7 @@
                   <a:srgbClr val="7030A0"/>
                 </a:solidFill>
               </a:rPr>
-              <a:t>ReadOnlyAddressBook</a:t>
+              <a:t>ReadOnlyWishBook</a:t>
             </a:r>
             <a:r>
               <a:rPr lang="en-US" sz="1200" dirty="0">

--- a/docs/diagrams/UndoRedoSequenceDiagram.pptx
+++ b/docs/diagrams/UndoRedoSequenceDiagram.pptx
@@ -126,10 +126,6 @@
 </p:presentation>
 </file>
 
-<file path=ppt/revisionInfo.xml><?xml version="1.0" encoding="utf-8"?>
-<p1510:revInfo xmlns:a="http://schemas.openxmlformats.org/drawingml/2006/main" xmlns:r="http://schemas.openxmlformats.org/officeDocument/2006/relationships" xmlns:p1510="http://schemas.microsoft.com/office/powerpoint/2015/10/main"/>
-</file>
-
 <file path=ppt/notesMasters/notesMaster1.xml><?xml version="1.0" encoding="utf-8"?>
 <p:notesMaster xmlns:a="http://schemas.openxmlformats.org/drawingml/2006/main" xmlns:r="http://schemas.openxmlformats.org/officeDocument/2006/relationships" xmlns:p="http://schemas.openxmlformats.org/presentationml/2006/main">
   <p:cSld>
@@ -212,7 +208,7 @@
           <a:p>
             <a:fld id="{F5CC4B3F-88C1-4FFA-B1B6-F41C21DC6924}" type="datetimeFigureOut">
               <a:rPr lang="en-US" smtClean="0"/>
-              <a:t>7/6/2018</a:t>
+              <a:t>10/16/2018</a:t>
             </a:fld>
             <a:endParaRPr lang="en-US"/>
           </a:p>
@@ -658,7 +654,7 @@
           <a:p>
             <a:fld id="{78C97017-6FC3-485B-9764-EAC9E56C1D49}" type="datetimeFigureOut">
               <a:rPr lang="en-US" smtClean="0"/>
-              <a:t>7/6/2018</a:t>
+              <a:t>10/16/2018</a:t>
             </a:fld>
             <a:endParaRPr lang="en-US"/>
           </a:p>
@@ -826,7 +822,7 @@
           <a:p>
             <a:fld id="{78C97017-6FC3-485B-9764-EAC9E56C1D49}" type="datetimeFigureOut">
               <a:rPr lang="en-US" smtClean="0"/>
-              <a:t>7/6/2018</a:t>
+              <a:t>10/16/2018</a:t>
             </a:fld>
             <a:endParaRPr lang="en-US"/>
           </a:p>
@@ -1004,7 +1000,7 @@
           <a:p>
             <a:fld id="{78C97017-6FC3-485B-9764-EAC9E56C1D49}" type="datetimeFigureOut">
               <a:rPr lang="en-US" smtClean="0"/>
-              <a:t>7/6/2018</a:t>
+              <a:t>10/16/2018</a:t>
             </a:fld>
             <a:endParaRPr lang="en-US"/>
           </a:p>
@@ -1172,7 +1168,7 @@
           <a:p>
             <a:fld id="{78C97017-6FC3-485B-9764-EAC9E56C1D49}" type="datetimeFigureOut">
               <a:rPr lang="en-US" smtClean="0"/>
-              <a:t>7/6/2018</a:t>
+              <a:t>10/16/2018</a:t>
             </a:fld>
             <a:endParaRPr lang="en-US"/>
           </a:p>
@@ -1417,7 +1413,7 @@
           <a:p>
             <a:fld id="{78C97017-6FC3-485B-9764-EAC9E56C1D49}" type="datetimeFigureOut">
               <a:rPr lang="en-US" smtClean="0"/>
-              <a:t>7/6/2018</a:t>
+              <a:t>10/16/2018</a:t>
             </a:fld>
             <a:endParaRPr lang="en-US"/>
           </a:p>
@@ -1702,7 +1698,7 @@
           <a:p>
             <a:fld id="{78C97017-6FC3-485B-9764-EAC9E56C1D49}" type="datetimeFigureOut">
               <a:rPr lang="en-US" smtClean="0"/>
-              <a:t>7/6/2018</a:t>
+              <a:t>10/16/2018</a:t>
             </a:fld>
             <a:endParaRPr lang="en-US"/>
           </a:p>
@@ -2121,7 +2117,7 @@
           <a:p>
             <a:fld id="{78C97017-6FC3-485B-9764-EAC9E56C1D49}" type="datetimeFigureOut">
               <a:rPr lang="en-US" smtClean="0"/>
-              <a:t>7/6/2018</a:t>
+              <a:t>10/16/2018</a:t>
             </a:fld>
             <a:endParaRPr lang="en-US"/>
           </a:p>
@@ -2238,7 +2234,7 @@
           <a:p>
             <a:fld id="{78C97017-6FC3-485B-9764-EAC9E56C1D49}" type="datetimeFigureOut">
               <a:rPr lang="en-US" smtClean="0"/>
-              <a:t>7/6/2018</a:t>
+              <a:t>10/16/2018</a:t>
             </a:fld>
             <a:endParaRPr lang="en-US"/>
           </a:p>
@@ -2333,7 +2329,7 @@
           <a:p>
             <a:fld id="{78C97017-6FC3-485B-9764-EAC9E56C1D49}" type="datetimeFigureOut">
               <a:rPr lang="en-US" smtClean="0"/>
-              <a:t>7/6/2018</a:t>
+              <a:t>10/16/2018</a:t>
             </a:fld>
             <a:endParaRPr lang="en-US"/>
           </a:p>
@@ -2608,7 +2604,7 @@
           <a:p>
             <a:fld id="{78C97017-6FC3-485B-9764-EAC9E56C1D49}" type="datetimeFigureOut">
               <a:rPr lang="en-US" smtClean="0"/>
-              <a:t>7/6/2018</a:t>
+              <a:t>10/16/2018</a:t>
             </a:fld>
             <a:endParaRPr lang="en-US"/>
           </a:p>
@@ -2860,7 +2856,7 @@
           <a:p>
             <a:fld id="{78C97017-6FC3-485B-9764-EAC9E56C1D49}" type="datetimeFigureOut">
               <a:rPr lang="en-US" smtClean="0"/>
-              <a:t>7/6/2018</a:t>
+              <a:t>10/16/2018</a:t>
             </a:fld>
             <a:endParaRPr lang="en-US"/>
           </a:p>
@@ -3071,7 +3067,7 @@
           <a:p>
             <a:fld id="{78C97017-6FC3-485B-9764-EAC9E56C1D49}" type="datetimeFigureOut">
               <a:rPr lang="en-US" smtClean="0"/>
-              <a:t>7/6/2018</a:t>
+              <a:t>10/16/2018</a:t>
             </a:fld>
             <a:endParaRPr lang="en-US"/>
           </a:p>

--- a/docs/diagrams/UndoRedoSequenceDiagram.pptx
+++ b/docs/diagrams/UndoRedoSequenceDiagram.pptx
@@ -126,10 +126,6 @@
 </p:presentation>
 </file>
 
-<file path=ppt/revisionInfo.xml><?xml version="1.0" encoding="utf-8"?>
-<p1510:revInfo xmlns:a="http://schemas.openxmlformats.org/drawingml/2006/main" xmlns:r="http://schemas.openxmlformats.org/officeDocument/2006/relationships" xmlns:p1510="http://schemas.microsoft.com/office/powerpoint/2015/10/main"/>
-</file>
-
 <file path=ppt/notesMasters/notesMaster1.xml><?xml version="1.0" encoding="utf-8"?>
 <p:notesMaster xmlns:a="http://schemas.openxmlformats.org/drawingml/2006/main" xmlns:r="http://schemas.openxmlformats.org/officeDocument/2006/relationships" xmlns:p="http://schemas.openxmlformats.org/presentationml/2006/main">
   <p:cSld>
@@ -212,7 +208,7 @@
           <a:p>
             <a:fld id="{F5CC4B3F-88C1-4FFA-B1B6-F41C21DC6924}" type="datetimeFigureOut">
               <a:rPr lang="en-US" smtClean="0"/>
-              <a:t>7/6/2018</a:t>
+              <a:t>10/16/2018</a:t>
             </a:fld>
             <a:endParaRPr lang="en-US"/>
           </a:p>
@@ -658,7 +654,7 @@
           <a:p>
             <a:fld id="{78C97017-6FC3-485B-9764-EAC9E56C1D49}" type="datetimeFigureOut">
               <a:rPr lang="en-US" smtClean="0"/>
-              <a:t>7/6/2018</a:t>
+              <a:t>10/16/2018</a:t>
             </a:fld>
             <a:endParaRPr lang="en-US"/>
           </a:p>
@@ -826,7 +822,7 @@
           <a:p>
             <a:fld id="{78C97017-6FC3-485B-9764-EAC9E56C1D49}" type="datetimeFigureOut">
               <a:rPr lang="en-US" smtClean="0"/>
-              <a:t>7/6/2018</a:t>
+              <a:t>10/16/2018</a:t>
             </a:fld>
             <a:endParaRPr lang="en-US"/>
           </a:p>
@@ -1004,7 +1000,7 @@
           <a:p>
             <a:fld id="{78C97017-6FC3-485B-9764-EAC9E56C1D49}" type="datetimeFigureOut">
               <a:rPr lang="en-US" smtClean="0"/>
-              <a:t>7/6/2018</a:t>
+              <a:t>10/16/2018</a:t>
             </a:fld>
             <a:endParaRPr lang="en-US"/>
           </a:p>
@@ -1172,7 +1168,7 @@
           <a:p>
             <a:fld id="{78C97017-6FC3-485B-9764-EAC9E56C1D49}" type="datetimeFigureOut">
               <a:rPr lang="en-US" smtClean="0"/>
-              <a:t>7/6/2018</a:t>
+              <a:t>10/16/2018</a:t>
             </a:fld>
             <a:endParaRPr lang="en-US"/>
           </a:p>
@@ -1417,7 +1413,7 @@
           <a:p>
             <a:fld id="{78C97017-6FC3-485B-9764-EAC9E56C1D49}" type="datetimeFigureOut">
               <a:rPr lang="en-US" smtClean="0"/>
-              <a:t>7/6/2018</a:t>
+              <a:t>10/16/2018</a:t>
             </a:fld>
             <a:endParaRPr lang="en-US"/>
           </a:p>
@@ -1702,7 +1698,7 @@
           <a:p>
             <a:fld id="{78C97017-6FC3-485B-9764-EAC9E56C1D49}" type="datetimeFigureOut">
               <a:rPr lang="en-US" smtClean="0"/>
-              <a:t>7/6/2018</a:t>
+              <a:t>10/16/2018</a:t>
             </a:fld>
             <a:endParaRPr lang="en-US"/>
           </a:p>
@@ -2121,7 +2117,7 @@
           <a:p>
             <a:fld id="{78C97017-6FC3-485B-9764-EAC9E56C1D49}" type="datetimeFigureOut">
               <a:rPr lang="en-US" smtClean="0"/>
-              <a:t>7/6/2018</a:t>
+              <a:t>10/16/2018</a:t>
             </a:fld>
             <a:endParaRPr lang="en-US"/>
           </a:p>
@@ -2238,7 +2234,7 @@
           <a:p>
             <a:fld id="{78C97017-6FC3-485B-9764-EAC9E56C1D49}" type="datetimeFigureOut">
               <a:rPr lang="en-US" smtClean="0"/>
-              <a:t>7/6/2018</a:t>
+              <a:t>10/16/2018</a:t>
             </a:fld>
             <a:endParaRPr lang="en-US"/>
           </a:p>
@@ -2333,7 +2329,7 @@
           <a:p>
             <a:fld id="{78C97017-6FC3-485B-9764-EAC9E56C1D49}" type="datetimeFigureOut">
               <a:rPr lang="en-US" smtClean="0"/>
-              <a:t>7/6/2018</a:t>
+              <a:t>10/16/2018</a:t>
             </a:fld>
             <a:endParaRPr lang="en-US"/>
           </a:p>
@@ -2608,7 +2604,7 @@
           <a:p>
             <a:fld id="{78C97017-6FC3-485B-9764-EAC9E56C1D49}" type="datetimeFigureOut">
               <a:rPr lang="en-US" smtClean="0"/>
-              <a:t>7/6/2018</a:t>
+              <a:t>10/16/2018</a:t>
             </a:fld>
             <a:endParaRPr lang="en-US"/>
           </a:p>
@@ -2860,7 +2856,7 @@
           <a:p>
             <a:fld id="{78C97017-6FC3-485B-9764-EAC9E56C1D49}" type="datetimeFigureOut">
               <a:rPr lang="en-US" smtClean="0"/>
-              <a:t>7/6/2018</a:t>
+              <a:t>10/16/2018</a:t>
             </a:fld>
             <a:endParaRPr lang="en-US"/>
           </a:p>
@@ -3071,7 +3067,7 @@
           <a:p>
             <a:fld id="{78C97017-6FC3-485B-9764-EAC9E56C1D49}" type="datetimeFigureOut">
               <a:rPr lang="en-US" smtClean="0"/>
-              <a:t>7/6/2018</a:t>
+              <a:t>10/16/2018</a:t>
             </a:fld>
             <a:endParaRPr lang="en-US"/>
           </a:p>
@@ -3454,8 +3450,8 @@
         </p:nvSpPr>
         <p:spPr>
           <a:xfrm>
-            <a:off x="6459374" y="118895"/>
-            <a:ext cx="3903825" cy="4400926"/>
+            <a:off x="6459374" y="118894"/>
+            <a:ext cx="3984805" cy="8315799"/>
           </a:xfrm>
           <a:prstGeom prst="roundRect">
             <a:avLst>
@@ -3515,8 +3511,8 @@
         </p:nvSpPr>
         <p:spPr>
           <a:xfrm>
-            <a:off x="467813" y="163018"/>
-            <a:ext cx="5863964" cy="4343400"/>
+            <a:off x="-152399" y="120683"/>
+            <a:ext cx="6454594" cy="8314010"/>
           </a:xfrm>
           <a:prstGeom prst="roundRect">
             <a:avLst>
@@ -3801,7 +3797,7 @@
         </p:nvCxnSpPr>
         <p:spPr>
           <a:xfrm>
-            <a:off x="4050587" y="907617"/>
+            <a:off x="3956199" y="907617"/>
             <a:ext cx="0" cy="1482984"/>
           </a:xfrm>
           <a:prstGeom prst="line">
@@ -3838,8 +3834,8 @@
         </p:nvSpPr>
         <p:spPr>
           <a:xfrm>
-            <a:off x="3978580" y="1365810"/>
-            <a:ext cx="154408" cy="767790"/>
+            <a:off x="3884192" y="1337736"/>
+            <a:ext cx="191760" cy="795864"/>
           </a:xfrm>
           <a:prstGeom prst="rect">
             <a:avLst/>
@@ -3887,14 +3883,13 @@
           <p:cNvCxnSpPr>
             <a:cxnSpLocks/>
             <a:stCxn id="21" idx="0"/>
-            <a:endCxn id="4" idx="0"/>
           </p:cNvCxnSpPr>
           <p:nvPr/>
         </p:nvCxnSpPr>
         <p:spPr>
           <a:xfrm>
-            <a:off x="5602082" y="1613633"/>
-            <a:ext cx="0" cy="2644578"/>
+            <a:off x="5029200" y="1705197"/>
+            <a:ext cx="17888" cy="2553014"/>
           </a:xfrm>
           <a:prstGeom prst="line">
             <a:avLst/>
@@ -3930,7 +3925,7 @@
         </p:nvSpPr>
         <p:spPr>
           <a:xfrm>
-            <a:off x="5525882" y="1613633"/>
+            <a:off x="4953000" y="1705197"/>
             <a:ext cx="152400" cy="276003"/>
           </a:xfrm>
           <a:prstGeom prst="rect">
@@ -3972,7 +3967,9 @@
       <p:cxnSp>
         <p:nvCxnSpPr>
           <p:cNvPr id="23" name="Straight Arrow Connector 22"/>
-          <p:cNvCxnSpPr/>
+          <p:cNvCxnSpPr>
+            <a:cxnSpLocks/>
+          </p:cNvCxnSpPr>
           <p:nvPr/>
         </p:nvCxnSpPr>
         <p:spPr>
@@ -4013,8 +4010,8 @@
         </p:nvSpPr>
         <p:spPr>
           <a:xfrm>
-            <a:off x="38100" y="990600"/>
-            <a:ext cx="1424846" cy="215444"/>
+            <a:off x="-152400" y="958034"/>
+            <a:ext cx="1729694" cy="215444"/>
           </a:xfrm>
           <a:prstGeom prst="rect">
             <a:avLst/>
@@ -4034,7 +4031,23 @@
                   <a:srgbClr val="0070C0"/>
                 </a:solidFill>
               </a:rPr>
-              <a:t>execute(“undo”)</a:t>
+              <a:t>execute(“</a:t>
+            </a:r>
+            <a:r>
+              <a:rPr lang="en-US" sz="1400" dirty="0" err="1">
+                <a:solidFill>
+                  <a:srgbClr val="0070C0"/>
+                </a:solidFill>
+              </a:rPr>
+              <a:t>addmh</a:t>
+            </a:r>
+            <a:r>
+              <a:rPr lang="en-US" sz="1400" dirty="0">
+                <a:solidFill>
+                  <a:srgbClr val="0070C0"/>
+                </a:solidFill>
+              </a:rPr>
+              <a:t> …”)</a:t>
             </a:r>
           </a:p>
         </p:txBody>
@@ -4042,7 +4055,9 @@
       <p:cxnSp>
         <p:nvCxnSpPr>
           <p:cNvPr id="28" name="Straight Arrow Connector 27"/>
-          <p:cNvCxnSpPr/>
+          <p:cNvCxnSpPr>
+            <a:cxnSpLocks/>
+          </p:cNvCxnSpPr>
           <p:nvPr/>
         </p:nvCxnSpPr>
         <p:spPr>
@@ -4083,7 +4098,7 @@
         </p:nvSpPr>
         <p:spPr>
           <a:xfrm>
-            <a:off x="3243421" y="2484071"/>
+            <a:off x="2192191" y="2484071"/>
             <a:ext cx="855809" cy="215444"/>
           </a:xfrm>
           <a:prstGeom prst="rect">
@@ -4118,13 +4133,15 @@
       <p:cxnSp>
         <p:nvCxnSpPr>
           <p:cNvPr id="34" name="Straight Arrow Connector 33"/>
-          <p:cNvCxnSpPr/>
+          <p:cNvCxnSpPr>
+            <a:cxnSpLocks/>
+          </p:cNvCxnSpPr>
           <p:nvPr/>
         </p:nvCxnSpPr>
         <p:spPr>
           <a:xfrm>
             <a:off x="4109108" y="1878232"/>
-            <a:ext cx="1492974" cy="0"/>
+            <a:ext cx="843892" cy="11404"/>
           </a:xfrm>
           <a:prstGeom prst="straightConnector1">
             <a:avLst/>
@@ -4163,8 +4180,8 @@
         </p:nvCxnSpPr>
         <p:spPr>
           <a:xfrm>
-            <a:off x="1691351" y="2133600"/>
-            <a:ext cx="2348067" cy="0"/>
+            <a:off x="1691351" y="1981200"/>
+            <a:ext cx="2104508" cy="0"/>
           </a:xfrm>
           <a:prstGeom prst="straightConnector1">
             <a:avLst/>
@@ -4196,7 +4213,9 @@
       <p:cxnSp>
         <p:nvCxnSpPr>
           <p:cNvPr id="37" name="Straight Arrow Connector 36"/>
-          <p:cNvCxnSpPr/>
+          <p:cNvCxnSpPr>
+            <a:cxnSpLocks/>
+          </p:cNvCxnSpPr>
           <p:nvPr/>
         </p:nvCxnSpPr>
         <p:spPr>
@@ -4239,8 +4258,8 @@
         </p:nvSpPr>
         <p:spPr>
           <a:xfrm>
-            <a:off x="5526488" y="2731313"/>
-            <a:ext cx="161322" cy="1307285"/>
+            <a:off x="4953000" y="2653307"/>
+            <a:ext cx="207694" cy="1385292"/>
           </a:xfrm>
           <a:prstGeom prst="rect">
             <a:avLst/>
@@ -4286,8 +4305,8 @@
         </p:nvSpPr>
         <p:spPr>
           <a:xfrm>
-            <a:off x="5651548" y="2748246"/>
-            <a:ext cx="1298078" cy="184666"/>
+            <a:off x="5285911" y="3168134"/>
+            <a:ext cx="1876889" cy="184666"/>
           </a:xfrm>
           <a:prstGeom prst="rect">
             <a:avLst/>
@@ -4311,23 +4330,14 @@
             </a:lvl1pPr>
           </a:lstStyle>
           <a:p>
-            <a:r>
-              <a:rPr lang="en-US" sz="1200" dirty="0" err="1">
-                <a:solidFill>
-                  <a:schemeClr val="accent4">
-                    <a:lumMod val="75000"/>
-                  </a:schemeClr>
-                </a:solidFill>
-              </a:rPr>
-              <a:t>undo</a:t>
-            </a:r>
+            <a:pPr algn="l"/>
             <a:r>
               <a:rPr lang="en-US" sz="1200" dirty="0" err="1">
                 <a:solidFill>
                   <a:srgbClr val="7030A0"/>
                 </a:solidFill>
               </a:rPr>
-              <a:t>AddressBook</a:t>
+              <a:t>updatePerson</a:t>
             </a:r>
             <a:r>
               <a:rPr lang="en-US" sz="1200" dirty="0">
@@ -4335,7 +4345,7 @@
                   <a:srgbClr val="7030A0"/>
                 </a:solidFill>
               </a:rPr>
-              <a:t>()</a:t>
+              <a:t>(model, history)</a:t>
             </a:r>
             <a:endParaRPr lang="en-US" sz="1200" dirty="0"/>
           </a:p>
@@ -4349,8 +4359,8 @@
         </p:nvSpPr>
         <p:spPr>
           <a:xfrm>
-            <a:off x="1885189" y="1106150"/>
-            <a:ext cx="1899551" cy="215444"/>
+            <a:off x="1447800" y="1106151"/>
+            <a:ext cx="2348059" cy="215444"/>
           </a:xfrm>
           <a:prstGeom prst="rect">
             <a:avLst/>
@@ -4380,7 +4390,15 @@
             </a:r>
             <a:r>
               <a:rPr lang="en-US" dirty="0"/>
-              <a:t>(“undo”)</a:t>
+              <a:t>(“</a:t>
+            </a:r>
+            <a:r>
+              <a:rPr lang="en-US" dirty="0" err="1"/>
+              <a:t>addmh</a:t>
+            </a:r>
+            <a:r>
+              <a:rPr lang="en-US" dirty="0"/>
+              <a:t> …”)</a:t>
             </a:r>
           </a:p>
         </p:txBody>
@@ -4393,7 +4411,7 @@
         </p:nvSpPr>
         <p:spPr>
           <a:xfrm>
-            <a:off x="3272755" y="3791076"/>
+            <a:off x="2133600" y="3791076"/>
             <a:ext cx="621216" cy="215444"/>
           </a:xfrm>
           <a:prstGeom prst="rect">
@@ -4473,7 +4491,7 @@
         </p:nvSpPr>
         <p:spPr>
           <a:xfrm>
-            <a:off x="7497155" y="2568606"/>
+            <a:off x="7709814" y="2568606"/>
             <a:ext cx="2181777" cy="335427"/>
           </a:xfrm>
           <a:prstGeom prst="rect">
@@ -4540,7 +4558,7 @@
         </p:nvSpPr>
         <p:spPr>
           <a:xfrm>
-            <a:off x="8514207" y="3182840"/>
+            <a:off x="8726866" y="3182840"/>
             <a:ext cx="129933" cy="398562"/>
           </a:xfrm>
           <a:prstGeom prst="rect">
@@ -4587,7 +4605,7 @@
         </p:nvSpPr>
         <p:spPr>
           <a:xfrm>
-            <a:off x="2724792" y="1905793"/>
+            <a:off x="2590800" y="1752600"/>
             <a:ext cx="220343" cy="215444"/>
           </a:xfrm>
           <a:prstGeom prst="rect">
@@ -4614,7 +4632,7 @@
           <a:p>
             <a:r>
               <a:rPr lang="en-US" dirty="0"/>
-              <a:t>u</a:t>
+              <a:t>a</a:t>
             </a:r>
           </a:p>
         </p:txBody>
@@ -4627,7 +4645,7 @@
         </p:nvSpPr>
         <p:spPr>
           <a:xfrm>
-            <a:off x="6549765" y="2362200"/>
+            <a:off x="6762424" y="2362200"/>
             <a:ext cx="841636" cy="300180"/>
           </a:xfrm>
           <a:prstGeom prst="rect">
@@ -4688,7 +4706,7 @@
         </p:nvCxnSpPr>
         <p:spPr>
           <a:xfrm flipH="1">
-            <a:off x="6986491" y="2653306"/>
+            <a:off x="7199150" y="2653306"/>
             <a:ext cx="3959" cy="1735710"/>
           </a:xfrm>
           <a:prstGeom prst="line">
@@ -4725,7 +4743,7 @@
         </p:nvSpPr>
         <p:spPr>
           <a:xfrm>
-            <a:off x="6887527" y="2958106"/>
+            <a:off x="7100186" y="2958106"/>
             <a:ext cx="168896" cy="775693"/>
           </a:xfrm>
           <a:prstGeom prst="rect">
@@ -4773,9 +4791,9 @@
           <p:nvPr/>
         </p:nvCxnSpPr>
         <p:spPr>
-          <a:xfrm>
-            <a:off x="5685755" y="2975344"/>
-            <a:ext cx="1210345" cy="0"/>
+          <a:xfrm flipV="1">
+            <a:off x="5158639" y="2975344"/>
+            <a:ext cx="1935995" cy="1"/>
           </a:xfrm>
           <a:prstGeom prst="straightConnector1">
             <a:avLst/>
@@ -4804,39 +4822,6 @@
       </p:cxnSp>
       <p:sp>
         <p:nvSpPr>
-          <p:cNvPr id="4" name="TextBox 3"/>
-          <p:cNvSpPr txBox="1"/>
-          <p:nvPr/>
-        </p:nvSpPr>
-        <p:spPr>
-          <a:xfrm>
-            <a:off x="5472880" y="4258211"/>
-            <a:ext cx="258404" cy="261610"/>
-          </a:xfrm>
-          <a:prstGeom prst="rect">
-            <a:avLst/>
-          </a:prstGeom>
-          <a:noFill/>
-        </p:spPr>
-        <p:txBody>
-          <a:bodyPr wrap="none" rtlCol="0">
-            <a:spAutoFit/>
-          </a:bodyPr>
-          <a:lstStyle/>
-          <a:p>
-            <a:r>
-              <a:rPr lang="en-SG" sz="1100" dirty="0">
-                <a:solidFill>
-                  <a:srgbClr val="002060"/>
-                </a:solidFill>
-              </a:rPr>
-              <a:t>X</a:t>
-            </a:r>
-          </a:p>
-        </p:txBody>
-      </p:sp>
-      <p:sp>
-        <p:nvSpPr>
           <p:cNvPr id="19" name="Rectangle 62"/>
           <p:cNvSpPr/>
           <p:nvPr/>
@@ -4844,7 +4829,7 @@
         <p:spPr>
           <a:xfrm>
             <a:off x="5035976" y="1260268"/>
-            <a:ext cx="1093635" cy="461538"/>
+            <a:ext cx="1935995" cy="226877"/>
           </a:xfrm>
           <a:prstGeom prst="rect">
             <a:avLst/>
@@ -4884,22 +4869,15 @@
                   <a:schemeClr val="bg1"/>
                 </a:solidFill>
               </a:rPr>
-              <a:t>u:Undo</a:t>
-            </a:r>
-            <a:br>
-              <a:rPr lang="en-US" sz="1600" dirty="0">
+              <a:t>a: </a:t>
+            </a:r>
+            <a:r>
+              <a:rPr lang="en-US" sz="1600" dirty="0" err="1">
                 <a:solidFill>
                   <a:schemeClr val="bg1"/>
                 </a:solidFill>
               </a:rPr>
-            </a:br>
-            <a:r>
-              <a:rPr lang="en-US" sz="1600" dirty="0">
-                <a:solidFill>
-                  <a:schemeClr val="bg1"/>
-                </a:solidFill>
-              </a:rPr>
-              <a:t>Command</a:t>
+              <a:t>AddmhCommand</a:t>
             </a:r>
             <a:endParaRPr lang="en-SG" sz="1600" dirty="0">
               <a:solidFill>
@@ -4924,9 +4902,9 @@
           <p:nvPr/>
         </p:nvCxnSpPr>
         <p:spPr>
-          <a:xfrm>
-            <a:off x="1691351" y="2731314"/>
-            <a:ext cx="3832164" cy="1"/>
+          <a:xfrm flipV="1">
+            <a:off x="1691351" y="2699515"/>
+            <a:ext cx="3251889" cy="31801"/>
           </a:xfrm>
           <a:prstGeom prst="straightConnector1">
             <a:avLst/>
@@ -4968,9 +4946,9 @@
           <p:nvPr/>
         </p:nvCxnSpPr>
         <p:spPr>
-          <a:xfrm>
-            <a:off x="1708245" y="1363918"/>
-            <a:ext cx="2256705" cy="1"/>
+          <a:xfrm flipV="1">
+            <a:off x="1708245" y="1351537"/>
+            <a:ext cx="2187935" cy="12381"/>
           </a:xfrm>
           <a:prstGeom prst="straightConnector1">
             <a:avLst/>
@@ -5008,13 +4986,14 @@
           </p:cNvPr>
           <p:cNvCxnSpPr>
             <a:cxnSpLocks/>
+            <a:endCxn id="65" idx="2"/>
           </p:cNvCxnSpPr>
           <p:nvPr/>
         </p:nvCxnSpPr>
         <p:spPr>
           <a:xfrm>
             <a:off x="1691998" y="4036462"/>
-            <a:ext cx="3831517" cy="0"/>
+            <a:ext cx="3364849" cy="2137"/>
           </a:xfrm>
           <a:prstGeom prst="straightConnector1">
             <a:avLst/>
@@ -5043,27 +5022,69 @@
           </a:fontRef>
         </p:style>
       </p:cxnSp>
-      <p:sp>
-        <p:nvSpPr>
-          <p:cNvPr id="88" name="TextBox 87">
+      <p:cxnSp>
+        <p:nvCxnSpPr>
+          <p:cNvPr id="89" name="Straight Connector 88">
             <a:extLst>
               <a:ext uri="{FF2B5EF4-FFF2-40B4-BE49-F238E27FC236}">
-                <a16:creationId xmlns:a16="http://schemas.microsoft.com/office/drawing/2014/main" id="{B85C6184-7378-4E89-A338-72B1E5056F4F}"/>
+                <a16:creationId xmlns:a16="http://schemas.microsoft.com/office/drawing/2014/main" id="{E4E1C8CA-49DF-45D8-80A5-D5C8282EE927}"/>
               </a:ext>
             </a:extLst>
           </p:cNvPr>
+          <p:cNvCxnSpPr>
+            <a:cxnSpLocks/>
+          </p:cNvCxnSpPr>
+          <p:nvPr/>
+        </p:nvCxnSpPr>
+        <p:spPr>
+          <a:xfrm>
+            <a:off x="8800702" y="2871355"/>
+            <a:ext cx="17996" cy="1467648"/>
+          </a:xfrm>
+          <a:prstGeom prst="line">
+            <a:avLst/>
+          </a:prstGeom>
+          <a:ln w="19050">
+            <a:solidFill>
+              <a:srgbClr val="7030A0"/>
+            </a:solidFill>
+            <a:prstDash val="sysDash"/>
+          </a:ln>
+          <a:effectLst/>
+        </p:spPr>
+        <p:style>
+          <a:lnRef idx="1">
+            <a:schemeClr val="accent1"/>
+          </a:lnRef>
+          <a:fillRef idx="2">
+            <a:schemeClr val="accent1"/>
+          </a:fillRef>
+          <a:effectRef idx="1">
+            <a:schemeClr val="accent1"/>
+          </a:effectRef>
+          <a:fontRef idx="minor">
+            <a:schemeClr val="dk1"/>
+          </a:fontRef>
+        </p:style>
+      </p:cxnSp>
+      <p:sp>
+        <p:nvSpPr>
+          <p:cNvPr id="41" name="TextBox 40"/>
           <p:cNvSpPr txBox="1"/>
           <p:nvPr/>
         </p:nvSpPr>
         <p:spPr>
           <a:xfrm>
-            <a:off x="8769530" y="3267337"/>
-            <a:ext cx="2120786" cy="184666"/>
+            <a:off x="7826375" y="2975344"/>
+            <a:ext cx="2460625" cy="184666"/>
           </a:xfrm>
           <a:prstGeom prst="rect">
             <a:avLst/>
           </a:prstGeom>
           <a:noFill/>
+          <a:ln>
+            <a:noFill/>
+          </a:ln>
         </p:spPr>
         <p:txBody>
           <a:bodyPr wrap="square" lIns="0" tIns="0" rIns="0" bIns="0" rtlCol="0">
@@ -5082,130 +5103,14 @@
             </a:lvl1pPr>
           </a:lstStyle>
           <a:p>
+            <a:pPr algn="l"/>
             <a:r>
               <a:rPr lang="en-US" sz="1200" dirty="0" err="1">
                 <a:solidFill>
                   <a:srgbClr val="7030A0"/>
                 </a:solidFill>
               </a:rPr>
-              <a:t>resetData</a:t>
-            </a:r>
-            <a:r>
-              <a:rPr lang="en-US" sz="1200" dirty="0">
-                <a:solidFill>
-                  <a:srgbClr val="7030A0"/>
-                </a:solidFill>
-              </a:rPr>
-              <a:t>(</a:t>
-            </a:r>
-            <a:r>
-              <a:rPr lang="en-US" sz="1200" dirty="0" err="1">
-                <a:solidFill>
-                  <a:srgbClr val="7030A0"/>
-                </a:solidFill>
-              </a:rPr>
-              <a:t>ReadOnlyAddressBook</a:t>
-            </a:r>
-            <a:r>
-              <a:rPr lang="en-US" sz="1200" dirty="0">
-                <a:solidFill>
-                  <a:srgbClr val="7030A0"/>
-                </a:solidFill>
-              </a:rPr>
-              <a:t>)</a:t>
-            </a:r>
-            <a:endParaRPr lang="en-US" sz="1200" dirty="0"/>
-          </a:p>
-        </p:txBody>
-      </p:sp>
-      <p:cxnSp>
-        <p:nvCxnSpPr>
-          <p:cNvPr id="89" name="Straight Connector 88">
-            <a:extLst>
-              <a:ext uri="{FF2B5EF4-FFF2-40B4-BE49-F238E27FC236}">
-                <a16:creationId xmlns:a16="http://schemas.microsoft.com/office/drawing/2014/main" id="{E4E1C8CA-49DF-45D8-80A5-D5C8282EE927}"/>
-              </a:ext>
-            </a:extLst>
-          </p:cNvPr>
-          <p:cNvCxnSpPr>
-            <a:cxnSpLocks/>
-          </p:cNvCxnSpPr>
-          <p:nvPr/>
-        </p:nvCxnSpPr>
-        <p:spPr>
-          <a:xfrm>
-            <a:off x="8588043" y="2871355"/>
-            <a:ext cx="17996" cy="1467648"/>
-          </a:xfrm>
-          <a:prstGeom prst="line">
-            <a:avLst/>
-          </a:prstGeom>
-          <a:ln w="19050">
-            <a:solidFill>
-              <a:srgbClr val="7030A0"/>
-            </a:solidFill>
-            <a:prstDash val="sysDash"/>
-          </a:ln>
-          <a:effectLst/>
-        </p:spPr>
-        <p:style>
-          <a:lnRef idx="1">
-            <a:schemeClr val="accent1"/>
-          </a:lnRef>
-          <a:fillRef idx="2">
-            <a:schemeClr val="accent1"/>
-          </a:fillRef>
-          <a:effectRef idx="1">
-            <a:schemeClr val="accent1"/>
-          </a:effectRef>
-          <a:fontRef idx="minor">
-            <a:schemeClr val="dk1"/>
-          </a:fontRef>
-        </p:style>
-      </p:cxnSp>
-      <p:sp>
-        <p:nvSpPr>
-          <p:cNvPr id="41" name="TextBox 40"/>
-          <p:cNvSpPr txBox="1"/>
-          <p:nvPr/>
-        </p:nvSpPr>
-        <p:spPr>
-          <a:xfrm>
-            <a:off x="7667691" y="2975344"/>
-            <a:ext cx="551687" cy="184666"/>
-          </a:xfrm>
-          <a:prstGeom prst="rect">
-            <a:avLst/>
-          </a:prstGeom>
-          <a:noFill/>
-          <a:ln>
-            <a:noFill/>
-          </a:ln>
-        </p:spPr>
-        <p:txBody>
-          <a:bodyPr wrap="square" lIns="0" tIns="0" rIns="0" bIns="0" rtlCol="0">
-            <a:spAutoFit/>
-          </a:bodyPr>
-          <a:lstStyle>
-            <a:defPPr>
-              <a:defRPr lang="en-US"/>
-            </a:defPPr>
-            <a:lvl1pPr algn="r">
-              <a:defRPr sz="1400">
-                <a:solidFill>
-                  <a:srgbClr val="0070C0"/>
-                </a:solidFill>
-              </a:defRPr>
-            </a:lvl1pPr>
-          </a:lstStyle>
-          <a:p>
-            <a:r>
-              <a:rPr lang="en-US" sz="1200" dirty="0">
-                <a:solidFill>
-                  <a:srgbClr val="7030A0"/>
-                </a:solidFill>
-              </a:rPr>
-              <a:t>undo</a:t>
+              <a:t>updatePerson</a:t>
             </a:r>
             <a:r>
               <a:rPr lang="en-US" sz="1200" dirty="0">
@@ -5215,50 +5120,31 @@
                   </a:schemeClr>
                 </a:solidFill>
               </a:rPr>
-              <a:t>()</a:t>
-            </a:r>
-          </a:p>
-        </p:txBody>
-      </p:sp>
-      <p:cxnSp>
-        <p:nvCxnSpPr>
-          <p:cNvPr id="13" name="Curved Connector 12"/>
-          <p:cNvCxnSpPr/>
-          <p:nvPr/>
-        </p:nvCxnSpPr>
-        <p:spPr>
-          <a:xfrm rot="16200000" flipH="1">
-            <a:off x="8527578" y="3220579"/>
-            <a:ext cx="156923" cy="76200"/>
-          </a:xfrm>
-          <a:prstGeom prst="curvedConnector4">
-            <a:avLst>
-              <a:gd name="adj1" fmla="val -145677"/>
-              <a:gd name="adj2" fmla="val 400000"/>
-            </a:avLst>
-          </a:prstGeom>
-          <a:ln>
-            <a:solidFill>
-              <a:srgbClr val="7030A0"/>
-            </a:solidFill>
-            <a:tailEnd type="triangle"/>
-          </a:ln>
-        </p:spPr>
-        <p:style>
-          <a:lnRef idx="1">
-            <a:schemeClr val="accent1"/>
-          </a:lnRef>
-          <a:fillRef idx="0">
-            <a:schemeClr val="accent1"/>
-          </a:fillRef>
-          <a:effectRef idx="0">
-            <a:schemeClr val="accent1"/>
-          </a:effectRef>
-          <a:fontRef idx="minor">
-            <a:schemeClr val="tx1"/>
-          </a:fontRef>
-        </p:style>
-      </p:cxnSp>
+              <a:t>(target, </a:t>
+            </a:r>
+            <a:r>
+              <a:rPr lang="en-US" sz="1200" dirty="0" err="1">
+                <a:solidFill>
+                  <a:schemeClr val="accent4">
+                    <a:lumMod val="75000"/>
+                  </a:schemeClr>
+                </a:solidFill>
+              </a:rPr>
+              <a:t>editedPerson</a:t>
+            </a:r>
+            <a:r>
+              <a:rPr lang="en-US" sz="1200" dirty="0">
+                <a:solidFill>
+                  <a:schemeClr val="accent4">
+                    <a:lumMod val="75000"/>
+                  </a:schemeClr>
+                </a:solidFill>
+              </a:rPr>
+              <a:t>)</a:t>
+            </a:r>
+          </a:p>
+        </p:txBody>
+      </p:sp>
       <p:cxnSp>
         <p:nvCxnSpPr>
           <p:cNvPr id="52" name="Straight Arrow Connector 51"/>
@@ -5269,7 +5155,7 @@
         </p:nvCxnSpPr>
         <p:spPr>
           <a:xfrm>
-            <a:off x="7043991" y="3182839"/>
+            <a:off x="7256650" y="3182839"/>
             <a:ext cx="1470216" cy="0"/>
           </a:xfrm>
           <a:prstGeom prst="straightConnector1">
@@ -5313,7 +5199,7 @@
         </p:nvCxnSpPr>
         <p:spPr>
           <a:xfrm flipV="1">
-            <a:off x="7043991" y="3564914"/>
+            <a:off x="7256650" y="3564914"/>
             <a:ext cx="1470216" cy="6325"/>
           </a:xfrm>
           <a:prstGeom prst="straightConnector1">
@@ -5360,8 +5246,8 @@
         </p:nvCxnSpPr>
         <p:spPr>
           <a:xfrm>
-            <a:off x="5675919" y="3733799"/>
-            <a:ext cx="1296056" cy="0"/>
+            <a:off x="5158639" y="3733799"/>
+            <a:ext cx="2025995" cy="0"/>
           </a:xfrm>
           <a:prstGeom prst="straightConnector1">
             <a:avLst/>
@@ -5369,6 +5255,1239 @@
           <a:ln w="19050">
             <a:solidFill>
               <a:srgbClr val="7030A0"/>
+            </a:solidFill>
+            <a:prstDash val="sysDash"/>
+            <a:headEnd type="arrow" w="med" len="med"/>
+            <a:tailEnd type="none" w="med" len="med"/>
+          </a:ln>
+        </p:spPr>
+        <p:style>
+          <a:lnRef idx="1">
+            <a:schemeClr val="accent1"/>
+          </a:lnRef>
+          <a:fillRef idx="0">
+            <a:schemeClr val="accent1"/>
+          </a:fillRef>
+          <a:effectRef idx="0">
+            <a:schemeClr val="accent1"/>
+          </a:effectRef>
+          <a:fontRef idx="minor">
+            <a:schemeClr val="tx1"/>
+          </a:fontRef>
+        </p:style>
+      </p:cxnSp>
+      <p:sp>
+        <p:nvSpPr>
+          <p:cNvPr id="98" name="Rectangle 62">
+            <a:extLst>
+              <a:ext uri="{FF2B5EF4-FFF2-40B4-BE49-F238E27FC236}">
+                <a16:creationId xmlns:a16="http://schemas.microsoft.com/office/drawing/2014/main" id="{2B997070-3436-4436-84E2-A3B09EF562A4}"/>
+              </a:ext>
+            </a:extLst>
+          </p:cNvPr>
+          <p:cNvSpPr/>
+          <p:nvPr/>
+        </p:nvSpPr>
+        <p:spPr>
+          <a:xfrm>
+            <a:off x="883145" y="4460730"/>
+            <a:ext cx="1455629" cy="346760"/>
+          </a:xfrm>
+          <a:prstGeom prst="rect">
+            <a:avLst/>
+          </a:prstGeom>
+          <a:solidFill>
+            <a:srgbClr val="0070C0"/>
+          </a:solidFill>
+          <a:ln w="19050">
+            <a:solidFill>
+              <a:srgbClr val="0070C0"/>
+            </a:solidFill>
+          </a:ln>
+          <a:effectLst/>
+        </p:spPr>
+        <p:style>
+          <a:lnRef idx="1">
+            <a:schemeClr val="accent2"/>
+          </a:lnRef>
+          <a:fillRef idx="2">
+            <a:schemeClr val="accent2"/>
+          </a:fillRef>
+          <a:effectRef idx="1">
+            <a:schemeClr val="accent2"/>
+          </a:effectRef>
+          <a:fontRef idx="minor">
+            <a:schemeClr val="dk1"/>
+          </a:fontRef>
+        </p:style>
+        <p:txBody>
+          <a:bodyPr rtlCol="0" anchor="ctr"/>
+          <a:lstStyle/>
+          <a:p>
+            <a:pPr algn="ctr"/>
+            <a:r>
+              <a:rPr lang="en-US" sz="1600" dirty="0">
+                <a:solidFill>
+                  <a:schemeClr val="bg1"/>
+                </a:solidFill>
+              </a:rPr>
+              <a:t>:</a:t>
+            </a:r>
+            <a:r>
+              <a:rPr lang="en-US" sz="1600" dirty="0" err="1">
+                <a:solidFill>
+                  <a:schemeClr val="bg1"/>
+                </a:solidFill>
+              </a:rPr>
+              <a:t>LogicManager</a:t>
+            </a:r>
+            <a:endParaRPr lang="en-SG" sz="1600" dirty="0">
+              <a:solidFill>
+                <a:schemeClr val="bg1"/>
+              </a:solidFill>
+            </a:endParaRPr>
+          </a:p>
+        </p:txBody>
+      </p:sp>
+      <p:cxnSp>
+        <p:nvCxnSpPr>
+          <p:cNvPr id="99" name="Straight Connector 98">
+            <a:extLst>
+              <a:ext uri="{FF2B5EF4-FFF2-40B4-BE49-F238E27FC236}">
+                <a16:creationId xmlns:a16="http://schemas.microsoft.com/office/drawing/2014/main" id="{03F18E06-18C7-4D6C-AD01-8269DEF70CD1}"/>
+              </a:ext>
+            </a:extLst>
+          </p:cNvPr>
+          <p:cNvCxnSpPr>
+            <a:cxnSpLocks/>
+          </p:cNvCxnSpPr>
+          <p:nvPr/>
+        </p:nvCxnSpPr>
+        <p:spPr>
+          <a:xfrm>
+            <a:off x="1610959" y="4824401"/>
+            <a:ext cx="0" cy="3481399"/>
+          </a:xfrm>
+          <a:prstGeom prst="line">
+            <a:avLst/>
+          </a:prstGeom>
+          <a:ln w="19050">
+            <a:solidFill>
+              <a:srgbClr val="0070C0"/>
+            </a:solidFill>
+            <a:prstDash val="sysDash"/>
+          </a:ln>
+          <a:effectLst/>
+        </p:spPr>
+        <p:style>
+          <a:lnRef idx="1">
+            <a:schemeClr val="accent1"/>
+          </a:lnRef>
+          <a:fillRef idx="2">
+            <a:schemeClr val="accent1"/>
+          </a:fillRef>
+          <a:effectRef idx="1">
+            <a:schemeClr val="accent1"/>
+          </a:effectRef>
+          <a:fontRef idx="minor">
+            <a:schemeClr val="dk1"/>
+          </a:fontRef>
+        </p:style>
+      </p:cxnSp>
+      <p:sp>
+        <p:nvSpPr>
+          <p:cNvPr id="100" name="Rectangle 99">
+            <a:extLst>
+              <a:ext uri="{FF2B5EF4-FFF2-40B4-BE49-F238E27FC236}">
+                <a16:creationId xmlns:a16="http://schemas.microsoft.com/office/drawing/2014/main" id="{AC83857E-58A0-4707-BEE5-04D7162579B6}"/>
+              </a:ext>
+            </a:extLst>
+          </p:cNvPr>
+          <p:cNvSpPr/>
+          <p:nvPr/>
+        </p:nvSpPr>
+        <p:spPr>
+          <a:xfrm>
+            <a:off x="1538951" y="5175095"/>
+            <a:ext cx="152400" cy="2932689"/>
+          </a:xfrm>
+          <a:prstGeom prst="rect">
+            <a:avLst/>
+          </a:prstGeom>
+          <a:solidFill>
+            <a:srgbClr val="0070C0"/>
+          </a:solidFill>
+          <a:ln>
+            <a:solidFill>
+              <a:srgbClr val="0070C0"/>
+            </a:solidFill>
+          </a:ln>
+          <a:effectLst/>
+        </p:spPr>
+        <p:style>
+          <a:lnRef idx="1">
+            <a:schemeClr val="accent3"/>
+          </a:lnRef>
+          <a:fillRef idx="2">
+            <a:schemeClr val="accent3"/>
+          </a:fillRef>
+          <a:effectRef idx="1">
+            <a:schemeClr val="accent3"/>
+          </a:effectRef>
+          <a:fontRef idx="minor">
+            <a:schemeClr val="dk1"/>
+          </a:fontRef>
+        </p:style>
+        <p:txBody>
+          <a:bodyPr rtlCol="0" anchor="ctr"/>
+          <a:lstStyle/>
+          <a:p>
+            <a:pPr algn="ctr"/>
+            <a:endParaRPr lang="en-SG" sz="1400"/>
+          </a:p>
+        </p:txBody>
+      </p:sp>
+      <p:sp>
+        <p:nvSpPr>
+          <p:cNvPr id="101" name="Rectangle 62">
+            <a:extLst>
+              <a:ext uri="{FF2B5EF4-FFF2-40B4-BE49-F238E27FC236}">
+                <a16:creationId xmlns:a16="http://schemas.microsoft.com/office/drawing/2014/main" id="{08A09C01-7D93-4601-8D3F-9810BDDB5920}"/>
+              </a:ext>
+            </a:extLst>
+          </p:cNvPr>
+          <p:cNvSpPr/>
+          <p:nvPr/>
+        </p:nvSpPr>
+        <p:spPr>
+          <a:xfrm>
+            <a:off x="3437188" y="4339806"/>
+            <a:ext cx="1219200" cy="467684"/>
+          </a:xfrm>
+          <a:prstGeom prst="rect">
+            <a:avLst/>
+          </a:prstGeom>
+          <a:solidFill>
+            <a:srgbClr val="0070C0"/>
+          </a:solidFill>
+          <a:ln w="19050">
+            <a:solidFill>
+              <a:srgbClr val="0070C0"/>
+            </a:solidFill>
+          </a:ln>
+          <a:effectLst/>
+        </p:spPr>
+        <p:style>
+          <a:lnRef idx="1">
+            <a:schemeClr val="accent2"/>
+          </a:lnRef>
+          <a:fillRef idx="2">
+            <a:schemeClr val="accent2"/>
+          </a:fillRef>
+          <a:effectRef idx="1">
+            <a:schemeClr val="accent2"/>
+          </a:effectRef>
+          <a:fontRef idx="minor">
+            <a:schemeClr val="dk1"/>
+          </a:fontRef>
+        </p:style>
+        <p:txBody>
+          <a:bodyPr rtlCol="0" anchor="ctr"/>
+          <a:lstStyle/>
+          <a:p>
+            <a:pPr algn="ctr"/>
+            <a:r>
+              <a:rPr lang="en-US" sz="1600" dirty="0">
+                <a:solidFill>
+                  <a:schemeClr val="bg1"/>
+                </a:solidFill>
+              </a:rPr>
+              <a:t>:Address</a:t>
+            </a:r>
+          </a:p>
+          <a:p>
+            <a:pPr algn="ctr"/>
+            <a:r>
+              <a:rPr lang="en-US" sz="1600" dirty="0" err="1">
+                <a:solidFill>
+                  <a:schemeClr val="bg1"/>
+                </a:solidFill>
+              </a:rPr>
+              <a:t>BookParser</a:t>
+            </a:r>
+            <a:endParaRPr lang="en-SG" sz="1600" dirty="0">
+              <a:solidFill>
+                <a:schemeClr val="bg1"/>
+              </a:solidFill>
+            </a:endParaRPr>
+          </a:p>
+        </p:txBody>
+      </p:sp>
+      <p:cxnSp>
+        <p:nvCxnSpPr>
+          <p:cNvPr id="102" name="Straight Connector 101">
+            <a:extLst>
+              <a:ext uri="{FF2B5EF4-FFF2-40B4-BE49-F238E27FC236}">
+                <a16:creationId xmlns:a16="http://schemas.microsoft.com/office/drawing/2014/main" id="{B25D69C3-E694-4922-BC20-AE44CAE44799}"/>
+              </a:ext>
+            </a:extLst>
+          </p:cNvPr>
+          <p:cNvCxnSpPr>
+            <a:cxnSpLocks/>
+          </p:cNvCxnSpPr>
+          <p:nvPr/>
+        </p:nvCxnSpPr>
+        <p:spPr>
+          <a:xfrm>
+            <a:off x="3956199" y="4824401"/>
+            <a:ext cx="0" cy="1482984"/>
+          </a:xfrm>
+          <a:prstGeom prst="line">
+            <a:avLst/>
+          </a:prstGeom>
+          <a:ln w="19050">
+            <a:solidFill>
+              <a:srgbClr val="0070C0"/>
+            </a:solidFill>
+            <a:prstDash val="sysDash"/>
+          </a:ln>
+          <a:effectLst/>
+        </p:spPr>
+        <p:style>
+          <a:lnRef idx="1">
+            <a:schemeClr val="accent1"/>
+          </a:lnRef>
+          <a:fillRef idx="2">
+            <a:schemeClr val="accent1"/>
+          </a:fillRef>
+          <a:effectRef idx="1">
+            <a:schemeClr val="accent1"/>
+          </a:effectRef>
+          <a:fontRef idx="minor">
+            <a:schemeClr val="dk1"/>
+          </a:fontRef>
+        </p:style>
+      </p:cxnSp>
+      <p:sp>
+        <p:nvSpPr>
+          <p:cNvPr id="103" name="Rectangle 102">
+            <a:extLst>
+              <a:ext uri="{FF2B5EF4-FFF2-40B4-BE49-F238E27FC236}">
+                <a16:creationId xmlns:a16="http://schemas.microsoft.com/office/drawing/2014/main" id="{D55BC24D-356C-4BE1-BC65-14AC9DF018D3}"/>
+              </a:ext>
+            </a:extLst>
+          </p:cNvPr>
+          <p:cNvSpPr/>
+          <p:nvPr/>
+        </p:nvSpPr>
+        <p:spPr>
+          <a:xfrm>
+            <a:off x="3884192" y="5254520"/>
+            <a:ext cx="191760" cy="795864"/>
+          </a:xfrm>
+          <a:prstGeom prst="rect">
+            <a:avLst/>
+          </a:prstGeom>
+          <a:solidFill>
+            <a:srgbClr val="0070C0"/>
+          </a:solidFill>
+          <a:ln>
+            <a:solidFill>
+              <a:srgbClr val="0070C0"/>
+            </a:solidFill>
+          </a:ln>
+          <a:effectLst/>
+        </p:spPr>
+        <p:style>
+          <a:lnRef idx="1">
+            <a:schemeClr val="accent3"/>
+          </a:lnRef>
+          <a:fillRef idx="2">
+            <a:schemeClr val="accent3"/>
+          </a:fillRef>
+          <a:effectRef idx="1">
+            <a:schemeClr val="accent3"/>
+          </a:effectRef>
+          <a:fontRef idx="minor">
+            <a:schemeClr val="dk1"/>
+          </a:fontRef>
+        </p:style>
+        <p:txBody>
+          <a:bodyPr rtlCol="0" anchor="ctr"/>
+          <a:lstStyle/>
+          <a:p>
+            <a:pPr algn="ctr"/>
+            <a:endParaRPr lang="en-SG" sz="1400">
+              <a:solidFill>
+                <a:schemeClr val="dk1"/>
+              </a:solidFill>
+            </a:endParaRPr>
+          </a:p>
+        </p:txBody>
+      </p:sp>
+      <p:cxnSp>
+        <p:nvCxnSpPr>
+          <p:cNvPr id="104" name="Straight Connector 103">
+            <a:extLst>
+              <a:ext uri="{FF2B5EF4-FFF2-40B4-BE49-F238E27FC236}">
+                <a16:creationId xmlns:a16="http://schemas.microsoft.com/office/drawing/2014/main" id="{B2965B5A-C68B-4A25-B785-18361F535F6B}"/>
+              </a:ext>
+            </a:extLst>
+          </p:cNvPr>
+          <p:cNvCxnSpPr>
+            <a:cxnSpLocks/>
+            <a:stCxn id="105" idx="0"/>
+          </p:cNvCxnSpPr>
+          <p:nvPr/>
+        </p:nvCxnSpPr>
+        <p:spPr>
+          <a:xfrm>
+            <a:off x="5029200" y="5621981"/>
+            <a:ext cx="17888" cy="2553014"/>
+          </a:xfrm>
+          <a:prstGeom prst="line">
+            <a:avLst/>
+          </a:prstGeom>
+          <a:ln w="19050">
+            <a:solidFill>
+              <a:srgbClr val="0070C0"/>
+            </a:solidFill>
+            <a:prstDash val="sysDash"/>
+          </a:ln>
+          <a:effectLst/>
+        </p:spPr>
+        <p:style>
+          <a:lnRef idx="1">
+            <a:schemeClr val="accent1"/>
+          </a:lnRef>
+          <a:fillRef idx="2">
+            <a:schemeClr val="accent1"/>
+          </a:fillRef>
+          <a:effectRef idx="1">
+            <a:schemeClr val="accent1"/>
+          </a:effectRef>
+          <a:fontRef idx="minor">
+            <a:schemeClr val="dk1"/>
+          </a:fontRef>
+        </p:style>
+      </p:cxnSp>
+      <p:sp>
+        <p:nvSpPr>
+          <p:cNvPr id="105" name="Rectangle 104">
+            <a:extLst>
+              <a:ext uri="{FF2B5EF4-FFF2-40B4-BE49-F238E27FC236}">
+                <a16:creationId xmlns:a16="http://schemas.microsoft.com/office/drawing/2014/main" id="{26727E4F-F9AC-4D12-ACED-F419938DC059}"/>
+              </a:ext>
+            </a:extLst>
+          </p:cNvPr>
+          <p:cNvSpPr/>
+          <p:nvPr/>
+        </p:nvSpPr>
+        <p:spPr>
+          <a:xfrm>
+            <a:off x="4953000" y="5621981"/>
+            <a:ext cx="152400" cy="276003"/>
+          </a:xfrm>
+          <a:prstGeom prst="rect">
+            <a:avLst/>
+          </a:prstGeom>
+          <a:solidFill>
+            <a:srgbClr val="0070C0"/>
+          </a:solidFill>
+          <a:ln>
+            <a:solidFill>
+              <a:srgbClr val="0070C0"/>
+            </a:solidFill>
+          </a:ln>
+          <a:effectLst/>
+        </p:spPr>
+        <p:style>
+          <a:lnRef idx="1">
+            <a:schemeClr val="accent3"/>
+          </a:lnRef>
+          <a:fillRef idx="2">
+            <a:schemeClr val="accent3"/>
+          </a:fillRef>
+          <a:effectRef idx="1">
+            <a:schemeClr val="accent3"/>
+          </a:effectRef>
+          <a:fontRef idx="minor">
+            <a:schemeClr val="dk1"/>
+          </a:fontRef>
+        </p:style>
+        <p:txBody>
+          <a:bodyPr rtlCol="0" anchor="ctr"/>
+          <a:lstStyle/>
+          <a:p>
+            <a:pPr algn="ctr"/>
+            <a:endParaRPr lang="en-SG" sz="1400"/>
+          </a:p>
+        </p:txBody>
+      </p:sp>
+      <p:cxnSp>
+        <p:nvCxnSpPr>
+          <p:cNvPr id="106" name="Straight Arrow Connector 105">
+            <a:extLst>
+              <a:ext uri="{FF2B5EF4-FFF2-40B4-BE49-F238E27FC236}">
+                <a16:creationId xmlns:a16="http://schemas.microsoft.com/office/drawing/2014/main" id="{E259C2A6-C138-4026-A094-7412D638FCFE}"/>
+              </a:ext>
+            </a:extLst>
+          </p:cNvPr>
+          <p:cNvCxnSpPr>
+            <a:cxnSpLocks/>
+          </p:cNvCxnSpPr>
+          <p:nvPr/>
+        </p:nvCxnSpPr>
+        <p:spPr>
+          <a:xfrm>
+            <a:off x="419100" y="5178783"/>
+            <a:ext cx="1119851" cy="0"/>
+          </a:xfrm>
+          <a:prstGeom prst="straightConnector1">
+            <a:avLst/>
+          </a:prstGeom>
+          <a:ln w="19050">
+            <a:solidFill>
+              <a:srgbClr val="00B050"/>
+            </a:solidFill>
+            <a:tailEnd type="arrow"/>
+          </a:ln>
+        </p:spPr>
+        <p:style>
+          <a:lnRef idx="1">
+            <a:schemeClr val="accent1"/>
+          </a:lnRef>
+          <a:fillRef idx="0">
+            <a:schemeClr val="accent1"/>
+          </a:fillRef>
+          <a:effectRef idx="0">
+            <a:schemeClr val="accent1"/>
+          </a:effectRef>
+          <a:fontRef idx="minor">
+            <a:schemeClr val="tx1"/>
+          </a:fontRef>
+        </p:style>
+      </p:cxnSp>
+      <p:sp>
+        <p:nvSpPr>
+          <p:cNvPr id="107" name="TextBox 106">
+            <a:extLst>
+              <a:ext uri="{FF2B5EF4-FFF2-40B4-BE49-F238E27FC236}">
+                <a16:creationId xmlns:a16="http://schemas.microsoft.com/office/drawing/2014/main" id="{8423F20A-2AE1-4BEA-84DF-E03B809B8764}"/>
+              </a:ext>
+            </a:extLst>
+          </p:cNvPr>
+          <p:cNvSpPr txBox="1"/>
+          <p:nvPr/>
+        </p:nvSpPr>
+        <p:spPr>
+          <a:xfrm>
+            <a:off x="-152400" y="4874818"/>
+            <a:ext cx="1729694" cy="215444"/>
+          </a:xfrm>
+          <a:prstGeom prst="rect">
+            <a:avLst/>
+          </a:prstGeom>
+          <a:noFill/>
+        </p:spPr>
+        <p:txBody>
+          <a:bodyPr wrap="square" lIns="0" tIns="0" rIns="0" bIns="0" rtlCol="0">
+            <a:spAutoFit/>
+          </a:bodyPr>
+          <a:lstStyle/>
+          <a:p>
+            <a:pPr algn="r"/>
+            <a:r>
+              <a:rPr lang="en-US" sz="1400" dirty="0">
+                <a:solidFill>
+                  <a:srgbClr val="0070C0"/>
+                </a:solidFill>
+              </a:rPr>
+              <a:t>execute(“</a:t>
+            </a:r>
+            <a:r>
+              <a:rPr lang="en-US" sz="1400" dirty="0" err="1">
+                <a:solidFill>
+                  <a:srgbClr val="0070C0"/>
+                </a:solidFill>
+              </a:rPr>
+              <a:t>viewmh</a:t>
+            </a:r>
+            <a:r>
+              <a:rPr lang="en-US" sz="1400" dirty="0">
+                <a:solidFill>
+                  <a:srgbClr val="0070C0"/>
+                </a:solidFill>
+              </a:rPr>
+              <a:t> …”)</a:t>
+            </a:r>
+          </a:p>
+        </p:txBody>
+      </p:sp>
+      <p:cxnSp>
+        <p:nvCxnSpPr>
+          <p:cNvPr id="108" name="Straight Arrow Connector 107">
+            <a:extLst>
+              <a:ext uri="{FF2B5EF4-FFF2-40B4-BE49-F238E27FC236}">
+                <a16:creationId xmlns:a16="http://schemas.microsoft.com/office/drawing/2014/main" id="{66D947A5-06C7-4975-AF12-D4C19D91A995}"/>
+              </a:ext>
+            </a:extLst>
+          </p:cNvPr>
+          <p:cNvCxnSpPr>
+            <a:cxnSpLocks/>
+          </p:cNvCxnSpPr>
+          <p:nvPr/>
+        </p:nvCxnSpPr>
+        <p:spPr>
+          <a:xfrm>
+            <a:off x="4036590" y="5417721"/>
+            <a:ext cx="1021774" cy="11404"/>
+          </a:xfrm>
+          <a:prstGeom prst="straightConnector1">
+            <a:avLst/>
+          </a:prstGeom>
+          <a:ln w="19050">
+            <a:solidFill>
+              <a:srgbClr val="0070C0"/>
+            </a:solidFill>
+            <a:tailEnd type="arrow"/>
+          </a:ln>
+        </p:spPr>
+        <p:style>
+          <a:lnRef idx="1">
+            <a:schemeClr val="accent1"/>
+          </a:lnRef>
+          <a:fillRef idx="0">
+            <a:schemeClr val="accent1"/>
+          </a:fillRef>
+          <a:effectRef idx="0">
+            <a:schemeClr val="accent1"/>
+          </a:effectRef>
+          <a:fontRef idx="minor">
+            <a:schemeClr val="tx1"/>
+          </a:fontRef>
+        </p:style>
+      </p:cxnSp>
+      <p:sp>
+        <p:nvSpPr>
+          <p:cNvPr id="109" name="TextBox 108">
+            <a:extLst>
+              <a:ext uri="{FF2B5EF4-FFF2-40B4-BE49-F238E27FC236}">
+                <a16:creationId xmlns:a16="http://schemas.microsoft.com/office/drawing/2014/main" id="{7CF58B61-0298-4381-BCE2-D748E52D35F5}"/>
+              </a:ext>
+            </a:extLst>
+          </p:cNvPr>
+          <p:cNvSpPr txBox="1"/>
+          <p:nvPr/>
+        </p:nvSpPr>
+        <p:spPr>
+          <a:xfrm>
+            <a:off x="2192191" y="6400855"/>
+            <a:ext cx="855809" cy="215444"/>
+          </a:xfrm>
+          <a:prstGeom prst="rect">
+            <a:avLst/>
+          </a:prstGeom>
+          <a:noFill/>
+        </p:spPr>
+        <p:txBody>
+          <a:bodyPr wrap="square" lIns="0" tIns="0" rIns="0" bIns="0" rtlCol="0">
+            <a:spAutoFit/>
+          </a:bodyPr>
+          <a:lstStyle>
+            <a:defPPr>
+              <a:defRPr lang="en-US"/>
+            </a:defPPr>
+            <a:lvl1pPr algn="r">
+              <a:defRPr sz="1400">
+                <a:solidFill>
+                  <a:srgbClr val="0070C0"/>
+                </a:solidFill>
+              </a:defRPr>
+            </a:lvl1pPr>
+          </a:lstStyle>
+          <a:p>
+            <a:r>
+              <a:rPr lang="en-US" dirty="0"/>
+              <a:t>execute()</a:t>
+            </a:r>
+          </a:p>
+        </p:txBody>
+      </p:sp>
+      <p:cxnSp>
+        <p:nvCxnSpPr>
+          <p:cNvPr id="110" name="Straight Arrow Connector 109">
+            <a:extLst>
+              <a:ext uri="{FF2B5EF4-FFF2-40B4-BE49-F238E27FC236}">
+                <a16:creationId xmlns:a16="http://schemas.microsoft.com/office/drawing/2014/main" id="{1FF05E46-7D47-448A-BFA7-491155F0E349}"/>
+              </a:ext>
+            </a:extLst>
+          </p:cNvPr>
+          <p:cNvCxnSpPr>
+            <a:cxnSpLocks/>
+          </p:cNvCxnSpPr>
+          <p:nvPr/>
+        </p:nvCxnSpPr>
+        <p:spPr>
+          <a:xfrm>
+            <a:off x="4109108" y="5795016"/>
+            <a:ext cx="843892" cy="11404"/>
+          </a:xfrm>
+          <a:prstGeom prst="straightConnector1">
+            <a:avLst/>
+          </a:prstGeom>
+          <a:ln w="19050">
+            <a:solidFill>
+              <a:srgbClr val="0070C0"/>
+            </a:solidFill>
+            <a:prstDash val="sysDash"/>
+            <a:headEnd type="arrow" w="med" len="med"/>
+            <a:tailEnd type="none" w="med" len="med"/>
+          </a:ln>
+        </p:spPr>
+        <p:style>
+          <a:lnRef idx="1">
+            <a:schemeClr val="accent1"/>
+          </a:lnRef>
+          <a:fillRef idx="0">
+            <a:schemeClr val="accent1"/>
+          </a:fillRef>
+          <a:effectRef idx="0">
+            <a:schemeClr val="accent1"/>
+          </a:effectRef>
+          <a:fontRef idx="minor">
+            <a:schemeClr val="tx1"/>
+          </a:fontRef>
+        </p:style>
+      </p:cxnSp>
+      <p:cxnSp>
+        <p:nvCxnSpPr>
+          <p:cNvPr id="111" name="Straight Arrow Connector 110">
+            <a:extLst>
+              <a:ext uri="{FF2B5EF4-FFF2-40B4-BE49-F238E27FC236}">
+                <a16:creationId xmlns:a16="http://schemas.microsoft.com/office/drawing/2014/main" id="{E584D855-3307-4716-878C-C5D76BE5746E}"/>
+              </a:ext>
+            </a:extLst>
+          </p:cNvPr>
+          <p:cNvCxnSpPr>
+            <a:cxnSpLocks/>
+          </p:cNvCxnSpPr>
+          <p:nvPr/>
+        </p:nvCxnSpPr>
+        <p:spPr>
+          <a:xfrm>
+            <a:off x="1691351" y="5897984"/>
+            <a:ext cx="2104508" cy="0"/>
+          </a:xfrm>
+          <a:prstGeom prst="straightConnector1">
+            <a:avLst/>
+          </a:prstGeom>
+          <a:ln w="19050">
+            <a:solidFill>
+              <a:srgbClr val="0070C0"/>
+            </a:solidFill>
+            <a:prstDash val="sysDash"/>
+            <a:headEnd type="arrow" w="med" len="med"/>
+            <a:tailEnd type="none" w="med" len="med"/>
+          </a:ln>
+        </p:spPr>
+        <p:style>
+          <a:lnRef idx="1">
+            <a:schemeClr val="accent1"/>
+          </a:lnRef>
+          <a:fillRef idx="0">
+            <a:schemeClr val="accent1"/>
+          </a:fillRef>
+          <a:effectRef idx="0">
+            <a:schemeClr val="accent1"/>
+          </a:effectRef>
+          <a:fontRef idx="minor">
+            <a:schemeClr val="tx1"/>
+          </a:fontRef>
+        </p:style>
+      </p:cxnSp>
+      <p:cxnSp>
+        <p:nvCxnSpPr>
+          <p:cNvPr id="112" name="Straight Arrow Connector 111">
+            <a:extLst>
+              <a:ext uri="{FF2B5EF4-FFF2-40B4-BE49-F238E27FC236}">
+                <a16:creationId xmlns:a16="http://schemas.microsoft.com/office/drawing/2014/main" id="{CDF246C0-798E-4791-9D8A-4DB26191CF6B}"/>
+              </a:ext>
+            </a:extLst>
+          </p:cNvPr>
+          <p:cNvCxnSpPr>
+            <a:cxnSpLocks/>
+          </p:cNvCxnSpPr>
+          <p:nvPr/>
+        </p:nvCxnSpPr>
+        <p:spPr>
+          <a:xfrm>
+            <a:off x="380999" y="8107784"/>
+            <a:ext cx="1196051" cy="0"/>
+          </a:xfrm>
+          <a:prstGeom prst="straightConnector1">
+            <a:avLst/>
+          </a:prstGeom>
+          <a:ln w="19050">
+            <a:solidFill>
+              <a:schemeClr val="accent1"/>
+            </a:solidFill>
+            <a:prstDash val="sysDash"/>
+            <a:headEnd type="arrow" w="med" len="med"/>
+            <a:tailEnd type="none" w="med" len="med"/>
+          </a:ln>
+        </p:spPr>
+        <p:style>
+          <a:lnRef idx="1">
+            <a:schemeClr val="accent1"/>
+          </a:lnRef>
+          <a:fillRef idx="0">
+            <a:schemeClr val="accent1"/>
+          </a:fillRef>
+          <a:effectRef idx="0">
+            <a:schemeClr val="accent1"/>
+          </a:effectRef>
+          <a:fontRef idx="minor">
+            <a:schemeClr val="tx1"/>
+          </a:fontRef>
+        </p:style>
+      </p:cxnSp>
+      <p:sp>
+        <p:nvSpPr>
+          <p:cNvPr id="113" name="Rectangle 112">
+            <a:extLst>
+              <a:ext uri="{FF2B5EF4-FFF2-40B4-BE49-F238E27FC236}">
+                <a16:creationId xmlns:a16="http://schemas.microsoft.com/office/drawing/2014/main" id="{60817F70-DA81-4CAD-934B-DE9875CF138A}"/>
+              </a:ext>
+            </a:extLst>
+          </p:cNvPr>
+          <p:cNvSpPr/>
+          <p:nvPr/>
+        </p:nvSpPr>
+        <p:spPr>
+          <a:xfrm>
+            <a:off x="4953000" y="6570091"/>
+            <a:ext cx="207694" cy="1385292"/>
+          </a:xfrm>
+          <a:prstGeom prst="rect">
+            <a:avLst/>
+          </a:prstGeom>
+          <a:solidFill>
+            <a:srgbClr val="0070C0"/>
+          </a:solidFill>
+          <a:ln>
+            <a:solidFill>
+              <a:srgbClr val="0070C0"/>
+            </a:solidFill>
+          </a:ln>
+          <a:effectLst/>
+        </p:spPr>
+        <p:style>
+          <a:lnRef idx="1">
+            <a:schemeClr val="accent3"/>
+          </a:lnRef>
+          <a:fillRef idx="2">
+            <a:schemeClr val="accent3"/>
+          </a:fillRef>
+          <a:effectRef idx="1">
+            <a:schemeClr val="accent3"/>
+          </a:effectRef>
+          <a:fontRef idx="minor">
+            <a:schemeClr val="dk1"/>
+          </a:fontRef>
+        </p:style>
+        <p:txBody>
+          <a:bodyPr rtlCol="0" anchor="ctr"/>
+          <a:lstStyle/>
+          <a:p>
+            <a:pPr algn="ctr"/>
+            <a:endParaRPr lang="en-SG" sz="1400"/>
+          </a:p>
+        </p:txBody>
+      </p:sp>
+      <p:sp>
+        <p:nvSpPr>
+          <p:cNvPr id="115" name="TextBox 114">
+            <a:extLst>
+              <a:ext uri="{FF2B5EF4-FFF2-40B4-BE49-F238E27FC236}">
+                <a16:creationId xmlns:a16="http://schemas.microsoft.com/office/drawing/2014/main" id="{3AE38CF7-CC94-4F03-A5F4-17524D59C06E}"/>
+              </a:ext>
+            </a:extLst>
+          </p:cNvPr>
+          <p:cNvSpPr txBox="1"/>
+          <p:nvPr/>
+        </p:nvSpPr>
+        <p:spPr>
+          <a:xfrm>
+            <a:off x="1447800" y="5022935"/>
+            <a:ext cx="2348059" cy="215444"/>
+          </a:xfrm>
+          <a:prstGeom prst="rect">
+            <a:avLst/>
+          </a:prstGeom>
+          <a:noFill/>
+        </p:spPr>
+        <p:txBody>
+          <a:bodyPr wrap="square" lIns="0" tIns="0" rIns="0" bIns="0" rtlCol="0">
+            <a:spAutoFit/>
+          </a:bodyPr>
+          <a:lstStyle>
+            <a:defPPr>
+              <a:defRPr lang="en-US"/>
+            </a:defPPr>
+            <a:lvl1pPr algn="r">
+              <a:defRPr sz="1400">
+                <a:solidFill>
+                  <a:srgbClr val="0070C0"/>
+                </a:solidFill>
+              </a:defRPr>
+            </a:lvl1pPr>
+          </a:lstStyle>
+          <a:p>
+            <a:r>
+              <a:rPr lang="en-US" dirty="0" err="1"/>
+              <a:t>parseCommand</a:t>
+            </a:r>
+            <a:r>
+              <a:rPr lang="en-US" dirty="0"/>
+              <a:t>(“</a:t>
+            </a:r>
+            <a:r>
+              <a:rPr lang="en-US" dirty="0" err="1"/>
+              <a:t>viewmh</a:t>
+            </a:r>
+            <a:r>
+              <a:rPr lang="en-US" dirty="0"/>
+              <a:t> …”)</a:t>
+            </a:r>
+          </a:p>
+        </p:txBody>
+      </p:sp>
+      <p:sp>
+        <p:nvSpPr>
+          <p:cNvPr id="116" name="TextBox 115">
+            <a:extLst>
+              <a:ext uri="{FF2B5EF4-FFF2-40B4-BE49-F238E27FC236}">
+                <a16:creationId xmlns:a16="http://schemas.microsoft.com/office/drawing/2014/main" id="{487100C0-D22D-45FE-9BF7-17B856301214}"/>
+              </a:ext>
+            </a:extLst>
+          </p:cNvPr>
+          <p:cNvSpPr txBox="1"/>
+          <p:nvPr/>
+        </p:nvSpPr>
+        <p:spPr>
+          <a:xfrm>
+            <a:off x="2133600" y="7707860"/>
+            <a:ext cx="621216" cy="215444"/>
+          </a:xfrm>
+          <a:prstGeom prst="rect">
+            <a:avLst/>
+          </a:prstGeom>
+          <a:noFill/>
+        </p:spPr>
+        <p:txBody>
+          <a:bodyPr wrap="square" lIns="0" tIns="0" rIns="0" bIns="0" rtlCol="0">
+            <a:spAutoFit/>
+          </a:bodyPr>
+          <a:lstStyle>
+            <a:defPPr>
+              <a:defRPr lang="en-US"/>
+            </a:defPPr>
+            <a:lvl1pPr algn="r">
+              <a:defRPr sz="1400">
+                <a:solidFill>
+                  <a:srgbClr val="0070C0"/>
+                </a:solidFill>
+              </a:defRPr>
+            </a:lvl1pPr>
+          </a:lstStyle>
+          <a:p>
+            <a:r>
+              <a:rPr lang="en-US" dirty="0"/>
+              <a:t>result</a:t>
+            </a:r>
+          </a:p>
+        </p:txBody>
+      </p:sp>
+      <p:sp>
+        <p:nvSpPr>
+          <p:cNvPr id="117" name="TextBox 116">
+            <a:extLst>
+              <a:ext uri="{FF2B5EF4-FFF2-40B4-BE49-F238E27FC236}">
+                <a16:creationId xmlns:a16="http://schemas.microsoft.com/office/drawing/2014/main" id="{06223681-3035-46DF-9B43-DB7FD51EE452}"/>
+              </a:ext>
+            </a:extLst>
+          </p:cNvPr>
+          <p:cNvSpPr txBox="1"/>
+          <p:nvPr/>
+        </p:nvSpPr>
+        <p:spPr>
+          <a:xfrm>
+            <a:off x="645270" y="7862685"/>
+            <a:ext cx="762000" cy="215444"/>
+          </a:xfrm>
+          <a:prstGeom prst="rect">
+            <a:avLst/>
+          </a:prstGeom>
+          <a:noFill/>
+        </p:spPr>
+        <p:txBody>
+          <a:bodyPr wrap="square" lIns="0" tIns="0" rIns="0" bIns="0" rtlCol="0">
+            <a:spAutoFit/>
+          </a:bodyPr>
+          <a:lstStyle>
+            <a:defPPr>
+              <a:defRPr lang="en-US"/>
+            </a:defPPr>
+            <a:lvl1pPr algn="r">
+              <a:defRPr sz="1400">
+                <a:solidFill>
+                  <a:srgbClr val="0070C0"/>
+                </a:solidFill>
+              </a:defRPr>
+            </a:lvl1pPr>
+          </a:lstStyle>
+          <a:p>
+            <a:r>
+              <a:rPr lang="en-US" dirty="0"/>
+              <a:t>result</a:t>
+            </a:r>
+          </a:p>
+        </p:txBody>
+      </p:sp>
+      <p:sp>
+        <p:nvSpPr>
+          <p:cNvPr id="120" name="TextBox 119">
+            <a:extLst>
+              <a:ext uri="{FF2B5EF4-FFF2-40B4-BE49-F238E27FC236}">
+                <a16:creationId xmlns:a16="http://schemas.microsoft.com/office/drawing/2014/main" id="{F1804482-EC0E-4601-B665-98D096542A45}"/>
+              </a:ext>
+            </a:extLst>
+          </p:cNvPr>
+          <p:cNvSpPr txBox="1"/>
+          <p:nvPr/>
+        </p:nvSpPr>
+        <p:spPr>
+          <a:xfrm>
+            <a:off x="2590800" y="5669384"/>
+            <a:ext cx="220343" cy="215444"/>
+          </a:xfrm>
+          <a:prstGeom prst="rect">
+            <a:avLst/>
+          </a:prstGeom>
+          <a:noFill/>
+        </p:spPr>
+        <p:txBody>
+          <a:bodyPr wrap="square" lIns="0" tIns="0" rIns="0" bIns="0" rtlCol="0">
+            <a:spAutoFit/>
+          </a:bodyPr>
+          <a:lstStyle>
+            <a:defPPr>
+              <a:defRPr lang="en-US"/>
+            </a:defPPr>
+            <a:lvl1pPr algn="r">
+              <a:defRPr sz="1400">
+                <a:solidFill>
+                  <a:srgbClr val="0070C0"/>
+                </a:solidFill>
+              </a:defRPr>
+            </a:lvl1pPr>
+          </a:lstStyle>
+          <a:p>
+            <a:r>
+              <a:rPr lang="en-US" dirty="0"/>
+              <a:t>v</a:t>
+            </a:r>
+          </a:p>
+        </p:txBody>
+      </p:sp>
+      <p:sp>
+        <p:nvSpPr>
+          <p:cNvPr id="125" name="Rectangle 62">
+            <a:extLst>
+              <a:ext uri="{FF2B5EF4-FFF2-40B4-BE49-F238E27FC236}">
+                <a16:creationId xmlns:a16="http://schemas.microsoft.com/office/drawing/2014/main" id="{DA884A26-36B5-4C78-8F1E-BB5FB7108430}"/>
+              </a:ext>
+            </a:extLst>
+          </p:cNvPr>
+          <p:cNvSpPr/>
+          <p:nvPr/>
+        </p:nvSpPr>
+        <p:spPr>
+          <a:xfrm>
+            <a:off x="5035977" y="5029200"/>
+            <a:ext cx="2025994" cy="462177"/>
+          </a:xfrm>
+          <a:prstGeom prst="rect">
+            <a:avLst/>
+          </a:prstGeom>
+          <a:solidFill>
+            <a:srgbClr val="0070C0"/>
+          </a:solidFill>
+          <a:ln w="19050">
+            <a:solidFill>
+              <a:srgbClr val="0070C0"/>
+            </a:solidFill>
+          </a:ln>
+          <a:effectLst/>
+        </p:spPr>
+        <p:style>
+          <a:lnRef idx="1">
+            <a:schemeClr val="accent2"/>
+          </a:lnRef>
+          <a:fillRef idx="2">
+            <a:schemeClr val="accent2"/>
+          </a:fillRef>
+          <a:effectRef idx="1">
+            <a:schemeClr val="accent2"/>
+          </a:effectRef>
+          <a:fontRef idx="minor">
+            <a:schemeClr val="dk1"/>
+          </a:fontRef>
+        </p:style>
+        <p:txBody>
+          <a:bodyPr rtlCol="0" anchor="ctr"/>
+          <a:lstStyle/>
+          <a:p>
+            <a:pPr algn="ctr"/>
+            <a:r>
+              <a:rPr lang="en-US" sz="1600" dirty="0">
+                <a:solidFill>
+                  <a:schemeClr val="bg1"/>
+                </a:solidFill>
+              </a:rPr>
+              <a:t>v: </a:t>
+            </a:r>
+            <a:r>
+              <a:rPr lang="en-US" sz="1600" dirty="0" err="1">
+                <a:solidFill>
+                  <a:schemeClr val="bg1"/>
+                </a:solidFill>
+              </a:rPr>
+              <a:t>ViewmhCommand</a:t>
+            </a:r>
+            <a:endParaRPr lang="en-SG" sz="1600" dirty="0">
+              <a:solidFill>
+                <a:schemeClr val="bg1"/>
+              </a:solidFill>
+            </a:endParaRPr>
+          </a:p>
+        </p:txBody>
+      </p:sp>
+      <p:cxnSp>
+        <p:nvCxnSpPr>
+          <p:cNvPr id="126" name="Straight Arrow Connector 125">
+            <a:extLst>
+              <a:ext uri="{FF2B5EF4-FFF2-40B4-BE49-F238E27FC236}">
+                <a16:creationId xmlns:a16="http://schemas.microsoft.com/office/drawing/2014/main" id="{C3FAC0F3-56E3-4CAB-8302-7439B7CCED77}"/>
+              </a:ext>
+            </a:extLst>
+          </p:cNvPr>
+          <p:cNvCxnSpPr>
+            <a:cxnSpLocks/>
+          </p:cNvCxnSpPr>
+          <p:nvPr/>
+        </p:nvCxnSpPr>
+        <p:spPr>
+          <a:xfrm flipV="1">
+            <a:off x="1691351" y="6616299"/>
+            <a:ext cx="3251889" cy="31801"/>
+          </a:xfrm>
+          <a:prstGeom prst="straightConnector1">
+            <a:avLst/>
+          </a:prstGeom>
+          <a:ln w="19050">
+            <a:solidFill>
+              <a:srgbClr val="0070C0"/>
+            </a:solidFill>
+            <a:tailEnd type="arrow"/>
+          </a:ln>
+        </p:spPr>
+        <p:style>
+          <a:lnRef idx="1">
+            <a:schemeClr val="accent1"/>
+          </a:lnRef>
+          <a:fillRef idx="0">
+            <a:schemeClr val="accent1"/>
+          </a:fillRef>
+          <a:effectRef idx="0">
+            <a:schemeClr val="accent1"/>
+          </a:effectRef>
+          <a:fontRef idx="minor">
+            <a:schemeClr val="tx1"/>
+          </a:fontRef>
+        </p:style>
+      </p:cxnSp>
+      <p:cxnSp>
+        <p:nvCxnSpPr>
+          <p:cNvPr id="127" name="Straight Arrow Connector 126">
+            <a:extLst>
+              <a:ext uri="{FF2B5EF4-FFF2-40B4-BE49-F238E27FC236}">
+                <a16:creationId xmlns:a16="http://schemas.microsoft.com/office/drawing/2014/main" id="{B55DBEA3-593D-4747-A55C-B20C35C1D937}"/>
+              </a:ext>
+            </a:extLst>
+          </p:cNvPr>
+          <p:cNvCxnSpPr>
+            <a:cxnSpLocks/>
+          </p:cNvCxnSpPr>
+          <p:nvPr/>
+        </p:nvCxnSpPr>
+        <p:spPr>
+          <a:xfrm flipV="1">
+            <a:off x="1708245" y="5268321"/>
+            <a:ext cx="2187935" cy="12381"/>
+          </a:xfrm>
+          <a:prstGeom prst="straightConnector1">
+            <a:avLst/>
+          </a:prstGeom>
+          <a:ln w="19050">
+            <a:solidFill>
+              <a:srgbClr val="0070C0"/>
+            </a:solidFill>
+            <a:tailEnd type="arrow"/>
+          </a:ln>
+        </p:spPr>
+        <p:style>
+          <a:lnRef idx="1">
+            <a:schemeClr val="accent1"/>
+          </a:lnRef>
+          <a:fillRef idx="0">
+            <a:schemeClr val="accent1"/>
+          </a:fillRef>
+          <a:effectRef idx="0">
+            <a:schemeClr val="accent1"/>
+          </a:effectRef>
+          <a:fontRef idx="minor">
+            <a:schemeClr val="tx1"/>
+          </a:fontRef>
+        </p:style>
+      </p:cxnSp>
+      <p:cxnSp>
+        <p:nvCxnSpPr>
+          <p:cNvPr id="128" name="Straight Arrow Connector 127">
+            <a:extLst>
+              <a:ext uri="{FF2B5EF4-FFF2-40B4-BE49-F238E27FC236}">
+                <a16:creationId xmlns:a16="http://schemas.microsoft.com/office/drawing/2014/main" id="{21036E4D-258A-4920-B7F2-1DC2E39B87F5}"/>
+              </a:ext>
+            </a:extLst>
+          </p:cNvPr>
+          <p:cNvCxnSpPr>
+            <a:cxnSpLocks/>
+            <a:endCxn id="113" idx="2"/>
+          </p:cNvCxnSpPr>
+          <p:nvPr/>
+        </p:nvCxnSpPr>
+        <p:spPr>
+          <a:xfrm>
+            <a:off x="1691998" y="7953246"/>
+            <a:ext cx="3364849" cy="2137"/>
+          </a:xfrm>
+          <a:prstGeom prst="straightConnector1">
+            <a:avLst/>
+          </a:prstGeom>
+          <a:ln w="19050">
+            <a:solidFill>
+              <a:srgbClr val="0070C0"/>
             </a:solidFill>
             <a:prstDash val="sysDash"/>
             <a:headEnd type="arrow" w="med" len="med"/>

--- a/docs/diagrams/UndoRedoSequenceDiagram.pptx
+++ b/docs/diagrams/UndoRedoSequenceDiagram.pptx
@@ -126,193 +126,8 @@
 </p:presentation>
 </file>
 
-<file path=ppt/changesInfos/changesInfo1.xml><?xml version="1.0" encoding="utf-8"?>
-<pc:chgInfo xmlns:a="http://schemas.openxmlformats.org/drawingml/2006/main" xmlns:r="http://schemas.openxmlformats.org/officeDocument/2006/relationships" xmlns:ac="http://schemas.microsoft.com/office/drawing/2013/main/command" xmlns:pc="http://schemas.microsoft.com/office/powerpoint/2013/main/command">
-  <pc:docChgLst>
-    <pc:chgData name="Shengmin Leong" userId="075411cc4697ef0d" providerId="LiveId" clId="{D90C1B27-0260-4FC4-8019-5E27427485AA}"/>
-    <pc:docChg chg="undo custSel modSld">
-      <pc:chgData name="Shengmin Leong" userId="075411cc4697ef0d" providerId="LiveId" clId="{D90C1B27-0260-4FC4-8019-5E27427485AA}" dt="2018-10-14T08:20:02.026" v="146" actId="1076"/>
-      <pc:docMkLst>
-        <pc:docMk/>
-      </pc:docMkLst>
-      <pc:sldChg chg="addSp delSp modSp">
-        <pc:chgData name="Shengmin Leong" userId="075411cc4697ef0d" providerId="LiveId" clId="{D90C1B27-0260-4FC4-8019-5E27427485AA}" dt="2018-10-14T08:20:02.026" v="146" actId="1076"/>
-        <pc:sldMkLst>
-          <pc:docMk/>
-          <pc:sldMk cId="3945898909" sldId="267"/>
-        </pc:sldMkLst>
-        <pc:spChg chg="mod">
-          <ac:chgData name="Shengmin Leong" userId="075411cc4697ef0d" providerId="LiveId" clId="{D90C1B27-0260-4FC4-8019-5E27427485AA}" dt="2018-10-14T08:18:03.457" v="106" actId="1076"/>
-          <ac:spMkLst>
-            <pc:docMk/>
-            <pc:sldMk cId="3945898909" sldId="267"/>
-            <ac:spMk id="41" creationId="{00000000-0000-0000-0000-000000000000}"/>
-          </ac:spMkLst>
-        </pc:spChg>
-        <pc:spChg chg="add del mod">
-          <ac:chgData name="Shengmin Leong" userId="075411cc4697ef0d" providerId="LiveId" clId="{D90C1B27-0260-4FC4-8019-5E27427485AA}" dt="2018-10-14T08:14:42.734" v="66" actId="1076"/>
-          <ac:spMkLst>
-            <pc:docMk/>
-            <pc:sldMk cId="3945898909" sldId="267"/>
-            <ac:spMk id="47" creationId="{B9C27FBA-8B35-400C-814C-FAAC821AC745}"/>
-          </ac:spMkLst>
-        </pc:spChg>
-        <pc:spChg chg="mod">
-          <ac:chgData name="Shengmin Leong" userId="075411cc4697ef0d" providerId="LiveId" clId="{D90C1B27-0260-4FC4-8019-5E27427485AA}" dt="2018-10-14T08:13:11.190" v="31" actId="14100"/>
-          <ac:spMkLst>
-            <pc:docMk/>
-            <pc:sldMk cId="3945898909" sldId="267"/>
-            <ac:spMk id="49" creationId="{00000000-0000-0000-0000-000000000000}"/>
-          </ac:spMkLst>
-        </pc:spChg>
-        <pc:spChg chg="mod">
-          <ac:chgData name="Shengmin Leong" userId="075411cc4697ef0d" providerId="LiveId" clId="{D90C1B27-0260-4FC4-8019-5E27427485AA}" dt="2018-10-14T08:17:06.929" v="95" actId="1076"/>
-          <ac:spMkLst>
-            <pc:docMk/>
-            <pc:sldMk cId="3945898909" sldId="267"/>
-            <ac:spMk id="56" creationId="{00000000-0000-0000-0000-000000000000}"/>
-          </ac:spMkLst>
-        </pc:spChg>
-        <pc:spChg chg="add mod">
-          <ac:chgData name="Shengmin Leong" userId="075411cc4697ef0d" providerId="LiveId" clId="{D90C1B27-0260-4FC4-8019-5E27427485AA}" dt="2018-10-14T08:18:33.938" v="123" actId="14100"/>
-          <ac:spMkLst>
-            <pc:docMk/>
-            <pc:sldMk cId="3945898909" sldId="267"/>
-            <ac:spMk id="57" creationId="{42AFB9F6-4A5D-43F8-9DF9-040D03E2D799}"/>
-          </ac:spMkLst>
-        </pc:spChg>
-        <pc:spChg chg="add mod">
-          <ac:chgData name="Shengmin Leong" userId="075411cc4697ef0d" providerId="LiveId" clId="{D90C1B27-0260-4FC4-8019-5E27427485AA}" dt="2018-10-14T08:18:10.739" v="121" actId="1035"/>
-          <ac:spMkLst>
-            <pc:docMk/>
-            <pc:sldMk cId="3945898909" sldId="267"/>
-            <ac:spMk id="70" creationId="{9DE35DCF-F76B-45E0-8A3F-91478B8BCF35}"/>
-          </ac:spMkLst>
-        </pc:spChg>
-        <pc:spChg chg="add mod">
-          <ac:chgData name="Shengmin Leong" userId="075411cc4697ef0d" providerId="LiveId" clId="{D90C1B27-0260-4FC4-8019-5E27427485AA}" dt="2018-10-14T08:20:02.026" v="146" actId="1076"/>
-          <ac:spMkLst>
-            <pc:docMk/>
-            <pc:sldMk cId="3945898909" sldId="267"/>
-            <ac:spMk id="71" creationId="{6F6A4A78-460E-463D-B35D-5601ACAB7A66}"/>
-          </ac:spMkLst>
-        </pc:spChg>
-        <pc:spChg chg="mod">
-          <ac:chgData name="Shengmin Leong" userId="075411cc4697ef0d" providerId="LiveId" clId="{D90C1B27-0260-4FC4-8019-5E27427485AA}" dt="2018-10-14T08:11:12.396" v="26" actId="20577"/>
-          <ac:spMkLst>
-            <pc:docMk/>
-            <pc:sldMk cId="3945898909" sldId="267"/>
-            <ac:spMk id="79" creationId="{00000000-0000-0000-0000-000000000000}"/>
-          </ac:spMkLst>
-        </pc:spChg>
-        <pc:spChg chg="mod">
-          <ac:chgData name="Shengmin Leong" userId="075411cc4697ef0d" providerId="LiveId" clId="{D90C1B27-0260-4FC4-8019-5E27427485AA}" dt="2018-10-14T08:10:03.978" v="6" actId="20577"/>
-          <ac:spMkLst>
-            <pc:docMk/>
-            <pc:sldMk cId="3945898909" sldId="267"/>
-            <ac:spMk id="84" creationId="{00000000-0000-0000-0000-000000000000}"/>
-          </ac:spMkLst>
-        </pc:spChg>
-        <pc:spChg chg="mod">
-          <ac:chgData name="Shengmin Leong" userId="075411cc4697ef0d" providerId="LiveId" clId="{D90C1B27-0260-4FC4-8019-5E27427485AA}" dt="2018-10-14T08:13:56.189" v="41" actId="1076"/>
-          <ac:spMkLst>
-            <pc:docMk/>
-            <pc:sldMk cId="3945898909" sldId="267"/>
-            <ac:spMk id="86" creationId="{00000000-0000-0000-0000-000000000000}"/>
-          </ac:spMkLst>
-        </pc:spChg>
-        <pc:spChg chg="mod">
-          <ac:chgData name="Shengmin Leong" userId="075411cc4697ef0d" providerId="LiveId" clId="{D90C1B27-0260-4FC4-8019-5E27427485AA}" dt="2018-10-14T08:19:34.969" v="126"/>
-          <ac:spMkLst>
-            <pc:docMk/>
-            <pc:sldMk cId="3945898909" sldId="267"/>
-            <ac:spMk id="88" creationId="{B85C6184-7378-4E89-A338-72B1E5056F4F}"/>
-          </ac:spMkLst>
-        </pc:spChg>
-        <pc:cxnChg chg="mod">
-          <ac:chgData name="Shengmin Leong" userId="075411cc4697ef0d" providerId="LiveId" clId="{D90C1B27-0260-4FC4-8019-5E27427485AA}" dt="2018-10-14T08:13:58.911" v="42" actId="1076"/>
-          <ac:cxnSpMkLst>
-            <pc:docMk/>
-            <pc:sldMk cId="3945898909" sldId="267"/>
-            <ac:cxnSpMk id="13" creationId="{00000000-0000-0000-0000-000000000000}"/>
-          </ac:cxnSpMkLst>
-        </pc:cxnChg>
-        <pc:cxnChg chg="add mod">
-          <ac:chgData name="Shengmin Leong" userId="075411cc4697ef0d" providerId="LiveId" clId="{D90C1B27-0260-4FC4-8019-5E27427485AA}" dt="2018-10-14T08:15:11.212" v="73" actId="14100"/>
-          <ac:cxnSpMkLst>
-            <pc:docMk/>
-            <pc:sldMk cId="3945898909" sldId="267"/>
-            <ac:cxnSpMk id="48" creationId="{18F96F8E-DD6D-43F2-BEF1-9BEDA58AEE84}"/>
-          </ac:cxnSpMkLst>
-        </pc:cxnChg>
-        <pc:cxnChg chg="add mod">
-          <ac:chgData name="Shengmin Leong" userId="075411cc4697ef0d" providerId="LiveId" clId="{D90C1B27-0260-4FC4-8019-5E27427485AA}" dt="2018-10-14T08:15:36.175" v="77" actId="14100"/>
-          <ac:cxnSpMkLst>
-            <pc:docMk/>
-            <pc:sldMk cId="3945898909" sldId="267"/>
-            <ac:cxnSpMk id="53" creationId="{0A0FD8B3-0BF9-4DD7-BB66-4F1F5075ECFA}"/>
-          </ac:cxnSpMkLst>
-        </pc:cxnChg>
-        <pc:cxnChg chg="add mod">
-          <ac:chgData name="Shengmin Leong" userId="075411cc4697ef0d" providerId="LiveId" clId="{D90C1B27-0260-4FC4-8019-5E27427485AA}" dt="2018-10-14T08:18:37.623" v="124" actId="1035"/>
-          <ac:cxnSpMkLst>
-            <pc:docMk/>
-            <pc:sldMk cId="3945898909" sldId="267"/>
-            <ac:cxnSpMk id="55" creationId="{3C7AEEEC-1A69-47D1-BF4C-C8C87CA6C633}"/>
-          </ac:cxnSpMkLst>
-        </pc:cxnChg>
-        <pc:cxnChg chg="add mod">
-          <ac:chgData name="Shengmin Leong" userId="075411cc4697ef0d" providerId="LiveId" clId="{D90C1B27-0260-4FC4-8019-5E27427485AA}" dt="2018-10-14T08:18:33.938" v="123" actId="14100"/>
-          <ac:cxnSpMkLst>
-            <pc:docMk/>
-            <pc:sldMk cId="3945898909" sldId="267"/>
-            <ac:cxnSpMk id="58" creationId="{B7962450-0C51-48ED-B43F-667E6F285E35}"/>
-          </ac:cxnSpMkLst>
-        </pc:cxnChg>
-        <pc:cxnChg chg="mod">
-          <ac:chgData name="Shengmin Leong" userId="075411cc4697ef0d" providerId="LiveId" clId="{D90C1B27-0260-4FC4-8019-5E27427485AA}" dt="2018-10-14T08:14:03.907" v="43" actId="1076"/>
-          <ac:cxnSpMkLst>
-            <pc:docMk/>
-            <pc:sldMk cId="3945898909" sldId="267"/>
-            <ac:cxnSpMk id="60" creationId="{7C9F21BC-13A9-471F-825A-2621FD36355F}"/>
-          </ac:cxnSpMkLst>
-        </pc:cxnChg>
-        <pc:cxnChg chg="add del mod">
-          <ac:chgData name="Shengmin Leong" userId="075411cc4697ef0d" providerId="LiveId" clId="{D90C1B27-0260-4FC4-8019-5E27427485AA}" dt="2018-10-14T08:17:44.943" v="103" actId="478"/>
-          <ac:cxnSpMkLst>
-            <pc:docMk/>
-            <pc:sldMk cId="3945898909" sldId="267"/>
-            <ac:cxnSpMk id="61" creationId="{08C4A4F9-A7A0-43C2-86AB-5BE9F1454C1C}"/>
-          </ac:cxnSpMkLst>
-        </pc:cxnChg>
-        <pc:cxnChg chg="mod">
-          <ac:chgData name="Shengmin Leong" userId="075411cc4697ef0d" providerId="LiveId" clId="{D90C1B27-0260-4FC4-8019-5E27427485AA}" dt="2018-10-14T08:13:15.344" v="32" actId="14100"/>
-          <ac:cxnSpMkLst>
-            <pc:docMk/>
-            <pc:sldMk cId="3945898909" sldId="267"/>
-            <ac:cxnSpMk id="63" creationId="{7C9F21BC-13A9-471F-825A-2621FD36355F}"/>
-          </ac:cxnSpMkLst>
-        </pc:cxnChg>
-        <pc:cxnChg chg="add del">
-          <ac:chgData name="Shengmin Leong" userId="075411cc4697ef0d" providerId="LiveId" clId="{D90C1B27-0260-4FC4-8019-5E27427485AA}" dt="2018-10-14T08:18:00.345" v="105"/>
-          <ac:cxnSpMkLst>
-            <pc:docMk/>
-            <pc:sldMk cId="3945898909" sldId="267"/>
-            <ac:cxnSpMk id="68" creationId="{D0C0272E-A883-4F9A-85ED-6A9ADB65137F}"/>
-          </ac:cxnSpMkLst>
-        </pc:cxnChg>
-        <pc:cxnChg chg="mod">
-          <ac:chgData name="Shengmin Leong" userId="075411cc4697ef0d" providerId="LiveId" clId="{D90C1B27-0260-4FC4-8019-5E27427485AA}" dt="2018-10-14T08:18:27.690" v="122" actId="1076"/>
-          <ac:cxnSpMkLst>
-            <pc:docMk/>
-            <pc:sldMk cId="3945898909" sldId="267"/>
-            <ac:cxnSpMk id="89" creationId="{E4E1C8CA-49DF-45D8-80A5-D5C8282EE927}"/>
-          </ac:cxnSpMkLst>
-        </pc:cxnChg>
-      </pc:sldChg>
-    </pc:docChg>
-  </pc:docChgLst>
-</pc:chgInfo>
+<file path=ppt/revisionInfo.xml><?xml version="1.0" encoding="utf-8"?>
+<p1510:revInfo xmlns:a="http://schemas.openxmlformats.org/drawingml/2006/main" xmlns:r="http://schemas.openxmlformats.org/officeDocument/2006/relationships" xmlns:p1510="http://schemas.microsoft.com/office/powerpoint/2015/10/main"/>
 </file>
 
 <file path=ppt/notesMasters/notesMaster1.xml><?xml version="1.0" encoding="utf-8"?>
@@ -397,7 +212,7 @@
           <a:p>
             <a:fld id="{F5CC4B3F-88C1-4FFA-B1B6-F41C21DC6924}" type="datetimeFigureOut">
               <a:rPr lang="en-US" smtClean="0"/>
-              <a:t>10/14/2018</a:t>
+              <a:t>7/6/2018</a:t>
             </a:fld>
             <a:endParaRPr lang="en-US"/>
           </a:p>
@@ -843,7 +658,7 @@
           <a:p>
             <a:fld id="{78C97017-6FC3-485B-9764-EAC9E56C1D49}" type="datetimeFigureOut">
               <a:rPr lang="en-US" smtClean="0"/>
-              <a:t>10/14/2018</a:t>
+              <a:t>7/6/2018</a:t>
             </a:fld>
             <a:endParaRPr lang="en-US"/>
           </a:p>
@@ -1011,7 +826,7 @@
           <a:p>
             <a:fld id="{78C97017-6FC3-485B-9764-EAC9E56C1D49}" type="datetimeFigureOut">
               <a:rPr lang="en-US" smtClean="0"/>
-              <a:t>10/14/2018</a:t>
+              <a:t>7/6/2018</a:t>
             </a:fld>
             <a:endParaRPr lang="en-US"/>
           </a:p>
@@ -1189,7 +1004,7 @@
           <a:p>
             <a:fld id="{78C97017-6FC3-485B-9764-EAC9E56C1D49}" type="datetimeFigureOut">
               <a:rPr lang="en-US" smtClean="0"/>
-              <a:t>10/14/2018</a:t>
+              <a:t>7/6/2018</a:t>
             </a:fld>
             <a:endParaRPr lang="en-US"/>
           </a:p>
@@ -1357,7 +1172,7 @@
           <a:p>
             <a:fld id="{78C97017-6FC3-485B-9764-EAC9E56C1D49}" type="datetimeFigureOut">
               <a:rPr lang="en-US" smtClean="0"/>
-              <a:t>10/14/2018</a:t>
+              <a:t>7/6/2018</a:t>
             </a:fld>
             <a:endParaRPr lang="en-US"/>
           </a:p>
@@ -1602,7 +1417,7 @@
           <a:p>
             <a:fld id="{78C97017-6FC3-485B-9764-EAC9E56C1D49}" type="datetimeFigureOut">
               <a:rPr lang="en-US" smtClean="0"/>
-              <a:t>10/14/2018</a:t>
+              <a:t>7/6/2018</a:t>
             </a:fld>
             <a:endParaRPr lang="en-US"/>
           </a:p>
@@ -1887,7 +1702,7 @@
           <a:p>
             <a:fld id="{78C97017-6FC3-485B-9764-EAC9E56C1D49}" type="datetimeFigureOut">
               <a:rPr lang="en-US" smtClean="0"/>
-              <a:t>10/14/2018</a:t>
+              <a:t>7/6/2018</a:t>
             </a:fld>
             <a:endParaRPr lang="en-US"/>
           </a:p>
@@ -2306,7 +2121,7 @@
           <a:p>
             <a:fld id="{78C97017-6FC3-485B-9764-EAC9E56C1D49}" type="datetimeFigureOut">
               <a:rPr lang="en-US" smtClean="0"/>
-              <a:t>10/14/2018</a:t>
+              <a:t>7/6/2018</a:t>
             </a:fld>
             <a:endParaRPr lang="en-US"/>
           </a:p>
@@ -2423,7 +2238,7 @@
           <a:p>
             <a:fld id="{78C97017-6FC3-485B-9764-EAC9E56C1D49}" type="datetimeFigureOut">
               <a:rPr lang="en-US" smtClean="0"/>
-              <a:t>10/14/2018</a:t>
+              <a:t>7/6/2018</a:t>
             </a:fld>
             <a:endParaRPr lang="en-US"/>
           </a:p>
@@ -2518,7 +2333,7 @@
           <a:p>
             <a:fld id="{78C97017-6FC3-485B-9764-EAC9E56C1D49}" type="datetimeFigureOut">
               <a:rPr lang="en-US" smtClean="0"/>
-              <a:t>10/14/2018</a:t>
+              <a:t>7/6/2018</a:t>
             </a:fld>
             <a:endParaRPr lang="en-US"/>
           </a:p>
@@ -2793,7 +2608,7 @@
           <a:p>
             <a:fld id="{78C97017-6FC3-485B-9764-EAC9E56C1D49}" type="datetimeFigureOut">
               <a:rPr lang="en-US" smtClean="0"/>
-              <a:t>10/14/2018</a:t>
+              <a:t>7/6/2018</a:t>
             </a:fld>
             <a:endParaRPr lang="en-US"/>
           </a:p>
@@ -3045,7 +2860,7 @@
           <a:p>
             <a:fld id="{78C97017-6FC3-485B-9764-EAC9E56C1D49}" type="datetimeFigureOut">
               <a:rPr lang="en-US" smtClean="0"/>
-              <a:t>10/14/2018</a:t>
+              <a:t>7/6/2018</a:t>
             </a:fld>
             <a:endParaRPr lang="en-US"/>
           </a:p>
@@ -3256,7 +3071,7 @@
           <a:p>
             <a:fld id="{78C97017-6FC3-485B-9764-EAC9E56C1D49}" type="datetimeFigureOut">
               <a:rPr lang="en-US" smtClean="0"/>
-              <a:t>10/14/2018</a:t>
+              <a:t>7/6/2018</a:t>
             </a:fld>
             <a:endParaRPr lang="en-US"/>
           </a:p>
@@ -3639,7 +3454,7 @@
         </p:nvSpPr>
         <p:spPr>
           <a:xfrm>
-            <a:off x="6451258" y="161719"/>
+            <a:off x="6459374" y="118895"/>
             <a:ext cx="3903825" cy="4400926"/>
           </a:xfrm>
           <a:prstGeom prst="roundRect">
@@ -4504,7 +4319,7 @@
                   </a:schemeClr>
                 </a:solidFill>
               </a:rPr>
-              <a:t>undoWish</a:t>
+              <a:t>undo</a:t>
             </a:r>
             <a:r>
               <a:rPr lang="en-US" sz="1200" dirty="0" err="1">
@@ -4512,7 +4327,7 @@
                   <a:srgbClr val="7030A0"/>
                 </a:solidFill>
               </a:rPr>
-              <a:t>Book</a:t>
+              <a:t>AddressBook</a:t>
             </a:r>
             <a:r>
               <a:rPr lang="en-US" sz="1200" dirty="0">
@@ -4707,7 +4522,7 @@
                   <a:schemeClr val="bg1"/>
                 </a:solidFill>
               </a:rPr>
-              <a:t>VersionedWishBook</a:t>
+              <a:t>VersionedAddressBook</a:t>
             </a:r>
             <a:endParaRPr lang="en-SG" sz="1600" dirty="0">
               <a:solidFill>
@@ -4725,8 +4540,8 @@
         </p:nvSpPr>
         <p:spPr>
           <a:xfrm>
-            <a:off x="8465414" y="3180217"/>
-            <a:ext cx="152505" cy="270216"/>
+            <a:off x="8514207" y="3182840"/>
+            <a:ext cx="129933" cy="398562"/>
           </a:xfrm>
           <a:prstGeom prst="rect">
             <a:avLst/>
@@ -4911,7 +4726,7 @@
         <p:spPr>
           <a:xfrm>
             <a:off x="6887527" y="2958106"/>
-            <a:ext cx="152505" cy="928094"/>
+            <a:ext cx="168896" cy="775693"/>
           </a:xfrm>
           <a:prstGeom prst="rect">
             <a:avLst/>
@@ -5242,7 +5057,7 @@
         </p:nvSpPr>
         <p:spPr>
           <a:xfrm>
-            <a:off x="8585069" y="3179895"/>
+            <a:off x="8769530" y="3267337"/>
             <a:ext cx="2120786" cy="184666"/>
           </a:xfrm>
           <a:prstGeom prst="rect">
@@ -5289,7 +5104,7 @@
                   <a:srgbClr val="7030A0"/>
                 </a:solidFill>
               </a:rPr>
-              <a:t>ReadOnlyWishBook</a:t>
+              <a:t>ReadOnlyAddressBook</a:t>
             </a:r>
             <a:r>
               <a:rPr lang="en-US" sz="1200" dirty="0">
@@ -5318,9 +5133,9 @@
           <p:nvPr/>
         </p:nvCxnSpPr>
         <p:spPr>
-          <a:xfrm flipH="1">
-            <a:off x="8539687" y="2877747"/>
-            <a:ext cx="9463" cy="1377366"/>
+          <a:xfrm>
+            <a:off x="8588043" y="2871355"/>
+            <a:ext cx="17996" cy="1467648"/>
           </a:xfrm>
           <a:prstGeom prst="line">
             <a:avLst/>
@@ -5356,7 +5171,7 @@
         </p:nvSpPr>
         <p:spPr>
           <a:xfrm>
-            <a:off x="7742140" y="2975344"/>
+            <a:off x="7667691" y="2975344"/>
             <a:ext cx="551687" cy="184666"/>
           </a:xfrm>
           <a:prstGeom prst="rect">
@@ -5413,7 +5228,7 @@
         </p:nvCxnSpPr>
         <p:spPr>
           <a:xfrm rot="16200000" flipH="1">
-            <a:off x="8487851" y="3220579"/>
+            <a:off x="8527578" y="3220579"/>
             <a:ext cx="156923" cy="76200"/>
           </a:xfrm>
           <a:prstGeom prst="curvedConnector4">
@@ -5498,7 +5313,7 @@
         </p:nvCxnSpPr>
         <p:spPr>
           <a:xfrm flipV="1">
-            <a:off x="7043991" y="3436194"/>
+            <a:off x="7043991" y="3564914"/>
             <a:ext cx="1470216" cy="6325"/>
           </a:xfrm>
           <a:prstGeom prst="straightConnector1">
@@ -5545,8 +5360,8 @@
         </p:nvCxnSpPr>
         <p:spPr>
           <a:xfrm>
-            <a:off x="5701047" y="3882656"/>
-            <a:ext cx="1262733" cy="3544"/>
+            <a:off x="5675919" y="3733799"/>
+            <a:ext cx="1296056" cy="0"/>
           </a:xfrm>
           <a:prstGeom prst="straightConnector1">
             <a:avLst/>
@@ -5575,454 +5390,6 @@
           </a:fontRef>
         </p:style>
       </p:cxnSp>
-      <p:sp>
-        <p:nvSpPr>
-          <p:cNvPr id="47" name="Rectangle 62">
-            <a:extLst>
-              <a:ext uri="{FF2B5EF4-FFF2-40B4-BE49-F238E27FC236}">
-                <a16:creationId xmlns:a16="http://schemas.microsoft.com/office/drawing/2014/main" id="{B9C27FBA-8B35-400C-814C-FAAC821AC745}"/>
-              </a:ext>
-            </a:extLst>
-          </p:cNvPr>
-          <p:cNvSpPr/>
-          <p:nvPr/>
-        </p:nvSpPr>
-        <p:spPr>
-          <a:xfrm>
-            <a:off x="7519804" y="2043573"/>
-            <a:ext cx="2499451" cy="318609"/>
-          </a:xfrm>
-          <a:prstGeom prst="rect">
-            <a:avLst/>
-          </a:prstGeom>
-          <a:solidFill>
-            <a:srgbClr val="7030A0"/>
-          </a:solidFill>
-          <a:ln w="19050">
-            <a:solidFill>
-              <a:srgbClr val="7030A0"/>
-            </a:solidFill>
-          </a:ln>
-          <a:effectLst/>
-        </p:spPr>
-        <p:style>
-          <a:lnRef idx="1">
-            <a:schemeClr val="accent2"/>
-          </a:lnRef>
-          <a:fillRef idx="2">
-            <a:schemeClr val="accent2"/>
-          </a:fillRef>
-          <a:effectRef idx="1">
-            <a:schemeClr val="accent2"/>
-          </a:effectRef>
-          <a:fontRef idx="minor">
-            <a:schemeClr val="dk1"/>
-          </a:fontRef>
-        </p:style>
-        <p:txBody>
-          <a:bodyPr rtlCol="0" anchor="ctr"/>
-          <a:lstStyle/>
-          <a:p>
-            <a:pPr algn="ctr"/>
-            <a:r>
-              <a:rPr lang="en-US" sz="1600" dirty="0">
-                <a:solidFill>
-                  <a:schemeClr val="bg1"/>
-                </a:solidFill>
-              </a:rPr>
-              <a:t>:</a:t>
-            </a:r>
-            <a:r>
-              <a:rPr lang="en-US" sz="1600" dirty="0" err="1">
-                <a:solidFill>
-                  <a:schemeClr val="bg1"/>
-                </a:solidFill>
-              </a:rPr>
-              <a:t>VersionedWishTransaction</a:t>
-            </a:r>
-            <a:endParaRPr lang="en-SG" sz="1600" dirty="0">
-              <a:solidFill>
-                <a:schemeClr val="bg1"/>
-              </a:solidFill>
-            </a:endParaRPr>
-          </a:p>
-        </p:txBody>
-      </p:sp>
-      <p:cxnSp>
-        <p:nvCxnSpPr>
-          <p:cNvPr id="48" name="Straight Connector 47">
-            <a:extLst>
-              <a:ext uri="{FF2B5EF4-FFF2-40B4-BE49-F238E27FC236}">
-                <a16:creationId xmlns:a16="http://schemas.microsoft.com/office/drawing/2014/main" id="{18F96F8E-DD6D-43F2-BEF1-9BEDA58AEE84}"/>
-              </a:ext>
-            </a:extLst>
-          </p:cNvPr>
-          <p:cNvCxnSpPr>
-            <a:cxnSpLocks/>
-            <a:stCxn id="47" idx="2"/>
-          </p:cNvCxnSpPr>
-          <p:nvPr/>
-        </p:nvCxnSpPr>
-        <p:spPr>
-          <a:xfrm>
-            <a:off x="8769530" y="2362182"/>
-            <a:ext cx="18105" cy="1881854"/>
-          </a:xfrm>
-          <a:prstGeom prst="line">
-            <a:avLst/>
-          </a:prstGeom>
-          <a:ln w="19050">
-            <a:solidFill>
-              <a:srgbClr val="7030A0"/>
-            </a:solidFill>
-            <a:prstDash val="sysDash"/>
-          </a:ln>
-          <a:effectLst/>
-        </p:spPr>
-        <p:style>
-          <a:lnRef idx="1">
-            <a:schemeClr val="accent1"/>
-          </a:lnRef>
-          <a:fillRef idx="2">
-            <a:schemeClr val="accent1"/>
-          </a:fillRef>
-          <a:effectRef idx="1">
-            <a:schemeClr val="accent1"/>
-          </a:effectRef>
-          <a:fontRef idx="minor">
-            <a:schemeClr val="dk1"/>
-          </a:fontRef>
-        </p:style>
-      </p:cxnSp>
-      <p:cxnSp>
-        <p:nvCxnSpPr>
-          <p:cNvPr id="53" name="Straight Arrow Connector 52">
-            <a:extLst>
-              <a:ext uri="{FF2B5EF4-FFF2-40B4-BE49-F238E27FC236}">
-                <a16:creationId xmlns:a16="http://schemas.microsoft.com/office/drawing/2014/main" id="{0A0FD8B3-0BF9-4DD7-BB66-4F1F5075ECFA}"/>
-              </a:ext>
-            </a:extLst>
-          </p:cNvPr>
-          <p:cNvCxnSpPr>
-            <a:cxnSpLocks/>
-          </p:cNvCxnSpPr>
-          <p:nvPr/>
-        </p:nvCxnSpPr>
-        <p:spPr>
-          <a:xfrm>
-            <a:off x="7040032" y="3572426"/>
-            <a:ext cx="1747603" cy="0"/>
-          </a:xfrm>
-          <a:prstGeom prst="straightConnector1">
-            <a:avLst/>
-          </a:prstGeom>
-          <a:ln w="19050">
-            <a:solidFill>
-              <a:srgbClr val="7030A0"/>
-            </a:solidFill>
-            <a:tailEnd type="arrow"/>
-          </a:ln>
-        </p:spPr>
-        <p:style>
-          <a:lnRef idx="1">
-            <a:schemeClr val="accent1"/>
-          </a:lnRef>
-          <a:fillRef idx="0">
-            <a:schemeClr val="accent1"/>
-          </a:fillRef>
-          <a:effectRef idx="0">
-            <a:schemeClr val="accent1"/>
-          </a:effectRef>
-          <a:fontRef idx="minor">
-            <a:schemeClr val="tx1"/>
-          </a:fontRef>
-        </p:style>
-      </p:cxnSp>
-      <p:cxnSp>
-        <p:nvCxnSpPr>
-          <p:cNvPr id="55" name="Straight Arrow Connector 54">
-            <a:extLst>
-              <a:ext uri="{FF2B5EF4-FFF2-40B4-BE49-F238E27FC236}">
-                <a16:creationId xmlns:a16="http://schemas.microsoft.com/office/drawing/2014/main" id="{3C7AEEEC-1A69-47D1-BF4C-C8C87CA6C633}"/>
-              </a:ext>
-            </a:extLst>
-          </p:cNvPr>
-          <p:cNvCxnSpPr>
-            <a:cxnSpLocks/>
-          </p:cNvCxnSpPr>
-          <p:nvPr/>
-        </p:nvCxnSpPr>
-        <p:spPr>
-          <a:xfrm flipV="1">
-            <a:off x="7028984" y="3733800"/>
-            <a:ext cx="1758651" cy="1"/>
-          </a:xfrm>
-          <a:prstGeom prst="straightConnector1">
-            <a:avLst/>
-          </a:prstGeom>
-          <a:ln w="19050">
-            <a:solidFill>
-              <a:srgbClr val="7030A0"/>
-            </a:solidFill>
-            <a:prstDash val="sysDash"/>
-            <a:headEnd type="arrow" w="med" len="med"/>
-            <a:tailEnd type="none" w="med" len="med"/>
-          </a:ln>
-        </p:spPr>
-        <p:style>
-          <a:lnRef idx="1">
-            <a:schemeClr val="accent1"/>
-          </a:lnRef>
-          <a:fillRef idx="0">
-            <a:schemeClr val="accent1"/>
-          </a:fillRef>
-          <a:effectRef idx="0">
-            <a:schemeClr val="accent1"/>
-          </a:effectRef>
-          <a:fontRef idx="minor">
-            <a:schemeClr val="tx1"/>
-          </a:fontRef>
-        </p:style>
-      </p:cxnSp>
-      <p:sp>
-        <p:nvSpPr>
-          <p:cNvPr id="57" name="Rectangle 56">
-            <a:extLst>
-              <a:ext uri="{FF2B5EF4-FFF2-40B4-BE49-F238E27FC236}">
-                <a16:creationId xmlns:a16="http://schemas.microsoft.com/office/drawing/2014/main" id="{42AFB9F6-4A5D-43F8-9DF9-040D03E2D799}"/>
-              </a:ext>
-            </a:extLst>
-          </p:cNvPr>
-          <p:cNvSpPr/>
-          <p:nvPr/>
-        </p:nvSpPr>
-        <p:spPr>
-          <a:xfrm>
-            <a:off x="8787635" y="3538973"/>
-            <a:ext cx="114786" cy="231638"/>
-          </a:xfrm>
-          <a:prstGeom prst="rect">
-            <a:avLst/>
-          </a:prstGeom>
-          <a:solidFill>
-            <a:srgbClr val="7030A0"/>
-          </a:solidFill>
-          <a:ln>
-            <a:solidFill>
-              <a:srgbClr val="7030A0"/>
-            </a:solidFill>
-          </a:ln>
-          <a:effectLst/>
-        </p:spPr>
-        <p:style>
-          <a:lnRef idx="1">
-            <a:schemeClr val="accent3"/>
-          </a:lnRef>
-          <a:fillRef idx="2">
-            <a:schemeClr val="accent3"/>
-          </a:fillRef>
-          <a:effectRef idx="1">
-            <a:schemeClr val="accent3"/>
-          </a:effectRef>
-          <a:fontRef idx="minor">
-            <a:schemeClr val="dk1"/>
-          </a:fontRef>
-        </p:style>
-        <p:txBody>
-          <a:bodyPr rtlCol="0" anchor="ctr"/>
-          <a:lstStyle/>
-          <a:p>
-            <a:pPr algn="ctr"/>
-            <a:endParaRPr lang="en-SG" sz="1400"/>
-          </a:p>
-        </p:txBody>
-      </p:sp>
-      <p:cxnSp>
-        <p:nvCxnSpPr>
-          <p:cNvPr id="58" name="Curved Connector 12">
-            <a:extLst>
-              <a:ext uri="{FF2B5EF4-FFF2-40B4-BE49-F238E27FC236}">
-                <a16:creationId xmlns:a16="http://schemas.microsoft.com/office/drawing/2014/main" id="{B7962450-0C51-48ED-B43F-667E6F285E35}"/>
-              </a:ext>
-            </a:extLst>
-          </p:cNvPr>
-          <p:cNvCxnSpPr>
-            <a:cxnSpLocks/>
-            <a:endCxn id="57" idx="3"/>
-          </p:cNvCxnSpPr>
-          <p:nvPr/>
-        </p:nvCxnSpPr>
-        <p:spPr>
-          <a:xfrm rot="16200000" flipH="1">
-            <a:off x="8799657" y="3552028"/>
-            <a:ext cx="115822" cy="89706"/>
-          </a:xfrm>
-          <a:prstGeom prst="curvedConnector4">
-            <a:avLst>
-              <a:gd name="adj1" fmla="val 1"/>
-              <a:gd name="adj2" fmla="val 354832"/>
-            </a:avLst>
-          </a:prstGeom>
-          <a:ln>
-            <a:solidFill>
-              <a:srgbClr val="7030A0"/>
-            </a:solidFill>
-            <a:tailEnd type="triangle"/>
-          </a:ln>
-        </p:spPr>
-        <p:style>
-          <a:lnRef idx="1">
-            <a:schemeClr val="accent1"/>
-          </a:lnRef>
-          <a:fillRef idx="0">
-            <a:schemeClr val="accent1"/>
-          </a:fillRef>
-          <a:effectRef idx="0">
-            <a:schemeClr val="accent1"/>
-          </a:effectRef>
-          <a:fontRef idx="minor">
-            <a:schemeClr val="tx1"/>
-          </a:fontRef>
-        </p:style>
-      </p:cxnSp>
-      <p:sp>
-        <p:nvSpPr>
-          <p:cNvPr id="70" name="TextBox 69">
-            <a:extLst>
-              <a:ext uri="{FF2B5EF4-FFF2-40B4-BE49-F238E27FC236}">
-                <a16:creationId xmlns:a16="http://schemas.microsoft.com/office/drawing/2014/main" id="{9DE35DCF-F76B-45E0-8A3F-91478B8BCF35}"/>
-              </a:ext>
-            </a:extLst>
-          </p:cNvPr>
-          <p:cNvSpPr txBox="1"/>
-          <p:nvPr/>
-        </p:nvSpPr>
-        <p:spPr>
-          <a:xfrm>
-            <a:off x="7894540" y="3429000"/>
-            <a:ext cx="551687" cy="184666"/>
-          </a:xfrm>
-          <a:prstGeom prst="rect">
-            <a:avLst/>
-          </a:prstGeom>
-          <a:noFill/>
-          <a:ln>
-            <a:noFill/>
-          </a:ln>
-        </p:spPr>
-        <p:txBody>
-          <a:bodyPr wrap="square" lIns="0" tIns="0" rIns="0" bIns="0" rtlCol="0">
-            <a:spAutoFit/>
-          </a:bodyPr>
-          <a:lstStyle>
-            <a:defPPr>
-              <a:defRPr lang="en-US"/>
-            </a:defPPr>
-            <a:lvl1pPr algn="r">
-              <a:defRPr sz="1400">
-                <a:solidFill>
-                  <a:srgbClr val="0070C0"/>
-                </a:solidFill>
-              </a:defRPr>
-            </a:lvl1pPr>
-          </a:lstStyle>
-          <a:p>
-            <a:r>
-              <a:rPr lang="en-US" sz="1200" dirty="0">
-                <a:solidFill>
-                  <a:srgbClr val="7030A0"/>
-                </a:solidFill>
-              </a:rPr>
-              <a:t>undo</a:t>
-            </a:r>
-            <a:r>
-              <a:rPr lang="en-US" sz="1200" dirty="0">
-                <a:solidFill>
-                  <a:schemeClr val="accent4">
-                    <a:lumMod val="75000"/>
-                  </a:schemeClr>
-                </a:solidFill>
-              </a:rPr>
-              <a:t>()</a:t>
-            </a:r>
-          </a:p>
-        </p:txBody>
-      </p:sp>
-      <p:sp>
-        <p:nvSpPr>
-          <p:cNvPr id="71" name="TextBox 70">
-            <a:extLst>
-              <a:ext uri="{FF2B5EF4-FFF2-40B4-BE49-F238E27FC236}">
-                <a16:creationId xmlns:a16="http://schemas.microsoft.com/office/drawing/2014/main" id="{6F6A4A78-460E-463D-B35D-5601ACAB7A66}"/>
-              </a:ext>
-            </a:extLst>
-          </p:cNvPr>
-          <p:cNvSpPr txBox="1"/>
-          <p:nvPr/>
-        </p:nvSpPr>
-        <p:spPr>
-          <a:xfrm>
-            <a:off x="9138805" y="3538970"/>
-            <a:ext cx="1751511" cy="184666"/>
-          </a:xfrm>
-          <a:prstGeom prst="rect">
-            <a:avLst/>
-          </a:prstGeom>
-          <a:noFill/>
-        </p:spPr>
-        <p:txBody>
-          <a:bodyPr wrap="square" lIns="0" tIns="0" rIns="0" bIns="0" rtlCol="0">
-            <a:spAutoFit/>
-          </a:bodyPr>
-          <a:lstStyle>
-            <a:defPPr>
-              <a:defRPr lang="en-US"/>
-            </a:defPPr>
-            <a:lvl1pPr algn="r">
-              <a:defRPr sz="1400">
-                <a:solidFill>
-                  <a:srgbClr val="0070C0"/>
-                </a:solidFill>
-              </a:defRPr>
-            </a:lvl1pPr>
-          </a:lstStyle>
-          <a:p>
-            <a:r>
-              <a:rPr lang="en-US" sz="1200" dirty="0" err="1">
-                <a:solidFill>
-                  <a:srgbClr val="7030A0"/>
-                </a:solidFill>
-              </a:rPr>
-              <a:t>resetData</a:t>
-            </a:r>
-            <a:r>
-              <a:rPr lang="en-US" sz="1200" dirty="0">
-                <a:solidFill>
-                  <a:srgbClr val="7030A0"/>
-                </a:solidFill>
-              </a:rPr>
-              <a:t>(</a:t>
-            </a:r>
-            <a:r>
-              <a:rPr lang="en-US" sz="1200" dirty="0" err="1">
-                <a:solidFill>
-                  <a:srgbClr val="7030A0"/>
-                </a:solidFill>
-              </a:rPr>
-              <a:t>WishTransaction</a:t>
-            </a:r>
-            <a:r>
-              <a:rPr lang="en-US" sz="1200" dirty="0">
-                <a:solidFill>
-                  <a:srgbClr val="7030A0"/>
-                </a:solidFill>
-              </a:rPr>
-              <a:t>)</a:t>
-            </a:r>
-            <a:endParaRPr lang="en-US" sz="1200" dirty="0"/>
-          </a:p>
-        </p:txBody>
-      </p:sp>
     </p:spTree>
     <p:extLst>
       <p:ext uri="{BB962C8B-B14F-4D97-AF65-F5344CB8AC3E}">

--- a/docs/diagrams/UndoRedoSequenceDiagram.pptx
+++ b/docs/diagrams/UndoRedoSequenceDiagram.pptx
@@ -208,7 +208,7 @@
           <a:p>
             <a:fld id="{F5CC4B3F-88C1-4FFA-B1B6-F41C21DC6924}" type="datetimeFigureOut">
               <a:rPr lang="en-US" smtClean="0"/>
-              <a:t>10/16/2018</a:t>
+              <a:t>10/17/2018</a:t>
             </a:fld>
             <a:endParaRPr lang="en-US"/>
           </a:p>
@@ -654,7 +654,7 @@
           <a:p>
             <a:fld id="{78C97017-6FC3-485B-9764-EAC9E56C1D49}" type="datetimeFigureOut">
               <a:rPr lang="en-US" smtClean="0"/>
-              <a:t>10/16/2018</a:t>
+              <a:t>10/17/2018</a:t>
             </a:fld>
             <a:endParaRPr lang="en-US"/>
           </a:p>
@@ -822,7 +822,7 @@
           <a:p>
             <a:fld id="{78C97017-6FC3-485B-9764-EAC9E56C1D49}" type="datetimeFigureOut">
               <a:rPr lang="en-US" smtClean="0"/>
-              <a:t>10/16/2018</a:t>
+              <a:t>10/17/2018</a:t>
             </a:fld>
             <a:endParaRPr lang="en-US"/>
           </a:p>
@@ -1000,7 +1000,7 @@
           <a:p>
             <a:fld id="{78C97017-6FC3-485B-9764-EAC9E56C1D49}" type="datetimeFigureOut">
               <a:rPr lang="en-US" smtClean="0"/>
-              <a:t>10/16/2018</a:t>
+              <a:t>10/17/2018</a:t>
             </a:fld>
             <a:endParaRPr lang="en-US"/>
           </a:p>
@@ -1168,7 +1168,7 @@
           <a:p>
             <a:fld id="{78C97017-6FC3-485B-9764-EAC9E56C1D49}" type="datetimeFigureOut">
               <a:rPr lang="en-US" smtClean="0"/>
-              <a:t>10/16/2018</a:t>
+              <a:t>10/17/2018</a:t>
             </a:fld>
             <a:endParaRPr lang="en-US"/>
           </a:p>
@@ -1413,7 +1413,7 @@
           <a:p>
             <a:fld id="{78C97017-6FC3-485B-9764-EAC9E56C1D49}" type="datetimeFigureOut">
               <a:rPr lang="en-US" smtClean="0"/>
-              <a:t>10/16/2018</a:t>
+              <a:t>10/17/2018</a:t>
             </a:fld>
             <a:endParaRPr lang="en-US"/>
           </a:p>
@@ -1698,7 +1698,7 @@
           <a:p>
             <a:fld id="{78C97017-6FC3-485B-9764-EAC9E56C1D49}" type="datetimeFigureOut">
               <a:rPr lang="en-US" smtClean="0"/>
-              <a:t>10/16/2018</a:t>
+              <a:t>10/17/2018</a:t>
             </a:fld>
             <a:endParaRPr lang="en-US"/>
           </a:p>
@@ -2117,7 +2117,7 @@
           <a:p>
             <a:fld id="{78C97017-6FC3-485B-9764-EAC9E56C1D49}" type="datetimeFigureOut">
               <a:rPr lang="en-US" smtClean="0"/>
-              <a:t>10/16/2018</a:t>
+              <a:t>10/17/2018</a:t>
             </a:fld>
             <a:endParaRPr lang="en-US"/>
           </a:p>
@@ -2234,7 +2234,7 @@
           <a:p>
             <a:fld id="{78C97017-6FC3-485B-9764-EAC9E56C1D49}" type="datetimeFigureOut">
               <a:rPr lang="en-US" smtClean="0"/>
-              <a:t>10/16/2018</a:t>
+              <a:t>10/17/2018</a:t>
             </a:fld>
             <a:endParaRPr lang="en-US"/>
           </a:p>
@@ -2329,7 +2329,7 @@
           <a:p>
             <a:fld id="{78C97017-6FC3-485B-9764-EAC9E56C1D49}" type="datetimeFigureOut">
               <a:rPr lang="en-US" smtClean="0"/>
-              <a:t>10/16/2018</a:t>
+              <a:t>10/17/2018</a:t>
             </a:fld>
             <a:endParaRPr lang="en-US"/>
           </a:p>
@@ -2604,7 +2604,7 @@
           <a:p>
             <a:fld id="{78C97017-6FC3-485B-9764-EAC9E56C1D49}" type="datetimeFigureOut">
               <a:rPr lang="en-US" smtClean="0"/>
-              <a:t>10/16/2018</a:t>
+              <a:t>10/17/2018</a:t>
             </a:fld>
             <a:endParaRPr lang="en-US"/>
           </a:p>
@@ -2856,7 +2856,7 @@
           <a:p>
             <a:fld id="{78C97017-6FC3-485B-9764-EAC9E56C1D49}" type="datetimeFigureOut">
               <a:rPr lang="en-US" smtClean="0"/>
-              <a:t>10/16/2018</a:t>
+              <a:t>10/17/2018</a:t>
             </a:fld>
             <a:endParaRPr lang="en-US"/>
           </a:p>
@@ -3067,7 +3067,7 @@
           <a:p>
             <a:fld id="{78C97017-6FC3-485B-9764-EAC9E56C1D49}" type="datetimeFigureOut">
               <a:rPr lang="en-US" smtClean="0"/>
-              <a:t>10/16/2018</a:t>
+              <a:t>10/17/2018</a:t>
             </a:fld>
             <a:endParaRPr lang="en-US"/>
           </a:p>
@@ -3450,8 +3450,8 @@
         </p:nvSpPr>
         <p:spPr>
           <a:xfrm>
-            <a:off x="6459374" y="118894"/>
-            <a:ext cx="3984805" cy="8315799"/>
+            <a:off x="5717552" y="0"/>
+            <a:ext cx="3426449" cy="6858000"/>
           </a:xfrm>
           <a:prstGeom prst="roundRect">
             <a:avLst>
@@ -3488,14 +3488,14 @@
           <a:lstStyle/>
           <a:p>
             <a:r>
-              <a:rPr lang="en-US" sz="1200" b="1" dirty="0">
+              <a:rPr lang="en-US" sz="900" b="1" dirty="0">
                 <a:solidFill>
                   <a:srgbClr val="7030A0"/>
                 </a:solidFill>
               </a:rPr>
               <a:t>Model</a:t>
             </a:r>
-            <a:endParaRPr lang="en-SG" sz="1200" b="1" dirty="0">
+            <a:endParaRPr lang="en-SG" sz="900" b="1" dirty="0">
               <a:solidFill>
                 <a:srgbClr val="7030A0"/>
               </a:solidFill>
@@ -3511,8 +3511,8 @@
         </p:nvSpPr>
         <p:spPr>
           <a:xfrm>
-            <a:off x="-152399" y="120683"/>
-            <a:ext cx="6454594" cy="8314010"/>
+            <a:off x="25402" y="1407"/>
+            <a:ext cx="5550168" cy="6856525"/>
           </a:xfrm>
           <a:prstGeom prst="roundRect">
             <a:avLst>
@@ -3549,14 +3549,14 @@
           <a:lstStyle/>
           <a:p>
             <a:r>
-              <a:rPr lang="en-US" sz="1200" b="1" dirty="0">
+              <a:rPr lang="en-US" sz="900" b="1" dirty="0">
                 <a:solidFill>
                   <a:srgbClr val="0070C0"/>
                 </a:solidFill>
               </a:rPr>
               <a:t>Logic</a:t>
             </a:r>
-            <a:endParaRPr lang="en-SG" sz="1200" b="1" dirty="0">
+            <a:endParaRPr lang="en-SG" sz="900" b="1" dirty="0">
               <a:solidFill>
                 <a:srgbClr val="0070C0"/>
               </a:solidFill>
@@ -3572,8 +3572,8 @@
         </p:nvSpPr>
         <p:spPr>
           <a:xfrm>
-            <a:off x="883145" y="543946"/>
-            <a:ext cx="1455629" cy="346760"/>
+            <a:off x="609600" y="366523"/>
+            <a:ext cx="1133675" cy="230057"/>
           </a:xfrm>
           <a:prstGeom prst="rect">
             <a:avLst/>
@@ -3608,7 +3608,7 @@
           <a:p>
             <a:pPr algn="ctr"/>
             <a:r>
-              <a:rPr lang="en-US" sz="1600" dirty="0">
+              <a:rPr lang="en-US" sz="1050" dirty="0">
                 <a:solidFill>
                   <a:schemeClr val="bg1"/>
                 </a:solidFill>
@@ -3616,14 +3616,14 @@
               <a:t>:</a:t>
             </a:r>
             <a:r>
-              <a:rPr lang="en-US" sz="1600" dirty="0" err="1">
+              <a:rPr lang="en-US" sz="1050" dirty="0" err="1">
                 <a:solidFill>
                   <a:schemeClr val="bg1"/>
                 </a:solidFill>
               </a:rPr>
               <a:t>LogicManager</a:t>
             </a:r>
-            <a:endParaRPr lang="en-SG" sz="1600" dirty="0">
+            <a:endParaRPr lang="en-SG" sz="1050" dirty="0">
               <a:solidFill>
                 <a:schemeClr val="bg1"/>
               </a:solidFill>
@@ -3641,8 +3641,8 @@
         </p:nvCxnSpPr>
         <p:spPr>
           <a:xfrm>
-            <a:off x="1610959" y="907617"/>
-            <a:ext cx="0" cy="3481399"/>
+            <a:off x="1236184" y="620284"/>
+            <a:ext cx="0" cy="3146697"/>
           </a:xfrm>
           <a:prstGeom prst="line">
             <a:avLst/>
@@ -3678,8 +3678,8 @@
         </p:nvSpPr>
         <p:spPr>
           <a:xfrm>
-            <a:off x="1538951" y="1258311"/>
-            <a:ext cx="152400" cy="2932689"/>
+            <a:off x="1174192" y="762000"/>
+            <a:ext cx="131045" cy="2418574"/>
           </a:xfrm>
           <a:prstGeom prst="rect">
             <a:avLst/>
@@ -3713,7 +3713,7 @@
           <a:lstStyle/>
           <a:p>
             <a:pPr algn="ctr"/>
-            <a:endParaRPr lang="en-SG" sz="1400"/>
+            <a:endParaRPr lang="en-SG" sz="1000"/>
           </a:p>
         </p:txBody>
       </p:sp>
@@ -3725,8 +3725,8 @@
         </p:nvSpPr>
         <p:spPr>
           <a:xfrm>
-            <a:off x="3437188" y="423022"/>
-            <a:ext cx="1219200" cy="467684"/>
+            <a:off x="2057400" y="304800"/>
+            <a:ext cx="888634" cy="357751"/>
           </a:xfrm>
           <a:prstGeom prst="rect">
             <a:avLst/>
@@ -3761,7 +3761,7 @@
           <a:p>
             <a:pPr algn="ctr"/>
             <a:r>
-              <a:rPr lang="en-US" sz="1600" dirty="0">
+              <a:rPr lang="en-US" sz="1050" dirty="0">
                 <a:solidFill>
                   <a:schemeClr val="bg1"/>
                 </a:solidFill>
@@ -3772,14 +3772,14 @@
           <a:p>
             <a:pPr algn="ctr"/>
             <a:r>
-              <a:rPr lang="en-US" sz="1600" dirty="0" err="1">
+              <a:rPr lang="en-US" sz="1050" dirty="0" err="1">
                 <a:solidFill>
                   <a:schemeClr val="bg1"/>
                 </a:solidFill>
               </a:rPr>
               <a:t>BookParser</a:t>
             </a:r>
-            <a:endParaRPr lang="en-SG" sz="1600" dirty="0">
+            <a:endParaRPr lang="en-SG" sz="1050" dirty="0">
               <a:solidFill>
                 <a:schemeClr val="bg1"/>
               </a:solidFill>
@@ -3797,8 +3797,8 @@
         </p:nvCxnSpPr>
         <p:spPr>
           <a:xfrm>
-            <a:off x="3956199" y="907617"/>
-            <a:ext cx="0" cy="1482984"/>
+            <a:off x="2590800" y="609600"/>
+            <a:ext cx="0" cy="1223010"/>
           </a:xfrm>
           <a:prstGeom prst="line">
             <a:avLst/>
@@ -3834,8 +3834,8 @@
         </p:nvSpPr>
         <p:spPr>
           <a:xfrm>
-            <a:off x="3884192" y="1337736"/>
-            <a:ext cx="191760" cy="795864"/>
+            <a:off x="2514600" y="901710"/>
+            <a:ext cx="155753" cy="1033086"/>
           </a:xfrm>
           <a:prstGeom prst="rect">
             <a:avLst/>
@@ -3869,7 +3869,7 @@
           <a:lstStyle/>
           <a:p>
             <a:pPr algn="ctr"/>
-            <a:endParaRPr lang="en-SG" sz="1400">
+            <a:endParaRPr lang="en-SG" sz="1000">
               <a:solidFill>
                 <a:schemeClr val="dk1"/>
               </a:solidFill>
@@ -3888,8 +3888,8 @@
         </p:nvCxnSpPr>
         <p:spPr>
           <a:xfrm>
-            <a:off x="5029200" y="1705197"/>
-            <a:ext cx="17888" cy="2553014"/>
+            <a:off x="4721204" y="1247533"/>
+            <a:ext cx="3286" cy="2007793"/>
           </a:xfrm>
           <a:prstGeom prst="line">
             <a:avLst/>
@@ -3925,8 +3925,8 @@
         </p:nvSpPr>
         <p:spPr>
           <a:xfrm>
-            <a:off x="4953000" y="1705197"/>
-            <a:ext cx="152400" cy="276003"/>
+            <a:off x="4643489" y="1247533"/>
+            <a:ext cx="155429" cy="428504"/>
           </a:xfrm>
           <a:prstGeom prst="rect">
             <a:avLst/>
@@ -3960,7 +3960,7 @@
           <a:lstStyle/>
           <a:p>
             <a:pPr algn="ctr"/>
-            <a:endParaRPr lang="en-SG" sz="1400"/>
+            <a:endParaRPr lang="en-SG" sz="1000"/>
           </a:p>
         </p:txBody>
       </p:sp>
@@ -3974,8 +3974,8 @@
         </p:nvCxnSpPr>
         <p:spPr>
           <a:xfrm>
-            <a:off x="419100" y="1261999"/>
-            <a:ext cx="1119851" cy="0"/>
+            <a:off x="211256" y="945696"/>
+            <a:ext cx="962936" cy="0"/>
           </a:xfrm>
           <a:prstGeom prst="straightConnector1">
             <a:avLst/>
@@ -4010,8 +4010,8 @@
         </p:nvSpPr>
         <p:spPr>
           <a:xfrm>
-            <a:off x="-152400" y="958034"/>
-            <a:ext cx="1729694" cy="215444"/>
+            <a:off x="-609600" y="745123"/>
+            <a:ext cx="1808141" cy="169277"/>
           </a:xfrm>
           <a:prstGeom prst="rect">
             <a:avLst/>
@@ -4026,7 +4026,7 @@
           <a:p>
             <a:pPr algn="r"/>
             <a:r>
-              <a:rPr lang="en-US" sz="1400" dirty="0">
+              <a:rPr lang="en-US" sz="1100" dirty="0">
                 <a:solidFill>
                   <a:srgbClr val="0070C0"/>
                 </a:solidFill>
@@ -4034,7 +4034,7 @@
               <a:t>execute(“</a:t>
             </a:r>
             <a:r>
-              <a:rPr lang="en-US" sz="1400" dirty="0" err="1">
+              <a:rPr lang="en-US" sz="1100" dirty="0" err="1">
                 <a:solidFill>
                   <a:srgbClr val="0070C0"/>
                 </a:solidFill>
@@ -4042,7 +4042,7 @@
               <a:t>addmh</a:t>
             </a:r>
             <a:r>
-              <a:rPr lang="en-US" sz="1400" dirty="0">
+              <a:rPr lang="en-US" sz="1100" dirty="0">
                 <a:solidFill>
                   <a:srgbClr val="0070C0"/>
                 </a:solidFill>
@@ -4062,8 +4062,8 @@
         </p:nvCxnSpPr>
         <p:spPr>
           <a:xfrm flipV="1">
-            <a:off x="4135972" y="1512340"/>
-            <a:ext cx="922392" cy="1"/>
+            <a:off x="2669715" y="988765"/>
+            <a:ext cx="550830" cy="4853"/>
           </a:xfrm>
           <a:prstGeom prst="straightConnector1">
             <a:avLst/>
@@ -4098,8 +4098,8 @@
         </p:nvSpPr>
         <p:spPr>
           <a:xfrm>
-            <a:off x="2192191" y="2484071"/>
-            <a:ext cx="855809" cy="215444"/>
+            <a:off x="1447800" y="2055912"/>
+            <a:ext cx="1371600" cy="153888"/>
           </a:xfrm>
           <a:prstGeom prst="rect">
             <a:avLst/>
@@ -4124,8 +4124,8 @@
           </a:lstStyle>
           <a:p>
             <a:r>
-              <a:rPr lang="en-US" dirty="0"/>
-              <a:t>execute()</a:t>
+              <a:rPr lang="en-US" sz="1000" dirty="0"/>
+              <a:t>execute(model, history)</a:t>
             </a:r>
           </a:p>
         </p:txBody>
@@ -4135,13 +4135,14 @@
           <p:cNvPr id="34" name="Straight Arrow Connector 33"/>
           <p:cNvCxnSpPr>
             <a:cxnSpLocks/>
+            <a:endCxn id="21" idx="2"/>
           </p:cNvCxnSpPr>
           <p:nvPr/>
         </p:nvCxnSpPr>
         <p:spPr>
           <a:xfrm>
-            <a:off x="4109108" y="1878232"/>
-            <a:ext cx="843892" cy="11404"/>
+            <a:off x="3657600" y="1666995"/>
+            <a:ext cx="1063604" cy="9042"/>
           </a:xfrm>
           <a:prstGeom prst="straightConnector1">
             <a:avLst/>
@@ -4180,8 +4181,8 @@
         </p:nvCxnSpPr>
         <p:spPr>
           <a:xfrm>
-            <a:off x="1691351" y="1981200"/>
-            <a:ext cx="2104508" cy="0"/>
+            <a:off x="1314578" y="1915588"/>
+            <a:ext cx="1236461" cy="0"/>
           </a:xfrm>
           <a:prstGeom prst="straightConnector1">
             <a:avLst/>
@@ -4220,8 +4221,8 @@
         </p:nvCxnSpPr>
         <p:spPr>
           <a:xfrm>
-            <a:off x="380999" y="4191000"/>
-            <a:ext cx="1196051" cy="0"/>
+            <a:off x="484610" y="3202468"/>
+            <a:ext cx="1028459" cy="0"/>
           </a:xfrm>
           <a:prstGeom prst="straightConnector1">
             <a:avLst/>
@@ -4258,8 +4259,8 @@
         </p:nvSpPr>
         <p:spPr>
           <a:xfrm>
-            <a:off x="4953000" y="2653307"/>
-            <a:ext cx="207694" cy="1385292"/>
+            <a:off x="4388503" y="2182576"/>
+            <a:ext cx="210786" cy="953031"/>
           </a:xfrm>
           <a:prstGeom prst="rect">
             <a:avLst/>
@@ -4293,7 +4294,7 @@
           <a:lstStyle/>
           <a:p>
             <a:pPr algn="ctr"/>
-            <a:endParaRPr lang="en-SG" sz="1400"/>
+            <a:endParaRPr lang="en-SG" sz="1000"/>
           </a:p>
         </p:txBody>
       </p:sp>
@@ -4305,8 +4306,8 @@
         </p:nvSpPr>
         <p:spPr>
           <a:xfrm>
-            <a:off x="5285911" y="3168134"/>
-            <a:ext cx="1876889" cy="184666"/>
+            <a:off x="4707305" y="2398044"/>
+            <a:ext cx="1613897" cy="138499"/>
           </a:xfrm>
           <a:prstGeom prst="rect">
             <a:avLst/>
@@ -4332,7 +4333,7 @@
           <a:p>
             <a:pPr algn="l"/>
             <a:r>
-              <a:rPr lang="en-US" sz="1200" dirty="0" err="1">
+              <a:rPr lang="en-US" sz="900" dirty="0" err="1">
                 <a:solidFill>
                   <a:srgbClr val="7030A0"/>
                 </a:solidFill>
@@ -4340,14 +4341,14 @@
               <a:t>updatePerson</a:t>
             </a:r>
             <a:r>
-              <a:rPr lang="en-US" sz="1200" dirty="0">
+              <a:rPr lang="en-US" sz="900" dirty="0">
                 <a:solidFill>
                   <a:srgbClr val="7030A0"/>
                 </a:solidFill>
               </a:rPr>
               <a:t>(model, history)</a:t>
             </a:r>
-            <a:endParaRPr lang="en-US" sz="1200" dirty="0"/>
+            <a:endParaRPr lang="en-US" sz="900" dirty="0"/>
           </a:p>
         </p:txBody>
       </p:sp>
@@ -4359,8 +4360,8 @@
         </p:nvSpPr>
         <p:spPr>
           <a:xfrm>
-            <a:off x="1447800" y="1106151"/>
-            <a:ext cx="2348059" cy="215444"/>
+            <a:off x="800354" y="745123"/>
+            <a:ext cx="2019046" cy="153888"/>
           </a:xfrm>
           <a:prstGeom prst="rect">
             <a:avLst/>
@@ -4385,19 +4386,19 @@
           </a:lstStyle>
           <a:p>
             <a:r>
-              <a:rPr lang="en-US" dirty="0" err="1"/>
+              <a:rPr lang="en-US" sz="1000" dirty="0" err="1"/>
               <a:t>parseCommand</a:t>
             </a:r>
             <a:r>
-              <a:rPr lang="en-US" dirty="0"/>
+              <a:rPr lang="en-US" sz="1000" dirty="0"/>
               <a:t>(“</a:t>
             </a:r>
             <a:r>
-              <a:rPr lang="en-US" dirty="0" err="1"/>
+              <a:rPr lang="en-US" sz="1000" dirty="0" err="1"/>
               <a:t>addmh</a:t>
             </a:r>
             <a:r>
-              <a:rPr lang="en-US" dirty="0"/>
+              <a:rPr lang="en-US" sz="1000" dirty="0"/>
               <a:t> …”)</a:t>
             </a:r>
           </a:p>
@@ -4411,8 +4412,8 @@
         </p:nvSpPr>
         <p:spPr>
           <a:xfrm>
-            <a:off x="2133600" y="3791076"/>
-            <a:ext cx="621216" cy="215444"/>
+            <a:off x="1686132" y="2887952"/>
+            <a:ext cx="534170" cy="153888"/>
           </a:xfrm>
           <a:prstGeom prst="rect">
             <a:avLst/>
@@ -4437,7 +4438,7 @@
           </a:lstStyle>
           <a:p>
             <a:r>
-              <a:rPr lang="en-US" dirty="0"/>
+              <a:rPr lang="en-US" sz="1000" dirty="0"/>
               <a:t>result</a:t>
             </a:r>
           </a:p>
@@ -4451,8 +4452,8 @@
         </p:nvSpPr>
         <p:spPr>
           <a:xfrm>
-            <a:off x="645270" y="3945901"/>
-            <a:ext cx="762000" cy="215444"/>
+            <a:off x="712124" y="3009713"/>
+            <a:ext cx="655227" cy="153888"/>
           </a:xfrm>
           <a:prstGeom prst="rect">
             <a:avLst/>
@@ -4477,7 +4478,7 @@
           </a:lstStyle>
           <a:p>
             <a:r>
-              <a:rPr lang="en-US" dirty="0"/>
+              <a:rPr lang="en-US" sz="1000" dirty="0"/>
               <a:t>result</a:t>
             </a:r>
           </a:p>
@@ -4491,8 +4492,8 @@
         </p:nvSpPr>
         <p:spPr>
           <a:xfrm>
-            <a:off x="7709814" y="2568606"/>
-            <a:ext cx="2181777" cy="335427"/>
+            <a:off x="6851612" y="1764227"/>
+            <a:ext cx="2216188" cy="400420"/>
           </a:xfrm>
           <a:prstGeom prst="rect">
             <a:avLst/>
@@ -4527,7 +4528,7 @@
           <a:p>
             <a:pPr algn="ctr"/>
             <a:r>
-              <a:rPr lang="en-US" sz="1600" dirty="0">
+              <a:rPr lang="en-US" sz="1050" dirty="0">
                 <a:solidFill>
                   <a:schemeClr val="bg1"/>
                 </a:solidFill>
@@ -4535,14 +4536,14 @@
               <a:t>:</a:t>
             </a:r>
             <a:r>
-              <a:rPr lang="en-US" sz="1600" dirty="0" err="1">
+              <a:rPr lang="en-US" sz="1050" dirty="0" err="1">
                 <a:solidFill>
                   <a:schemeClr val="bg1"/>
                 </a:solidFill>
               </a:rPr>
               <a:t>VersionedAddressBook</a:t>
             </a:r>
-            <a:endParaRPr lang="en-SG" sz="1600" dirty="0">
+            <a:endParaRPr lang="en-SG" sz="1050" dirty="0">
               <a:solidFill>
                 <a:schemeClr val="bg1"/>
               </a:solidFill>
@@ -4558,8 +4559,8 @@
         </p:nvSpPr>
         <p:spPr>
           <a:xfrm>
-            <a:off x="8726866" y="3182840"/>
-            <a:ext cx="129933" cy="398562"/>
+            <a:off x="7669660" y="2409610"/>
+            <a:ext cx="111726" cy="328692"/>
           </a:xfrm>
           <a:prstGeom prst="rect">
             <a:avLst/>
@@ -4593,7 +4594,7 @@
           <a:lstStyle/>
           <a:p>
             <a:pPr algn="ctr"/>
-            <a:endParaRPr lang="en-SG" sz="1400"/>
+            <a:endParaRPr lang="en-SG" sz="1000"/>
           </a:p>
         </p:txBody>
       </p:sp>
@@ -4605,8 +4606,8 @@
         </p:nvSpPr>
         <p:spPr>
           <a:xfrm>
-            <a:off x="2590800" y="1752600"/>
-            <a:ext cx="220343" cy="215444"/>
+            <a:off x="1774940" y="1752600"/>
+            <a:ext cx="189468" cy="153888"/>
           </a:xfrm>
           <a:prstGeom prst="rect">
             <a:avLst/>
@@ -4631,7 +4632,7 @@
           </a:lstStyle>
           <a:p>
             <a:r>
-              <a:rPr lang="en-US" dirty="0"/>
+              <a:rPr lang="en-US" sz="1000" dirty="0"/>
               <a:t>a</a:t>
             </a:r>
           </a:p>
@@ -4645,8 +4646,8 @@
         </p:nvSpPr>
         <p:spPr>
           <a:xfrm>
-            <a:off x="6762424" y="2362200"/>
-            <a:ext cx="841636" cy="300180"/>
+            <a:off x="5918054" y="1764226"/>
+            <a:ext cx="843332" cy="406183"/>
           </a:xfrm>
           <a:prstGeom prst="rect">
             <a:avLst/>
@@ -4681,14 +4682,14 @@
           <a:p>
             <a:pPr algn="ctr"/>
             <a:r>
-              <a:rPr lang="en-US" sz="1600" dirty="0">
+              <a:rPr lang="en-US" sz="1050" dirty="0">
                 <a:solidFill>
                   <a:schemeClr val="bg1"/>
                 </a:solidFill>
               </a:rPr>
               <a:t>: Model</a:t>
             </a:r>
-            <a:endParaRPr lang="en-SG" sz="1600" dirty="0">
+            <a:endParaRPr lang="en-SG" sz="1050" dirty="0">
               <a:solidFill>
                 <a:schemeClr val="bg1"/>
               </a:solidFill>
@@ -4706,8 +4707,8 @@
         </p:nvCxnSpPr>
         <p:spPr>
           <a:xfrm flipH="1">
-            <a:off x="7199150" y="2653306"/>
-            <a:ext cx="3959" cy="1735710"/>
+            <a:off x="6357837" y="1993164"/>
+            <a:ext cx="5" cy="1431431"/>
           </a:xfrm>
           <a:prstGeom prst="line">
             <a:avLst/>
@@ -4743,8 +4744,8 @@
         </p:nvSpPr>
         <p:spPr>
           <a:xfrm>
-            <a:off x="7100186" y="2958106"/>
-            <a:ext cx="168896" cy="775693"/>
+            <a:off x="6269233" y="2232871"/>
+            <a:ext cx="145230" cy="639710"/>
           </a:xfrm>
           <a:prstGeom prst="rect">
             <a:avLst/>
@@ -4778,7 +4779,7 @@
           <a:lstStyle/>
           <a:p>
             <a:pPr algn="ctr"/>
-            <a:endParaRPr lang="en-SG" sz="1400"/>
+            <a:endParaRPr lang="en-SG" sz="1000"/>
           </a:p>
         </p:txBody>
       </p:sp>
@@ -4792,8 +4793,8 @@
         </p:nvCxnSpPr>
         <p:spPr>
           <a:xfrm flipV="1">
-            <a:off x="5158639" y="2975344"/>
-            <a:ext cx="1935995" cy="1"/>
+            <a:off x="4597734" y="2246428"/>
+            <a:ext cx="1664721" cy="1"/>
           </a:xfrm>
           <a:prstGeom prst="straightConnector1">
             <a:avLst/>
@@ -4828,8 +4829,8 @@
         </p:nvSpPr>
         <p:spPr>
           <a:xfrm>
-            <a:off x="5035976" y="1260268"/>
-            <a:ext cx="1935995" cy="226877"/>
+            <a:off x="4185192" y="986993"/>
+            <a:ext cx="1148808" cy="308407"/>
           </a:xfrm>
           <a:prstGeom prst="rect">
             <a:avLst/>
@@ -4864,7 +4865,7 @@
           <a:p>
             <a:pPr algn="ctr"/>
             <a:r>
-              <a:rPr lang="en-US" sz="1600" dirty="0">
+              <a:rPr lang="en-US" sz="1050" dirty="0">
                 <a:solidFill>
                   <a:schemeClr val="bg1"/>
                 </a:solidFill>
@@ -4872,14 +4873,14 @@
               <a:t>a: </a:t>
             </a:r>
             <a:r>
-              <a:rPr lang="en-US" sz="1600" dirty="0" err="1">
+              <a:rPr lang="en-US" sz="1050" dirty="0" err="1">
                 <a:solidFill>
                   <a:schemeClr val="bg1"/>
                 </a:solidFill>
               </a:rPr>
               <a:t>AddmhCommand</a:t>
             </a:r>
-            <a:endParaRPr lang="en-SG" sz="1600" dirty="0">
+            <a:endParaRPr lang="en-SG" sz="1050" dirty="0">
               <a:solidFill>
                 <a:schemeClr val="bg1"/>
               </a:solidFill>
@@ -4903,8 +4904,8 @@
         </p:nvCxnSpPr>
         <p:spPr>
           <a:xfrm flipV="1">
-            <a:off x="1691351" y="2699515"/>
-            <a:ext cx="3251889" cy="31801"/>
+            <a:off x="1295400" y="2203877"/>
+            <a:ext cx="3079204" cy="4707"/>
           </a:xfrm>
           <a:prstGeom prst="straightConnector1">
             <a:avLst/>
@@ -4947,8 +4948,8 @@
         </p:nvCxnSpPr>
         <p:spPr>
           <a:xfrm flipV="1">
-            <a:off x="1708245" y="1351537"/>
-            <a:ext cx="2187935" cy="12381"/>
+            <a:off x="1295400" y="910245"/>
+            <a:ext cx="1238850" cy="4155"/>
           </a:xfrm>
           <a:prstGeom prst="straightConnector1">
             <a:avLst/>
@@ -4992,8 +4993,8 @@
         </p:nvCxnSpPr>
         <p:spPr>
           <a:xfrm>
-            <a:off x="1691998" y="4036462"/>
-            <a:ext cx="3364849" cy="2137"/>
+            <a:off x="1613264" y="3080933"/>
+            <a:ext cx="2880632" cy="54674"/>
           </a:xfrm>
           <a:prstGeom prst="straightConnector1">
             <a:avLst/>
@@ -5038,8 +5039,8 @@
         </p:nvCxnSpPr>
         <p:spPr>
           <a:xfrm>
-            <a:off x="8800702" y="2871355"/>
-            <a:ext cx="17996" cy="1467648"/>
+            <a:off x="7733227" y="2164646"/>
+            <a:ext cx="15474" cy="1210362"/>
           </a:xfrm>
           <a:prstGeom prst="line">
             <a:avLst/>
@@ -5075,8 +5076,8 @@
         </p:nvSpPr>
         <p:spPr>
           <a:xfrm>
-            <a:off x="7826375" y="2975344"/>
-            <a:ext cx="2460625" cy="184666"/>
+            <a:off x="6894419" y="2246427"/>
+            <a:ext cx="2115839" cy="138499"/>
           </a:xfrm>
           <a:prstGeom prst="rect">
             <a:avLst/>
@@ -5105,7 +5106,7 @@
           <a:p>
             <a:pPr algn="l"/>
             <a:r>
-              <a:rPr lang="en-US" sz="1200" dirty="0" err="1">
+              <a:rPr lang="en-US" sz="900" dirty="0" err="1">
                 <a:solidFill>
                   <a:srgbClr val="7030A0"/>
                 </a:solidFill>
@@ -5113,7 +5114,7 @@
               <a:t>updatePerson</a:t>
             </a:r>
             <a:r>
-              <a:rPr lang="en-US" sz="1200" dirty="0">
+              <a:rPr lang="en-US" sz="900" dirty="0">
                 <a:solidFill>
                   <a:schemeClr val="accent4">
                     <a:lumMod val="75000"/>
@@ -5123,7 +5124,7 @@
               <a:t>(target, </a:t>
             </a:r>
             <a:r>
-              <a:rPr lang="en-US" sz="1200" dirty="0" err="1">
+              <a:rPr lang="en-US" sz="900" dirty="0" err="1">
                 <a:solidFill>
                   <a:schemeClr val="accent4">
                     <a:lumMod val="75000"/>
@@ -5133,7 +5134,7 @@
               <a:t>editedPerson</a:t>
             </a:r>
             <a:r>
-              <a:rPr lang="en-US" sz="1200" dirty="0">
+              <a:rPr lang="en-US" sz="900" dirty="0">
                 <a:solidFill>
                   <a:schemeClr val="accent4">
                     <a:lumMod val="75000"/>
@@ -5155,8 +5156,8 @@
         </p:nvCxnSpPr>
         <p:spPr>
           <a:xfrm>
-            <a:off x="7256650" y="3182839"/>
-            <a:ext cx="1470216" cy="0"/>
+            <a:off x="6403935" y="2409610"/>
+            <a:ext cx="1264208" cy="0"/>
           </a:xfrm>
           <a:prstGeom prst="straightConnector1">
             <a:avLst/>
@@ -5198,9 +5199,9 @@
           <p:nvPr/>
         </p:nvCxnSpPr>
         <p:spPr>
-          <a:xfrm flipV="1">
-            <a:off x="7256650" y="3564914"/>
-            <a:ext cx="1470216" cy="6325"/>
+          <a:xfrm>
+            <a:off x="6403935" y="2715064"/>
+            <a:ext cx="1264208" cy="241"/>
           </a:xfrm>
           <a:prstGeom prst="straightConnector1">
             <a:avLst/>
@@ -5246,8 +5247,8 @@
         </p:nvCxnSpPr>
         <p:spPr>
           <a:xfrm>
-            <a:off x="5158639" y="3733799"/>
-            <a:ext cx="2025995" cy="0"/>
+            <a:off x="4597734" y="2842907"/>
+            <a:ext cx="1744115" cy="29674"/>
           </a:xfrm>
           <a:prstGeom prst="straightConnector1">
             <a:avLst/>
@@ -5276,12 +5277,57 @@
           </a:fontRef>
         </p:style>
       </p:cxnSp>
-      <p:sp>
-        <p:nvSpPr>
-          <p:cNvPr id="98" name="Rectangle 62">
+      <p:cxnSp>
+        <p:nvCxnSpPr>
+          <p:cNvPr id="99" name="Straight Connector 98">
             <a:extLst>
               <a:ext uri="{FF2B5EF4-FFF2-40B4-BE49-F238E27FC236}">
-                <a16:creationId xmlns:a16="http://schemas.microsoft.com/office/drawing/2014/main" id="{2B997070-3436-4436-84E2-A3B09EF562A4}"/>
+                <a16:creationId xmlns:a16="http://schemas.microsoft.com/office/drawing/2014/main" id="{03F18E06-18C7-4D6C-AD01-8269DEF70CD1}"/>
+              </a:ext>
+            </a:extLst>
+          </p:cNvPr>
+          <p:cNvCxnSpPr>
+            <a:cxnSpLocks/>
+          </p:cNvCxnSpPr>
+          <p:nvPr/>
+        </p:nvCxnSpPr>
+        <p:spPr>
+          <a:xfrm>
+            <a:off x="1236184" y="3700600"/>
+            <a:ext cx="0" cy="2871093"/>
+          </a:xfrm>
+          <a:prstGeom prst="line">
+            <a:avLst/>
+          </a:prstGeom>
+          <a:ln w="19050">
+            <a:solidFill>
+              <a:srgbClr val="0070C0"/>
+            </a:solidFill>
+            <a:prstDash val="sysDash"/>
+          </a:ln>
+          <a:effectLst/>
+        </p:spPr>
+        <p:style>
+          <a:lnRef idx="1">
+            <a:schemeClr val="accent1"/>
+          </a:lnRef>
+          <a:fillRef idx="2">
+            <a:schemeClr val="accent1"/>
+          </a:fillRef>
+          <a:effectRef idx="1">
+            <a:schemeClr val="accent1"/>
+          </a:effectRef>
+          <a:fontRef idx="minor">
+            <a:schemeClr val="dk1"/>
+          </a:fontRef>
+        </p:style>
+      </p:cxnSp>
+      <p:sp>
+        <p:nvSpPr>
+          <p:cNvPr id="100" name="Rectangle 99">
+            <a:extLst>
+              <a:ext uri="{FF2B5EF4-FFF2-40B4-BE49-F238E27FC236}">
+                <a16:creationId xmlns:a16="http://schemas.microsoft.com/office/drawing/2014/main" id="{AC83857E-58A0-4707-BEE5-04D7162579B6}"/>
               </a:ext>
             </a:extLst>
           </p:cNvPr>
@@ -5290,8 +5336,61 @@
         </p:nvSpPr>
         <p:spPr>
           <a:xfrm>
-            <a:off x="883145" y="4460730"/>
-            <a:ext cx="1455629" cy="346760"/>
+            <a:off x="1174192" y="3976400"/>
+            <a:ext cx="131045" cy="2418574"/>
+          </a:xfrm>
+          <a:prstGeom prst="rect">
+            <a:avLst/>
+          </a:prstGeom>
+          <a:solidFill>
+            <a:srgbClr val="0070C0"/>
+          </a:solidFill>
+          <a:ln>
+            <a:solidFill>
+              <a:srgbClr val="0070C0"/>
+            </a:solidFill>
+          </a:ln>
+          <a:effectLst/>
+        </p:spPr>
+        <p:style>
+          <a:lnRef idx="1">
+            <a:schemeClr val="accent3"/>
+          </a:lnRef>
+          <a:fillRef idx="2">
+            <a:schemeClr val="accent3"/>
+          </a:fillRef>
+          <a:effectRef idx="1">
+            <a:schemeClr val="accent3"/>
+          </a:effectRef>
+          <a:fontRef idx="minor">
+            <a:schemeClr val="dk1"/>
+          </a:fontRef>
+        </p:style>
+        <p:txBody>
+          <a:bodyPr rtlCol="0" anchor="ctr"/>
+          <a:lstStyle/>
+          <a:p>
+            <a:pPr algn="ctr"/>
+            <a:endParaRPr lang="en-SG" sz="1000"/>
+          </a:p>
+        </p:txBody>
+      </p:sp>
+      <p:sp>
+        <p:nvSpPr>
+          <p:cNvPr id="101" name="Rectangle 62">
+            <a:extLst>
+              <a:ext uri="{FF2B5EF4-FFF2-40B4-BE49-F238E27FC236}">
+                <a16:creationId xmlns:a16="http://schemas.microsoft.com/office/drawing/2014/main" id="{08A09C01-7D93-4601-8D3F-9810BDDB5920}"/>
+              </a:ext>
+            </a:extLst>
+          </p:cNvPr>
+          <p:cNvSpPr/>
+          <p:nvPr/>
+        </p:nvSpPr>
+        <p:spPr>
+          <a:xfrm>
+            <a:off x="3115717" y="3319494"/>
+            <a:ext cx="1206536" cy="447487"/>
           </a:xfrm>
           <a:prstGeom prst="rect">
             <a:avLst/>
@@ -5326,22 +5425,25 @@
           <a:p>
             <a:pPr algn="ctr"/>
             <a:r>
-              <a:rPr lang="en-US" sz="1600" dirty="0">
+              <a:rPr lang="en-US" sz="1050" dirty="0">
                 <a:solidFill>
                   <a:schemeClr val="bg1"/>
                 </a:solidFill>
               </a:rPr>
-              <a:t>:</a:t>
-            </a:r>
-            <a:r>
-              <a:rPr lang="en-US" sz="1600" dirty="0" err="1">
+              <a:t>:Address</a:t>
+            </a:r>
+          </a:p>
+          <a:p>
+            <a:pPr algn="ctr"/>
+            <a:r>
+              <a:rPr lang="en-US" sz="1050" dirty="0" err="1">
                 <a:solidFill>
                   <a:schemeClr val="bg1"/>
                 </a:solidFill>
               </a:rPr>
-              <a:t>LogicManager</a:t>
-            </a:r>
-            <a:endParaRPr lang="en-SG" sz="1600" dirty="0">
+              <a:t>BookParser</a:t>
+            </a:r>
+            <a:endParaRPr lang="en-SG" sz="1050" dirty="0">
               <a:solidFill>
                 <a:schemeClr val="bg1"/>
               </a:solidFill>
@@ -5351,10 +5453,10 @@
       </p:sp>
       <p:cxnSp>
         <p:nvCxnSpPr>
-          <p:cNvPr id="99" name="Straight Connector 98">
+          <p:cNvPr id="102" name="Straight Connector 101">
             <a:extLst>
               <a:ext uri="{FF2B5EF4-FFF2-40B4-BE49-F238E27FC236}">
-                <a16:creationId xmlns:a16="http://schemas.microsoft.com/office/drawing/2014/main" id="{03F18E06-18C7-4D6C-AD01-8269DEF70CD1}"/>
+                <a16:creationId xmlns:a16="http://schemas.microsoft.com/office/drawing/2014/main" id="{B25D69C3-E694-4922-BC20-AE44CAE44799}"/>
               </a:ext>
             </a:extLst>
           </p:cNvPr>
@@ -5365,8 +5467,8 @@
         </p:nvCxnSpPr>
         <p:spPr>
           <a:xfrm>
-            <a:off x="1610959" y="4824401"/>
-            <a:ext cx="0" cy="3481399"/>
+            <a:off x="3562540" y="3700600"/>
+            <a:ext cx="0" cy="1223010"/>
           </a:xfrm>
           <a:prstGeom prst="line">
             <a:avLst/>
@@ -5396,10 +5498,10 @@
       </p:cxnSp>
       <p:sp>
         <p:nvSpPr>
-          <p:cNvPr id="100" name="Rectangle 99">
+          <p:cNvPr id="103" name="Rectangle 102">
             <a:extLst>
               <a:ext uri="{FF2B5EF4-FFF2-40B4-BE49-F238E27FC236}">
-                <a16:creationId xmlns:a16="http://schemas.microsoft.com/office/drawing/2014/main" id="{AC83857E-58A0-4707-BEE5-04D7162579B6}"/>
+                <a16:creationId xmlns:a16="http://schemas.microsoft.com/office/drawing/2014/main" id="{D55BC24D-356C-4BE1-BC65-14AC9DF018D3}"/>
               </a:ext>
             </a:extLst>
           </p:cNvPr>
@@ -5408,8 +5510,8 @@
         </p:nvSpPr>
         <p:spPr>
           <a:xfrm>
-            <a:off x="1538951" y="5175095"/>
-            <a:ext cx="152400" cy="2932689"/>
+            <a:off x="3500548" y="4038862"/>
+            <a:ext cx="164890" cy="656345"/>
           </a:xfrm>
           <a:prstGeom prst="rect">
             <a:avLst/>
@@ -5443,181 +5545,7 @@
           <a:lstStyle/>
           <a:p>
             <a:pPr algn="ctr"/>
-            <a:endParaRPr lang="en-SG" sz="1400"/>
-          </a:p>
-        </p:txBody>
-      </p:sp>
-      <p:sp>
-        <p:nvSpPr>
-          <p:cNvPr id="101" name="Rectangle 62">
-            <a:extLst>
-              <a:ext uri="{FF2B5EF4-FFF2-40B4-BE49-F238E27FC236}">
-                <a16:creationId xmlns:a16="http://schemas.microsoft.com/office/drawing/2014/main" id="{08A09C01-7D93-4601-8D3F-9810BDDB5920}"/>
-              </a:ext>
-            </a:extLst>
-          </p:cNvPr>
-          <p:cNvSpPr/>
-          <p:nvPr/>
-        </p:nvSpPr>
-        <p:spPr>
-          <a:xfrm>
-            <a:off x="3437188" y="4339806"/>
-            <a:ext cx="1219200" cy="467684"/>
-          </a:xfrm>
-          <a:prstGeom prst="rect">
-            <a:avLst/>
-          </a:prstGeom>
-          <a:solidFill>
-            <a:srgbClr val="0070C0"/>
-          </a:solidFill>
-          <a:ln w="19050">
-            <a:solidFill>
-              <a:srgbClr val="0070C0"/>
-            </a:solidFill>
-          </a:ln>
-          <a:effectLst/>
-        </p:spPr>
-        <p:style>
-          <a:lnRef idx="1">
-            <a:schemeClr val="accent2"/>
-          </a:lnRef>
-          <a:fillRef idx="2">
-            <a:schemeClr val="accent2"/>
-          </a:fillRef>
-          <a:effectRef idx="1">
-            <a:schemeClr val="accent2"/>
-          </a:effectRef>
-          <a:fontRef idx="minor">
-            <a:schemeClr val="dk1"/>
-          </a:fontRef>
-        </p:style>
-        <p:txBody>
-          <a:bodyPr rtlCol="0" anchor="ctr"/>
-          <a:lstStyle/>
-          <a:p>
-            <a:pPr algn="ctr"/>
-            <a:r>
-              <a:rPr lang="en-US" sz="1600" dirty="0">
-                <a:solidFill>
-                  <a:schemeClr val="bg1"/>
-                </a:solidFill>
-              </a:rPr>
-              <a:t>:Address</a:t>
-            </a:r>
-          </a:p>
-          <a:p>
-            <a:pPr algn="ctr"/>
-            <a:r>
-              <a:rPr lang="en-US" sz="1600" dirty="0" err="1">
-                <a:solidFill>
-                  <a:schemeClr val="bg1"/>
-                </a:solidFill>
-              </a:rPr>
-              <a:t>BookParser</a:t>
-            </a:r>
-            <a:endParaRPr lang="en-SG" sz="1600" dirty="0">
-              <a:solidFill>
-                <a:schemeClr val="bg1"/>
-              </a:solidFill>
-            </a:endParaRPr>
-          </a:p>
-        </p:txBody>
-      </p:sp>
-      <p:cxnSp>
-        <p:nvCxnSpPr>
-          <p:cNvPr id="102" name="Straight Connector 101">
-            <a:extLst>
-              <a:ext uri="{FF2B5EF4-FFF2-40B4-BE49-F238E27FC236}">
-                <a16:creationId xmlns:a16="http://schemas.microsoft.com/office/drawing/2014/main" id="{B25D69C3-E694-4922-BC20-AE44CAE44799}"/>
-              </a:ext>
-            </a:extLst>
-          </p:cNvPr>
-          <p:cNvCxnSpPr>
-            <a:cxnSpLocks/>
-          </p:cNvCxnSpPr>
-          <p:nvPr/>
-        </p:nvCxnSpPr>
-        <p:spPr>
-          <a:xfrm>
-            <a:off x="3956199" y="4824401"/>
-            <a:ext cx="0" cy="1482984"/>
-          </a:xfrm>
-          <a:prstGeom prst="line">
-            <a:avLst/>
-          </a:prstGeom>
-          <a:ln w="19050">
-            <a:solidFill>
-              <a:srgbClr val="0070C0"/>
-            </a:solidFill>
-            <a:prstDash val="sysDash"/>
-          </a:ln>
-          <a:effectLst/>
-        </p:spPr>
-        <p:style>
-          <a:lnRef idx="1">
-            <a:schemeClr val="accent1"/>
-          </a:lnRef>
-          <a:fillRef idx="2">
-            <a:schemeClr val="accent1"/>
-          </a:fillRef>
-          <a:effectRef idx="1">
-            <a:schemeClr val="accent1"/>
-          </a:effectRef>
-          <a:fontRef idx="minor">
-            <a:schemeClr val="dk1"/>
-          </a:fontRef>
-        </p:style>
-      </p:cxnSp>
-      <p:sp>
-        <p:nvSpPr>
-          <p:cNvPr id="103" name="Rectangle 102">
-            <a:extLst>
-              <a:ext uri="{FF2B5EF4-FFF2-40B4-BE49-F238E27FC236}">
-                <a16:creationId xmlns:a16="http://schemas.microsoft.com/office/drawing/2014/main" id="{D55BC24D-356C-4BE1-BC65-14AC9DF018D3}"/>
-              </a:ext>
-            </a:extLst>
-          </p:cNvPr>
-          <p:cNvSpPr/>
-          <p:nvPr/>
-        </p:nvSpPr>
-        <p:spPr>
-          <a:xfrm>
-            <a:off x="3884192" y="5254520"/>
-            <a:ext cx="191760" cy="795864"/>
-          </a:xfrm>
-          <a:prstGeom prst="rect">
-            <a:avLst/>
-          </a:prstGeom>
-          <a:solidFill>
-            <a:srgbClr val="0070C0"/>
-          </a:solidFill>
-          <a:ln>
-            <a:solidFill>
-              <a:srgbClr val="0070C0"/>
-            </a:solidFill>
-          </a:ln>
-          <a:effectLst/>
-        </p:spPr>
-        <p:style>
-          <a:lnRef idx="1">
-            <a:schemeClr val="accent3"/>
-          </a:lnRef>
-          <a:fillRef idx="2">
-            <a:schemeClr val="accent3"/>
-          </a:fillRef>
-          <a:effectRef idx="1">
-            <a:schemeClr val="accent3"/>
-          </a:effectRef>
-          <a:fontRef idx="minor">
-            <a:schemeClr val="dk1"/>
-          </a:fontRef>
-        </p:style>
-        <p:txBody>
-          <a:bodyPr rtlCol="0" anchor="ctr"/>
-          <a:lstStyle/>
-          <a:p>
-            <a:pPr algn="ctr"/>
-            <a:endParaRPr lang="en-SG" sz="1400">
+            <a:endParaRPr lang="en-SG" sz="1000">
               <a:solidFill>
                 <a:schemeClr val="dk1"/>
               </a:solidFill>
@@ -5642,8 +5570,8 @@
         </p:nvCxnSpPr>
         <p:spPr>
           <a:xfrm>
-            <a:off x="5029200" y="5621981"/>
-            <a:ext cx="17888" cy="2553014"/>
+            <a:off x="4486220" y="4327849"/>
+            <a:ext cx="15478" cy="2007793"/>
           </a:xfrm>
           <a:prstGeom prst="line">
             <a:avLst/>
@@ -5685,8 +5613,8 @@
         </p:nvSpPr>
         <p:spPr>
           <a:xfrm>
-            <a:off x="4953000" y="5621981"/>
-            <a:ext cx="152400" cy="276003"/>
+            <a:off x="4420697" y="4327849"/>
+            <a:ext cx="131045" cy="227619"/>
           </a:xfrm>
           <a:prstGeom prst="rect">
             <a:avLst/>
@@ -5720,7 +5648,7 @@
           <a:lstStyle/>
           <a:p>
             <a:pPr algn="ctr"/>
-            <a:endParaRPr lang="en-SG" sz="1400"/>
+            <a:endParaRPr lang="en-SG" sz="1000"/>
           </a:p>
         </p:txBody>
       </p:sp>
@@ -5740,8 +5668,8 @@
         </p:nvCxnSpPr>
         <p:spPr>
           <a:xfrm>
-            <a:off x="419100" y="5178783"/>
-            <a:ext cx="1119851" cy="0"/>
+            <a:off x="517412" y="3979301"/>
+            <a:ext cx="962936" cy="0"/>
           </a:xfrm>
           <a:prstGeom prst="straightConnector1">
             <a:avLst/>
@@ -5782,8 +5710,8 @@
         </p:nvSpPr>
         <p:spPr>
           <a:xfrm>
-            <a:off x="-152400" y="4874818"/>
-            <a:ext cx="1729694" cy="215444"/>
+            <a:off x="-66343" y="3607976"/>
+            <a:ext cx="1809619" cy="153888"/>
           </a:xfrm>
           <a:prstGeom prst="rect">
             <a:avLst/>
@@ -5798,7 +5726,7 @@
           <a:p>
             <a:pPr algn="r"/>
             <a:r>
-              <a:rPr lang="en-US" sz="1400" dirty="0">
+              <a:rPr lang="en-US" sz="1000" dirty="0">
                 <a:solidFill>
                   <a:srgbClr val="0070C0"/>
                 </a:solidFill>
@@ -5806,7 +5734,7 @@
               <a:t>execute(“</a:t>
             </a:r>
             <a:r>
-              <a:rPr lang="en-US" sz="1400" dirty="0" err="1">
+              <a:rPr lang="en-US" sz="1000" dirty="0" err="1">
                 <a:solidFill>
                   <a:srgbClr val="0070C0"/>
                 </a:solidFill>
@@ -5814,7 +5742,7 @@
               <a:t>viewmh</a:t>
             </a:r>
             <a:r>
-              <a:rPr lang="en-US" sz="1400" dirty="0">
+              <a:rPr lang="en-US" sz="1000" dirty="0">
                 <a:solidFill>
                   <a:srgbClr val="0070C0"/>
                 </a:solidFill>
@@ -5840,8 +5768,8 @@
         </p:nvCxnSpPr>
         <p:spPr>
           <a:xfrm>
-            <a:off x="4036590" y="5417721"/>
-            <a:ext cx="1021774" cy="11404"/>
+            <a:off x="3631749" y="4167211"/>
+            <a:ext cx="878602" cy="9405"/>
           </a:xfrm>
           <a:prstGeom prst="straightConnector1">
             <a:avLst/>
@@ -5882,8 +5810,8 @@
         </p:nvSpPr>
         <p:spPr>
           <a:xfrm>
-            <a:off x="2192191" y="6400855"/>
-            <a:ext cx="855809" cy="215444"/>
+            <a:off x="2043886" y="4940387"/>
+            <a:ext cx="735892" cy="153888"/>
           </a:xfrm>
           <a:prstGeom prst="rect">
             <a:avLst/>
@@ -5908,7 +5836,7 @@
           </a:lstStyle>
           <a:p>
             <a:r>
-              <a:rPr lang="en-US" dirty="0"/>
+              <a:rPr lang="en-US" sz="1000" dirty="0"/>
               <a:t>execute()</a:t>
             </a:r>
           </a:p>
@@ -5930,8 +5858,8 @@
         </p:nvCxnSpPr>
         <p:spPr>
           <a:xfrm>
-            <a:off x="4109108" y="5795016"/>
-            <a:ext cx="843892" cy="11404"/>
+            <a:off x="3694181" y="4463931"/>
+            <a:ext cx="725645" cy="9405"/>
           </a:xfrm>
           <a:prstGeom prst="straightConnector1">
             <a:avLst/>
@@ -5976,8 +5904,8 @@
         </p:nvCxnSpPr>
         <p:spPr>
           <a:xfrm>
-            <a:off x="1691351" y="5897984"/>
-            <a:ext cx="2104508" cy="0"/>
+            <a:off x="1612707" y="4544909"/>
+            <a:ext cx="1809622" cy="0"/>
           </a:xfrm>
           <a:prstGeom prst="straightConnector1">
             <a:avLst/>
@@ -6022,8 +5950,8 @@
         </p:nvCxnSpPr>
         <p:spPr>
           <a:xfrm>
-            <a:off x="380999" y="8107784"/>
-            <a:ext cx="1196051" cy="0"/>
+            <a:off x="484610" y="6282785"/>
+            <a:ext cx="1028459" cy="0"/>
           </a:xfrm>
           <a:prstGeom prst="straightConnector1">
             <a:avLst/>
@@ -6066,8 +5994,8 @@
         </p:nvSpPr>
         <p:spPr>
           <a:xfrm>
-            <a:off x="4953000" y="6570091"/>
-            <a:ext cx="207694" cy="1385292"/>
+            <a:off x="4420697" y="5073480"/>
+            <a:ext cx="178592" cy="1142444"/>
           </a:xfrm>
           <a:prstGeom prst="rect">
             <a:avLst/>
@@ -6101,7 +6029,7 @@
           <a:lstStyle/>
           <a:p>
             <a:pPr algn="ctr"/>
-            <a:endParaRPr lang="en-SG" sz="1400"/>
+            <a:endParaRPr lang="en-SG" sz="1000"/>
           </a:p>
         </p:txBody>
       </p:sp>
@@ -6119,8 +6047,8 @@
         </p:nvSpPr>
         <p:spPr>
           <a:xfrm>
-            <a:off x="1447800" y="5022935"/>
-            <a:ext cx="2348059" cy="215444"/>
+            <a:off x="1403031" y="3856735"/>
+            <a:ext cx="2019046" cy="153888"/>
           </a:xfrm>
           <a:prstGeom prst="rect">
             <a:avLst/>
@@ -6145,19 +6073,19 @@
           </a:lstStyle>
           <a:p>
             <a:r>
-              <a:rPr lang="en-US" dirty="0" err="1"/>
+              <a:rPr lang="en-US" sz="1000" dirty="0" err="1"/>
               <a:t>parseCommand</a:t>
             </a:r>
             <a:r>
-              <a:rPr lang="en-US" dirty="0"/>
+              <a:rPr lang="en-US" sz="1000" dirty="0"/>
               <a:t>(“</a:t>
             </a:r>
             <a:r>
-              <a:rPr lang="en-US" dirty="0" err="1"/>
+              <a:rPr lang="en-US" sz="1000" dirty="0" err="1"/>
               <a:t>viewmh</a:t>
             </a:r>
             <a:r>
-              <a:rPr lang="en-US" dirty="0"/>
+              <a:rPr lang="en-US" sz="1000" dirty="0"/>
               <a:t> …”)</a:t>
             </a:r>
           </a:p>
@@ -6177,8 +6105,8 @@
         </p:nvSpPr>
         <p:spPr>
           <a:xfrm>
-            <a:off x="2133600" y="7707860"/>
-            <a:ext cx="621216" cy="215444"/>
+            <a:off x="1686132" y="5968269"/>
+            <a:ext cx="534170" cy="153888"/>
           </a:xfrm>
           <a:prstGeom prst="rect">
             <a:avLst/>
@@ -6203,7 +6131,7 @@
           </a:lstStyle>
           <a:p>
             <a:r>
-              <a:rPr lang="en-US" dirty="0"/>
+              <a:rPr lang="en-US" sz="1000" dirty="0"/>
               <a:t>result</a:t>
             </a:r>
           </a:p>
@@ -6223,8 +6151,8 @@
         </p:nvSpPr>
         <p:spPr>
           <a:xfrm>
-            <a:off x="645270" y="7862685"/>
-            <a:ext cx="762000" cy="215444"/>
+            <a:off x="712124" y="6090029"/>
+            <a:ext cx="655227" cy="153888"/>
           </a:xfrm>
           <a:prstGeom prst="rect">
             <a:avLst/>
@@ -6249,7 +6177,7 @@
           </a:lstStyle>
           <a:p>
             <a:r>
-              <a:rPr lang="en-US" dirty="0"/>
+              <a:rPr lang="en-US" sz="1000" dirty="0"/>
               <a:t>result</a:t>
             </a:r>
           </a:p>
@@ -6269,8 +6197,8 @@
         </p:nvSpPr>
         <p:spPr>
           <a:xfrm>
-            <a:off x="2590800" y="5669384"/>
-            <a:ext cx="220343" cy="215444"/>
+            <a:off x="2079740" y="4365129"/>
+            <a:ext cx="189468" cy="153888"/>
           </a:xfrm>
           <a:prstGeom prst="rect">
             <a:avLst/>
@@ -6295,7 +6223,7 @@
           </a:lstStyle>
           <a:p>
             <a:r>
-              <a:rPr lang="en-US" dirty="0"/>
+              <a:rPr lang="en-US" sz="1000" dirty="0"/>
               <a:t>v</a:t>
             </a:r>
           </a:p>
@@ -6315,8 +6243,8 @@
         </p:nvSpPr>
         <p:spPr>
           <a:xfrm>
-            <a:off x="5035977" y="5029200"/>
-            <a:ext cx="2025994" cy="462177"/>
+            <a:off x="4492133" y="3861662"/>
+            <a:ext cx="2064848" cy="429087"/>
           </a:xfrm>
           <a:prstGeom prst="rect">
             <a:avLst/>
@@ -6351,7 +6279,7 @@
           <a:p>
             <a:pPr algn="ctr"/>
             <a:r>
-              <a:rPr lang="en-US" sz="1600" dirty="0">
+              <a:rPr lang="en-US" sz="1050" dirty="0">
                 <a:solidFill>
                   <a:schemeClr val="bg1"/>
                 </a:solidFill>
@@ -6359,14 +6287,14 @@
               <a:t>v: </a:t>
             </a:r>
             <a:r>
-              <a:rPr lang="en-US" sz="1600" dirty="0" err="1">
+              <a:rPr lang="en-US" sz="1050" dirty="0" err="1">
                 <a:solidFill>
                   <a:schemeClr val="bg1"/>
                 </a:solidFill>
               </a:rPr>
               <a:t>ViewmhCommand</a:t>
             </a:r>
-            <a:endParaRPr lang="en-SG" sz="1600" dirty="0">
+            <a:endParaRPr lang="en-SG" sz="1050" dirty="0">
               <a:solidFill>
                 <a:schemeClr val="bg1"/>
               </a:solidFill>
@@ -6389,9 +6317,9 @@
           <p:nvPr/>
         </p:nvCxnSpPr>
         <p:spPr>
-          <a:xfrm flipV="1">
-            <a:off x="1691351" y="6616299"/>
-            <a:ext cx="3251889" cy="31801"/>
+          <a:xfrm>
+            <a:off x="1612707" y="5134831"/>
+            <a:ext cx="2796230" cy="1216"/>
           </a:xfrm>
           <a:prstGeom prst="straightConnector1">
             <a:avLst/>
@@ -6433,9 +6361,9 @@
           <p:nvPr/>
         </p:nvCxnSpPr>
         <p:spPr>
-          <a:xfrm flipV="1">
-            <a:off x="1708245" y="5268321"/>
-            <a:ext cx="2187935" cy="12381"/>
+          <a:xfrm>
+            <a:off x="1627251" y="4059455"/>
+            <a:ext cx="1881359" cy="473"/>
           </a:xfrm>
           <a:prstGeom prst="straightConnector1">
             <a:avLst/>
@@ -6479,8 +6407,8 @@
         </p:nvCxnSpPr>
         <p:spPr>
           <a:xfrm>
-            <a:off x="1691998" y="7953246"/>
-            <a:ext cx="3364849" cy="2137"/>
+            <a:off x="1613264" y="6161250"/>
+            <a:ext cx="2896729" cy="54674"/>
           </a:xfrm>
           <a:prstGeom prst="straightConnector1">
             <a:avLst/>
@@ -6509,6 +6437,364 @@
           </a:fontRef>
         </p:style>
       </p:cxnSp>
+      <p:sp>
+        <p:nvSpPr>
+          <p:cNvPr id="114" name="Rectangle 62">
+            <a:extLst>
+              <a:ext uri="{FF2B5EF4-FFF2-40B4-BE49-F238E27FC236}">
+                <a16:creationId xmlns:a16="http://schemas.microsoft.com/office/drawing/2014/main" id="{C66C1827-EFC8-4A6F-B155-11BB882064CF}"/>
+              </a:ext>
+            </a:extLst>
+          </p:cNvPr>
+          <p:cNvSpPr/>
+          <p:nvPr/>
+        </p:nvSpPr>
+        <p:spPr>
+          <a:xfrm>
+            <a:off x="3200400" y="533400"/>
+            <a:ext cx="682886" cy="545611"/>
+          </a:xfrm>
+          <a:prstGeom prst="rect">
+            <a:avLst/>
+          </a:prstGeom>
+          <a:solidFill>
+            <a:srgbClr val="0070C0"/>
+          </a:solidFill>
+          <a:ln w="19050">
+            <a:solidFill>
+              <a:srgbClr val="0070C0"/>
+            </a:solidFill>
+          </a:ln>
+          <a:effectLst/>
+        </p:spPr>
+        <p:style>
+          <a:lnRef idx="1">
+            <a:schemeClr val="accent2"/>
+          </a:lnRef>
+          <a:fillRef idx="2">
+            <a:schemeClr val="accent2"/>
+          </a:fillRef>
+          <a:effectRef idx="1">
+            <a:schemeClr val="accent2"/>
+          </a:effectRef>
+          <a:fontRef idx="minor">
+            <a:schemeClr val="dk1"/>
+          </a:fontRef>
+        </p:style>
+        <p:txBody>
+          <a:bodyPr rtlCol="0" anchor="ctr"/>
+          <a:lstStyle/>
+          <a:p>
+            <a:pPr algn="ctr"/>
+            <a:r>
+              <a:rPr lang="en-US" sz="1050" dirty="0">
+                <a:solidFill>
+                  <a:schemeClr val="bg1"/>
+                </a:solidFill>
+              </a:rPr>
+              <a:t>:</a:t>
+            </a:r>
+            <a:r>
+              <a:rPr lang="en-US" sz="1050" dirty="0" err="1">
+                <a:solidFill>
+                  <a:schemeClr val="bg1"/>
+                </a:solidFill>
+              </a:rPr>
+              <a:t>AddmhCommandParser</a:t>
+            </a:r>
+            <a:endParaRPr lang="en-US" sz="1050" dirty="0">
+              <a:solidFill>
+                <a:schemeClr val="bg1"/>
+              </a:solidFill>
+            </a:endParaRPr>
+          </a:p>
+        </p:txBody>
+      </p:sp>
+      <p:sp>
+        <p:nvSpPr>
+          <p:cNvPr id="141" name="Rectangle 140">
+            <a:extLst>
+              <a:ext uri="{FF2B5EF4-FFF2-40B4-BE49-F238E27FC236}">
+                <a16:creationId xmlns:a16="http://schemas.microsoft.com/office/drawing/2014/main" id="{CBC33D2E-1924-4A90-B5EB-E0260649EC66}"/>
+              </a:ext>
+            </a:extLst>
+          </p:cNvPr>
+          <p:cNvSpPr/>
+          <p:nvPr/>
+        </p:nvSpPr>
+        <p:spPr>
+          <a:xfrm>
+            <a:off x="3476320" y="1078995"/>
+            <a:ext cx="155429" cy="753615"/>
+          </a:xfrm>
+          <a:prstGeom prst="rect">
+            <a:avLst/>
+          </a:prstGeom>
+          <a:solidFill>
+            <a:srgbClr val="0070C0"/>
+          </a:solidFill>
+          <a:ln>
+            <a:solidFill>
+              <a:srgbClr val="0070C0"/>
+            </a:solidFill>
+          </a:ln>
+          <a:effectLst/>
+        </p:spPr>
+        <p:style>
+          <a:lnRef idx="1">
+            <a:schemeClr val="accent3"/>
+          </a:lnRef>
+          <a:fillRef idx="2">
+            <a:schemeClr val="accent3"/>
+          </a:fillRef>
+          <a:effectRef idx="1">
+            <a:schemeClr val="accent3"/>
+          </a:effectRef>
+          <a:fontRef idx="minor">
+            <a:schemeClr val="dk1"/>
+          </a:fontRef>
+        </p:style>
+        <p:txBody>
+          <a:bodyPr rtlCol="0" anchor="ctr"/>
+          <a:lstStyle/>
+          <a:p>
+            <a:pPr algn="ctr"/>
+            <a:endParaRPr lang="en-SG" sz="1000"/>
+          </a:p>
+        </p:txBody>
+      </p:sp>
+      <p:cxnSp>
+        <p:nvCxnSpPr>
+          <p:cNvPr id="142" name="Straight Arrow Connector 141">
+            <a:extLst>
+              <a:ext uri="{FF2B5EF4-FFF2-40B4-BE49-F238E27FC236}">
+                <a16:creationId xmlns:a16="http://schemas.microsoft.com/office/drawing/2014/main" id="{1357ED07-3DC3-4AAD-9F08-8074354059F2}"/>
+              </a:ext>
+            </a:extLst>
+          </p:cNvPr>
+          <p:cNvCxnSpPr>
+            <a:cxnSpLocks/>
+            <a:endCxn id="141" idx="2"/>
+          </p:cNvCxnSpPr>
+          <p:nvPr/>
+        </p:nvCxnSpPr>
+        <p:spPr>
+          <a:xfrm flipV="1">
+            <a:off x="2669715" y="1832610"/>
+            <a:ext cx="884320" cy="7844"/>
+          </a:xfrm>
+          <a:prstGeom prst="straightConnector1">
+            <a:avLst/>
+          </a:prstGeom>
+          <a:ln w="19050">
+            <a:solidFill>
+              <a:srgbClr val="0070C0"/>
+            </a:solidFill>
+            <a:prstDash val="sysDash"/>
+            <a:headEnd type="arrow" w="med" len="med"/>
+            <a:tailEnd type="none" w="med" len="med"/>
+          </a:ln>
+        </p:spPr>
+        <p:style>
+          <a:lnRef idx="1">
+            <a:schemeClr val="accent1"/>
+          </a:lnRef>
+          <a:fillRef idx="0">
+            <a:schemeClr val="accent1"/>
+          </a:fillRef>
+          <a:effectRef idx="0">
+            <a:schemeClr val="accent1"/>
+          </a:effectRef>
+          <a:fontRef idx="minor">
+            <a:schemeClr val="tx1"/>
+          </a:fontRef>
+        </p:style>
+      </p:cxnSp>
+      <p:cxnSp>
+        <p:nvCxnSpPr>
+          <p:cNvPr id="144" name="Straight Connector 143">
+            <a:extLst>
+              <a:ext uri="{FF2B5EF4-FFF2-40B4-BE49-F238E27FC236}">
+                <a16:creationId xmlns:a16="http://schemas.microsoft.com/office/drawing/2014/main" id="{D6AAE826-177C-4DA2-B083-7766BE0F9FB2}"/>
+              </a:ext>
+            </a:extLst>
+          </p:cNvPr>
+          <p:cNvCxnSpPr>
+            <a:cxnSpLocks/>
+          </p:cNvCxnSpPr>
+          <p:nvPr/>
+        </p:nvCxnSpPr>
+        <p:spPr>
+          <a:xfrm>
+            <a:off x="3569336" y="1371600"/>
+            <a:ext cx="687" cy="621564"/>
+          </a:xfrm>
+          <a:prstGeom prst="line">
+            <a:avLst/>
+          </a:prstGeom>
+          <a:ln w="19050">
+            <a:solidFill>
+              <a:srgbClr val="0070C0"/>
+            </a:solidFill>
+            <a:prstDash val="sysDash"/>
+          </a:ln>
+          <a:effectLst/>
+        </p:spPr>
+        <p:style>
+          <a:lnRef idx="1">
+            <a:schemeClr val="accent1"/>
+          </a:lnRef>
+          <a:fillRef idx="2">
+            <a:schemeClr val="accent1"/>
+          </a:fillRef>
+          <a:effectRef idx="1">
+            <a:schemeClr val="accent1"/>
+          </a:effectRef>
+          <a:fontRef idx="minor">
+            <a:schemeClr val="dk1"/>
+          </a:fontRef>
+        </p:style>
+      </p:cxnSp>
+      <p:sp>
+        <p:nvSpPr>
+          <p:cNvPr id="147" name="TextBox 146">
+            <a:extLst>
+              <a:ext uri="{FF2B5EF4-FFF2-40B4-BE49-F238E27FC236}">
+                <a16:creationId xmlns:a16="http://schemas.microsoft.com/office/drawing/2014/main" id="{7B31B01F-E460-43FC-A0FA-6D8C12546A5E}"/>
+              </a:ext>
+            </a:extLst>
+          </p:cNvPr>
+          <p:cNvSpPr txBox="1"/>
+          <p:nvPr/>
+        </p:nvSpPr>
+        <p:spPr>
+          <a:xfrm>
+            <a:off x="3429000" y="1979712"/>
+            <a:ext cx="177404" cy="153888"/>
+          </a:xfrm>
+          <a:prstGeom prst="rect">
+            <a:avLst/>
+          </a:prstGeom>
+          <a:noFill/>
+        </p:spPr>
+        <p:txBody>
+          <a:bodyPr wrap="square" lIns="0" tIns="0" rIns="0" bIns="0" rtlCol="0">
+            <a:spAutoFit/>
+          </a:bodyPr>
+          <a:lstStyle>
+            <a:defPPr>
+              <a:defRPr lang="en-US"/>
+            </a:defPPr>
+            <a:lvl1pPr algn="r">
+              <a:defRPr sz="1400">
+                <a:solidFill>
+                  <a:srgbClr val="0070C0"/>
+                </a:solidFill>
+              </a:defRPr>
+            </a:lvl1pPr>
+          </a:lstStyle>
+          <a:p>
+            <a:r>
+              <a:rPr lang="en-US" sz="1000" dirty="0">
+                <a:solidFill>
+                  <a:schemeClr val="tx1"/>
+                </a:solidFill>
+              </a:rPr>
+              <a:t>X</a:t>
+            </a:r>
+          </a:p>
+        </p:txBody>
+      </p:sp>
+      <p:cxnSp>
+        <p:nvCxnSpPr>
+          <p:cNvPr id="148" name="Straight Arrow Connector 147">
+            <a:extLst>
+              <a:ext uri="{FF2B5EF4-FFF2-40B4-BE49-F238E27FC236}">
+                <a16:creationId xmlns:a16="http://schemas.microsoft.com/office/drawing/2014/main" id="{D740C777-2986-4CD8-AD11-9CDD025DD29F}"/>
+              </a:ext>
+            </a:extLst>
+          </p:cNvPr>
+          <p:cNvCxnSpPr>
+            <a:cxnSpLocks/>
+          </p:cNvCxnSpPr>
+          <p:nvPr/>
+        </p:nvCxnSpPr>
+        <p:spPr>
+          <a:xfrm flipV="1">
+            <a:off x="3640170" y="1214347"/>
+            <a:ext cx="550830" cy="4853"/>
+          </a:xfrm>
+          <a:prstGeom prst="straightConnector1">
+            <a:avLst/>
+          </a:prstGeom>
+          <a:ln w="19050">
+            <a:solidFill>
+              <a:srgbClr val="0070C0"/>
+            </a:solidFill>
+            <a:tailEnd type="arrow"/>
+          </a:ln>
+        </p:spPr>
+        <p:style>
+          <a:lnRef idx="1">
+            <a:schemeClr val="accent1"/>
+          </a:lnRef>
+          <a:fillRef idx="0">
+            <a:schemeClr val="accent1"/>
+          </a:fillRef>
+          <a:effectRef idx="0">
+            <a:schemeClr val="accent1"/>
+          </a:effectRef>
+          <a:fontRef idx="minor">
+            <a:schemeClr val="tx1"/>
+          </a:fontRef>
+        </p:style>
+      </p:cxnSp>
+      <p:sp>
+        <p:nvSpPr>
+          <p:cNvPr id="151" name="TextBox 150">
+            <a:extLst>
+              <a:ext uri="{FF2B5EF4-FFF2-40B4-BE49-F238E27FC236}">
+                <a16:creationId xmlns:a16="http://schemas.microsoft.com/office/drawing/2014/main" id="{38490A73-20CE-4EA8-B7FB-6FB8BB5A6183}"/>
+              </a:ext>
+            </a:extLst>
+          </p:cNvPr>
+          <p:cNvSpPr txBox="1"/>
+          <p:nvPr/>
+        </p:nvSpPr>
+        <p:spPr>
+          <a:xfrm>
+            <a:off x="2934732" y="1676400"/>
+            <a:ext cx="189468" cy="153888"/>
+          </a:xfrm>
+          <a:prstGeom prst="rect">
+            <a:avLst/>
+          </a:prstGeom>
+          <a:noFill/>
+        </p:spPr>
+        <p:txBody>
+          <a:bodyPr wrap="square" lIns="0" tIns="0" rIns="0" bIns="0" rtlCol="0">
+            <a:spAutoFit/>
+          </a:bodyPr>
+          <a:lstStyle>
+            <a:defPPr>
+              <a:defRPr lang="en-US"/>
+            </a:defPPr>
+            <a:lvl1pPr algn="r">
+              <a:defRPr sz="1400">
+                <a:solidFill>
+                  <a:srgbClr val="0070C0"/>
+                </a:solidFill>
+              </a:defRPr>
+            </a:lvl1pPr>
+          </a:lstStyle>
+          <a:p>
+            <a:r>
+              <a:rPr lang="en-US" sz="1000" dirty="0"/>
+              <a:t>a</a:t>
+            </a:r>
+          </a:p>
+        </p:txBody>
+      </p:sp>
     </p:spTree>
     <p:extLst>
       <p:ext uri="{BB962C8B-B14F-4D97-AF65-F5344CB8AC3E}">

--- a/docs/diagrams/UndoRedoSequenceDiagram.pptx
+++ b/docs/diagrams/UndoRedoSequenceDiagram.pptx
@@ -10,13 +10,13 @@
   <p:sldIdLst>
     <p:sldId id="267" r:id="rId2"/>
   </p:sldIdLst>
-  <p:sldSz cx="9144000" cy="6858000" type="screen4x3"/>
+  <p:sldSz cx="9144000" cy="5715000" type="screen16x10"/>
   <p:notesSz cx="6858000" cy="9144000"/>
   <p:defaultTextStyle>
     <a:defPPr>
       <a:defRPr lang="en-US"/>
     </a:defPPr>
-    <a:lvl1pPr marL="0" algn="l" defTabSz="914400" rtl="0" eaLnBrk="1" latinLnBrk="0" hangingPunct="1">
+    <a:lvl1pPr marL="0" algn="l" defTabSz="914313" rtl="0" eaLnBrk="1" latinLnBrk="0" hangingPunct="1">
       <a:defRPr sz="1800" kern="1200">
         <a:solidFill>
           <a:schemeClr val="tx1"/>
@@ -26,7 +26,7 @@
         <a:cs typeface="+mn-cs"/>
       </a:defRPr>
     </a:lvl1pPr>
-    <a:lvl2pPr marL="457200" algn="l" defTabSz="914400" rtl="0" eaLnBrk="1" latinLnBrk="0" hangingPunct="1">
+    <a:lvl2pPr marL="457157" algn="l" defTabSz="914313" rtl="0" eaLnBrk="1" latinLnBrk="0" hangingPunct="1">
       <a:defRPr sz="1800" kern="1200">
         <a:solidFill>
           <a:schemeClr val="tx1"/>
@@ -36,7 +36,7 @@
         <a:cs typeface="+mn-cs"/>
       </a:defRPr>
     </a:lvl2pPr>
-    <a:lvl3pPr marL="914400" algn="l" defTabSz="914400" rtl="0" eaLnBrk="1" latinLnBrk="0" hangingPunct="1">
+    <a:lvl3pPr marL="914313" algn="l" defTabSz="914313" rtl="0" eaLnBrk="1" latinLnBrk="0" hangingPunct="1">
       <a:defRPr sz="1800" kern="1200">
         <a:solidFill>
           <a:schemeClr val="tx1"/>
@@ -46,7 +46,7 @@
         <a:cs typeface="+mn-cs"/>
       </a:defRPr>
     </a:lvl3pPr>
-    <a:lvl4pPr marL="1371600" algn="l" defTabSz="914400" rtl="0" eaLnBrk="1" latinLnBrk="0" hangingPunct="1">
+    <a:lvl4pPr marL="1371470" algn="l" defTabSz="914313" rtl="0" eaLnBrk="1" latinLnBrk="0" hangingPunct="1">
       <a:defRPr sz="1800" kern="1200">
         <a:solidFill>
           <a:schemeClr val="tx1"/>
@@ -56,7 +56,7 @@
         <a:cs typeface="+mn-cs"/>
       </a:defRPr>
     </a:lvl4pPr>
-    <a:lvl5pPr marL="1828800" algn="l" defTabSz="914400" rtl="0" eaLnBrk="1" latinLnBrk="0" hangingPunct="1">
+    <a:lvl5pPr marL="1828627" algn="l" defTabSz="914313" rtl="0" eaLnBrk="1" latinLnBrk="0" hangingPunct="1">
       <a:defRPr sz="1800" kern="1200">
         <a:solidFill>
           <a:schemeClr val="tx1"/>
@@ -66,7 +66,7 @@
         <a:cs typeface="+mn-cs"/>
       </a:defRPr>
     </a:lvl5pPr>
-    <a:lvl6pPr marL="2286000" algn="l" defTabSz="914400" rtl="0" eaLnBrk="1" latinLnBrk="0" hangingPunct="1">
+    <a:lvl6pPr marL="2285785" algn="l" defTabSz="914313" rtl="0" eaLnBrk="1" latinLnBrk="0" hangingPunct="1">
       <a:defRPr sz="1800" kern="1200">
         <a:solidFill>
           <a:schemeClr val="tx1"/>
@@ -76,7 +76,7 @@
         <a:cs typeface="+mn-cs"/>
       </a:defRPr>
     </a:lvl6pPr>
-    <a:lvl7pPr marL="2743200" algn="l" defTabSz="914400" rtl="0" eaLnBrk="1" latinLnBrk="0" hangingPunct="1">
+    <a:lvl7pPr marL="2742941" algn="l" defTabSz="914313" rtl="0" eaLnBrk="1" latinLnBrk="0" hangingPunct="1">
       <a:defRPr sz="1800" kern="1200">
         <a:solidFill>
           <a:schemeClr val="tx1"/>
@@ -86,7 +86,7 @@
         <a:cs typeface="+mn-cs"/>
       </a:defRPr>
     </a:lvl7pPr>
-    <a:lvl8pPr marL="3200400" algn="l" defTabSz="914400" rtl="0" eaLnBrk="1" latinLnBrk="0" hangingPunct="1">
+    <a:lvl8pPr marL="3200098" algn="l" defTabSz="914313" rtl="0" eaLnBrk="1" latinLnBrk="0" hangingPunct="1">
       <a:defRPr sz="1800" kern="1200">
         <a:solidFill>
           <a:schemeClr val="tx1"/>
@@ -96,7 +96,7 @@
         <a:cs typeface="+mn-cs"/>
       </a:defRPr>
     </a:lvl8pPr>
-    <a:lvl9pPr marL="3657600" algn="l" defTabSz="914400" rtl="0" eaLnBrk="1" latinLnBrk="0" hangingPunct="1">
+    <a:lvl9pPr marL="3657255" algn="l" defTabSz="914313" rtl="0" eaLnBrk="1" latinLnBrk="0" hangingPunct="1">
       <a:defRPr sz="1800" kern="1200">
         <a:solidFill>
           <a:schemeClr val="tx1"/>
@@ -110,12 +110,12 @@
   <p:extLst>
     <p:ext uri="{EFAFB233-063F-42B5-8137-9DF3F51BA10A}">
       <p15:sldGuideLst xmlns:p15="http://schemas.microsoft.com/office/powerpoint/2012/main">
-        <p15:guide id="1" orient="horz" pos="1488">
+        <p15:guide id="1" orient="horz" pos="1240" userDrawn="1">
           <p15:clr>
             <a:srgbClr val="A4A3A4"/>
           </p15:clr>
         </p15:guide>
-        <p15:guide id="2" pos="2880">
+        <p15:guide id="2" pos="2880" userDrawn="1">
           <p15:clr>
             <a:srgbClr val="A4A3A4"/>
           </p15:clr>
@@ -124,10 +124,6 @@
     </p:ext>
   </p:extLst>
 </p:presentation>
-</file>
-
-<file path=ppt/revisionInfo.xml><?xml version="1.0" encoding="utf-8"?>
-<p1510:revInfo xmlns:a="http://schemas.openxmlformats.org/drawingml/2006/main" xmlns:r="http://schemas.openxmlformats.org/officeDocument/2006/relationships" xmlns:p1510="http://schemas.microsoft.com/office/powerpoint/2015/10/main"/>
 </file>
 
 <file path=ppt/notesMasters/notesMaster1.xml><?xml version="1.0" encoding="utf-8"?>
@@ -212,7 +208,7 @@
           <a:p>
             <a:fld id="{F5CC4B3F-88C1-4FFA-B1B6-F41C21DC6924}" type="datetimeFigureOut">
               <a:rPr lang="en-US" smtClean="0"/>
-              <a:t>7/6/2018</a:t>
+              <a:t>10/17/18</a:t>
             </a:fld>
             <a:endParaRPr lang="en-US"/>
           </a:p>
@@ -230,8 +226,8 @@
         </p:nvSpPr>
         <p:spPr>
           <a:xfrm>
-            <a:off x="1143000" y="685800"/>
-            <a:ext cx="4572000" cy="3429000"/>
+            <a:off x="685800" y="685800"/>
+            <a:ext cx="5486400" cy="3429000"/>
           </a:xfrm>
           <a:prstGeom prst="rect">
             <a:avLst/>
@@ -385,8 +381,8 @@
   </p:cSld>
   <p:clrMap bg1="lt1" tx1="dk1" bg2="lt2" tx2="dk2" accent1="accent1" accent2="accent2" accent3="accent3" accent4="accent4" accent5="accent5" accent6="accent6" hlink="hlink" folHlink="folHlink"/>
   <p:notesStyle>
-    <a:lvl1pPr marL="0" algn="l" defTabSz="914400" rtl="0" eaLnBrk="1" latinLnBrk="0" hangingPunct="1">
-      <a:defRPr sz="1200" kern="1200">
+    <a:lvl1pPr marL="0" algn="l" defTabSz="914313" rtl="0" eaLnBrk="1" latinLnBrk="0" hangingPunct="1">
+      <a:defRPr sz="1201" kern="1200">
         <a:solidFill>
           <a:schemeClr val="tx1"/>
         </a:solidFill>
@@ -395,8 +391,8 @@
         <a:cs typeface="+mn-cs"/>
       </a:defRPr>
     </a:lvl1pPr>
-    <a:lvl2pPr marL="457200" algn="l" defTabSz="914400" rtl="0" eaLnBrk="1" latinLnBrk="0" hangingPunct="1">
-      <a:defRPr sz="1200" kern="1200">
+    <a:lvl2pPr marL="457157" algn="l" defTabSz="914313" rtl="0" eaLnBrk="1" latinLnBrk="0" hangingPunct="1">
+      <a:defRPr sz="1201" kern="1200">
         <a:solidFill>
           <a:schemeClr val="tx1"/>
         </a:solidFill>
@@ -405,8 +401,8 @@
         <a:cs typeface="+mn-cs"/>
       </a:defRPr>
     </a:lvl2pPr>
-    <a:lvl3pPr marL="914400" algn="l" defTabSz="914400" rtl="0" eaLnBrk="1" latinLnBrk="0" hangingPunct="1">
-      <a:defRPr sz="1200" kern="1200">
+    <a:lvl3pPr marL="914313" algn="l" defTabSz="914313" rtl="0" eaLnBrk="1" latinLnBrk="0" hangingPunct="1">
+      <a:defRPr sz="1201" kern="1200">
         <a:solidFill>
           <a:schemeClr val="tx1"/>
         </a:solidFill>
@@ -415,8 +411,8 @@
         <a:cs typeface="+mn-cs"/>
       </a:defRPr>
     </a:lvl3pPr>
-    <a:lvl4pPr marL="1371600" algn="l" defTabSz="914400" rtl="0" eaLnBrk="1" latinLnBrk="0" hangingPunct="1">
-      <a:defRPr sz="1200" kern="1200">
+    <a:lvl4pPr marL="1371470" algn="l" defTabSz="914313" rtl="0" eaLnBrk="1" latinLnBrk="0" hangingPunct="1">
+      <a:defRPr sz="1201" kern="1200">
         <a:solidFill>
           <a:schemeClr val="tx1"/>
         </a:solidFill>
@@ -425,8 +421,8 @@
         <a:cs typeface="+mn-cs"/>
       </a:defRPr>
     </a:lvl4pPr>
-    <a:lvl5pPr marL="1828800" algn="l" defTabSz="914400" rtl="0" eaLnBrk="1" latinLnBrk="0" hangingPunct="1">
-      <a:defRPr sz="1200" kern="1200">
+    <a:lvl5pPr marL="1828627" algn="l" defTabSz="914313" rtl="0" eaLnBrk="1" latinLnBrk="0" hangingPunct="1">
+      <a:defRPr sz="1201" kern="1200">
         <a:solidFill>
           <a:schemeClr val="tx1"/>
         </a:solidFill>
@@ -435,8 +431,8 @@
         <a:cs typeface="+mn-cs"/>
       </a:defRPr>
     </a:lvl5pPr>
-    <a:lvl6pPr marL="2286000" algn="l" defTabSz="914400" rtl="0" eaLnBrk="1" latinLnBrk="0" hangingPunct="1">
-      <a:defRPr sz="1200" kern="1200">
+    <a:lvl6pPr marL="2285785" algn="l" defTabSz="914313" rtl="0" eaLnBrk="1" latinLnBrk="0" hangingPunct="1">
+      <a:defRPr sz="1201" kern="1200">
         <a:solidFill>
           <a:schemeClr val="tx1"/>
         </a:solidFill>
@@ -445,8 +441,8 @@
         <a:cs typeface="+mn-cs"/>
       </a:defRPr>
     </a:lvl6pPr>
-    <a:lvl7pPr marL="2743200" algn="l" defTabSz="914400" rtl="0" eaLnBrk="1" latinLnBrk="0" hangingPunct="1">
-      <a:defRPr sz="1200" kern="1200">
+    <a:lvl7pPr marL="2742941" algn="l" defTabSz="914313" rtl="0" eaLnBrk="1" latinLnBrk="0" hangingPunct="1">
+      <a:defRPr sz="1201" kern="1200">
         <a:solidFill>
           <a:schemeClr val="tx1"/>
         </a:solidFill>
@@ -455,8 +451,8 @@
         <a:cs typeface="+mn-cs"/>
       </a:defRPr>
     </a:lvl7pPr>
-    <a:lvl8pPr marL="3200400" algn="l" defTabSz="914400" rtl="0" eaLnBrk="1" latinLnBrk="0" hangingPunct="1">
-      <a:defRPr sz="1200" kern="1200">
+    <a:lvl8pPr marL="3200098" algn="l" defTabSz="914313" rtl="0" eaLnBrk="1" latinLnBrk="0" hangingPunct="1">
+      <a:defRPr sz="1201" kern="1200">
         <a:solidFill>
           <a:schemeClr val="tx1"/>
         </a:solidFill>
@@ -465,8 +461,8 @@
         <a:cs typeface="+mn-cs"/>
       </a:defRPr>
     </a:lvl8pPr>
-    <a:lvl9pPr marL="3657600" algn="l" defTabSz="914400" rtl="0" eaLnBrk="1" latinLnBrk="0" hangingPunct="1">
-      <a:defRPr sz="1200" kern="1200">
+    <a:lvl9pPr marL="3657255" algn="l" defTabSz="914313" rtl="0" eaLnBrk="1" latinLnBrk="0" hangingPunct="1">
+      <a:defRPr sz="1201" kern="1200">
         <a:solidFill>
           <a:schemeClr val="tx1"/>
         </a:solidFill>
@@ -477,6 +473,95 @@
     </a:lvl9pPr>
   </p:notesStyle>
 </p:notesMaster>
+</file>
+
+<file path=ppt/notesSlides/notesSlide1.xml><?xml version="1.0" encoding="utf-8"?>
+<p:notes xmlns:a="http://schemas.openxmlformats.org/drawingml/2006/main" xmlns:r="http://schemas.openxmlformats.org/officeDocument/2006/relationships" xmlns:p="http://schemas.openxmlformats.org/presentationml/2006/main">
+  <p:cSld>
+    <p:spTree>
+      <p:nvGrpSpPr>
+        <p:cNvPr id="1" name=""/>
+        <p:cNvGrpSpPr/>
+        <p:nvPr/>
+      </p:nvGrpSpPr>
+      <p:grpSpPr>
+        <a:xfrm>
+          <a:off x="0" y="0"/>
+          <a:ext cx="0" cy="0"/>
+          <a:chOff x="0" y="0"/>
+          <a:chExt cx="0" cy="0"/>
+        </a:xfrm>
+      </p:grpSpPr>
+      <p:sp>
+        <p:nvSpPr>
+          <p:cNvPr id="2" name="Slide Image Placeholder 1"/>
+          <p:cNvSpPr>
+            <a:spLocks noGrp="1" noRot="1" noChangeAspect="1"/>
+          </p:cNvSpPr>
+          <p:nvPr>
+            <p:ph type="sldImg"/>
+          </p:nvPr>
+        </p:nvSpPr>
+        <p:spPr>
+          <a:xfrm>
+            <a:off x="685800" y="685800"/>
+            <a:ext cx="5486400" cy="3429000"/>
+          </a:xfrm>
+        </p:spPr>
+      </p:sp>
+      <p:sp>
+        <p:nvSpPr>
+          <p:cNvPr id="3" name="Notes Placeholder 2"/>
+          <p:cNvSpPr>
+            <a:spLocks noGrp="1"/>
+          </p:cNvSpPr>
+          <p:nvPr>
+            <p:ph type="body" idx="1"/>
+          </p:nvPr>
+        </p:nvSpPr>
+        <p:spPr/>
+        <p:txBody>
+          <a:bodyPr/>
+          <a:lstStyle/>
+          <a:p>
+            <a:endParaRPr lang="en-US" dirty="0"/>
+          </a:p>
+        </p:txBody>
+      </p:sp>
+      <p:sp>
+        <p:nvSpPr>
+          <p:cNvPr id="4" name="Slide Number Placeholder 3"/>
+          <p:cNvSpPr>
+            <a:spLocks noGrp="1"/>
+          </p:cNvSpPr>
+          <p:nvPr>
+            <p:ph type="sldNum" sz="quarter" idx="5"/>
+          </p:nvPr>
+        </p:nvSpPr>
+        <p:spPr/>
+        <p:txBody>
+          <a:bodyPr/>
+          <a:lstStyle/>
+          <a:p>
+            <a:fld id="{5A7AB025-77E3-4BD1-A2FD-B3183DBA47A3}" type="slidenum">
+              <a:rPr lang="en-US" smtClean="0"/>
+              <a:t>1</a:t>
+            </a:fld>
+            <a:endParaRPr lang="en-US"/>
+          </a:p>
+        </p:txBody>
+      </p:sp>
+    </p:spTree>
+    <p:extLst>
+      <p:ext uri="{BB962C8B-B14F-4D97-AF65-F5344CB8AC3E}">
+        <p14:creationId xmlns:p14="http://schemas.microsoft.com/office/powerpoint/2010/main" val="2141599541"/>
+      </p:ext>
+    </p:extLst>
+  </p:cSld>
+  <p:clrMapOvr>
+    <a:masterClrMapping/>
+  </p:clrMapOvr>
+</p:notes>
 </file>
 
 <file path=ppt/slideLayouts/slideLayout1.xml><?xml version="1.0" encoding="utf-8"?>
@@ -508,8 +593,8 @@
         </p:nvSpPr>
         <p:spPr>
           <a:xfrm>
-            <a:off x="685800" y="2130425"/>
-            <a:ext cx="7772400" cy="1470025"/>
+            <a:off x="685800" y="1775361"/>
+            <a:ext cx="7772400" cy="1225021"/>
           </a:xfrm>
         </p:spPr>
         <p:txBody>
@@ -535,8 +620,8 @@
         </p:nvSpPr>
         <p:spPr>
           <a:xfrm>
-            <a:off x="1371600" y="3886200"/>
-            <a:ext cx="6400800" cy="1752600"/>
+            <a:off x="1371602" y="3238500"/>
+            <a:ext cx="6400800" cy="1460500"/>
           </a:xfrm>
         </p:spPr>
         <p:txBody>
@@ -552,7 +637,7 @@
                 </a:solidFill>
               </a:defRPr>
             </a:lvl1pPr>
-            <a:lvl2pPr marL="457200" indent="0" algn="ctr">
+            <a:lvl2pPr marL="380971" indent="0" algn="ctr">
               <a:buNone/>
               <a:defRPr>
                 <a:solidFill>
@@ -562,7 +647,7 @@
                 </a:solidFill>
               </a:defRPr>
             </a:lvl2pPr>
-            <a:lvl3pPr marL="914400" indent="0" algn="ctr">
+            <a:lvl3pPr marL="761942" indent="0" algn="ctr">
               <a:buNone/>
               <a:defRPr>
                 <a:solidFill>
@@ -572,7 +657,7 @@
                 </a:solidFill>
               </a:defRPr>
             </a:lvl3pPr>
-            <a:lvl4pPr marL="1371600" indent="0" algn="ctr">
+            <a:lvl4pPr marL="1142913" indent="0" algn="ctr">
               <a:buNone/>
               <a:defRPr>
                 <a:solidFill>
@@ -582,7 +667,7 @@
                 </a:solidFill>
               </a:defRPr>
             </a:lvl4pPr>
-            <a:lvl5pPr marL="1828800" indent="0" algn="ctr">
+            <a:lvl5pPr marL="1523885" indent="0" algn="ctr">
               <a:buNone/>
               <a:defRPr>
                 <a:solidFill>
@@ -592,7 +677,7 @@
                 </a:solidFill>
               </a:defRPr>
             </a:lvl5pPr>
-            <a:lvl6pPr marL="2286000" indent="0" algn="ctr">
+            <a:lvl6pPr marL="1904856" indent="0" algn="ctr">
               <a:buNone/>
               <a:defRPr>
                 <a:solidFill>
@@ -602,7 +687,7 @@
                 </a:solidFill>
               </a:defRPr>
             </a:lvl6pPr>
-            <a:lvl7pPr marL="2743200" indent="0" algn="ctr">
+            <a:lvl7pPr marL="2285827" indent="0" algn="ctr">
               <a:buNone/>
               <a:defRPr>
                 <a:solidFill>
@@ -612,7 +697,7 @@
                 </a:solidFill>
               </a:defRPr>
             </a:lvl7pPr>
-            <a:lvl8pPr marL="3200400" indent="0" algn="ctr">
+            <a:lvl8pPr marL="2666798" indent="0" algn="ctr">
               <a:buNone/>
               <a:defRPr>
                 <a:solidFill>
@@ -622,7 +707,7 @@
                 </a:solidFill>
               </a:defRPr>
             </a:lvl8pPr>
-            <a:lvl9pPr marL="3657600" indent="0" algn="ctr">
+            <a:lvl9pPr marL="3047770" indent="0" algn="ctr">
               <a:buNone/>
               <a:defRPr>
                 <a:solidFill>
@@ -658,7 +743,7 @@
           <a:p>
             <a:fld id="{78C97017-6FC3-485B-9764-EAC9E56C1D49}" type="datetimeFigureOut">
               <a:rPr lang="en-US" smtClean="0"/>
-              <a:t>7/6/2018</a:t>
+              <a:t>10/17/18</a:t>
             </a:fld>
             <a:endParaRPr lang="en-US"/>
           </a:p>
@@ -826,7 +911,7 @@
           <a:p>
             <a:fld id="{78C97017-6FC3-485B-9764-EAC9E56C1D49}" type="datetimeFigureOut">
               <a:rPr lang="en-US" smtClean="0"/>
-              <a:t>7/6/2018</a:t>
+              <a:t>10/17/18</a:t>
             </a:fld>
             <a:endParaRPr lang="en-US"/>
           </a:p>
@@ -916,8 +1001,8 @@
         </p:nvSpPr>
         <p:spPr>
           <a:xfrm>
-            <a:off x="6629400" y="274638"/>
-            <a:ext cx="2057400" cy="5851525"/>
+            <a:off x="6629402" y="228873"/>
+            <a:ext cx="2057400" cy="4876271"/>
           </a:xfrm>
         </p:spPr>
         <p:txBody>
@@ -943,8 +1028,8 @@
         </p:nvSpPr>
         <p:spPr>
           <a:xfrm>
-            <a:off x="457200" y="274638"/>
-            <a:ext cx="6019800" cy="5851525"/>
+            <a:off x="457200" y="228873"/>
+            <a:ext cx="6019800" cy="4876271"/>
           </a:xfrm>
         </p:spPr>
         <p:txBody>
@@ -1004,7 +1089,7 @@
           <a:p>
             <a:fld id="{78C97017-6FC3-485B-9764-EAC9E56C1D49}" type="datetimeFigureOut">
               <a:rPr lang="en-US" smtClean="0"/>
-              <a:t>7/6/2018</a:t>
+              <a:t>10/17/18</a:t>
             </a:fld>
             <a:endParaRPr lang="en-US"/>
           </a:p>
@@ -1172,7 +1257,7 @@
           <a:p>
             <a:fld id="{78C97017-6FC3-485B-9764-EAC9E56C1D49}" type="datetimeFigureOut">
               <a:rPr lang="en-US" smtClean="0"/>
-              <a:t>7/6/2018</a:t>
+              <a:t>10/17/18</a:t>
             </a:fld>
             <a:endParaRPr lang="en-US"/>
           </a:p>
@@ -1262,15 +1347,15 @@
         </p:nvSpPr>
         <p:spPr>
           <a:xfrm>
-            <a:off x="722313" y="4406900"/>
-            <a:ext cx="7772400" cy="1362075"/>
+            <a:off x="722313" y="3672420"/>
+            <a:ext cx="7772400" cy="1135063"/>
           </a:xfrm>
         </p:spPr>
         <p:txBody>
           <a:bodyPr anchor="t"/>
           <a:lstStyle>
             <a:lvl1pPr algn="l">
-              <a:defRPr sz="4000" b="1" cap="all"/>
+              <a:defRPr sz="3333" b="1" cap="all"/>
             </a:lvl1pPr>
           </a:lstStyle>
           <a:p>
@@ -1293,8 +1378,8 @@
         </p:nvSpPr>
         <p:spPr>
           <a:xfrm>
-            <a:off x="722313" y="2906713"/>
-            <a:ext cx="7772400" cy="1500187"/>
+            <a:off x="722313" y="2422261"/>
+            <a:ext cx="7772400" cy="1250156"/>
           </a:xfrm>
         </p:spPr>
         <p:txBody>
@@ -1302,7 +1387,7 @@
           <a:lstStyle>
             <a:lvl1pPr marL="0" indent="0">
               <a:buNone/>
-              <a:defRPr sz="2000">
+              <a:defRPr sz="1667">
                 <a:solidFill>
                   <a:schemeClr val="tx1">
                     <a:tint val="75000"/>
@@ -1310,9 +1395,9 @@
                 </a:solidFill>
               </a:defRPr>
             </a:lvl1pPr>
-            <a:lvl2pPr marL="457200" indent="0">
-              <a:buNone/>
-              <a:defRPr sz="1800">
+            <a:lvl2pPr marL="380971" indent="0">
+              <a:buNone/>
+              <a:defRPr sz="1500">
                 <a:solidFill>
                   <a:schemeClr val="tx1">
                     <a:tint val="75000"/>
@@ -1320,9 +1405,9 @@
                 </a:solidFill>
               </a:defRPr>
             </a:lvl2pPr>
-            <a:lvl3pPr marL="914400" indent="0">
-              <a:buNone/>
-              <a:defRPr sz="1600">
+            <a:lvl3pPr marL="761942" indent="0">
+              <a:buNone/>
+              <a:defRPr sz="1333">
                 <a:solidFill>
                   <a:schemeClr val="tx1">
                     <a:tint val="75000"/>
@@ -1330,9 +1415,9 @@
                 </a:solidFill>
               </a:defRPr>
             </a:lvl3pPr>
-            <a:lvl4pPr marL="1371600" indent="0">
-              <a:buNone/>
-              <a:defRPr sz="1400">
+            <a:lvl4pPr marL="1142913" indent="0">
+              <a:buNone/>
+              <a:defRPr sz="1167">
                 <a:solidFill>
                   <a:schemeClr val="tx1">
                     <a:tint val="75000"/>
@@ -1340,9 +1425,9 @@
                 </a:solidFill>
               </a:defRPr>
             </a:lvl4pPr>
-            <a:lvl5pPr marL="1828800" indent="0">
-              <a:buNone/>
-              <a:defRPr sz="1400">
+            <a:lvl5pPr marL="1523885" indent="0">
+              <a:buNone/>
+              <a:defRPr sz="1167">
                 <a:solidFill>
                   <a:schemeClr val="tx1">
                     <a:tint val="75000"/>
@@ -1350,9 +1435,9 @@
                 </a:solidFill>
               </a:defRPr>
             </a:lvl5pPr>
-            <a:lvl6pPr marL="2286000" indent="0">
-              <a:buNone/>
-              <a:defRPr sz="1400">
+            <a:lvl6pPr marL="1904856" indent="0">
+              <a:buNone/>
+              <a:defRPr sz="1167">
                 <a:solidFill>
                   <a:schemeClr val="tx1">
                     <a:tint val="75000"/>
@@ -1360,9 +1445,9 @@
                 </a:solidFill>
               </a:defRPr>
             </a:lvl6pPr>
-            <a:lvl7pPr marL="2743200" indent="0">
-              <a:buNone/>
-              <a:defRPr sz="1400">
+            <a:lvl7pPr marL="2285827" indent="0">
+              <a:buNone/>
+              <a:defRPr sz="1167">
                 <a:solidFill>
                   <a:schemeClr val="tx1">
                     <a:tint val="75000"/>
@@ -1370,9 +1455,9 @@
                 </a:solidFill>
               </a:defRPr>
             </a:lvl7pPr>
-            <a:lvl8pPr marL="3200400" indent="0">
-              <a:buNone/>
-              <a:defRPr sz="1400">
+            <a:lvl8pPr marL="2666798" indent="0">
+              <a:buNone/>
+              <a:defRPr sz="1167">
                 <a:solidFill>
                   <a:schemeClr val="tx1">
                     <a:tint val="75000"/>
@@ -1380,9 +1465,9 @@
                 </a:solidFill>
               </a:defRPr>
             </a:lvl8pPr>
-            <a:lvl9pPr marL="3657600" indent="0">
-              <a:buNone/>
-              <a:defRPr sz="1400">
+            <a:lvl9pPr marL="3047770" indent="0">
+              <a:buNone/>
+              <a:defRPr sz="1167">
                 <a:solidFill>
                   <a:schemeClr val="tx1">
                     <a:tint val="75000"/>
@@ -1417,7 +1502,7 @@
           <a:p>
             <a:fld id="{78C97017-6FC3-485B-9764-EAC9E56C1D49}" type="datetimeFigureOut">
               <a:rPr lang="en-US" smtClean="0"/>
-              <a:t>7/6/2018</a:t>
+              <a:t>10/17/18</a:t>
             </a:fld>
             <a:endParaRPr lang="en-US"/>
           </a:p>
@@ -1529,39 +1614,39 @@
         </p:nvSpPr>
         <p:spPr>
           <a:xfrm>
-            <a:off x="457200" y="1600200"/>
-            <a:ext cx="4038600" cy="4525963"/>
+            <a:off x="457202" y="1333505"/>
+            <a:ext cx="4038600" cy="3771636"/>
           </a:xfrm>
         </p:spPr>
         <p:txBody>
           <a:bodyPr/>
           <a:lstStyle>
             <a:lvl1pPr>
-              <a:defRPr sz="2800"/>
+              <a:defRPr sz="2333"/>
             </a:lvl1pPr>
             <a:lvl2pPr>
-              <a:defRPr sz="2400"/>
+              <a:defRPr sz="2000"/>
             </a:lvl2pPr>
             <a:lvl3pPr>
-              <a:defRPr sz="2000"/>
+              <a:defRPr sz="1667"/>
             </a:lvl3pPr>
             <a:lvl4pPr>
-              <a:defRPr sz="1800"/>
+              <a:defRPr sz="1500"/>
             </a:lvl4pPr>
             <a:lvl5pPr>
-              <a:defRPr sz="1800"/>
+              <a:defRPr sz="1500"/>
             </a:lvl5pPr>
             <a:lvl6pPr>
-              <a:defRPr sz="1800"/>
+              <a:defRPr sz="1500"/>
             </a:lvl6pPr>
             <a:lvl7pPr>
-              <a:defRPr sz="1800"/>
+              <a:defRPr sz="1500"/>
             </a:lvl7pPr>
             <a:lvl8pPr>
-              <a:defRPr sz="1800"/>
+              <a:defRPr sz="1500"/>
             </a:lvl8pPr>
             <a:lvl9pPr>
-              <a:defRPr sz="1800"/>
+              <a:defRPr sz="1500"/>
             </a:lvl9pPr>
           </a:lstStyle>
           <a:p>
@@ -1613,39 +1698,39 @@
         </p:nvSpPr>
         <p:spPr>
           <a:xfrm>
-            <a:off x="4648200" y="1600200"/>
-            <a:ext cx="4038600" cy="4525963"/>
+            <a:off x="4648200" y="1333505"/>
+            <a:ext cx="4038600" cy="3771636"/>
           </a:xfrm>
         </p:spPr>
         <p:txBody>
           <a:bodyPr/>
           <a:lstStyle>
             <a:lvl1pPr>
-              <a:defRPr sz="2800"/>
+              <a:defRPr sz="2333"/>
             </a:lvl1pPr>
             <a:lvl2pPr>
-              <a:defRPr sz="2400"/>
+              <a:defRPr sz="2000"/>
             </a:lvl2pPr>
             <a:lvl3pPr>
-              <a:defRPr sz="2000"/>
+              <a:defRPr sz="1667"/>
             </a:lvl3pPr>
             <a:lvl4pPr>
-              <a:defRPr sz="1800"/>
+              <a:defRPr sz="1500"/>
             </a:lvl4pPr>
             <a:lvl5pPr>
-              <a:defRPr sz="1800"/>
+              <a:defRPr sz="1500"/>
             </a:lvl5pPr>
             <a:lvl6pPr>
-              <a:defRPr sz="1800"/>
+              <a:defRPr sz="1500"/>
             </a:lvl6pPr>
             <a:lvl7pPr>
-              <a:defRPr sz="1800"/>
+              <a:defRPr sz="1500"/>
             </a:lvl7pPr>
             <a:lvl8pPr>
-              <a:defRPr sz="1800"/>
+              <a:defRPr sz="1500"/>
             </a:lvl8pPr>
             <a:lvl9pPr>
-              <a:defRPr sz="1800"/>
+              <a:defRPr sz="1500"/>
             </a:lvl9pPr>
           </a:lstStyle>
           <a:p>
@@ -1702,7 +1787,7 @@
           <a:p>
             <a:fld id="{78C97017-6FC3-485B-9764-EAC9E56C1D49}" type="datetimeFigureOut">
               <a:rPr lang="en-US" smtClean="0"/>
-              <a:t>7/6/2018</a:t>
+              <a:t>10/17/18</a:t>
             </a:fld>
             <a:endParaRPr lang="en-US"/>
           </a:p>
@@ -1818,8 +1903,8 @@
         </p:nvSpPr>
         <p:spPr>
           <a:xfrm>
-            <a:off x="457200" y="1535113"/>
-            <a:ext cx="4040188" cy="639762"/>
+            <a:off x="457202" y="1279263"/>
+            <a:ext cx="4040188" cy="533135"/>
           </a:xfrm>
         </p:spPr>
         <p:txBody>
@@ -1827,39 +1912,39 @@
           <a:lstStyle>
             <a:lvl1pPr marL="0" indent="0">
               <a:buNone/>
-              <a:defRPr sz="2400" b="1"/>
+              <a:defRPr sz="2000" b="1"/>
             </a:lvl1pPr>
-            <a:lvl2pPr marL="457200" indent="0">
-              <a:buNone/>
-              <a:defRPr sz="2000" b="1"/>
+            <a:lvl2pPr marL="380971" indent="0">
+              <a:buNone/>
+              <a:defRPr sz="1667" b="1"/>
             </a:lvl2pPr>
-            <a:lvl3pPr marL="914400" indent="0">
-              <a:buNone/>
-              <a:defRPr sz="1800" b="1"/>
+            <a:lvl3pPr marL="761942" indent="0">
+              <a:buNone/>
+              <a:defRPr sz="1500" b="1"/>
             </a:lvl3pPr>
-            <a:lvl4pPr marL="1371600" indent="0">
-              <a:buNone/>
-              <a:defRPr sz="1600" b="1"/>
+            <a:lvl4pPr marL="1142913" indent="0">
+              <a:buNone/>
+              <a:defRPr sz="1333" b="1"/>
             </a:lvl4pPr>
-            <a:lvl5pPr marL="1828800" indent="0">
-              <a:buNone/>
-              <a:defRPr sz="1600" b="1"/>
+            <a:lvl5pPr marL="1523885" indent="0">
+              <a:buNone/>
+              <a:defRPr sz="1333" b="1"/>
             </a:lvl5pPr>
-            <a:lvl6pPr marL="2286000" indent="0">
-              <a:buNone/>
-              <a:defRPr sz="1600" b="1"/>
+            <a:lvl6pPr marL="1904856" indent="0">
+              <a:buNone/>
+              <a:defRPr sz="1333" b="1"/>
             </a:lvl6pPr>
-            <a:lvl7pPr marL="2743200" indent="0">
-              <a:buNone/>
-              <a:defRPr sz="1600" b="1"/>
+            <a:lvl7pPr marL="2285827" indent="0">
+              <a:buNone/>
+              <a:defRPr sz="1333" b="1"/>
             </a:lvl7pPr>
-            <a:lvl8pPr marL="3200400" indent="0">
-              <a:buNone/>
-              <a:defRPr sz="1600" b="1"/>
+            <a:lvl8pPr marL="2666798" indent="0">
+              <a:buNone/>
+              <a:defRPr sz="1333" b="1"/>
             </a:lvl8pPr>
-            <a:lvl9pPr marL="3657600" indent="0">
-              <a:buNone/>
-              <a:defRPr sz="1600" b="1"/>
+            <a:lvl9pPr marL="3047770" indent="0">
+              <a:buNone/>
+              <a:defRPr sz="1333" b="1"/>
             </a:lvl9pPr>
           </a:lstStyle>
           <a:p>
@@ -1883,39 +1968,39 @@
         </p:nvSpPr>
         <p:spPr>
           <a:xfrm>
-            <a:off x="457200" y="2174875"/>
-            <a:ext cx="4040188" cy="3951288"/>
+            <a:off x="457202" y="1812396"/>
+            <a:ext cx="4040188" cy="3292740"/>
           </a:xfrm>
         </p:spPr>
         <p:txBody>
           <a:bodyPr/>
           <a:lstStyle>
             <a:lvl1pPr>
-              <a:defRPr sz="2400"/>
+              <a:defRPr sz="2000"/>
             </a:lvl1pPr>
             <a:lvl2pPr>
-              <a:defRPr sz="2000"/>
+              <a:defRPr sz="1667"/>
             </a:lvl2pPr>
             <a:lvl3pPr>
-              <a:defRPr sz="1800"/>
+              <a:defRPr sz="1500"/>
             </a:lvl3pPr>
             <a:lvl4pPr>
-              <a:defRPr sz="1600"/>
+              <a:defRPr sz="1333"/>
             </a:lvl4pPr>
             <a:lvl5pPr>
-              <a:defRPr sz="1600"/>
+              <a:defRPr sz="1333"/>
             </a:lvl5pPr>
             <a:lvl6pPr>
-              <a:defRPr sz="1600"/>
+              <a:defRPr sz="1333"/>
             </a:lvl6pPr>
             <a:lvl7pPr>
-              <a:defRPr sz="1600"/>
+              <a:defRPr sz="1333"/>
             </a:lvl7pPr>
             <a:lvl8pPr>
-              <a:defRPr sz="1600"/>
+              <a:defRPr sz="1333"/>
             </a:lvl8pPr>
             <a:lvl9pPr>
-              <a:defRPr sz="1600"/>
+              <a:defRPr sz="1333"/>
             </a:lvl9pPr>
           </a:lstStyle>
           <a:p>
@@ -1967,8 +2052,8 @@
         </p:nvSpPr>
         <p:spPr>
           <a:xfrm>
-            <a:off x="4645025" y="1535113"/>
-            <a:ext cx="4041775" cy="639762"/>
+            <a:off x="4645031" y="1279263"/>
+            <a:ext cx="4041775" cy="533135"/>
           </a:xfrm>
         </p:spPr>
         <p:txBody>
@@ -1976,39 +2061,39 @@
           <a:lstStyle>
             <a:lvl1pPr marL="0" indent="0">
               <a:buNone/>
-              <a:defRPr sz="2400" b="1"/>
+              <a:defRPr sz="2000" b="1"/>
             </a:lvl1pPr>
-            <a:lvl2pPr marL="457200" indent="0">
-              <a:buNone/>
-              <a:defRPr sz="2000" b="1"/>
+            <a:lvl2pPr marL="380971" indent="0">
+              <a:buNone/>
+              <a:defRPr sz="1667" b="1"/>
             </a:lvl2pPr>
-            <a:lvl3pPr marL="914400" indent="0">
-              <a:buNone/>
-              <a:defRPr sz="1800" b="1"/>
+            <a:lvl3pPr marL="761942" indent="0">
+              <a:buNone/>
+              <a:defRPr sz="1500" b="1"/>
             </a:lvl3pPr>
-            <a:lvl4pPr marL="1371600" indent="0">
-              <a:buNone/>
-              <a:defRPr sz="1600" b="1"/>
+            <a:lvl4pPr marL="1142913" indent="0">
+              <a:buNone/>
+              <a:defRPr sz="1333" b="1"/>
             </a:lvl4pPr>
-            <a:lvl5pPr marL="1828800" indent="0">
-              <a:buNone/>
-              <a:defRPr sz="1600" b="1"/>
+            <a:lvl5pPr marL="1523885" indent="0">
+              <a:buNone/>
+              <a:defRPr sz="1333" b="1"/>
             </a:lvl5pPr>
-            <a:lvl6pPr marL="2286000" indent="0">
-              <a:buNone/>
-              <a:defRPr sz="1600" b="1"/>
+            <a:lvl6pPr marL="1904856" indent="0">
+              <a:buNone/>
+              <a:defRPr sz="1333" b="1"/>
             </a:lvl6pPr>
-            <a:lvl7pPr marL="2743200" indent="0">
-              <a:buNone/>
-              <a:defRPr sz="1600" b="1"/>
+            <a:lvl7pPr marL="2285827" indent="0">
+              <a:buNone/>
+              <a:defRPr sz="1333" b="1"/>
             </a:lvl7pPr>
-            <a:lvl8pPr marL="3200400" indent="0">
-              <a:buNone/>
-              <a:defRPr sz="1600" b="1"/>
+            <a:lvl8pPr marL="2666798" indent="0">
+              <a:buNone/>
+              <a:defRPr sz="1333" b="1"/>
             </a:lvl8pPr>
-            <a:lvl9pPr marL="3657600" indent="0">
-              <a:buNone/>
-              <a:defRPr sz="1600" b="1"/>
+            <a:lvl9pPr marL="3047770" indent="0">
+              <a:buNone/>
+              <a:defRPr sz="1333" b="1"/>
             </a:lvl9pPr>
           </a:lstStyle>
           <a:p>
@@ -2032,39 +2117,39 @@
         </p:nvSpPr>
         <p:spPr>
           <a:xfrm>
-            <a:off x="4645025" y="2174875"/>
-            <a:ext cx="4041775" cy="3951288"/>
+            <a:off x="4645031" y="1812396"/>
+            <a:ext cx="4041775" cy="3292740"/>
           </a:xfrm>
         </p:spPr>
         <p:txBody>
           <a:bodyPr/>
           <a:lstStyle>
             <a:lvl1pPr>
-              <a:defRPr sz="2400"/>
+              <a:defRPr sz="2000"/>
             </a:lvl1pPr>
             <a:lvl2pPr>
-              <a:defRPr sz="2000"/>
+              <a:defRPr sz="1667"/>
             </a:lvl2pPr>
             <a:lvl3pPr>
-              <a:defRPr sz="1800"/>
+              <a:defRPr sz="1500"/>
             </a:lvl3pPr>
             <a:lvl4pPr>
-              <a:defRPr sz="1600"/>
+              <a:defRPr sz="1333"/>
             </a:lvl4pPr>
             <a:lvl5pPr>
-              <a:defRPr sz="1600"/>
+              <a:defRPr sz="1333"/>
             </a:lvl5pPr>
             <a:lvl6pPr>
-              <a:defRPr sz="1600"/>
+              <a:defRPr sz="1333"/>
             </a:lvl6pPr>
             <a:lvl7pPr>
-              <a:defRPr sz="1600"/>
+              <a:defRPr sz="1333"/>
             </a:lvl7pPr>
             <a:lvl8pPr>
-              <a:defRPr sz="1600"/>
+              <a:defRPr sz="1333"/>
             </a:lvl8pPr>
             <a:lvl9pPr>
-              <a:defRPr sz="1600"/>
+              <a:defRPr sz="1333"/>
             </a:lvl9pPr>
           </a:lstStyle>
           <a:p>
@@ -2121,7 +2206,7 @@
           <a:p>
             <a:fld id="{78C97017-6FC3-485B-9764-EAC9E56C1D49}" type="datetimeFigureOut">
               <a:rPr lang="en-US" smtClean="0"/>
-              <a:t>7/6/2018</a:t>
+              <a:t>10/17/18</a:t>
             </a:fld>
             <a:endParaRPr lang="en-US"/>
           </a:p>
@@ -2238,7 +2323,7 @@
           <a:p>
             <a:fld id="{78C97017-6FC3-485B-9764-EAC9E56C1D49}" type="datetimeFigureOut">
               <a:rPr lang="en-US" smtClean="0"/>
-              <a:t>7/6/2018</a:t>
+              <a:t>10/17/18</a:t>
             </a:fld>
             <a:endParaRPr lang="en-US"/>
           </a:p>
@@ -2333,7 +2418,7 @@
           <a:p>
             <a:fld id="{78C97017-6FC3-485B-9764-EAC9E56C1D49}" type="datetimeFigureOut">
               <a:rPr lang="en-US" smtClean="0"/>
-              <a:t>7/6/2018</a:t>
+              <a:t>10/17/18</a:t>
             </a:fld>
             <a:endParaRPr lang="en-US"/>
           </a:p>
@@ -2423,15 +2508,15 @@
         </p:nvSpPr>
         <p:spPr>
           <a:xfrm>
-            <a:off x="457200" y="273050"/>
-            <a:ext cx="3008313" cy="1162050"/>
+            <a:off x="457206" y="227543"/>
+            <a:ext cx="3008313" cy="968375"/>
           </a:xfrm>
         </p:spPr>
         <p:txBody>
           <a:bodyPr anchor="b"/>
           <a:lstStyle>
             <a:lvl1pPr algn="l">
-              <a:defRPr sz="2000" b="1"/>
+              <a:defRPr sz="1667" b="1"/>
             </a:lvl1pPr>
           </a:lstStyle>
           <a:p>
@@ -2454,39 +2539,39 @@
         </p:nvSpPr>
         <p:spPr>
           <a:xfrm>
-            <a:off x="3575050" y="273050"/>
-            <a:ext cx="5111750" cy="5853113"/>
+            <a:off x="3575050" y="227549"/>
+            <a:ext cx="5111750" cy="4877594"/>
           </a:xfrm>
         </p:spPr>
         <p:txBody>
           <a:bodyPr/>
           <a:lstStyle>
             <a:lvl1pPr>
-              <a:defRPr sz="3200"/>
+              <a:defRPr sz="2667"/>
             </a:lvl1pPr>
             <a:lvl2pPr>
-              <a:defRPr sz="2800"/>
+              <a:defRPr sz="2333"/>
             </a:lvl2pPr>
             <a:lvl3pPr>
-              <a:defRPr sz="2400"/>
+              <a:defRPr sz="2000"/>
             </a:lvl3pPr>
             <a:lvl4pPr>
-              <a:defRPr sz="2000"/>
+              <a:defRPr sz="1667"/>
             </a:lvl4pPr>
             <a:lvl5pPr>
-              <a:defRPr sz="2000"/>
+              <a:defRPr sz="1667"/>
             </a:lvl5pPr>
             <a:lvl6pPr>
-              <a:defRPr sz="2000"/>
+              <a:defRPr sz="1667"/>
             </a:lvl6pPr>
             <a:lvl7pPr>
-              <a:defRPr sz="2000"/>
+              <a:defRPr sz="1667"/>
             </a:lvl7pPr>
             <a:lvl8pPr>
-              <a:defRPr sz="2000"/>
+              <a:defRPr sz="1667"/>
             </a:lvl8pPr>
             <a:lvl9pPr>
-              <a:defRPr sz="2000"/>
+              <a:defRPr sz="1667"/>
             </a:lvl9pPr>
           </a:lstStyle>
           <a:p>
@@ -2538,8 +2623,8 @@
         </p:nvSpPr>
         <p:spPr>
           <a:xfrm>
-            <a:off x="457200" y="1435100"/>
-            <a:ext cx="3008313" cy="4691063"/>
+            <a:off x="457206" y="1195920"/>
+            <a:ext cx="3008313" cy="3909219"/>
           </a:xfrm>
         </p:spPr>
         <p:txBody>
@@ -2547,39 +2632,39 @@
           <a:lstStyle>
             <a:lvl1pPr marL="0" indent="0">
               <a:buNone/>
-              <a:defRPr sz="1400"/>
+              <a:defRPr sz="1167"/>
             </a:lvl1pPr>
-            <a:lvl2pPr marL="457200" indent="0">
-              <a:buNone/>
-              <a:defRPr sz="1200"/>
+            <a:lvl2pPr marL="380971" indent="0">
+              <a:buNone/>
+              <a:defRPr sz="1000"/>
             </a:lvl2pPr>
-            <a:lvl3pPr marL="914400" indent="0">
-              <a:buNone/>
-              <a:defRPr sz="1000"/>
+            <a:lvl3pPr marL="761942" indent="0">
+              <a:buNone/>
+              <a:defRPr sz="833"/>
             </a:lvl3pPr>
-            <a:lvl4pPr marL="1371600" indent="0">
-              <a:buNone/>
-              <a:defRPr sz="900"/>
+            <a:lvl4pPr marL="1142913" indent="0">
+              <a:buNone/>
+              <a:defRPr sz="750"/>
             </a:lvl4pPr>
-            <a:lvl5pPr marL="1828800" indent="0">
-              <a:buNone/>
-              <a:defRPr sz="900"/>
+            <a:lvl5pPr marL="1523885" indent="0">
+              <a:buNone/>
+              <a:defRPr sz="750"/>
             </a:lvl5pPr>
-            <a:lvl6pPr marL="2286000" indent="0">
-              <a:buNone/>
-              <a:defRPr sz="900"/>
+            <a:lvl6pPr marL="1904856" indent="0">
+              <a:buNone/>
+              <a:defRPr sz="750"/>
             </a:lvl6pPr>
-            <a:lvl7pPr marL="2743200" indent="0">
-              <a:buNone/>
-              <a:defRPr sz="900"/>
+            <a:lvl7pPr marL="2285827" indent="0">
+              <a:buNone/>
+              <a:defRPr sz="750"/>
             </a:lvl7pPr>
-            <a:lvl8pPr marL="3200400" indent="0">
-              <a:buNone/>
-              <a:defRPr sz="900"/>
+            <a:lvl8pPr marL="2666798" indent="0">
+              <a:buNone/>
+              <a:defRPr sz="750"/>
             </a:lvl8pPr>
-            <a:lvl9pPr marL="3657600" indent="0">
-              <a:buNone/>
-              <a:defRPr sz="900"/>
+            <a:lvl9pPr marL="3047770" indent="0">
+              <a:buNone/>
+              <a:defRPr sz="750"/>
             </a:lvl9pPr>
           </a:lstStyle>
           <a:p>
@@ -2608,7 +2693,7 @@
           <a:p>
             <a:fld id="{78C97017-6FC3-485B-9764-EAC9E56C1D49}" type="datetimeFigureOut">
               <a:rPr lang="en-US" smtClean="0"/>
-              <a:t>7/6/2018</a:t>
+              <a:t>10/17/18</a:t>
             </a:fld>
             <a:endParaRPr lang="en-US"/>
           </a:p>
@@ -2698,15 +2783,15 @@
         </p:nvSpPr>
         <p:spPr>
           <a:xfrm>
-            <a:off x="1792288" y="4800600"/>
-            <a:ext cx="5486400" cy="566738"/>
+            <a:off x="1792288" y="4000500"/>
+            <a:ext cx="5486400" cy="472282"/>
           </a:xfrm>
         </p:spPr>
         <p:txBody>
           <a:bodyPr anchor="b"/>
           <a:lstStyle>
             <a:lvl1pPr algn="l">
-              <a:defRPr sz="2000" b="1"/>
+              <a:defRPr sz="1667" b="1"/>
             </a:lvl1pPr>
           </a:lstStyle>
           <a:p>
@@ -2729,8 +2814,8 @@
         </p:nvSpPr>
         <p:spPr>
           <a:xfrm>
-            <a:off x="1792288" y="612775"/>
-            <a:ext cx="5486400" cy="4114800"/>
+            <a:off x="1792288" y="510646"/>
+            <a:ext cx="5486400" cy="3429000"/>
           </a:xfrm>
         </p:spPr>
         <p:txBody>
@@ -2738,39 +2823,39 @@
           <a:lstStyle>
             <a:lvl1pPr marL="0" indent="0">
               <a:buNone/>
-              <a:defRPr sz="3200"/>
+              <a:defRPr sz="2667"/>
             </a:lvl1pPr>
-            <a:lvl2pPr marL="457200" indent="0">
-              <a:buNone/>
-              <a:defRPr sz="2800"/>
+            <a:lvl2pPr marL="380971" indent="0">
+              <a:buNone/>
+              <a:defRPr sz="2333"/>
             </a:lvl2pPr>
-            <a:lvl3pPr marL="914400" indent="0">
-              <a:buNone/>
-              <a:defRPr sz="2400"/>
+            <a:lvl3pPr marL="761942" indent="0">
+              <a:buNone/>
+              <a:defRPr sz="2000"/>
             </a:lvl3pPr>
-            <a:lvl4pPr marL="1371600" indent="0">
-              <a:buNone/>
-              <a:defRPr sz="2000"/>
+            <a:lvl4pPr marL="1142913" indent="0">
+              <a:buNone/>
+              <a:defRPr sz="1667"/>
             </a:lvl4pPr>
-            <a:lvl5pPr marL="1828800" indent="0">
-              <a:buNone/>
-              <a:defRPr sz="2000"/>
+            <a:lvl5pPr marL="1523885" indent="0">
+              <a:buNone/>
+              <a:defRPr sz="1667"/>
             </a:lvl5pPr>
-            <a:lvl6pPr marL="2286000" indent="0">
-              <a:buNone/>
-              <a:defRPr sz="2000"/>
+            <a:lvl6pPr marL="1904856" indent="0">
+              <a:buNone/>
+              <a:defRPr sz="1667"/>
             </a:lvl6pPr>
-            <a:lvl7pPr marL="2743200" indent="0">
-              <a:buNone/>
-              <a:defRPr sz="2000"/>
+            <a:lvl7pPr marL="2285827" indent="0">
+              <a:buNone/>
+              <a:defRPr sz="1667"/>
             </a:lvl7pPr>
-            <a:lvl8pPr marL="3200400" indent="0">
-              <a:buNone/>
-              <a:defRPr sz="2000"/>
+            <a:lvl8pPr marL="2666798" indent="0">
+              <a:buNone/>
+              <a:defRPr sz="1667"/>
             </a:lvl8pPr>
-            <a:lvl9pPr marL="3657600" indent="0">
-              <a:buNone/>
-              <a:defRPr sz="2000"/>
+            <a:lvl9pPr marL="3047770" indent="0">
+              <a:buNone/>
+              <a:defRPr sz="1667"/>
             </a:lvl9pPr>
           </a:lstStyle>
           <a:p>
@@ -2790,8 +2875,8 @@
         </p:nvSpPr>
         <p:spPr>
           <a:xfrm>
-            <a:off x="1792288" y="5367338"/>
-            <a:ext cx="5486400" cy="804862"/>
+            <a:off x="1792288" y="4472782"/>
+            <a:ext cx="5486400" cy="670718"/>
           </a:xfrm>
         </p:spPr>
         <p:txBody>
@@ -2799,39 +2884,39 @@
           <a:lstStyle>
             <a:lvl1pPr marL="0" indent="0">
               <a:buNone/>
-              <a:defRPr sz="1400"/>
+              <a:defRPr sz="1167"/>
             </a:lvl1pPr>
-            <a:lvl2pPr marL="457200" indent="0">
-              <a:buNone/>
-              <a:defRPr sz="1200"/>
+            <a:lvl2pPr marL="380971" indent="0">
+              <a:buNone/>
+              <a:defRPr sz="1000"/>
             </a:lvl2pPr>
-            <a:lvl3pPr marL="914400" indent="0">
-              <a:buNone/>
-              <a:defRPr sz="1000"/>
+            <a:lvl3pPr marL="761942" indent="0">
+              <a:buNone/>
+              <a:defRPr sz="833"/>
             </a:lvl3pPr>
-            <a:lvl4pPr marL="1371600" indent="0">
-              <a:buNone/>
-              <a:defRPr sz="900"/>
+            <a:lvl4pPr marL="1142913" indent="0">
+              <a:buNone/>
+              <a:defRPr sz="750"/>
             </a:lvl4pPr>
-            <a:lvl5pPr marL="1828800" indent="0">
-              <a:buNone/>
-              <a:defRPr sz="900"/>
+            <a:lvl5pPr marL="1523885" indent="0">
+              <a:buNone/>
+              <a:defRPr sz="750"/>
             </a:lvl5pPr>
-            <a:lvl6pPr marL="2286000" indent="0">
-              <a:buNone/>
-              <a:defRPr sz="900"/>
+            <a:lvl6pPr marL="1904856" indent="0">
+              <a:buNone/>
+              <a:defRPr sz="750"/>
             </a:lvl6pPr>
-            <a:lvl7pPr marL="2743200" indent="0">
-              <a:buNone/>
-              <a:defRPr sz="900"/>
+            <a:lvl7pPr marL="2285827" indent="0">
+              <a:buNone/>
+              <a:defRPr sz="750"/>
             </a:lvl7pPr>
-            <a:lvl8pPr marL="3200400" indent="0">
-              <a:buNone/>
-              <a:defRPr sz="900"/>
+            <a:lvl8pPr marL="2666798" indent="0">
+              <a:buNone/>
+              <a:defRPr sz="750"/>
             </a:lvl8pPr>
-            <a:lvl9pPr marL="3657600" indent="0">
-              <a:buNone/>
-              <a:defRPr sz="900"/>
+            <a:lvl9pPr marL="3047770" indent="0">
+              <a:buNone/>
+              <a:defRPr sz="750"/>
             </a:lvl9pPr>
           </a:lstStyle>
           <a:p>
@@ -2860,7 +2945,7 @@
           <a:p>
             <a:fld id="{78C97017-6FC3-485B-9764-EAC9E56C1D49}" type="datetimeFigureOut">
               <a:rPr lang="en-US" smtClean="0"/>
-              <a:t>7/6/2018</a:t>
+              <a:t>10/17/18</a:t>
             </a:fld>
             <a:endParaRPr lang="en-US"/>
           </a:p>
@@ -2955,8 +3040,8 @@
         </p:nvSpPr>
         <p:spPr>
           <a:xfrm>
-            <a:off x="457200" y="274638"/>
-            <a:ext cx="8229600" cy="1143000"/>
+            <a:off x="457202" y="228865"/>
+            <a:ext cx="8229600" cy="952500"/>
           </a:xfrm>
           <a:prstGeom prst="rect">
             <a:avLst/>
@@ -2987,8 +3072,8 @@
         </p:nvSpPr>
         <p:spPr>
           <a:xfrm>
-            <a:off x="457200" y="1600200"/>
-            <a:ext cx="8229600" cy="4525963"/>
+            <a:off x="457202" y="1333505"/>
+            <a:ext cx="8229600" cy="3771636"/>
           </a:xfrm>
           <a:prstGeom prst="rect">
             <a:avLst/>
@@ -3048,8 +3133,8 @@
         </p:nvSpPr>
         <p:spPr>
           <a:xfrm>
-            <a:off x="457200" y="6356350"/>
-            <a:ext cx="2133600" cy="365125"/>
+            <a:off x="457202" y="5296966"/>
+            <a:ext cx="2133600" cy="304271"/>
           </a:xfrm>
           <a:prstGeom prst="rect">
             <a:avLst/>
@@ -3059,7 +3144,7 @@
           <a:bodyPr vert="horz" lIns="91440" tIns="45720" rIns="91440" bIns="45720" rtlCol="0" anchor="ctr"/>
           <a:lstStyle>
             <a:lvl1pPr algn="l">
-              <a:defRPr sz="1200">
+              <a:defRPr sz="1000">
                 <a:solidFill>
                   <a:schemeClr val="tx1">
                     <a:tint val="75000"/>
@@ -3071,7 +3156,7 @@
           <a:p>
             <a:fld id="{78C97017-6FC3-485B-9764-EAC9E56C1D49}" type="datetimeFigureOut">
               <a:rPr lang="en-US" smtClean="0"/>
-              <a:t>7/6/2018</a:t>
+              <a:t>10/17/18</a:t>
             </a:fld>
             <a:endParaRPr lang="en-US"/>
           </a:p>
@@ -3089,8 +3174,8 @@
         </p:nvSpPr>
         <p:spPr>
           <a:xfrm>
-            <a:off x="3124200" y="6356350"/>
-            <a:ext cx="2895600" cy="365125"/>
+            <a:off x="3124200" y="5296966"/>
+            <a:ext cx="2895600" cy="304271"/>
           </a:xfrm>
           <a:prstGeom prst="rect">
             <a:avLst/>
@@ -3100,7 +3185,7 @@
           <a:bodyPr vert="horz" lIns="91440" tIns="45720" rIns="91440" bIns="45720" rtlCol="0" anchor="ctr"/>
           <a:lstStyle>
             <a:lvl1pPr algn="ctr">
-              <a:defRPr sz="1200">
+              <a:defRPr sz="1000">
                 <a:solidFill>
                   <a:schemeClr val="tx1">
                     <a:tint val="75000"/>
@@ -3126,8 +3211,8 @@
         </p:nvSpPr>
         <p:spPr>
           <a:xfrm>
-            <a:off x="6553200" y="6356350"/>
-            <a:ext cx="2133600" cy="365125"/>
+            <a:off x="6553202" y="5296966"/>
+            <a:ext cx="2133600" cy="304271"/>
           </a:xfrm>
           <a:prstGeom prst="rect">
             <a:avLst/>
@@ -3137,7 +3222,7 @@
           <a:bodyPr vert="horz" lIns="91440" tIns="45720" rIns="91440" bIns="45720" rtlCol="0" anchor="ctr"/>
           <a:lstStyle>
             <a:lvl1pPr algn="r">
-              <a:defRPr sz="1200">
+              <a:defRPr sz="1000">
                 <a:solidFill>
                   <a:schemeClr val="tx1">
                     <a:tint val="75000"/>
@@ -3178,12 +3263,12 @@
   </p:sldLayoutIdLst>
   <p:txStyles>
     <p:titleStyle>
-      <a:lvl1pPr algn="ctr" defTabSz="914400" rtl="0" eaLnBrk="1" latinLnBrk="0" hangingPunct="1">
+      <a:lvl1pPr algn="ctr" defTabSz="761942" rtl="0" eaLnBrk="1" latinLnBrk="0" hangingPunct="1">
         <a:spcBef>
           <a:spcPct val="0"/>
         </a:spcBef>
         <a:buNone/>
-        <a:defRPr sz="4400" kern="1200">
+        <a:defRPr sz="3667" kern="1200">
           <a:solidFill>
             <a:schemeClr val="tx1"/>
           </a:solidFill>
@@ -3194,13 +3279,13 @@
       </a:lvl1pPr>
     </p:titleStyle>
     <p:bodyStyle>
-      <a:lvl1pPr marL="342900" indent="-342900" algn="l" defTabSz="914400" rtl="0" eaLnBrk="1" latinLnBrk="0" hangingPunct="1">
+      <a:lvl1pPr marL="285729" indent="-285729" algn="l" defTabSz="761942" rtl="0" eaLnBrk="1" latinLnBrk="0" hangingPunct="1">
         <a:spcBef>
           <a:spcPct val="20000"/>
         </a:spcBef>
         <a:buFont typeface="Arial" panose="020B0604020202020204" pitchFamily="34" charset="0"/>
         <a:buChar char="•"/>
-        <a:defRPr sz="3200" kern="1200">
+        <a:defRPr sz="2667" kern="1200">
           <a:solidFill>
             <a:schemeClr val="tx1"/>
           </a:solidFill>
@@ -3209,13 +3294,13 @@
           <a:cs typeface="+mn-cs"/>
         </a:defRPr>
       </a:lvl1pPr>
-      <a:lvl2pPr marL="742950" indent="-285750" algn="l" defTabSz="914400" rtl="0" eaLnBrk="1" latinLnBrk="0" hangingPunct="1">
+      <a:lvl2pPr marL="619078" indent="-238107" algn="l" defTabSz="761942" rtl="0" eaLnBrk="1" latinLnBrk="0" hangingPunct="1">
         <a:spcBef>
           <a:spcPct val="20000"/>
         </a:spcBef>
         <a:buFont typeface="Arial" panose="020B0604020202020204" pitchFamily="34" charset="0"/>
         <a:buChar char="–"/>
-        <a:defRPr sz="2800" kern="1200">
+        <a:defRPr sz="2333" kern="1200">
           <a:solidFill>
             <a:schemeClr val="tx1"/>
           </a:solidFill>
@@ -3224,52 +3309,7 @@
           <a:cs typeface="+mn-cs"/>
         </a:defRPr>
       </a:lvl2pPr>
-      <a:lvl3pPr marL="1143000" indent="-228600" algn="l" defTabSz="914400" rtl="0" eaLnBrk="1" latinLnBrk="0" hangingPunct="1">
-        <a:spcBef>
-          <a:spcPct val="20000"/>
-        </a:spcBef>
-        <a:buFont typeface="Arial" panose="020B0604020202020204" pitchFamily="34" charset="0"/>
-        <a:buChar char="•"/>
-        <a:defRPr sz="2400" kern="1200">
-          <a:solidFill>
-            <a:schemeClr val="tx1"/>
-          </a:solidFill>
-          <a:latin typeface="+mn-lt"/>
-          <a:ea typeface="+mn-ea"/>
-          <a:cs typeface="+mn-cs"/>
-        </a:defRPr>
-      </a:lvl3pPr>
-      <a:lvl4pPr marL="1600200" indent="-228600" algn="l" defTabSz="914400" rtl="0" eaLnBrk="1" latinLnBrk="0" hangingPunct="1">
-        <a:spcBef>
-          <a:spcPct val="20000"/>
-        </a:spcBef>
-        <a:buFont typeface="Arial" panose="020B0604020202020204" pitchFamily="34" charset="0"/>
-        <a:buChar char="–"/>
-        <a:defRPr sz="2000" kern="1200">
-          <a:solidFill>
-            <a:schemeClr val="tx1"/>
-          </a:solidFill>
-          <a:latin typeface="+mn-lt"/>
-          <a:ea typeface="+mn-ea"/>
-          <a:cs typeface="+mn-cs"/>
-        </a:defRPr>
-      </a:lvl4pPr>
-      <a:lvl5pPr marL="2057400" indent="-228600" algn="l" defTabSz="914400" rtl="0" eaLnBrk="1" latinLnBrk="0" hangingPunct="1">
-        <a:spcBef>
-          <a:spcPct val="20000"/>
-        </a:spcBef>
-        <a:buFont typeface="Arial" panose="020B0604020202020204" pitchFamily="34" charset="0"/>
-        <a:buChar char="»"/>
-        <a:defRPr sz="2000" kern="1200">
-          <a:solidFill>
-            <a:schemeClr val="tx1"/>
-          </a:solidFill>
-          <a:latin typeface="+mn-lt"/>
-          <a:ea typeface="+mn-ea"/>
-          <a:cs typeface="+mn-cs"/>
-        </a:defRPr>
-      </a:lvl5pPr>
-      <a:lvl6pPr marL="2514600" indent="-228600" algn="l" defTabSz="914400" rtl="0" eaLnBrk="1" latinLnBrk="0" hangingPunct="1">
+      <a:lvl3pPr marL="952429" indent="-190485" algn="l" defTabSz="761942" rtl="0" eaLnBrk="1" latinLnBrk="0" hangingPunct="1">
         <a:spcBef>
           <a:spcPct val="20000"/>
         </a:spcBef>
@@ -3283,14 +3323,59 @@
           <a:ea typeface="+mn-ea"/>
           <a:cs typeface="+mn-cs"/>
         </a:defRPr>
-      </a:lvl6pPr>
-      <a:lvl7pPr marL="2971800" indent="-228600" algn="l" defTabSz="914400" rtl="0" eaLnBrk="1" latinLnBrk="0" hangingPunct="1">
+      </a:lvl3pPr>
+      <a:lvl4pPr marL="1333398" indent="-190485" algn="l" defTabSz="761942" rtl="0" eaLnBrk="1" latinLnBrk="0" hangingPunct="1">
+        <a:spcBef>
+          <a:spcPct val="20000"/>
+        </a:spcBef>
+        <a:buFont typeface="Arial" panose="020B0604020202020204" pitchFamily="34" charset="0"/>
+        <a:buChar char="–"/>
+        <a:defRPr sz="1667" kern="1200">
+          <a:solidFill>
+            <a:schemeClr val="tx1"/>
+          </a:solidFill>
+          <a:latin typeface="+mn-lt"/>
+          <a:ea typeface="+mn-ea"/>
+          <a:cs typeface="+mn-cs"/>
+        </a:defRPr>
+      </a:lvl4pPr>
+      <a:lvl5pPr marL="1714370" indent="-190485" algn="l" defTabSz="761942" rtl="0" eaLnBrk="1" latinLnBrk="0" hangingPunct="1">
+        <a:spcBef>
+          <a:spcPct val="20000"/>
+        </a:spcBef>
+        <a:buFont typeface="Arial" panose="020B0604020202020204" pitchFamily="34" charset="0"/>
+        <a:buChar char="»"/>
+        <a:defRPr sz="1667" kern="1200">
+          <a:solidFill>
+            <a:schemeClr val="tx1"/>
+          </a:solidFill>
+          <a:latin typeface="+mn-lt"/>
+          <a:ea typeface="+mn-ea"/>
+          <a:cs typeface="+mn-cs"/>
+        </a:defRPr>
+      </a:lvl5pPr>
+      <a:lvl6pPr marL="2095342" indent="-190485" algn="l" defTabSz="761942" rtl="0" eaLnBrk="1" latinLnBrk="0" hangingPunct="1">
         <a:spcBef>
           <a:spcPct val="20000"/>
         </a:spcBef>
         <a:buFont typeface="Arial" panose="020B0604020202020204" pitchFamily="34" charset="0"/>
         <a:buChar char="•"/>
-        <a:defRPr sz="2000" kern="1200">
+        <a:defRPr sz="1667" kern="1200">
+          <a:solidFill>
+            <a:schemeClr val="tx1"/>
+          </a:solidFill>
+          <a:latin typeface="+mn-lt"/>
+          <a:ea typeface="+mn-ea"/>
+          <a:cs typeface="+mn-cs"/>
+        </a:defRPr>
+      </a:lvl6pPr>
+      <a:lvl7pPr marL="2476313" indent="-190485" algn="l" defTabSz="761942" rtl="0" eaLnBrk="1" latinLnBrk="0" hangingPunct="1">
+        <a:spcBef>
+          <a:spcPct val="20000"/>
+        </a:spcBef>
+        <a:buFont typeface="Arial" panose="020B0604020202020204" pitchFamily="34" charset="0"/>
+        <a:buChar char="•"/>
+        <a:defRPr sz="1667" kern="1200">
           <a:solidFill>
             <a:schemeClr val="tx1"/>
           </a:solidFill>
@@ -3299,13 +3384,13 @@
           <a:cs typeface="+mn-cs"/>
         </a:defRPr>
       </a:lvl7pPr>
-      <a:lvl8pPr marL="3429000" indent="-228600" algn="l" defTabSz="914400" rtl="0" eaLnBrk="1" latinLnBrk="0" hangingPunct="1">
+      <a:lvl8pPr marL="2857283" indent="-190485" algn="l" defTabSz="761942" rtl="0" eaLnBrk="1" latinLnBrk="0" hangingPunct="1">
         <a:spcBef>
           <a:spcPct val="20000"/>
         </a:spcBef>
         <a:buFont typeface="Arial" panose="020B0604020202020204" pitchFamily="34" charset="0"/>
         <a:buChar char="•"/>
-        <a:defRPr sz="2000" kern="1200">
+        <a:defRPr sz="1667" kern="1200">
           <a:solidFill>
             <a:schemeClr val="tx1"/>
           </a:solidFill>
@@ -3314,13 +3399,13 @@
           <a:cs typeface="+mn-cs"/>
         </a:defRPr>
       </a:lvl8pPr>
-      <a:lvl9pPr marL="3886200" indent="-228600" algn="l" defTabSz="914400" rtl="0" eaLnBrk="1" latinLnBrk="0" hangingPunct="1">
+      <a:lvl9pPr marL="3238255" indent="-190485" algn="l" defTabSz="761942" rtl="0" eaLnBrk="1" latinLnBrk="0" hangingPunct="1">
         <a:spcBef>
           <a:spcPct val="20000"/>
         </a:spcBef>
         <a:buFont typeface="Arial" panose="020B0604020202020204" pitchFamily="34" charset="0"/>
         <a:buChar char="•"/>
-        <a:defRPr sz="2000" kern="1200">
+        <a:defRPr sz="1667" kern="1200">
           <a:solidFill>
             <a:schemeClr val="tx1"/>
           </a:solidFill>
@@ -3334,8 +3419,8 @@
       <a:defPPr>
         <a:defRPr lang="en-US"/>
       </a:defPPr>
-      <a:lvl1pPr marL="0" algn="l" defTabSz="914400" rtl="0" eaLnBrk="1" latinLnBrk="0" hangingPunct="1">
-        <a:defRPr sz="1800" kern="1200">
+      <a:lvl1pPr marL="0" algn="l" defTabSz="761942" rtl="0" eaLnBrk="1" latinLnBrk="0" hangingPunct="1">
+        <a:defRPr sz="1500" kern="1200">
           <a:solidFill>
             <a:schemeClr val="tx1"/>
           </a:solidFill>
@@ -3344,8 +3429,8 @@
           <a:cs typeface="+mn-cs"/>
         </a:defRPr>
       </a:lvl1pPr>
-      <a:lvl2pPr marL="457200" algn="l" defTabSz="914400" rtl="0" eaLnBrk="1" latinLnBrk="0" hangingPunct="1">
-        <a:defRPr sz="1800" kern="1200">
+      <a:lvl2pPr marL="380971" algn="l" defTabSz="761942" rtl="0" eaLnBrk="1" latinLnBrk="0" hangingPunct="1">
+        <a:defRPr sz="1500" kern="1200">
           <a:solidFill>
             <a:schemeClr val="tx1"/>
           </a:solidFill>
@@ -3354,8 +3439,8 @@
           <a:cs typeface="+mn-cs"/>
         </a:defRPr>
       </a:lvl2pPr>
-      <a:lvl3pPr marL="914400" algn="l" defTabSz="914400" rtl="0" eaLnBrk="1" latinLnBrk="0" hangingPunct="1">
-        <a:defRPr sz="1800" kern="1200">
+      <a:lvl3pPr marL="761942" algn="l" defTabSz="761942" rtl="0" eaLnBrk="1" latinLnBrk="0" hangingPunct="1">
+        <a:defRPr sz="1500" kern="1200">
           <a:solidFill>
             <a:schemeClr val="tx1"/>
           </a:solidFill>
@@ -3364,8 +3449,8 @@
           <a:cs typeface="+mn-cs"/>
         </a:defRPr>
       </a:lvl3pPr>
-      <a:lvl4pPr marL="1371600" algn="l" defTabSz="914400" rtl="0" eaLnBrk="1" latinLnBrk="0" hangingPunct="1">
-        <a:defRPr sz="1800" kern="1200">
+      <a:lvl4pPr marL="1142913" algn="l" defTabSz="761942" rtl="0" eaLnBrk="1" latinLnBrk="0" hangingPunct="1">
+        <a:defRPr sz="1500" kern="1200">
           <a:solidFill>
             <a:schemeClr val="tx1"/>
           </a:solidFill>
@@ -3374,8 +3459,8 @@
           <a:cs typeface="+mn-cs"/>
         </a:defRPr>
       </a:lvl4pPr>
-      <a:lvl5pPr marL="1828800" algn="l" defTabSz="914400" rtl="0" eaLnBrk="1" latinLnBrk="0" hangingPunct="1">
-        <a:defRPr sz="1800" kern="1200">
+      <a:lvl5pPr marL="1523885" algn="l" defTabSz="761942" rtl="0" eaLnBrk="1" latinLnBrk="0" hangingPunct="1">
+        <a:defRPr sz="1500" kern="1200">
           <a:solidFill>
             <a:schemeClr val="tx1"/>
           </a:solidFill>
@@ -3384,8 +3469,8 @@
           <a:cs typeface="+mn-cs"/>
         </a:defRPr>
       </a:lvl5pPr>
-      <a:lvl6pPr marL="2286000" algn="l" defTabSz="914400" rtl="0" eaLnBrk="1" latinLnBrk="0" hangingPunct="1">
-        <a:defRPr sz="1800" kern="1200">
+      <a:lvl6pPr marL="1904856" algn="l" defTabSz="761942" rtl="0" eaLnBrk="1" latinLnBrk="0" hangingPunct="1">
+        <a:defRPr sz="1500" kern="1200">
           <a:solidFill>
             <a:schemeClr val="tx1"/>
           </a:solidFill>
@@ -3394,8 +3479,8 @@
           <a:cs typeface="+mn-cs"/>
         </a:defRPr>
       </a:lvl6pPr>
-      <a:lvl7pPr marL="2743200" algn="l" defTabSz="914400" rtl="0" eaLnBrk="1" latinLnBrk="0" hangingPunct="1">
-        <a:defRPr sz="1800" kern="1200">
+      <a:lvl7pPr marL="2285827" algn="l" defTabSz="761942" rtl="0" eaLnBrk="1" latinLnBrk="0" hangingPunct="1">
+        <a:defRPr sz="1500" kern="1200">
           <a:solidFill>
             <a:schemeClr val="tx1"/>
           </a:solidFill>
@@ -3404,8 +3489,8 @@
           <a:cs typeface="+mn-cs"/>
         </a:defRPr>
       </a:lvl7pPr>
-      <a:lvl8pPr marL="3200400" algn="l" defTabSz="914400" rtl="0" eaLnBrk="1" latinLnBrk="0" hangingPunct="1">
-        <a:defRPr sz="1800" kern="1200">
+      <a:lvl8pPr marL="2666798" algn="l" defTabSz="761942" rtl="0" eaLnBrk="1" latinLnBrk="0" hangingPunct="1">
+        <a:defRPr sz="1500" kern="1200">
           <a:solidFill>
             <a:schemeClr val="tx1"/>
           </a:solidFill>
@@ -3414,8 +3499,8 @@
           <a:cs typeface="+mn-cs"/>
         </a:defRPr>
       </a:lvl8pPr>
-      <a:lvl9pPr marL="3657600" algn="l" defTabSz="914400" rtl="0" eaLnBrk="1" latinLnBrk="0" hangingPunct="1">
-        <a:defRPr sz="1800" kern="1200">
+      <a:lvl9pPr marL="3047770" algn="l" defTabSz="761942" rtl="0" eaLnBrk="1" latinLnBrk="0" hangingPunct="1">
+        <a:defRPr sz="1500" kern="1200">
           <a:solidFill>
             <a:schemeClr val="tx1"/>
           </a:solidFill>
@@ -3432,6 +3517,14 @@
 <file path=ppt/slides/slide1.xml><?xml version="1.0" encoding="utf-8"?>
 <p:sld xmlns:a="http://schemas.openxmlformats.org/drawingml/2006/main" xmlns:r="http://schemas.openxmlformats.org/officeDocument/2006/relationships" xmlns:p="http://schemas.openxmlformats.org/presentationml/2006/main">
   <p:cSld>
+    <p:bg>
+      <p:bgPr>
+        <a:solidFill>
+          <a:schemeClr val="bg1"/>
+        </a:solidFill>
+        <a:effectLst/>
+      </p:bgPr>
+    </p:bg>
     <p:spTree>
       <p:nvGrpSpPr>
         <p:cNvPr id="1" name=""/>
@@ -3454,8 +3547,8 @@
         </p:nvSpPr>
         <p:spPr>
           <a:xfrm>
-            <a:off x="6459374" y="118895"/>
-            <a:ext cx="3903825" cy="4400926"/>
+            <a:off x="4630566" y="162544"/>
+            <a:ext cx="4374529" cy="3667438"/>
           </a:xfrm>
           <a:prstGeom prst="roundRect">
             <a:avLst>
@@ -3492,14 +3585,14 @@
           <a:lstStyle/>
           <a:p>
             <a:r>
-              <a:rPr lang="en-US" sz="1200" b="1" dirty="0">
+              <a:rPr lang="en-US" sz="1000" b="1" dirty="0">
                 <a:solidFill>
                   <a:srgbClr val="7030A0"/>
                 </a:solidFill>
               </a:rPr>
               <a:t>Model</a:t>
             </a:r>
-            <a:endParaRPr lang="en-SG" sz="1200" b="1" dirty="0">
+            <a:endParaRPr lang="en-SG" sz="1000" b="1" dirty="0">
               <a:solidFill>
                 <a:srgbClr val="7030A0"/>
               </a:solidFill>
@@ -3515,8 +3608,8 @@
         </p:nvSpPr>
         <p:spPr>
           <a:xfrm>
-            <a:off x="467813" y="163018"/>
-            <a:ext cx="5863964" cy="4343400"/>
+            <a:off x="381000" y="162544"/>
+            <a:ext cx="4125340" cy="3667446"/>
           </a:xfrm>
           <a:prstGeom prst="roundRect">
             <a:avLst>
@@ -3553,14 +3646,14 @@
           <a:lstStyle/>
           <a:p>
             <a:r>
-              <a:rPr lang="en-US" sz="1200" b="1" dirty="0">
+              <a:rPr lang="en-US" sz="1000" b="1" dirty="0">
                 <a:solidFill>
                   <a:srgbClr val="0070C0"/>
                 </a:solidFill>
               </a:rPr>
               <a:t>Logic</a:t>
             </a:r>
-            <a:endParaRPr lang="en-SG" sz="1200" b="1" dirty="0">
+            <a:endParaRPr lang="en-SG" sz="1000" b="1" dirty="0">
               <a:solidFill>
                 <a:srgbClr val="0070C0"/>
               </a:solidFill>
@@ -3576,8 +3669,8 @@
         </p:nvSpPr>
         <p:spPr>
           <a:xfrm>
-            <a:off x="883145" y="543946"/>
-            <a:ext cx="1455629" cy="346760"/>
+            <a:off x="873026" y="419100"/>
+            <a:ext cx="1213023" cy="288967"/>
           </a:xfrm>
           <a:prstGeom prst="rect">
             <a:avLst/>
@@ -3612,22 +3705,14 @@
           <a:p>
             <a:pPr algn="ctr"/>
             <a:r>
-              <a:rPr lang="en-US" sz="1600" dirty="0">
+              <a:rPr lang="en-US" sz="1000" dirty="0">
                 <a:solidFill>
                   <a:schemeClr val="bg1"/>
                 </a:solidFill>
               </a:rPr>
-              <a:t>:</a:t>
-            </a:r>
-            <a:r>
-              <a:rPr lang="en-US" sz="1600" dirty="0" err="1">
-                <a:solidFill>
-                  <a:schemeClr val="bg1"/>
-                </a:solidFill>
-              </a:rPr>
-              <a:t>LogicManager</a:t>
-            </a:r>
-            <a:endParaRPr lang="en-SG" sz="1600" dirty="0">
+              <a:t>:LogicManager</a:t>
+            </a:r>
+            <a:endParaRPr lang="en-SG" sz="1000" dirty="0">
               <a:solidFill>
                 <a:schemeClr val="bg1"/>
               </a:solidFill>
@@ -3645,8 +3730,8 @@
         </p:nvCxnSpPr>
         <p:spPr>
           <a:xfrm>
-            <a:off x="1610959" y="907617"/>
-            <a:ext cx="0" cy="3481399"/>
+            <a:off x="1479535" y="722165"/>
+            <a:ext cx="0" cy="3063906"/>
           </a:xfrm>
           <a:prstGeom prst="line">
             <a:avLst/>
@@ -3682,8 +3767,8 @@
         </p:nvSpPr>
         <p:spPr>
           <a:xfrm>
-            <a:off x="1538951" y="1258311"/>
-            <a:ext cx="152400" cy="2932689"/>
+            <a:off x="1426107" y="1014408"/>
+            <a:ext cx="115470" cy="2605092"/>
           </a:xfrm>
           <a:prstGeom prst="rect">
             <a:avLst/>
@@ -3717,7 +3802,7 @@
           <a:lstStyle/>
           <a:p>
             <a:pPr algn="ctr"/>
-            <a:endParaRPr lang="en-SG" sz="1400"/>
+            <a:endParaRPr lang="en-SG" sz="1167"/>
           </a:p>
         </p:txBody>
       </p:sp>
@@ -3729,8 +3814,8 @@
         </p:nvSpPr>
         <p:spPr>
           <a:xfrm>
-            <a:off x="3437188" y="423022"/>
-            <a:ext cx="1219200" cy="467684"/>
+            <a:off x="2486042" y="356618"/>
+            <a:ext cx="1016000" cy="389737"/>
           </a:xfrm>
           <a:prstGeom prst="rect">
             <a:avLst/>
@@ -3765,7 +3850,7 @@
           <a:p>
             <a:pPr algn="ctr"/>
             <a:r>
-              <a:rPr lang="en-US" sz="1600" dirty="0">
+              <a:rPr lang="en-US" sz="1000" dirty="0">
                 <a:solidFill>
                   <a:schemeClr val="bg1"/>
                 </a:solidFill>
@@ -3776,14 +3861,14 @@
           <a:p>
             <a:pPr algn="ctr"/>
             <a:r>
-              <a:rPr lang="en-US" sz="1600" dirty="0" err="1">
+              <a:rPr lang="en-US" sz="1000" dirty="0">
                 <a:solidFill>
                   <a:schemeClr val="bg1"/>
                 </a:solidFill>
               </a:rPr>
               <a:t>BookParser</a:t>
             </a:r>
-            <a:endParaRPr lang="en-SG" sz="1600" dirty="0">
+            <a:endParaRPr lang="en-SG" sz="1000" dirty="0">
               <a:solidFill>
                 <a:schemeClr val="bg1"/>
               </a:solidFill>
@@ -3801,8 +3886,8 @@
         </p:nvCxnSpPr>
         <p:spPr>
           <a:xfrm>
-            <a:off x="4050587" y="907617"/>
-            <a:ext cx="0" cy="1482984"/>
+            <a:off x="2997206" y="760447"/>
+            <a:ext cx="0" cy="1235820"/>
           </a:xfrm>
           <a:prstGeom prst="line">
             <a:avLst/>
@@ -3838,8 +3923,8 @@
         </p:nvSpPr>
         <p:spPr>
           <a:xfrm>
-            <a:off x="3978580" y="1365810"/>
-            <a:ext cx="154408" cy="767790"/>
+            <a:off x="2937201" y="1142275"/>
+            <a:ext cx="128673" cy="639825"/>
           </a:xfrm>
           <a:prstGeom prst="rect">
             <a:avLst/>
@@ -3873,11 +3958,7 @@
           <a:lstStyle/>
           <a:p>
             <a:pPr algn="ctr"/>
-            <a:endParaRPr lang="en-SG" sz="1400">
-              <a:solidFill>
-                <a:schemeClr val="dk1"/>
-              </a:solidFill>
-            </a:endParaRPr>
+            <a:endParaRPr lang="en-SG" sz="1167"/>
           </a:p>
         </p:txBody>
       </p:sp>
@@ -3893,8 +3974,8 @@
         </p:nvCxnSpPr>
         <p:spPr>
           <a:xfrm>
-            <a:off x="5602082" y="1613633"/>
-            <a:ext cx="0" cy="2644578"/>
+            <a:off x="4290119" y="1348798"/>
+            <a:ext cx="0" cy="2203811"/>
           </a:xfrm>
           <a:prstGeom prst="line">
             <a:avLst/>
@@ -3930,8 +4011,8 @@
         </p:nvSpPr>
         <p:spPr>
           <a:xfrm>
-            <a:off x="5525882" y="1613633"/>
-            <a:ext cx="152400" cy="276003"/>
+            <a:off x="4226619" y="1348798"/>
+            <a:ext cx="127000" cy="230003"/>
           </a:xfrm>
           <a:prstGeom prst="rect">
             <a:avLst/>
@@ -3965,20 +4046,22 @@
           <a:lstStyle/>
           <a:p>
             <a:pPr algn="ctr"/>
-            <a:endParaRPr lang="en-SG" sz="1400"/>
+            <a:endParaRPr lang="en-SG" sz="1167"/>
           </a:p>
         </p:txBody>
       </p:sp>
       <p:cxnSp>
         <p:nvCxnSpPr>
           <p:cNvPr id="23" name="Straight Arrow Connector 22"/>
-          <p:cNvCxnSpPr/>
+          <p:cNvCxnSpPr>
+            <a:cxnSpLocks/>
+          </p:cNvCxnSpPr>
           <p:nvPr/>
         </p:nvCxnSpPr>
         <p:spPr>
           <a:xfrm>
-            <a:off x="419100" y="1261999"/>
-            <a:ext cx="1119851" cy="0"/>
+            <a:off x="228600" y="1028700"/>
+            <a:ext cx="1143000" cy="0"/>
           </a:xfrm>
           <a:prstGeom prst="straightConnector1">
             <a:avLst/>
@@ -4013,8 +4096,8 @@
         </p:nvSpPr>
         <p:spPr>
           <a:xfrm>
-            <a:off x="38100" y="990600"/>
-            <a:ext cx="1424846" cy="215444"/>
+            <a:off x="76200" y="874812"/>
+            <a:ext cx="1187372" cy="153888"/>
           </a:xfrm>
           <a:prstGeom prst="rect">
             <a:avLst/>
@@ -4029,7 +4112,7 @@
           <a:p>
             <a:pPr algn="r"/>
             <a:r>
-              <a:rPr lang="en-US" sz="1400" dirty="0">
+              <a:rPr lang="en-US" sz="1000" dirty="0">
                 <a:solidFill>
                   <a:srgbClr val="0070C0"/>
                 </a:solidFill>
@@ -4042,13 +4125,15 @@
       <p:cxnSp>
         <p:nvCxnSpPr>
           <p:cNvPr id="28" name="Straight Arrow Connector 27"/>
-          <p:cNvCxnSpPr/>
+          <p:cNvCxnSpPr>
+            <a:cxnSpLocks/>
+          </p:cNvCxnSpPr>
           <p:nvPr/>
         </p:nvCxnSpPr>
         <p:spPr>
           <a:xfrm flipV="1">
-            <a:off x="4135972" y="1512340"/>
-            <a:ext cx="922392" cy="1"/>
+            <a:off x="3068360" y="1264388"/>
+            <a:ext cx="768660" cy="1"/>
           </a:xfrm>
           <a:prstGeom prst="straightConnector1">
             <a:avLst/>
@@ -4083,8 +4168,8 @@
         </p:nvSpPr>
         <p:spPr>
           <a:xfrm>
-            <a:off x="3243421" y="2484071"/>
-            <a:ext cx="855809" cy="215444"/>
+            <a:off x="2182425" y="2094012"/>
+            <a:ext cx="713175" cy="153888"/>
           </a:xfrm>
           <a:prstGeom prst="rect">
             <a:avLst/>
@@ -4109,7 +4194,7 @@
           </a:lstStyle>
           <a:p>
             <a:r>
-              <a:rPr lang="en-US" dirty="0"/>
+              <a:rPr lang="en-US" sz="1000" dirty="0"/>
               <a:t>execute()</a:t>
             </a:r>
           </a:p>
@@ -4118,13 +4203,15 @@
       <p:cxnSp>
         <p:nvCxnSpPr>
           <p:cNvPr id="34" name="Straight Arrow Connector 33"/>
-          <p:cNvCxnSpPr/>
+          <p:cNvCxnSpPr>
+            <a:cxnSpLocks/>
+          </p:cNvCxnSpPr>
           <p:nvPr/>
         </p:nvCxnSpPr>
         <p:spPr>
           <a:xfrm>
-            <a:off x="4109108" y="1878232"/>
-            <a:ext cx="1492974" cy="0"/>
+            <a:off x="3045974" y="1569292"/>
+            <a:ext cx="1244145" cy="0"/>
           </a:xfrm>
           <a:prstGeom prst="straightConnector1">
             <a:avLst/>
@@ -4163,8 +4250,8 @@
         </p:nvCxnSpPr>
         <p:spPr>
           <a:xfrm>
-            <a:off x="1691351" y="2133600"/>
-            <a:ext cx="2348067" cy="0"/>
+            <a:off x="1570697" y="1782099"/>
+            <a:ext cx="1417205" cy="0"/>
           </a:xfrm>
           <a:prstGeom prst="straightConnector1">
             <a:avLst/>
@@ -4196,13 +4283,15 @@
       <p:cxnSp>
         <p:nvCxnSpPr>
           <p:cNvPr id="37" name="Straight Arrow Connector 36"/>
-          <p:cNvCxnSpPr/>
+          <p:cNvCxnSpPr>
+            <a:cxnSpLocks/>
+          </p:cNvCxnSpPr>
           <p:nvPr/>
         </p:nvCxnSpPr>
         <p:spPr>
           <a:xfrm>
-            <a:off x="380999" y="4191000"/>
-            <a:ext cx="1196051" cy="0"/>
+            <a:off x="304800" y="3619500"/>
+            <a:ext cx="1130064" cy="0"/>
           </a:xfrm>
           <a:prstGeom prst="straightConnector1">
             <a:avLst/>
@@ -4239,8 +4328,8 @@
         </p:nvSpPr>
         <p:spPr>
           <a:xfrm>
-            <a:off x="5526488" y="2731313"/>
-            <a:ext cx="161322" cy="1307285"/>
+            <a:off x="4209443" y="2280195"/>
+            <a:ext cx="183932" cy="1185417"/>
           </a:xfrm>
           <a:prstGeom prst="rect">
             <a:avLst/>
@@ -4274,7 +4363,7 @@
           <a:lstStyle/>
           <a:p>
             <a:pPr algn="ctr"/>
-            <a:endParaRPr lang="en-SG" sz="1400"/>
+            <a:endParaRPr lang="en-SG" sz="1167"/>
           </a:p>
         </p:txBody>
       </p:sp>
@@ -4286,8 +4375,8 @@
         </p:nvSpPr>
         <p:spPr>
           <a:xfrm>
-            <a:off x="5651548" y="2748246"/>
-            <a:ext cx="1298078" cy="184666"/>
+            <a:off x="4467219" y="2193364"/>
+            <a:ext cx="2398312" cy="153888"/>
           </a:xfrm>
           <a:prstGeom prst="rect">
             <a:avLst/>
@@ -4311,33 +4400,26 @@
             </a:lvl1pPr>
           </a:lstStyle>
           <a:p>
-            <a:r>
-              <a:rPr lang="en-US" sz="1200" dirty="0" err="1">
+            <a:pPr algn="ctr"/>
+            <a:r>
+              <a:rPr lang="en-US" sz="1000" dirty="0">
                 <a:solidFill>
                   <a:schemeClr val="accent4">
                     <a:lumMod val="75000"/>
                   </a:schemeClr>
                 </a:solidFill>
               </a:rPr>
-              <a:t>undo</a:t>
-            </a:r>
-            <a:r>
-              <a:rPr lang="en-US" sz="1200" dirty="0" err="1">
-                <a:solidFill>
-                  <a:srgbClr val="7030A0"/>
-                </a:solidFill>
-              </a:rPr>
-              <a:t>AddressBook</a:t>
-            </a:r>
-            <a:r>
-              <a:rPr lang="en-US" sz="1200" dirty="0">
+              <a:t>undoPreviewImageManager</a:t>
+            </a:r>
+            <a:r>
+              <a:rPr lang="en-US" sz="1000" dirty="0">
                 <a:solidFill>
                   <a:srgbClr val="7030A0"/>
                 </a:solidFill>
               </a:rPr>
               <a:t>()</a:t>
             </a:r>
-            <a:endParaRPr lang="en-US" sz="1200" dirty="0"/>
+            <a:endParaRPr lang="en-US" sz="1000" dirty="0"/>
           </a:p>
         </p:txBody>
       </p:sp>
@@ -4349,8 +4431,8 @@
         </p:nvSpPr>
         <p:spPr>
           <a:xfrm>
-            <a:off x="1885189" y="1106150"/>
-            <a:ext cx="1899551" cy="215444"/>
+            <a:off x="1524000" y="951011"/>
+            <a:ext cx="1314838" cy="154527"/>
           </a:xfrm>
           <a:prstGeom prst="rect">
             <a:avLst/>
@@ -4375,12 +4457,8 @@
           </a:lstStyle>
           <a:p>
             <a:r>
-              <a:rPr lang="en-US" dirty="0" err="1"/>
-              <a:t>parseCommand</a:t>
-            </a:r>
-            <a:r>
-              <a:rPr lang="en-US" dirty="0"/>
-              <a:t>(“undo”)</a:t>
+              <a:rPr lang="en-US" sz="1000" dirty="0"/>
+              <a:t>parseCommand(“undo”)</a:t>
             </a:r>
           </a:p>
         </p:txBody>
@@ -4393,8 +4471,8 @@
         </p:nvSpPr>
         <p:spPr>
           <a:xfrm>
-            <a:off x="3272755" y="3791076"/>
-            <a:ext cx="621216" cy="215444"/>
+            <a:off x="2149320" y="3313212"/>
+            <a:ext cx="517680" cy="153888"/>
           </a:xfrm>
           <a:prstGeom prst="rect">
             <a:avLst/>
@@ -4419,9 +4497,10 @@
           </a:lstStyle>
           <a:p>
             <a:r>
-              <a:rPr lang="en-US" dirty="0"/>
+              <a:rPr lang="en-US" sz="1000" dirty="0"/>
               <a:t>result</a:t>
             </a:r>
+            <a:endParaRPr lang="en-US" sz="1167" dirty="0"/>
           </a:p>
         </p:txBody>
       </p:sp>
@@ -4433,8 +4512,8 @@
         </p:nvSpPr>
         <p:spPr>
           <a:xfrm>
-            <a:off x="645270" y="3945901"/>
-            <a:ext cx="762000" cy="215444"/>
+            <a:off x="457200" y="3465612"/>
+            <a:ext cx="635000" cy="153888"/>
           </a:xfrm>
           <a:prstGeom prst="rect">
             <a:avLst/>
@@ -4459,7 +4538,7 @@
           </a:lstStyle>
           <a:p>
             <a:r>
-              <a:rPr lang="en-US" dirty="0"/>
+              <a:rPr lang="en-US" sz="1000" dirty="0"/>
               <a:t>result</a:t>
             </a:r>
           </a:p>
@@ -4473,8 +4552,8 @@
         </p:nvSpPr>
         <p:spPr>
           <a:xfrm>
-            <a:off x="7497155" y="2568606"/>
-            <a:ext cx="2181777" cy="335427"/>
+            <a:off x="7169616" y="1936618"/>
+            <a:ext cx="1431708" cy="279523"/>
           </a:xfrm>
           <a:prstGeom prst="rect">
             <a:avLst/>
@@ -4509,22 +4588,14 @@
           <a:p>
             <a:pPr algn="ctr"/>
             <a:r>
-              <a:rPr lang="en-US" sz="1600" dirty="0">
+              <a:rPr lang="en-US" sz="1000" dirty="0">
                 <a:solidFill>
                   <a:schemeClr val="bg1"/>
                 </a:solidFill>
               </a:rPr>
-              <a:t>:</a:t>
-            </a:r>
-            <a:r>
-              <a:rPr lang="en-US" sz="1600" dirty="0" err="1">
-                <a:solidFill>
-                  <a:schemeClr val="bg1"/>
-                </a:solidFill>
-              </a:rPr>
-              <a:t>VersionedAddressBook</a:t>
-            </a:r>
-            <a:endParaRPr lang="en-SG" sz="1600" dirty="0">
+              <a:t>:PreviewImageManager</a:t>
+            </a:r>
+            <a:endParaRPr lang="en-SG" sz="1000" dirty="0">
               <a:solidFill>
                 <a:schemeClr val="bg1"/>
               </a:solidFill>
@@ -4540,8 +4611,8 @@
         </p:nvSpPr>
         <p:spPr>
           <a:xfrm>
-            <a:off x="8514207" y="3182840"/>
-            <a:ext cx="129933" cy="398562"/>
+            <a:off x="8112087" y="2459283"/>
+            <a:ext cx="125958" cy="332135"/>
           </a:xfrm>
           <a:prstGeom prst="rect">
             <a:avLst/>
@@ -4575,7 +4646,7 @@
           <a:lstStyle/>
           <a:p>
             <a:pPr algn="ctr"/>
-            <a:endParaRPr lang="en-SG" sz="1400"/>
+            <a:endParaRPr lang="en-SG" sz="1167"/>
           </a:p>
         </p:txBody>
       </p:sp>
@@ -4587,8 +4658,8 @@
         </p:nvSpPr>
         <p:spPr>
           <a:xfrm>
-            <a:off x="2724792" y="1905793"/>
-            <a:ext cx="220343" cy="215444"/>
+            <a:off x="1892379" y="1592260"/>
+            <a:ext cx="183620" cy="179601"/>
           </a:xfrm>
           <a:prstGeom prst="rect">
             <a:avLst/>
@@ -4613,7 +4684,7 @@
           </a:lstStyle>
           <a:p>
             <a:r>
-              <a:rPr lang="en-US" dirty="0"/>
+              <a:rPr lang="en-US" sz="1167" dirty="0"/>
               <a:t>u</a:t>
             </a:r>
           </a:p>
@@ -4627,8 +4698,8 @@
         </p:nvSpPr>
         <p:spPr>
           <a:xfrm>
-            <a:off x="6549765" y="2362200"/>
-            <a:ext cx="841636" cy="300180"/>
+            <a:off x="6497105" y="1859875"/>
+            <a:ext cx="607214" cy="250150"/>
           </a:xfrm>
           <a:prstGeom prst="rect">
             <a:avLst/>
@@ -4663,14 +4734,14 @@
           <a:p>
             <a:pPr algn="ctr"/>
             <a:r>
-              <a:rPr lang="en-US" sz="1600" dirty="0">
+              <a:rPr lang="en-US" sz="1000" dirty="0">
                 <a:solidFill>
                   <a:schemeClr val="bg1"/>
                 </a:solidFill>
               </a:rPr>
               <a:t>: Model</a:t>
             </a:r>
-            <a:endParaRPr lang="en-SG" sz="1600" dirty="0">
+            <a:endParaRPr lang="en-SG" sz="1000" dirty="0">
               <a:solidFill>
                 <a:schemeClr val="bg1"/>
               </a:solidFill>
@@ -4688,8 +4759,8 @@
         </p:nvCxnSpPr>
         <p:spPr>
           <a:xfrm flipH="1">
-            <a:off x="6986491" y="2653306"/>
-            <a:ext cx="3959" cy="1735710"/>
+            <a:off x="6809103" y="2101559"/>
+            <a:ext cx="3299" cy="1446425"/>
           </a:xfrm>
           <a:prstGeom prst="line">
             <a:avLst/>
@@ -4725,8 +4796,8 @@
         </p:nvSpPr>
         <p:spPr>
           <a:xfrm>
-            <a:off x="6887527" y="2958106"/>
-            <a:ext cx="168896" cy="775693"/>
+            <a:off x="6718846" y="2377047"/>
+            <a:ext cx="159319" cy="964971"/>
           </a:xfrm>
           <a:prstGeom prst="rect">
             <a:avLst/>
@@ -4760,7 +4831,7 @@
           <a:lstStyle/>
           <a:p>
             <a:pPr algn="ctr"/>
-            <a:endParaRPr lang="en-SG" sz="1400"/>
+            <a:endParaRPr lang="en-SG" sz="1167"/>
           </a:p>
         </p:txBody>
       </p:sp>
@@ -4774,8 +4845,8 @@
         </p:nvCxnSpPr>
         <p:spPr>
           <a:xfrm>
-            <a:off x="5685755" y="2975344"/>
-            <a:ext cx="1210345" cy="0"/>
+            <a:off x="4361560" y="2378466"/>
+            <a:ext cx="2355169" cy="0"/>
           </a:xfrm>
           <a:prstGeom prst="straightConnector1">
             <a:avLst/>
@@ -4810,8 +4881,8 @@
         </p:nvSpPr>
         <p:spPr>
           <a:xfrm>
-            <a:off x="5472880" y="4258211"/>
-            <a:ext cx="258404" cy="261610"/>
+            <a:off x="4182450" y="3552609"/>
+            <a:ext cx="215337" cy="233462"/>
           </a:xfrm>
           <a:prstGeom prst="rect">
             <a:avLst/>
@@ -4819,13 +4890,13 @@
           <a:noFill/>
         </p:spPr>
         <p:txBody>
-          <a:bodyPr wrap="none" rtlCol="0">
+          <a:bodyPr wrap="square" rtlCol="0">
             <a:spAutoFit/>
           </a:bodyPr>
           <a:lstStyle/>
           <a:p>
             <a:r>
-              <a:rPr lang="en-SG" sz="1100" dirty="0">
+              <a:rPr lang="en-SG" sz="917" dirty="0">
                 <a:solidFill>
                   <a:srgbClr val="002060"/>
                 </a:solidFill>
@@ -4843,8 +4914,8 @@
         </p:nvSpPr>
         <p:spPr>
           <a:xfrm>
-            <a:off x="5035976" y="1260268"/>
-            <a:ext cx="1093635" cy="461538"/>
+            <a:off x="3927075" y="976960"/>
+            <a:ext cx="703491" cy="461981"/>
           </a:xfrm>
           <a:prstGeom prst="rect">
             <a:avLst/>
@@ -4879,7 +4950,7 @@
           <a:p>
             <a:pPr algn="ctr"/>
             <a:r>
-              <a:rPr lang="en-US" sz="1600" dirty="0">
+              <a:rPr lang="en-US" sz="900" dirty="0">
                 <a:solidFill>
                   <a:schemeClr val="bg1"/>
                 </a:solidFill>
@@ -4887,21 +4958,21 @@
               <a:t>u:Undo</a:t>
             </a:r>
             <a:br>
-              <a:rPr lang="en-US" sz="1600" dirty="0">
+              <a:rPr lang="en-US" sz="900" dirty="0">
                 <a:solidFill>
                   <a:schemeClr val="bg1"/>
                 </a:solidFill>
               </a:rPr>
             </a:br>
             <a:r>
-              <a:rPr lang="en-US" sz="1600" dirty="0">
+              <a:rPr lang="en-US" sz="900" dirty="0">
                 <a:solidFill>
                   <a:schemeClr val="bg1"/>
                 </a:solidFill>
               </a:rPr>
               <a:t>Command</a:t>
             </a:r>
-            <a:endParaRPr lang="en-SG" sz="1600" dirty="0">
+            <a:endParaRPr lang="en-SG" sz="900" dirty="0">
               <a:solidFill>
                 <a:schemeClr val="bg1"/>
               </a:solidFill>
@@ -4925,8 +4996,8 @@
         </p:nvCxnSpPr>
         <p:spPr>
           <a:xfrm>
-            <a:off x="1691351" y="2731314"/>
-            <a:ext cx="3832164" cy="1"/>
+            <a:off x="1553380" y="2280200"/>
+            <a:ext cx="2671266" cy="0"/>
           </a:xfrm>
           <a:prstGeom prst="straightConnector1">
             <a:avLst/>
@@ -4969,8 +5040,8 @@
         </p:nvCxnSpPr>
         <p:spPr>
           <a:xfrm>
-            <a:off x="1708245" y="1363918"/>
-            <a:ext cx="2256705" cy="1"/>
+            <a:off x="1513770" y="1140704"/>
+            <a:ext cx="1412075" cy="0"/>
           </a:xfrm>
           <a:prstGeom prst="straightConnector1">
             <a:avLst/>
@@ -5013,8 +5084,8 @@
         </p:nvCxnSpPr>
         <p:spPr>
           <a:xfrm>
-            <a:off x="1691998" y="4036462"/>
-            <a:ext cx="3831517" cy="0"/>
+            <a:off x="1546528" y="3467100"/>
+            <a:ext cx="2678123" cy="0"/>
           </a:xfrm>
           <a:prstGeom prst="straightConnector1">
             <a:avLst/>
@@ -5026,222 +5097,6 @@
             <a:prstDash val="sysDash"/>
             <a:headEnd type="arrow" w="med" len="med"/>
             <a:tailEnd type="none" w="med" len="med"/>
-          </a:ln>
-        </p:spPr>
-        <p:style>
-          <a:lnRef idx="1">
-            <a:schemeClr val="accent1"/>
-          </a:lnRef>
-          <a:fillRef idx="0">
-            <a:schemeClr val="accent1"/>
-          </a:fillRef>
-          <a:effectRef idx="0">
-            <a:schemeClr val="accent1"/>
-          </a:effectRef>
-          <a:fontRef idx="minor">
-            <a:schemeClr val="tx1"/>
-          </a:fontRef>
-        </p:style>
-      </p:cxnSp>
-      <p:sp>
-        <p:nvSpPr>
-          <p:cNvPr id="88" name="TextBox 87">
-            <a:extLst>
-              <a:ext uri="{FF2B5EF4-FFF2-40B4-BE49-F238E27FC236}">
-                <a16:creationId xmlns:a16="http://schemas.microsoft.com/office/drawing/2014/main" id="{B85C6184-7378-4E89-A338-72B1E5056F4F}"/>
-              </a:ext>
-            </a:extLst>
-          </p:cNvPr>
-          <p:cNvSpPr txBox="1"/>
-          <p:nvPr/>
-        </p:nvSpPr>
-        <p:spPr>
-          <a:xfrm>
-            <a:off x="8769530" y="3267337"/>
-            <a:ext cx="2120786" cy="184666"/>
-          </a:xfrm>
-          <a:prstGeom prst="rect">
-            <a:avLst/>
-          </a:prstGeom>
-          <a:noFill/>
-        </p:spPr>
-        <p:txBody>
-          <a:bodyPr wrap="square" lIns="0" tIns="0" rIns="0" bIns="0" rtlCol="0">
-            <a:spAutoFit/>
-          </a:bodyPr>
-          <a:lstStyle>
-            <a:defPPr>
-              <a:defRPr lang="en-US"/>
-            </a:defPPr>
-            <a:lvl1pPr algn="r">
-              <a:defRPr sz="1400">
-                <a:solidFill>
-                  <a:srgbClr val="0070C0"/>
-                </a:solidFill>
-              </a:defRPr>
-            </a:lvl1pPr>
-          </a:lstStyle>
-          <a:p>
-            <a:r>
-              <a:rPr lang="en-US" sz="1200" dirty="0" err="1">
-                <a:solidFill>
-                  <a:srgbClr val="7030A0"/>
-                </a:solidFill>
-              </a:rPr>
-              <a:t>resetData</a:t>
-            </a:r>
-            <a:r>
-              <a:rPr lang="en-US" sz="1200" dirty="0">
-                <a:solidFill>
-                  <a:srgbClr val="7030A0"/>
-                </a:solidFill>
-              </a:rPr>
-              <a:t>(</a:t>
-            </a:r>
-            <a:r>
-              <a:rPr lang="en-US" sz="1200" dirty="0" err="1">
-                <a:solidFill>
-                  <a:srgbClr val="7030A0"/>
-                </a:solidFill>
-              </a:rPr>
-              <a:t>ReadOnlyAddressBook</a:t>
-            </a:r>
-            <a:r>
-              <a:rPr lang="en-US" sz="1200" dirty="0">
-                <a:solidFill>
-                  <a:srgbClr val="7030A0"/>
-                </a:solidFill>
-              </a:rPr>
-              <a:t>)</a:t>
-            </a:r>
-            <a:endParaRPr lang="en-US" sz="1200" dirty="0"/>
-          </a:p>
-        </p:txBody>
-      </p:sp>
-      <p:cxnSp>
-        <p:nvCxnSpPr>
-          <p:cNvPr id="89" name="Straight Connector 88">
-            <a:extLst>
-              <a:ext uri="{FF2B5EF4-FFF2-40B4-BE49-F238E27FC236}">
-                <a16:creationId xmlns:a16="http://schemas.microsoft.com/office/drawing/2014/main" id="{E4E1C8CA-49DF-45D8-80A5-D5C8282EE927}"/>
-              </a:ext>
-            </a:extLst>
-          </p:cNvPr>
-          <p:cNvCxnSpPr>
-            <a:cxnSpLocks/>
-          </p:cNvCxnSpPr>
-          <p:nvPr/>
-        </p:nvCxnSpPr>
-        <p:spPr>
-          <a:xfrm>
-            <a:off x="8588043" y="2871355"/>
-            <a:ext cx="17996" cy="1467648"/>
-          </a:xfrm>
-          <a:prstGeom prst="line">
-            <a:avLst/>
-          </a:prstGeom>
-          <a:ln w="19050">
-            <a:solidFill>
-              <a:srgbClr val="7030A0"/>
-            </a:solidFill>
-            <a:prstDash val="sysDash"/>
-          </a:ln>
-          <a:effectLst/>
-        </p:spPr>
-        <p:style>
-          <a:lnRef idx="1">
-            <a:schemeClr val="accent1"/>
-          </a:lnRef>
-          <a:fillRef idx="2">
-            <a:schemeClr val="accent1"/>
-          </a:fillRef>
-          <a:effectRef idx="1">
-            <a:schemeClr val="accent1"/>
-          </a:effectRef>
-          <a:fontRef idx="minor">
-            <a:schemeClr val="dk1"/>
-          </a:fontRef>
-        </p:style>
-      </p:cxnSp>
-      <p:sp>
-        <p:nvSpPr>
-          <p:cNvPr id="41" name="TextBox 40"/>
-          <p:cNvSpPr txBox="1"/>
-          <p:nvPr/>
-        </p:nvSpPr>
-        <p:spPr>
-          <a:xfrm>
-            <a:off x="7667691" y="2975344"/>
-            <a:ext cx="551687" cy="184666"/>
-          </a:xfrm>
-          <a:prstGeom prst="rect">
-            <a:avLst/>
-          </a:prstGeom>
-          <a:noFill/>
-          <a:ln>
-            <a:noFill/>
-          </a:ln>
-        </p:spPr>
-        <p:txBody>
-          <a:bodyPr wrap="square" lIns="0" tIns="0" rIns="0" bIns="0" rtlCol="0">
-            <a:spAutoFit/>
-          </a:bodyPr>
-          <a:lstStyle>
-            <a:defPPr>
-              <a:defRPr lang="en-US"/>
-            </a:defPPr>
-            <a:lvl1pPr algn="r">
-              <a:defRPr sz="1400">
-                <a:solidFill>
-                  <a:srgbClr val="0070C0"/>
-                </a:solidFill>
-              </a:defRPr>
-            </a:lvl1pPr>
-          </a:lstStyle>
-          <a:p>
-            <a:r>
-              <a:rPr lang="en-US" sz="1200" dirty="0">
-                <a:solidFill>
-                  <a:srgbClr val="7030A0"/>
-                </a:solidFill>
-              </a:rPr>
-              <a:t>undo</a:t>
-            </a:r>
-            <a:r>
-              <a:rPr lang="en-US" sz="1200" dirty="0">
-                <a:solidFill>
-                  <a:schemeClr val="accent4">
-                    <a:lumMod val="75000"/>
-                  </a:schemeClr>
-                </a:solidFill>
-              </a:rPr>
-              <a:t>()</a:t>
-            </a:r>
-          </a:p>
-        </p:txBody>
-      </p:sp>
-      <p:cxnSp>
-        <p:nvCxnSpPr>
-          <p:cNvPr id="13" name="Curved Connector 12"/>
-          <p:cNvCxnSpPr/>
-          <p:nvPr/>
-        </p:nvCxnSpPr>
-        <p:spPr>
-          <a:xfrm rot="16200000" flipH="1">
-            <a:off x="8527578" y="3220579"/>
-            <a:ext cx="156923" cy="76200"/>
-          </a:xfrm>
-          <a:prstGeom prst="curvedConnector4">
-            <a:avLst>
-              <a:gd name="adj1" fmla="val -145677"/>
-              <a:gd name="adj2" fmla="val 400000"/>
-            </a:avLst>
-          </a:prstGeom>
-          <a:ln>
-            <a:solidFill>
-              <a:srgbClr val="7030A0"/>
-            </a:solidFill>
-            <a:tailEnd type="triangle"/>
           </a:ln>
         </p:spPr>
         <p:style>
@@ -5261,6 +5116,108 @@
       </p:cxnSp>
       <p:cxnSp>
         <p:nvCxnSpPr>
+          <p:cNvPr id="89" name="Straight Connector 88">
+            <a:extLst>
+              <a:ext uri="{FF2B5EF4-FFF2-40B4-BE49-F238E27FC236}">
+                <a16:creationId xmlns:a16="http://schemas.microsoft.com/office/drawing/2014/main" id="{E4E1C8CA-49DF-45D8-80A5-D5C8282EE927}"/>
+              </a:ext>
+            </a:extLst>
+          </p:cNvPr>
+          <p:cNvCxnSpPr>
+            <a:cxnSpLocks/>
+          </p:cNvCxnSpPr>
+          <p:nvPr/>
+        </p:nvCxnSpPr>
+        <p:spPr>
+          <a:xfrm>
+            <a:off x="8175066" y="2206576"/>
+            <a:ext cx="33859" cy="1446546"/>
+          </a:xfrm>
+          <a:prstGeom prst="line">
+            <a:avLst/>
+          </a:prstGeom>
+          <a:ln w="19050">
+            <a:solidFill>
+              <a:srgbClr val="7030A0"/>
+            </a:solidFill>
+            <a:prstDash val="sysDash"/>
+          </a:ln>
+          <a:effectLst/>
+        </p:spPr>
+        <p:style>
+          <a:lnRef idx="1">
+            <a:schemeClr val="accent1"/>
+          </a:lnRef>
+          <a:fillRef idx="2">
+            <a:schemeClr val="accent1"/>
+          </a:fillRef>
+          <a:effectRef idx="1">
+            <a:schemeClr val="accent1"/>
+          </a:effectRef>
+          <a:fontRef idx="minor">
+            <a:schemeClr val="dk1"/>
+          </a:fontRef>
+        </p:style>
+      </p:cxnSp>
+      <p:sp>
+        <p:nvSpPr>
+          <p:cNvPr id="41" name="TextBox 40"/>
+          <p:cNvSpPr txBox="1"/>
+          <p:nvPr/>
+        </p:nvSpPr>
+        <p:spPr>
+          <a:xfrm>
+            <a:off x="7146309" y="2319957"/>
+            <a:ext cx="534809" cy="138499"/>
+          </a:xfrm>
+          <a:prstGeom prst="rect">
+            <a:avLst/>
+          </a:prstGeom>
+          <a:noFill/>
+          <a:ln>
+            <a:noFill/>
+          </a:ln>
+        </p:spPr>
+        <p:txBody>
+          <a:bodyPr wrap="square" lIns="0" tIns="0" rIns="0" bIns="0" rtlCol="0">
+            <a:spAutoFit/>
+          </a:bodyPr>
+          <a:lstStyle>
+            <a:defPPr>
+              <a:defRPr lang="en-US"/>
+            </a:defPPr>
+            <a:lvl1pPr algn="r">
+              <a:defRPr sz="1400">
+                <a:solidFill>
+                  <a:srgbClr val="0070C0"/>
+                </a:solidFill>
+              </a:defRPr>
+            </a:lvl1pPr>
+          </a:lstStyle>
+          <a:p>
+            <a:r>
+              <a:rPr lang="en-US" sz="900" dirty="0">
+                <a:solidFill>
+                  <a:srgbClr val="7030A0"/>
+                </a:solidFill>
+              </a:rPr>
+              <a:t>undo</a:t>
+            </a:r>
+            <a:r>
+              <a:rPr lang="en-US" sz="900" dirty="0">
+                <a:solidFill>
+                  <a:schemeClr val="accent4">
+                    <a:lumMod val="75000"/>
+                  </a:schemeClr>
+                </a:solidFill>
+              </a:rPr>
+              <a:t>()</a:t>
+            </a:r>
+          </a:p>
+        </p:txBody>
+      </p:sp>
+      <p:cxnSp>
+        <p:nvCxnSpPr>
           <p:cNvPr id="52" name="Straight Arrow Connector 51"/>
           <p:cNvCxnSpPr>
             <a:cxnSpLocks/>
@@ -5269,8 +5226,8 @@
         </p:nvCxnSpPr>
         <p:spPr>
           <a:xfrm>
-            <a:off x="7043991" y="3182839"/>
-            <a:ext cx="1470216" cy="0"/>
+            <a:off x="6889922" y="2473016"/>
+            <a:ext cx="1214820" cy="0"/>
           </a:xfrm>
           <a:prstGeom prst="straightConnector1">
             <a:avLst/>
@@ -5312,9 +5269,9 @@
           <p:nvPr/>
         </p:nvCxnSpPr>
         <p:spPr>
-          <a:xfrm flipV="1">
-            <a:off x="7043991" y="3564914"/>
-            <a:ext cx="1470216" cy="6325"/>
+          <a:xfrm>
+            <a:off x="6889922" y="2787359"/>
+            <a:ext cx="1214820" cy="4059"/>
           </a:xfrm>
           <a:prstGeom prst="straightConnector1">
             <a:avLst/>
@@ -5354,14 +5311,220 @@
           </p:cNvPr>
           <p:cNvCxnSpPr>
             <a:cxnSpLocks/>
-            <a:endCxn id="49" idx="2"/>
           </p:cNvCxnSpPr>
           <p:nvPr/>
         </p:nvCxnSpPr>
         <p:spPr>
           <a:xfrm>
-            <a:off x="5675919" y="3733799"/>
-            <a:ext cx="1296056" cy="0"/>
+            <a:off x="4397787" y="3337655"/>
+            <a:ext cx="2314010" cy="1"/>
+          </a:xfrm>
+          <a:prstGeom prst="straightConnector1">
+            <a:avLst/>
+          </a:prstGeom>
+          <a:ln w="19050">
+            <a:solidFill>
+              <a:srgbClr val="7030A0"/>
+            </a:solidFill>
+            <a:prstDash val="sysDash"/>
+            <a:headEnd type="arrow" w="med" len="med"/>
+            <a:tailEnd type="none" w="med" len="med"/>
+          </a:ln>
+        </p:spPr>
+        <p:style>
+          <a:lnRef idx="1">
+            <a:schemeClr val="accent1"/>
+          </a:lnRef>
+          <a:fillRef idx="0">
+            <a:schemeClr val="accent1"/>
+          </a:fillRef>
+          <a:effectRef idx="0">
+            <a:schemeClr val="accent1"/>
+          </a:effectRef>
+          <a:fontRef idx="minor">
+            <a:schemeClr val="tx1"/>
+          </a:fontRef>
+        </p:style>
+      </p:cxnSp>
+      <p:sp>
+        <p:nvSpPr>
+          <p:cNvPr id="85" name="Rectangle 84">
+            <a:extLst>
+              <a:ext uri="{FF2B5EF4-FFF2-40B4-BE49-F238E27FC236}">
+                <a16:creationId xmlns:a16="http://schemas.microsoft.com/office/drawing/2014/main" id="{7FE6E592-67DC-784B-B8EA-2DFAE62BFDF6}"/>
+              </a:ext>
+            </a:extLst>
+          </p:cNvPr>
+          <p:cNvSpPr/>
+          <p:nvPr/>
+        </p:nvSpPr>
+        <p:spPr>
+          <a:xfrm>
+            <a:off x="8097397" y="3047161"/>
+            <a:ext cx="133303" cy="191339"/>
+          </a:xfrm>
+          <a:prstGeom prst="rect">
+            <a:avLst/>
+          </a:prstGeom>
+          <a:solidFill>
+            <a:srgbClr val="7030A0"/>
+          </a:solidFill>
+          <a:ln>
+            <a:solidFill>
+              <a:srgbClr val="7030A0"/>
+            </a:solidFill>
+          </a:ln>
+          <a:effectLst/>
+        </p:spPr>
+        <p:style>
+          <a:lnRef idx="1">
+            <a:schemeClr val="accent3"/>
+          </a:lnRef>
+          <a:fillRef idx="2">
+            <a:schemeClr val="accent3"/>
+          </a:fillRef>
+          <a:effectRef idx="1">
+            <a:schemeClr val="accent3"/>
+          </a:effectRef>
+          <a:fontRef idx="minor">
+            <a:schemeClr val="dk1"/>
+          </a:fontRef>
+        </p:style>
+        <p:txBody>
+          <a:bodyPr rtlCol="0" anchor="ctr"/>
+          <a:lstStyle/>
+          <a:p>
+            <a:pPr algn="ctr"/>
+            <a:endParaRPr lang="en-SG" sz="1167"/>
+          </a:p>
+        </p:txBody>
+      </p:sp>
+      <p:sp>
+        <p:nvSpPr>
+          <p:cNvPr id="87" name="TextBox 86">
+            <a:extLst>
+              <a:ext uri="{FF2B5EF4-FFF2-40B4-BE49-F238E27FC236}">
+                <a16:creationId xmlns:a16="http://schemas.microsoft.com/office/drawing/2014/main" id="{769AA4A8-997E-2149-967F-34F20837D95C}"/>
+              </a:ext>
+            </a:extLst>
+          </p:cNvPr>
+          <p:cNvSpPr txBox="1"/>
+          <p:nvPr/>
+        </p:nvSpPr>
+        <p:spPr>
+          <a:xfrm>
+            <a:off x="6795005" y="2894484"/>
+            <a:ext cx="1434595" cy="115416"/>
+          </a:xfrm>
+          <a:prstGeom prst="rect">
+            <a:avLst/>
+          </a:prstGeom>
+          <a:noFill/>
+          <a:ln>
+            <a:noFill/>
+          </a:ln>
+        </p:spPr>
+        <p:txBody>
+          <a:bodyPr wrap="square" lIns="0" tIns="0" rIns="0" bIns="0" rtlCol="0">
+            <a:spAutoFit/>
+          </a:bodyPr>
+          <a:lstStyle>
+            <a:defPPr>
+              <a:defRPr lang="en-US"/>
+            </a:defPPr>
+            <a:lvl1pPr algn="r">
+              <a:defRPr sz="1400">
+                <a:solidFill>
+                  <a:srgbClr val="0070C0"/>
+                </a:solidFill>
+              </a:defRPr>
+            </a:lvl1pPr>
+          </a:lstStyle>
+          <a:p>
+            <a:pPr algn="ctr"/>
+            <a:r>
+              <a:rPr lang="en-US" sz="750" dirty="0">
+                <a:solidFill>
+                  <a:srgbClr val="7030A0"/>
+                </a:solidFill>
+              </a:rPr>
+              <a:t>getCurrentPreviewImageState</a:t>
+            </a:r>
+            <a:r>
+              <a:rPr lang="en-US" sz="700" dirty="0">
+                <a:solidFill>
+                  <a:schemeClr val="accent4">
+                    <a:lumMod val="75000"/>
+                  </a:schemeClr>
+                </a:solidFill>
+              </a:rPr>
+              <a:t>()</a:t>
+            </a:r>
+          </a:p>
+        </p:txBody>
+      </p:sp>
+      <p:cxnSp>
+        <p:nvCxnSpPr>
+          <p:cNvPr id="90" name="Straight Arrow Connector 89">
+            <a:extLst>
+              <a:ext uri="{FF2B5EF4-FFF2-40B4-BE49-F238E27FC236}">
+                <a16:creationId xmlns:a16="http://schemas.microsoft.com/office/drawing/2014/main" id="{65B2E0EC-6E89-844B-AE3D-1BA274ECEDCD}"/>
+              </a:ext>
+            </a:extLst>
+          </p:cNvPr>
+          <p:cNvCxnSpPr>
+            <a:cxnSpLocks/>
+          </p:cNvCxnSpPr>
+          <p:nvPr/>
+        </p:nvCxnSpPr>
+        <p:spPr>
+          <a:xfrm>
+            <a:off x="6882577" y="3060894"/>
+            <a:ext cx="1214820" cy="0"/>
+          </a:xfrm>
+          <a:prstGeom prst="straightConnector1">
+            <a:avLst/>
+          </a:prstGeom>
+          <a:ln w="19050">
+            <a:solidFill>
+              <a:srgbClr val="7030A0"/>
+            </a:solidFill>
+            <a:tailEnd type="arrow"/>
+          </a:ln>
+        </p:spPr>
+        <p:style>
+          <a:lnRef idx="1">
+            <a:schemeClr val="accent1"/>
+          </a:lnRef>
+          <a:fillRef idx="0">
+            <a:schemeClr val="accent1"/>
+          </a:fillRef>
+          <a:effectRef idx="0">
+            <a:schemeClr val="accent1"/>
+          </a:effectRef>
+          <a:fontRef idx="minor">
+            <a:schemeClr val="tx1"/>
+          </a:fontRef>
+        </p:style>
+      </p:cxnSp>
+      <p:cxnSp>
+        <p:nvCxnSpPr>
+          <p:cNvPr id="91" name="Straight Arrow Connector 90">
+            <a:extLst>
+              <a:ext uri="{FF2B5EF4-FFF2-40B4-BE49-F238E27FC236}">
+                <a16:creationId xmlns:a16="http://schemas.microsoft.com/office/drawing/2014/main" id="{6844BE80-30D5-E443-9BCA-254B64C246B8}"/>
+              </a:ext>
+            </a:extLst>
+          </p:cNvPr>
+          <p:cNvCxnSpPr>
+            <a:cxnSpLocks/>
+          </p:cNvCxnSpPr>
+          <p:nvPr/>
+        </p:nvCxnSpPr>
+        <p:spPr>
+          <a:xfrm>
+            <a:off x="6870938" y="3230508"/>
+            <a:ext cx="1214820" cy="4059"/>
           </a:xfrm>
           <a:prstGeom prst="straightConnector1">
             <a:avLst/>

--- a/docs/diagrams/UndoRedoSequenceDiagram.pptx
+++ b/docs/diagrams/UndoRedoSequenceDiagram.pptx
@@ -126,10 +126,6 @@
 </p:presentation>
 </file>
 
-<file path=ppt/revisionInfo.xml><?xml version="1.0" encoding="utf-8"?>
-<p1510:revInfo xmlns:a="http://schemas.openxmlformats.org/drawingml/2006/main" xmlns:r="http://schemas.openxmlformats.org/officeDocument/2006/relationships" xmlns:p1510="http://schemas.microsoft.com/office/powerpoint/2015/10/main"/>
-</file>
-
 <file path=ppt/notesMasters/notesMaster1.xml><?xml version="1.0" encoding="utf-8"?>
 <p:notesMaster xmlns:a="http://schemas.openxmlformats.org/drawingml/2006/main" xmlns:r="http://schemas.openxmlformats.org/officeDocument/2006/relationships" xmlns:p="http://schemas.openxmlformats.org/presentationml/2006/main">
   <p:cSld>
@@ -212,7 +208,7 @@
           <a:p>
             <a:fld id="{F5CC4B3F-88C1-4FFA-B1B6-F41C21DC6924}" type="datetimeFigureOut">
               <a:rPr lang="en-US" smtClean="0"/>
-              <a:t>7/6/2018</a:t>
+              <a:t>10/22/2018</a:t>
             </a:fld>
             <a:endParaRPr lang="en-US"/>
           </a:p>
@@ -658,7 +654,7 @@
           <a:p>
             <a:fld id="{78C97017-6FC3-485B-9764-EAC9E56C1D49}" type="datetimeFigureOut">
               <a:rPr lang="en-US" smtClean="0"/>
-              <a:t>7/6/2018</a:t>
+              <a:t>10/22/2018</a:t>
             </a:fld>
             <a:endParaRPr lang="en-US"/>
           </a:p>
@@ -826,7 +822,7 @@
           <a:p>
             <a:fld id="{78C97017-6FC3-485B-9764-EAC9E56C1D49}" type="datetimeFigureOut">
               <a:rPr lang="en-US" smtClean="0"/>
-              <a:t>7/6/2018</a:t>
+              <a:t>10/22/2018</a:t>
             </a:fld>
             <a:endParaRPr lang="en-US"/>
           </a:p>
@@ -1004,7 +1000,7 @@
           <a:p>
             <a:fld id="{78C97017-6FC3-485B-9764-EAC9E56C1D49}" type="datetimeFigureOut">
               <a:rPr lang="en-US" smtClean="0"/>
-              <a:t>7/6/2018</a:t>
+              <a:t>10/22/2018</a:t>
             </a:fld>
             <a:endParaRPr lang="en-US"/>
           </a:p>
@@ -1172,7 +1168,7 @@
           <a:p>
             <a:fld id="{78C97017-6FC3-485B-9764-EAC9E56C1D49}" type="datetimeFigureOut">
               <a:rPr lang="en-US" smtClean="0"/>
-              <a:t>7/6/2018</a:t>
+              <a:t>10/22/2018</a:t>
             </a:fld>
             <a:endParaRPr lang="en-US"/>
           </a:p>
@@ -1417,7 +1413,7 @@
           <a:p>
             <a:fld id="{78C97017-6FC3-485B-9764-EAC9E56C1D49}" type="datetimeFigureOut">
               <a:rPr lang="en-US" smtClean="0"/>
-              <a:t>7/6/2018</a:t>
+              <a:t>10/22/2018</a:t>
             </a:fld>
             <a:endParaRPr lang="en-US"/>
           </a:p>
@@ -1702,7 +1698,7 @@
           <a:p>
             <a:fld id="{78C97017-6FC3-485B-9764-EAC9E56C1D49}" type="datetimeFigureOut">
               <a:rPr lang="en-US" smtClean="0"/>
-              <a:t>7/6/2018</a:t>
+              <a:t>10/22/2018</a:t>
             </a:fld>
             <a:endParaRPr lang="en-US"/>
           </a:p>
@@ -2121,7 +2117,7 @@
           <a:p>
             <a:fld id="{78C97017-6FC3-485B-9764-EAC9E56C1D49}" type="datetimeFigureOut">
               <a:rPr lang="en-US" smtClean="0"/>
-              <a:t>7/6/2018</a:t>
+              <a:t>10/22/2018</a:t>
             </a:fld>
             <a:endParaRPr lang="en-US"/>
           </a:p>
@@ -2238,7 +2234,7 @@
           <a:p>
             <a:fld id="{78C97017-6FC3-485B-9764-EAC9E56C1D49}" type="datetimeFigureOut">
               <a:rPr lang="en-US" smtClean="0"/>
-              <a:t>7/6/2018</a:t>
+              <a:t>10/22/2018</a:t>
             </a:fld>
             <a:endParaRPr lang="en-US"/>
           </a:p>
@@ -2333,7 +2329,7 @@
           <a:p>
             <a:fld id="{78C97017-6FC3-485B-9764-EAC9E56C1D49}" type="datetimeFigureOut">
               <a:rPr lang="en-US" smtClean="0"/>
-              <a:t>7/6/2018</a:t>
+              <a:t>10/22/2018</a:t>
             </a:fld>
             <a:endParaRPr lang="en-US"/>
           </a:p>
@@ -2608,7 +2604,7 @@
           <a:p>
             <a:fld id="{78C97017-6FC3-485B-9764-EAC9E56C1D49}" type="datetimeFigureOut">
               <a:rPr lang="en-US" smtClean="0"/>
-              <a:t>7/6/2018</a:t>
+              <a:t>10/22/2018</a:t>
             </a:fld>
             <a:endParaRPr lang="en-US"/>
           </a:p>
@@ -2860,7 +2856,7 @@
           <a:p>
             <a:fld id="{78C97017-6FC3-485B-9764-EAC9E56C1D49}" type="datetimeFigureOut">
               <a:rPr lang="en-US" smtClean="0"/>
-              <a:t>7/6/2018</a:t>
+              <a:t>10/22/2018</a:t>
             </a:fld>
             <a:endParaRPr lang="en-US"/>
           </a:p>
@@ -3071,7 +3067,7 @@
           <a:p>
             <a:fld id="{78C97017-6FC3-485B-9764-EAC9E56C1D49}" type="datetimeFigureOut">
               <a:rPr lang="en-US" smtClean="0"/>
-              <a:t>7/6/2018</a:t>
+              <a:t>10/22/2018</a:t>
             </a:fld>
             <a:endParaRPr lang="en-US"/>
           </a:p>
@@ -3729,8 +3725,8 @@
         </p:nvSpPr>
         <p:spPr>
           <a:xfrm>
-            <a:off x="3437188" y="423022"/>
-            <a:ext cx="1219200" cy="467684"/>
+            <a:off x="3243421" y="423022"/>
+            <a:ext cx="1649391" cy="467684"/>
           </a:xfrm>
           <a:prstGeom prst="rect">
             <a:avLst/>
@@ -3770,18 +3766,15 @@
                   <a:schemeClr val="bg1"/>
                 </a:solidFill>
               </a:rPr>
-              <a:t>:Address</a:t>
-            </a:r>
-          </a:p>
-          <a:p>
-            <a:pPr algn="ctr"/>
+              <a:t>:</a:t>
+            </a:r>
             <a:r>
               <a:rPr lang="en-US" sz="1600" dirty="0" err="1">
                 <a:solidFill>
                   <a:schemeClr val="bg1"/>
                 </a:solidFill>
               </a:rPr>
-              <a:t>BookParser</a:t>
+              <a:t>SchedulePlannerParser</a:t>
             </a:r>
             <a:endParaRPr lang="en-SG" sz="1600" dirty="0">
               <a:solidFill>
@@ -4286,8 +4279,8 @@
         </p:nvSpPr>
         <p:spPr>
           <a:xfrm>
-            <a:off x="5651548" y="2748246"/>
-            <a:ext cx="1298078" cy="184666"/>
+            <a:off x="5714083" y="2748246"/>
+            <a:ext cx="1448717" cy="184666"/>
           </a:xfrm>
           <a:prstGeom prst="rect">
             <a:avLst/>
@@ -4327,7 +4320,7 @@
                   <a:srgbClr val="7030A0"/>
                 </a:solidFill>
               </a:rPr>
-              <a:t>AddressBook</a:t>
+              <a:t>SchedulePlanner</a:t>
             </a:r>
             <a:r>
               <a:rPr lang="en-US" sz="1200" dirty="0">
@@ -4473,8 +4466,8 @@
         </p:nvSpPr>
         <p:spPr>
           <a:xfrm>
-            <a:off x="7497155" y="2568606"/>
-            <a:ext cx="2181777" cy="335427"/>
+            <a:off x="7657473" y="2568606"/>
+            <a:ext cx="2477127" cy="335427"/>
           </a:xfrm>
           <a:prstGeom prst="rect">
             <a:avLst/>
@@ -4522,7 +4515,7 @@
                   <a:schemeClr val="bg1"/>
                 </a:solidFill>
               </a:rPr>
-              <a:t>VersionedAddressBook</a:t>
+              <a:t>VersionedSchedulePlanner</a:t>
             </a:r>
             <a:endParaRPr lang="en-SG" sz="1600" dirty="0">
               <a:solidFill>
@@ -4627,7 +4620,7 @@
         </p:nvSpPr>
         <p:spPr>
           <a:xfrm>
-            <a:off x="6549765" y="2362200"/>
+            <a:off x="6705600" y="2362200"/>
             <a:ext cx="841636" cy="300180"/>
           </a:xfrm>
           <a:prstGeom prst="rect">
@@ -4688,7 +4681,7 @@
         </p:nvCxnSpPr>
         <p:spPr>
           <a:xfrm flipH="1">
-            <a:off x="6986491" y="2653306"/>
+            <a:off x="7158841" y="2653306"/>
             <a:ext cx="3959" cy="1735710"/>
           </a:xfrm>
           <a:prstGeom prst="line">
@@ -4725,7 +4718,7 @@
         </p:nvSpPr>
         <p:spPr>
           <a:xfrm>
-            <a:off x="6887527" y="2958106"/>
+            <a:off x="7070104" y="2958106"/>
             <a:ext cx="168896" cy="775693"/>
           </a:xfrm>
           <a:prstGeom prst="rect">
@@ -5058,7 +5051,7 @@
         <p:spPr>
           <a:xfrm>
             <a:off x="8769530" y="3267337"/>
-            <a:ext cx="2120786" cy="184666"/>
+            <a:ext cx="2431870" cy="184666"/>
           </a:xfrm>
           <a:prstGeom prst="rect">
             <a:avLst/>
@@ -5104,7 +5097,7 @@
                   <a:srgbClr val="7030A0"/>
                 </a:solidFill>
               </a:rPr>
-              <a:t>ReadOnlyAddressBook</a:t>
+              <a:t>ReadOnlySchedulePlanner</a:t>
             </a:r>
             <a:r>
               <a:rPr lang="en-US" sz="1200" dirty="0">
@@ -5269,8 +5262,8 @@
         </p:nvCxnSpPr>
         <p:spPr>
           <a:xfrm>
-            <a:off x="7043991" y="3182839"/>
-            <a:ext cx="1470216" cy="0"/>
+            <a:off x="7154552" y="3182839"/>
+            <a:ext cx="1359655" cy="0"/>
           </a:xfrm>
           <a:prstGeom prst="straightConnector1">
             <a:avLst/>
@@ -5312,9 +5305,9 @@
           <p:nvPr/>
         </p:nvCxnSpPr>
         <p:spPr>
-          <a:xfrm flipV="1">
-            <a:off x="7043991" y="3564914"/>
-            <a:ext cx="1470216" cy="6325"/>
+          <a:xfrm>
+            <a:off x="7239304" y="3564914"/>
+            <a:ext cx="1274903" cy="1"/>
           </a:xfrm>
           <a:prstGeom prst="straightConnector1">
             <a:avLst/>
@@ -5360,8 +5353,8 @@
         </p:nvCxnSpPr>
         <p:spPr>
           <a:xfrm>
-            <a:off x="5675919" y="3733799"/>
-            <a:ext cx="1296056" cy="0"/>
+            <a:off x="5712497" y="3733799"/>
+            <a:ext cx="1442055" cy="0"/>
           </a:xfrm>
           <a:prstGeom prst="straightConnector1">
             <a:avLst/>

--- a/docs/diagrams/UndoRedoSequenceDiagram.pptx
+++ b/docs/diagrams/UndoRedoSequenceDiagram.pptx
@@ -129,56 +129,24 @@
 <file path=ppt/changesInfos/changesInfo1.xml><?xml version="1.0" encoding="utf-8"?>
 <pc:chgInfo xmlns:a="http://schemas.openxmlformats.org/drawingml/2006/main" xmlns:r="http://schemas.openxmlformats.org/officeDocument/2006/relationships" xmlns:ac="http://schemas.microsoft.com/office/drawing/2013/main/command" xmlns:pc="http://schemas.microsoft.com/office/powerpoint/2013/main/command">
   <pc:docChgLst>
-    <pc:chgData name="Lionel Tan Junzer" userId="04b849c6f1991e6b" providerId="LiveId" clId="{E00091FF-EE8F-42D4-8FF9-BCFD8575F2AB}"/>
-    <pc:docChg chg="modSld">
-      <pc:chgData name="Lionel Tan Junzer" userId="04b849c6f1991e6b" providerId="LiveId" clId="{E00091FF-EE8F-42D4-8FF9-BCFD8575F2AB}" dt="2018-10-18T03:09:18.032" v="52" actId="1038"/>
+    <pc:chgData name="Shengmin Leong" userId="075411cc4697ef0d" providerId="LiveId" clId="{D9CB3E04-B456-401B-B4DD-7E6DE807922A}"/>
+    <pc:docChg chg="undo modSld">
+      <pc:chgData name="Shengmin Leong" userId="075411cc4697ef0d" providerId="LiveId" clId="{D9CB3E04-B456-401B-B4DD-7E6DE807922A}" dt="2018-10-31T00:59:03.485" v="12" actId="1076"/>
       <pc:docMkLst>
         <pc:docMk/>
       </pc:docMkLst>
       <pc:sldChg chg="modSp">
-        <pc:chgData name="Lionel Tan Junzer" userId="04b849c6f1991e6b" providerId="LiveId" clId="{E00091FF-EE8F-42D4-8FF9-BCFD8575F2AB}" dt="2018-10-18T03:09:18.032" v="52" actId="1038"/>
+        <pc:chgData name="Shengmin Leong" userId="075411cc4697ef0d" providerId="LiveId" clId="{D9CB3E04-B456-401B-B4DD-7E6DE807922A}" dt="2018-10-31T00:59:03.485" v="12" actId="1076"/>
         <pc:sldMkLst>
           <pc:docMk/>
           <pc:sldMk cId="3945898909" sldId="267"/>
         </pc:sldMkLst>
         <pc:spChg chg="mod">
-          <ac:chgData name="Lionel Tan Junzer" userId="04b849c6f1991e6b" providerId="LiveId" clId="{E00091FF-EE8F-42D4-8FF9-BCFD8575F2AB}" dt="2018-10-15T06:41:47.154" v="10" actId="20577"/>
+          <ac:chgData name="Shengmin Leong" userId="075411cc4697ef0d" providerId="LiveId" clId="{D9CB3E04-B456-401B-B4DD-7E6DE807922A}" dt="2018-10-31T00:59:03.485" v="12" actId="1076"/>
           <ac:spMkLst>
             <pc:docMk/>
             <pc:sldMk cId="3945898909" sldId="267"/>
             <ac:spMk id="16" creationId="{00000000-0000-0000-0000-000000000000}"/>
-          </ac:spMkLst>
-        </pc:spChg>
-        <pc:spChg chg="mod">
-          <ac:chgData name="Lionel Tan Junzer" userId="04b849c6f1991e6b" providerId="LiveId" clId="{E00091FF-EE8F-42D4-8FF9-BCFD8575F2AB}" dt="2018-10-15T06:41:55.743" v="21" actId="20577"/>
-          <ac:spMkLst>
-            <pc:docMk/>
-            <pc:sldMk cId="3945898909" sldId="267"/>
-            <ac:spMk id="79" creationId="{00000000-0000-0000-0000-000000000000}"/>
-          </ac:spMkLst>
-        </pc:spChg>
-        <pc:spChg chg="mod">
-          <ac:chgData name="Lionel Tan Junzer" userId="04b849c6f1991e6b" providerId="LiveId" clId="{E00091FF-EE8F-42D4-8FF9-BCFD8575F2AB}" dt="2018-10-18T03:09:18.032" v="52" actId="1038"/>
-          <ac:spMkLst>
-            <pc:docMk/>
-            <pc:sldMk cId="3945898909" sldId="267"/>
-            <ac:spMk id="82" creationId="{00000000-0000-0000-0000-000000000000}"/>
-          </ac:spMkLst>
-        </pc:spChg>
-        <pc:spChg chg="mod">
-          <ac:chgData name="Lionel Tan Junzer" userId="04b849c6f1991e6b" providerId="LiveId" clId="{E00091FF-EE8F-42D4-8FF9-BCFD8575F2AB}" dt="2018-10-15T06:41:59.751" v="32" actId="20577"/>
-          <ac:spMkLst>
-            <pc:docMk/>
-            <pc:sldMk cId="3945898909" sldId="267"/>
-            <ac:spMk id="84" creationId="{00000000-0000-0000-0000-000000000000}"/>
-          </ac:spMkLst>
-        </pc:spChg>
-        <pc:spChg chg="mod">
-          <ac:chgData name="Lionel Tan Junzer" userId="04b849c6f1991e6b" providerId="LiveId" clId="{E00091FF-EE8F-42D4-8FF9-BCFD8575F2AB}" dt="2018-10-17T02:13:09.815" v="48" actId="1037"/>
-          <ac:spMkLst>
-            <pc:docMk/>
-            <pc:sldMk cId="3945898909" sldId="267"/>
-            <ac:spMk id="88" creationId="{B85C6184-7378-4E89-A338-72B1E5056F4F}"/>
           </ac:spMkLst>
         </pc:spChg>
       </pc:sldChg>
@@ -269,7 +237,7 @@
           <a:p>
             <a:fld id="{F5CC4B3F-88C1-4FFA-B1B6-F41C21DC6924}" type="datetimeFigureOut">
               <a:rPr lang="en-US" smtClean="0"/>
-              <a:t>10/18/2018</a:t>
+              <a:t>10/31/2018</a:t>
             </a:fld>
             <a:endParaRPr lang="en-US"/>
           </a:p>
@@ -715,7 +683,7 @@
           <a:p>
             <a:fld id="{78C97017-6FC3-485B-9764-EAC9E56C1D49}" type="datetimeFigureOut">
               <a:rPr lang="en-US" smtClean="0"/>
-              <a:t>10/18/2018</a:t>
+              <a:t>10/31/2018</a:t>
             </a:fld>
             <a:endParaRPr lang="en-US"/>
           </a:p>
@@ -883,7 +851,7 @@
           <a:p>
             <a:fld id="{78C97017-6FC3-485B-9764-EAC9E56C1D49}" type="datetimeFigureOut">
               <a:rPr lang="en-US" smtClean="0"/>
-              <a:t>10/18/2018</a:t>
+              <a:t>10/31/2018</a:t>
             </a:fld>
             <a:endParaRPr lang="en-US"/>
           </a:p>
@@ -1061,7 +1029,7 @@
           <a:p>
             <a:fld id="{78C97017-6FC3-485B-9764-EAC9E56C1D49}" type="datetimeFigureOut">
               <a:rPr lang="en-US" smtClean="0"/>
-              <a:t>10/18/2018</a:t>
+              <a:t>10/31/2018</a:t>
             </a:fld>
             <a:endParaRPr lang="en-US"/>
           </a:p>
@@ -1229,7 +1197,7 @@
           <a:p>
             <a:fld id="{78C97017-6FC3-485B-9764-EAC9E56C1D49}" type="datetimeFigureOut">
               <a:rPr lang="en-US" smtClean="0"/>
-              <a:t>10/18/2018</a:t>
+              <a:t>10/31/2018</a:t>
             </a:fld>
             <a:endParaRPr lang="en-US"/>
           </a:p>
@@ -1474,7 +1442,7 @@
           <a:p>
             <a:fld id="{78C97017-6FC3-485B-9764-EAC9E56C1D49}" type="datetimeFigureOut">
               <a:rPr lang="en-US" smtClean="0"/>
-              <a:t>10/18/2018</a:t>
+              <a:t>10/31/2018</a:t>
             </a:fld>
             <a:endParaRPr lang="en-US"/>
           </a:p>
@@ -1759,7 +1727,7 @@
           <a:p>
             <a:fld id="{78C97017-6FC3-485B-9764-EAC9E56C1D49}" type="datetimeFigureOut">
               <a:rPr lang="en-US" smtClean="0"/>
-              <a:t>10/18/2018</a:t>
+              <a:t>10/31/2018</a:t>
             </a:fld>
             <a:endParaRPr lang="en-US"/>
           </a:p>
@@ -2178,7 +2146,7 @@
           <a:p>
             <a:fld id="{78C97017-6FC3-485B-9764-EAC9E56C1D49}" type="datetimeFigureOut">
               <a:rPr lang="en-US" smtClean="0"/>
-              <a:t>10/18/2018</a:t>
+              <a:t>10/31/2018</a:t>
             </a:fld>
             <a:endParaRPr lang="en-US"/>
           </a:p>
@@ -2295,7 +2263,7 @@
           <a:p>
             <a:fld id="{78C97017-6FC3-485B-9764-EAC9E56C1D49}" type="datetimeFigureOut">
               <a:rPr lang="en-US" smtClean="0"/>
-              <a:t>10/18/2018</a:t>
+              <a:t>10/31/2018</a:t>
             </a:fld>
             <a:endParaRPr lang="en-US"/>
           </a:p>
@@ -2390,7 +2358,7 @@
           <a:p>
             <a:fld id="{78C97017-6FC3-485B-9764-EAC9E56C1D49}" type="datetimeFigureOut">
               <a:rPr lang="en-US" smtClean="0"/>
-              <a:t>10/18/2018</a:t>
+              <a:t>10/31/2018</a:t>
             </a:fld>
             <a:endParaRPr lang="en-US"/>
           </a:p>
@@ -2665,7 +2633,7 @@
           <a:p>
             <a:fld id="{78C97017-6FC3-485B-9764-EAC9E56C1D49}" type="datetimeFigureOut">
               <a:rPr lang="en-US" smtClean="0"/>
-              <a:t>10/18/2018</a:t>
+              <a:t>10/31/2018</a:t>
             </a:fld>
             <a:endParaRPr lang="en-US"/>
           </a:p>
@@ -2917,7 +2885,7 @@
           <a:p>
             <a:fld id="{78C97017-6FC3-485B-9764-EAC9E56C1D49}" type="datetimeFigureOut">
               <a:rPr lang="en-US" smtClean="0"/>
-              <a:t>10/18/2018</a:t>
+              <a:t>10/31/2018</a:t>
             </a:fld>
             <a:endParaRPr lang="en-US"/>
           </a:p>
@@ -3128,7 +3096,7 @@
           <a:p>
             <a:fld id="{78C97017-6FC3-485B-9764-EAC9E56C1D49}" type="datetimeFigureOut">
               <a:rPr lang="en-US" smtClean="0"/>
-              <a:t>10/18/2018</a:t>
+              <a:t>10/31/2018</a:t>
             </a:fld>
             <a:endParaRPr lang="en-US"/>
           </a:p>
@@ -3511,7 +3479,7 @@
         </p:nvSpPr>
         <p:spPr>
           <a:xfrm>
-            <a:off x="6459374" y="118895"/>
+            <a:off x="6451258" y="161719"/>
             <a:ext cx="3903825" cy="4400926"/>
           </a:xfrm>
           <a:prstGeom prst="roundRect">
@@ -3786,8 +3754,8 @@
         </p:nvSpPr>
         <p:spPr>
           <a:xfrm>
-            <a:off x="3437188" y="423022"/>
-            <a:ext cx="1219200" cy="467684"/>
+            <a:off x="3262406" y="452579"/>
+            <a:ext cx="1654939" cy="467684"/>
           </a:xfrm>
           <a:prstGeom prst="rect">
             <a:avLst/>
@@ -3827,18 +3795,15 @@
                   <a:schemeClr val="bg1"/>
                 </a:solidFill>
               </a:rPr>
-              <a:t>:Wish</a:t>
-            </a:r>
-          </a:p>
-          <a:p>
-            <a:pPr algn="ctr"/>
+              <a:t>:</a:t>
+            </a:r>
             <a:r>
               <a:rPr lang="en-US" sz="1600" dirty="0" err="1">
                 <a:solidFill>
                   <a:schemeClr val="bg1"/>
                 </a:solidFill>
               </a:rPr>
-              <a:t>BookParser</a:t>
+              <a:t>WishBookParser</a:t>
             </a:r>
             <a:endParaRPr lang="en-SG" sz="1600" dirty="0">
               <a:solidFill>
@@ -4376,7 +4341,7 @@
                   </a:schemeClr>
                 </a:solidFill>
               </a:rPr>
-              <a:t>undo</a:t>
+              <a:t>undoWish</a:t>
             </a:r>
             <a:r>
               <a:rPr lang="en-US" sz="1200" dirty="0" err="1">
@@ -4384,7 +4349,7 @@
                   <a:srgbClr val="7030A0"/>
                 </a:solidFill>
               </a:rPr>
-              <a:t>WishBook</a:t>
+              <a:t>Book</a:t>
             </a:r>
             <a:r>
               <a:rPr lang="en-US" sz="1200" dirty="0">
@@ -4450,7 +4415,7 @@
         </p:nvSpPr>
         <p:spPr>
           <a:xfrm>
-            <a:off x="3224253" y="3791076"/>
+            <a:off x="3272755" y="3791076"/>
             <a:ext cx="621216" cy="215444"/>
           </a:xfrm>
           <a:prstGeom prst="rect">
@@ -4597,8 +4562,8 @@
         </p:nvSpPr>
         <p:spPr>
           <a:xfrm>
-            <a:off x="8514207" y="3182840"/>
-            <a:ext cx="129933" cy="398562"/>
+            <a:off x="8465414" y="3180217"/>
+            <a:ext cx="152505" cy="270216"/>
           </a:xfrm>
           <a:prstGeom prst="rect">
             <a:avLst/>
@@ -4783,7 +4748,7 @@
         <p:spPr>
           <a:xfrm>
             <a:off x="6887527" y="2958106"/>
-            <a:ext cx="168896" cy="775693"/>
+            <a:ext cx="152505" cy="928094"/>
           </a:xfrm>
           <a:prstGeom prst="rect">
             <a:avLst/>
@@ -5114,7 +5079,7 @@
         </p:nvSpPr>
         <p:spPr>
           <a:xfrm>
-            <a:off x="8458200" y="3320534"/>
+            <a:off x="8585069" y="3179895"/>
             <a:ext cx="2120786" cy="184666"/>
           </a:xfrm>
           <a:prstGeom prst="rect">
@@ -5190,9 +5155,9 @@
           <p:nvPr/>
         </p:nvCxnSpPr>
         <p:spPr>
-          <a:xfrm>
-            <a:off x="8588043" y="2871355"/>
-            <a:ext cx="17996" cy="1467648"/>
+          <a:xfrm flipH="1">
+            <a:off x="8539687" y="2877747"/>
+            <a:ext cx="9463" cy="1377366"/>
           </a:xfrm>
           <a:prstGeom prst="line">
             <a:avLst/>
@@ -5228,7 +5193,7 @@
         </p:nvSpPr>
         <p:spPr>
           <a:xfrm>
-            <a:off x="7667691" y="2975344"/>
+            <a:off x="7742140" y="2975344"/>
             <a:ext cx="551687" cy="184666"/>
           </a:xfrm>
           <a:prstGeom prst="rect">
@@ -5285,7 +5250,7 @@
         </p:nvCxnSpPr>
         <p:spPr>
           <a:xfrm rot="16200000" flipH="1">
-            <a:off x="8527578" y="3220579"/>
+            <a:off x="8487851" y="3220579"/>
             <a:ext cx="156923" cy="76200"/>
           </a:xfrm>
           <a:prstGeom prst="curvedConnector4">
@@ -5370,7 +5335,7 @@
         </p:nvCxnSpPr>
         <p:spPr>
           <a:xfrm flipV="1">
-            <a:off x="7043991" y="3564914"/>
+            <a:off x="7043991" y="3436194"/>
             <a:ext cx="1470216" cy="6325"/>
           </a:xfrm>
           <a:prstGeom prst="straightConnector1">
@@ -5417,8 +5382,8 @@
         </p:nvCxnSpPr>
         <p:spPr>
           <a:xfrm>
-            <a:off x="5675919" y="3733799"/>
-            <a:ext cx="1296056" cy="0"/>
+            <a:off x="5701047" y="3882656"/>
+            <a:ext cx="1262733" cy="3544"/>
           </a:xfrm>
           <a:prstGeom prst="straightConnector1">
             <a:avLst/>
@@ -5447,6 +5412,454 @@
           </a:fontRef>
         </p:style>
       </p:cxnSp>
+      <p:sp>
+        <p:nvSpPr>
+          <p:cNvPr id="47" name="Rectangle 62">
+            <a:extLst>
+              <a:ext uri="{FF2B5EF4-FFF2-40B4-BE49-F238E27FC236}">
+                <a16:creationId xmlns:a16="http://schemas.microsoft.com/office/drawing/2014/main" id="{B9C27FBA-8B35-400C-814C-FAAC821AC745}"/>
+              </a:ext>
+            </a:extLst>
+          </p:cNvPr>
+          <p:cNvSpPr/>
+          <p:nvPr/>
+        </p:nvSpPr>
+        <p:spPr>
+          <a:xfrm>
+            <a:off x="7519804" y="2043573"/>
+            <a:ext cx="2499451" cy="318609"/>
+          </a:xfrm>
+          <a:prstGeom prst="rect">
+            <a:avLst/>
+          </a:prstGeom>
+          <a:solidFill>
+            <a:srgbClr val="7030A0"/>
+          </a:solidFill>
+          <a:ln w="19050">
+            <a:solidFill>
+              <a:srgbClr val="7030A0"/>
+            </a:solidFill>
+          </a:ln>
+          <a:effectLst/>
+        </p:spPr>
+        <p:style>
+          <a:lnRef idx="1">
+            <a:schemeClr val="accent2"/>
+          </a:lnRef>
+          <a:fillRef idx="2">
+            <a:schemeClr val="accent2"/>
+          </a:fillRef>
+          <a:effectRef idx="1">
+            <a:schemeClr val="accent2"/>
+          </a:effectRef>
+          <a:fontRef idx="minor">
+            <a:schemeClr val="dk1"/>
+          </a:fontRef>
+        </p:style>
+        <p:txBody>
+          <a:bodyPr rtlCol="0" anchor="ctr"/>
+          <a:lstStyle/>
+          <a:p>
+            <a:pPr algn="ctr"/>
+            <a:r>
+              <a:rPr lang="en-US" sz="1600" dirty="0">
+                <a:solidFill>
+                  <a:schemeClr val="bg1"/>
+                </a:solidFill>
+              </a:rPr>
+              <a:t>:</a:t>
+            </a:r>
+            <a:r>
+              <a:rPr lang="en-US" sz="1600" dirty="0" err="1">
+                <a:solidFill>
+                  <a:schemeClr val="bg1"/>
+                </a:solidFill>
+              </a:rPr>
+              <a:t>VersionedWishTransaction</a:t>
+            </a:r>
+            <a:endParaRPr lang="en-SG" sz="1600" dirty="0">
+              <a:solidFill>
+                <a:schemeClr val="bg1"/>
+              </a:solidFill>
+            </a:endParaRPr>
+          </a:p>
+        </p:txBody>
+      </p:sp>
+      <p:cxnSp>
+        <p:nvCxnSpPr>
+          <p:cNvPr id="48" name="Straight Connector 47">
+            <a:extLst>
+              <a:ext uri="{FF2B5EF4-FFF2-40B4-BE49-F238E27FC236}">
+                <a16:creationId xmlns:a16="http://schemas.microsoft.com/office/drawing/2014/main" id="{18F96F8E-DD6D-43F2-BEF1-9BEDA58AEE84}"/>
+              </a:ext>
+            </a:extLst>
+          </p:cNvPr>
+          <p:cNvCxnSpPr>
+            <a:cxnSpLocks/>
+            <a:stCxn id="47" idx="2"/>
+          </p:cNvCxnSpPr>
+          <p:nvPr/>
+        </p:nvCxnSpPr>
+        <p:spPr>
+          <a:xfrm>
+            <a:off x="8769530" y="2362182"/>
+            <a:ext cx="18105" cy="1881854"/>
+          </a:xfrm>
+          <a:prstGeom prst="line">
+            <a:avLst/>
+          </a:prstGeom>
+          <a:ln w="19050">
+            <a:solidFill>
+              <a:srgbClr val="7030A0"/>
+            </a:solidFill>
+            <a:prstDash val="sysDash"/>
+          </a:ln>
+          <a:effectLst/>
+        </p:spPr>
+        <p:style>
+          <a:lnRef idx="1">
+            <a:schemeClr val="accent1"/>
+          </a:lnRef>
+          <a:fillRef idx="2">
+            <a:schemeClr val="accent1"/>
+          </a:fillRef>
+          <a:effectRef idx="1">
+            <a:schemeClr val="accent1"/>
+          </a:effectRef>
+          <a:fontRef idx="minor">
+            <a:schemeClr val="dk1"/>
+          </a:fontRef>
+        </p:style>
+      </p:cxnSp>
+      <p:cxnSp>
+        <p:nvCxnSpPr>
+          <p:cNvPr id="53" name="Straight Arrow Connector 52">
+            <a:extLst>
+              <a:ext uri="{FF2B5EF4-FFF2-40B4-BE49-F238E27FC236}">
+                <a16:creationId xmlns:a16="http://schemas.microsoft.com/office/drawing/2014/main" id="{0A0FD8B3-0BF9-4DD7-BB66-4F1F5075ECFA}"/>
+              </a:ext>
+            </a:extLst>
+          </p:cNvPr>
+          <p:cNvCxnSpPr>
+            <a:cxnSpLocks/>
+          </p:cNvCxnSpPr>
+          <p:nvPr/>
+        </p:nvCxnSpPr>
+        <p:spPr>
+          <a:xfrm>
+            <a:off x="7040032" y="3572426"/>
+            <a:ext cx="1747603" cy="0"/>
+          </a:xfrm>
+          <a:prstGeom prst="straightConnector1">
+            <a:avLst/>
+          </a:prstGeom>
+          <a:ln w="19050">
+            <a:solidFill>
+              <a:srgbClr val="7030A0"/>
+            </a:solidFill>
+            <a:tailEnd type="arrow"/>
+          </a:ln>
+        </p:spPr>
+        <p:style>
+          <a:lnRef idx="1">
+            <a:schemeClr val="accent1"/>
+          </a:lnRef>
+          <a:fillRef idx="0">
+            <a:schemeClr val="accent1"/>
+          </a:fillRef>
+          <a:effectRef idx="0">
+            <a:schemeClr val="accent1"/>
+          </a:effectRef>
+          <a:fontRef idx="minor">
+            <a:schemeClr val="tx1"/>
+          </a:fontRef>
+        </p:style>
+      </p:cxnSp>
+      <p:cxnSp>
+        <p:nvCxnSpPr>
+          <p:cNvPr id="55" name="Straight Arrow Connector 54">
+            <a:extLst>
+              <a:ext uri="{FF2B5EF4-FFF2-40B4-BE49-F238E27FC236}">
+                <a16:creationId xmlns:a16="http://schemas.microsoft.com/office/drawing/2014/main" id="{3C7AEEEC-1A69-47D1-BF4C-C8C87CA6C633}"/>
+              </a:ext>
+            </a:extLst>
+          </p:cNvPr>
+          <p:cNvCxnSpPr>
+            <a:cxnSpLocks/>
+          </p:cNvCxnSpPr>
+          <p:nvPr/>
+        </p:nvCxnSpPr>
+        <p:spPr>
+          <a:xfrm flipV="1">
+            <a:off x="7028984" y="3733800"/>
+            <a:ext cx="1758651" cy="1"/>
+          </a:xfrm>
+          <a:prstGeom prst="straightConnector1">
+            <a:avLst/>
+          </a:prstGeom>
+          <a:ln w="19050">
+            <a:solidFill>
+              <a:srgbClr val="7030A0"/>
+            </a:solidFill>
+            <a:prstDash val="sysDash"/>
+            <a:headEnd type="arrow" w="med" len="med"/>
+            <a:tailEnd type="none" w="med" len="med"/>
+          </a:ln>
+        </p:spPr>
+        <p:style>
+          <a:lnRef idx="1">
+            <a:schemeClr val="accent1"/>
+          </a:lnRef>
+          <a:fillRef idx="0">
+            <a:schemeClr val="accent1"/>
+          </a:fillRef>
+          <a:effectRef idx="0">
+            <a:schemeClr val="accent1"/>
+          </a:effectRef>
+          <a:fontRef idx="minor">
+            <a:schemeClr val="tx1"/>
+          </a:fontRef>
+        </p:style>
+      </p:cxnSp>
+      <p:sp>
+        <p:nvSpPr>
+          <p:cNvPr id="57" name="Rectangle 56">
+            <a:extLst>
+              <a:ext uri="{FF2B5EF4-FFF2-40B4-BE49-F238E27FC236}">
+                <a16:creationId xmlns:a16="http://schemas.microsoft.com/office/drawing/2014/main" id="{42AFB9F6-4A5D-43F8-9DF9-040D03E2D799}"/>
+              </a:ext>
+            </a:extLst>
+          </p:cNvPr>
+          <p:cNvSpPr/>
+          <p:nvPr/>
+        </p:nvSpPr>
+        <p:spPr>
+          <a:xfrm>
+            <a:off x="8787635" y="3538973"/>
+            <a:ext cx="114786" cy="231638"/>
+          </a:xfrm>
+          <a:prstGeom prst="rect">
+            <a:avLst/>
+          </a:prstGeom>
+          <a:solidFill>
+            <a:srgbClr val="7030A0"/>
+          </a:solidFill>
+          <a:ln>
+            <a:solidFill>
+              <a:srgbClr val="7030A0"/>
+            </a:solidFill>
+          </a:ln>
+          <a:effectLst/>
+        </p:spPr>
+        <p:style>
+          <a:lnRef idx="1">
+            <a:schemeClr val="accent3"/>
+          </a:lnRef>
+          <a:fillRef idx="2">
+            <a:schemeClr val="accent3"/>
+          </a:fillRef>
+          <a:effectRef idx="1">
+            <a:schemeClr val="accent3"/>
+          </a:effectRef>
+          <a:fontRef idx="minor">
+            <a:schemeClr val="dk1"/>
+          </a:fontRef>
+        </p:style>
+        <p:txBody>
+          <a:bodyPr rtlCol="0" anchor="ctr"/>
+          <a:lstStyle/>
+          <a:p>
+            <a:pPr algn="ctr"/>
+            <a:endParaRPr lang="en-SG" sz="1400"/>
+          </a:p>
+        </p:txBody>
+      </p:sp>
+      <p:cxnSp>
+        <p:nvCxnSpPr>
+          <p:cNvPr id="58" name="Curved Connector 12">
+            <a:extLst>
+              <a:ext uri="{FF2B5EF4-FFF2-40B4-BE49-F238E27FC236}">
+                <a16:creationId xmlns:a16="http://schemas.microsoft.com/office/drawing/2014/main" id="{B7962450-0C51-48ED-B43F-667E6F285E35}"/>
+              </a:ext>
+            </a:extLst>
+          </p:cNvPr>
+          <p:cNvCxnSpPr>
+            <a:cxnSpLocks/>
+            <a:endCxn id="57" idx="3"/>
+          </p:cNvCxnSpPr>
+          <p:nvPr/>
+        </p:nvCxnSpPr>
+        <p:spPr>
+          <a:xfrm rot="16200000" flipH="1">
+            <a:off x="8799657" y="3552028"/>
+            <a:ext cx="115822" cy="89706"/>
+          </a:xfrm>
+          <a:prstGeom prst="curvedConnector4">
+            <a:avLst>
+              <a:gd name="adj1" fmla="val 1"/>
+              <a:gd name="adj2" fmla="val 354832"/>
+            </a:avLst>
+          </a:prstGeom>
+          <a:ln>
+            <a:solidFill>
+              <a:srgbClr val="7030A0"/>
+            </a:solidFill>
+            <a:tailEnd type="triangle"/>
+          </a:ln>
+        </p:spPr>
+        <p:style>
+          <a:lnRef idx="1">
+            <a:schemeClr val="accent1"/>
+          </a:lnRef>
+          <a:fillRef idx="0">
+            <a:schemeClr val="accent1"/>
+          </a:fillRef>
+          <a:effectRef idx="0">
+            <a:schemeClr val="accent1"/>
+          </a:effectRef>
+          <a:fontRef idx="minor">
+            <a:schemeClr val="tx1"/>
+          </a:fontRef>
+        </p:style>
+      </p:cxnSp>
+      <p:sp>
+        <p:nvSpPr>
+          <p:cNvPr id="70" name="TextBox 69">
+            <a:extLst>
+              <a:ext uri="{FF2B5EF4-FFF2-40B4-BE49-F238E27FC236}">
+                <a16:creationId xmlns:a16="http://schemas.microsoft.com/office/drawing/2014/main" id="{9DE35DCF-F76B-45E0-8A3F-91478B8BCF35}"/>
+              </a:ext>
+            </a:extLst>
+          </p:cNvPr>
+          <p:cNvSpPr txBox="1"/>
+          <p:nvPr/>
+        </p:nvSpPr>
+        <p:spPr>
+          <a:xfrm>
+            <a:off x="7894540" y="3429000"/>
+            <a:ext cx="551687" cy="184666"/>
+          </a:xfrm>
+          <a:prstGeom prst="rect">
+            <a:avLst/>
+          </a:prstGeom>
+          <a:noFill/>
+          <a:ln>
+            <a:noFill/>
+          </a:ln>
+        </p:spPr>
+        <p:txBody>
+          <a:bodyPr wrap="square" lIns="0" tIns="0" rIns="0" bIns="0" rtlCol="0">
+            <a:spAutoFit/>
+          </a:bodyPr>
+          <a:lstStyle>
+            <a:defPPr>
+              <a:defRPr lang="en-US"/>
+            </a:defPPr>
+            <a:lvl1pPr algn="r">
+              <a:defRPr sz="1400">
+                <a:solidFill>
+                  <a:srgbClr val="0070C0"/>
+                </a:solidFill>
+              </a:defRPr>
+            </a:lvl1pPr>
+          </a:lstStyle>
+          <a:p>
+            <a:r>
+              <a:rPr lang="en-US" sz="1200" dirty="0">
+                <a:solidFill>
+                  <a:srgbClr val="7030A0"/>
+                </a:solidFill>
+              </a:rPr>
+              <a:t>undo</a:t>
+            </a:r>
+            <a:r>
+              <a:rPr lang="en-US" sz="1200" dirty="0">
+                <a:solidFill>
+                  <a:schemeClr val="accent4">
+                    <a:lumMod val="75000"/>
+                  </a:schemeClr>
+                </a:solidFill>
+              </a:rPr>
+              <a:t>()</a:t>
+            </a:r>
+          </a:p>
+        </p:txBody>
+      </p:sp>
+      <p:sp>
+        <p:nvSpPr>
+          <p:cNvPr id="71" name="TextBox 70">
+            <a:extLst>
+              <a:ext uri="{FF2B5EF4-FFF2-40B4-BE49-F238E27FC236}">
+                <a16:creationId xmlns:a16="http://schemas.microsoft.com/office/drawing/2014/main" id="{6F6A4A78-460E-463D-B35D-5601ACAB7A66}"/>
+              </a:ext>
+            </a:extLst>
+          </p:cNvPr>
+          <p:cNvSpPr txBox="1"/>
+          <p:nvPr/>
+        </p:nvSpPr>
+        <p:spPr>
+          <a:xfrm>
+            <a:off x="9138805" y="3538970"/>
+            <a:ext cx="1751511" cy="184666"/>
+          </a:xfrm>
+          <a:prstGeom prst="rect">
+            <a:avLst/>
+          </a:prstGeom>
+          <a:noFill/>
+        </p:spPr>
+        <p:txBody>
+          <a:bodyPr wrap="square" lIns="0" tIns="0" rIns="0" bIns="0" rtlCol="0">
+            <a:spAutoFit/>
+          </a:bodyPr>
+          <a:lstStyle>
+            <a:defPPr>
+              <a:defRPr lang="en-US"/>
+            </a:defPPr>
+            <a:lvl1pPr algn="r">
+              <a:defRPr sz="1400">
+                <a:solidFill>
+                  <a:srgbClr val="0070C0"/>
+                </a:solidFill>
+              </a:defRPr>
+            </a:lvl1pPr>
+          </a:lstStyle>
+          <a:p>
+            <a:r>
+              <a:rPr lang="en-US" sz="1200" dirty="0" err="1">
+                <a:solidFill>
+                  <a:srgbClr val="7030A0"/>
+                </a:solidFill>
+              </a:rPr>
+              <a:t>resetData</a:t>
+            </a:r>
+            <a:r>
+              <a:rPr lang="en-US" sz="1200" dirty="0">
+                <a:solidFill>
+                  <a:srgbClr val="7030A0"/>
+                </a:solidFill>
+              </a:rPr>
+              <a:t>(</a:t>
+            </a:r>
+            <a:r>
+              <a:rPr lang="en-US" sz="1200" dirty="0" err="1">
+                <a:solidFill>
+                  <a:srgbClr val="7030A0"/>
+                </a:solidFill>
+              </a:rPr>
+              <a:t>WishTransaction</a:t>
+            </a:r>
+            <a:r>
+              <a:rPr lang="en-US" sz="1200" dirty="0">
+                <a:solidFill>
+                  <a:srgbClr val="7030A0"/>
+                </a:solidFill>
+              </a:rPr>
+              <a:t>)</a:t>
+            </a:r>
+            <a:endParaRPr lang="en-US" sz="1200" dirty="0"/>
+          </a:p>
+        </p:txBody>
+      </p:sp>
     </p:spTree>
     <p:extLst>
       <p:ext uri="{BB962C8B-B14F-4D97-AF65-F5344CB8AC3E}">

--- a/docs/diagrams/UndoRedoSequenceDiagram.pptx
+++ b/docs/diagrams/UndoRedoSequenceDiagram.pptx
@@ -208,7 +208,7 @@
           <a:p>
             <a:fld id="{F5CC4B3F-88C1-4FFA-B1B6-F41C21DC6924}" type="datetimeFigureOut">
               <a:rPr lang="en-US" smtClean="0"/>
-              <a:t>10/17/18</a:t>
+              <a:t>11/1/18</a:t>
             </a:fld>
             <a:endParaRPr lang="en-US"/>
           </a:p>
@@ -743,7 +743,7 @@
           <a:p>
             <a:fld id="{78C97017-6FC3-485B-9764-EAC9E56C1D49}" type="datetimeFigureOut">
               <a:rPr lang="en-US" smtClean="0"/>
-              <a:t>10/17/18</a:t>
+              <a:t>11/1/18</a:t>
             </a:fld>
             <a:endParaRPr lang="en-US"/>
           </a:p>
@@ -911,7 +911,7 @@
           <a:p>
             <a:fld id="{78C97017-6FC3-485B-9764-EAC9E56C1D49}" type="datetimeFigureOut">
               <a:rPr lang="en-US" smtClean="0"/>
-              <a:t>10/17/18</a:t>
+              <a:t>11/1/18</a:t>
             </a:fld>
             <a:endParaRPr lang="en-US"/>
           </a:p>
@@ -1089,7 +1089,7 @@
           <a:p>
             <a:fld id="{78C97017-6FC3-485B-9764-EAC9E56C1D49}" type="datetimeFigureOut">
               <a:rPr lang="en-US" smtClean="0"/>
-              <a:t>10/17/18</a:t>
+              <a:t>11/1/18</a:t>
             </a:fld>
             <a:endParaRPr lang="en-US"/>
           </a:p>
@@ -1257,7 +1257,7 @@
           <a:p>
             <a:fld id="{78C97017-6FC3-485B-9764-EAC9E56C1D49}" type="datetimeFigureOut">
               <a:rPr lang="en-US" smtClean="0"/>
-              <a:t>10/17/18</a:t>
+              <a:t>11/1/18</a:t>
             </a:fld>
             <a:endParaRPr lang="en-US"/>
           </a:p>
@@ -1502,7 +1502,7 @@
           <a:p>
             <a:fld id="{78C97017-6FC3-485B-9764-EAC9E56C1D49}" type="datetimeFigureOut">
               <a:rPr lang="en-US" smtClean="0"/>
-              <a:t>10/17/18</a:t>
+              <a:t>11/1/18</a:t>
             </a:fld>
             <a:endParaRPr lang="en-US"/>
           </a:p>
@@ -1787,7 +1787,7 @@
           <a:p>
             <a:fld id="{78C97017-6FC3-485B-9764-EAC9E56C1D49}" type="datetimeFigureOut">
               <a:rPr lang="en-US" smtClean="0"/>
-              <a:t>10/17/18</a:t>
+              <a:t>11/1/18</a:t>
             </a:fld>
             <a:endParaRPr lang="en-US"/>
           </a:p>
@@ -2206,7 +2206,7 @@
           <a:p>
             <a:fld id="{78C97017-6FC3-485B-9764-EAC9E56C1D49}" type="datetimeFigureOut">
               <a:rPr lang="en-US" smtClean="0"/>
-              <a:t>10/17/18</a:t>
+              <a:t>11/1/18</a:t>
             </a:fld>
             <a:endParaRPr lang="en-US"/>
           </a:p>
@@ -2323,7 +2323,7 @@
           <a:p>
             <a:fld id="{78C97017-6FC3-485B-9764-EAC9E56C1D49}" type="datetimeFigureOut">
               <a:rPr lang="en-US" smtClean="0"/>
-              <a:t>10/17/18</a:t>
+              <a:t>11/1/18</a:t>
             </a:fld>
             <a:endParaRPr lang="en-US"/>
           </a:p>
@@ -2418,7 +2418,7 @@
           <a:p>
             <a:fld id="{78C97017-6FC3-485B-9764-EAC9E56C1D49}" type="datetimeFigureOut">
               <a:rPr lang="en-US" smtClean="0"/>
-              <a:t>10/17/18</a:t>
+              <a:t>11/1/18</a:t>
             </a:fld>
             <a:endParaRPr lang="en-US"/>
           </a:p>
@@ -2693,7 +2693,7 @@
           <a:p>
             <a:fld id="{78C97017-6FC3-485B-9764-EAC9E56C1D49}" type="datetimeFigureOut">
               <a:rPr lang="en-US" smtClean="0"/>
-              <a:t>10/17/18</a:t>
+              <a:t>11/1/18</a:t>
             </a:fld>
             <a:endParaRPr lang="en-US"/>
           </a:p>
@@ -2945,7 +2945,7 @@
           <a:p>
             <a:fld id="{78C97017-6FC3-485B-9764-EAC9E56C1D49}" type="datetimeFigureOut">
               <a:rPr lang="en-US" smtClean="0"/>
-              <a:t>10/17/18</a:t>
+              <a:t>11/1/18</a:t>
             </a:fld>
             <a:endParaRPr lang="en-US"/>
           </a:p>
@@ -3156,7 +3156,7 @@
           <a:p>
             <a:fld id="{78C97017-6FC3-485B-9764-EAC9E56C1D49}" type="datetimeFigureOut">
               <a:rPr lang="en-US" smtClean="0"/>
-              <a:t>10/17/18</a:t>
+              <a:t>11/1/18</a:t>
             </a:fld>
             <a:endParaRPr lang="en-US"/>
           </a:p>
@@ -3547,7 +3547,7 @@
         </p:nvSpPr>
         <p:spPr>
           <a:xfrm>
-            <a:off x="4630566" y="162544"/>
+            <a:off x="4629388" y="260297"/>
             <a:ext cx="4374529" cy="3667438"/>
           </a:xfrm>
           <a:prstGeom prst="roundRect">
@@ -3608,7 +3608,7 @@
         </p:nvSpPr>
         <p:spPr>
           <a:xfrm>
-            <a:off x="381000" y="162544"/>
+            <a:off x="423372" y="260289"/>
             <a:ext cx="4125340" cy="3667446"/>
           </a:xfrm>
           <a:prstGeom prst="roundRect">
@@ -3855,18 +3855,7 @@
                   <a:schemeClr val="bg1"/>
                 </a:solidFill>
               </a:rPr>
-              <a:t>:Address</a:t>
-            </a:r>
-          </a:p>
-          <a:p>
-            <a:pPr algn="ctr"/>
-            <a:r>
-              <a:rPr lang="en-US" sz="1000" dirty="0">
-                <a:solidFill>
-                  <a:schemeClr val="bg1"/>
-                </a:solidFill>
-              </a:rPr>
-              <a:t>BookParser</a:t>
+              <a:t>:PiconsoParser</a:t>
             </a:r>
             <a:endParaRPr lang="en-SG" sz="1000" dirty="0">
               <a:solidFill>
@@ -4168,7 +4157,7 @@
         </p:nvSpPr>
         <p:spPr>
           <a:xfrm>
-            <a:off x="2182425" y="2094012"/>
+            <a:off x="2182425" y="1909312"/>
             <a:ext cx="713175" cy="153888"/>
           </a:xfrm>
           <a:prstGeom prst="rect">
@@ -4328,8 +4317,8 @@
         </p:nvSpPr>
         <p:spPr>
           <a:xfrm>
-            <a:off x="4209443" y="2280195"/>
-            <a:ext cx="183932" cy="1185417"/>
+            <a:off x="4209443" y="2095501"/>
+            <a:ext cx="159224" cy="1370112"/>
           </a:xfrm>
           <a:prstGeom prst="rect">
             <a:avLst/>
@@ -4375,8 +4364,8 @@
         </p:nvSpPr>
         <p:spPr>
           <a:xfrm>
-            <a:off x="4467219" y="2193364"/>
-            <a:ext cx="2398312" cy="153888"/>
+            <a:off x="4532212" y="2066238"/>
+            <a:ext cx="1288510" cy="153888"/>
           </a:xfrm>
           <a:prstGeom prst="rect">
             <a:avLst/>
@@ -4409,7 +4398,7 @@
                   </a:schemeClr>
                 </a:solidFill>
               </a:rPr>
-              <a:t>undoPreviewImageManager</a:t>
+              <a:t>undoPreviewImage</a:t>
             </a:r>
             <a:r>
               <a:rPr lang="en-US" sz="1000" dirty="0">
@@ -4552,8 +4541,8 @@
         </p:nvSpPr>
         <p:spPr>
           <a:xfrm>
-            <a:off x="7169616" y="1936618"/>
-            <a:ext cx="1431708" cy="279523"/>
+            <a:off x="7649381" y="1936618"/>
+            <a:ext cx="1037419" cy="279523"/>
           </a:xfrm>
           <a:prstGeom prst="rect">
             <a:avLst/>
@@ -4593,7 +4582,7 @@
                   <a:schemeClr val="bg1"/>
                 </a:solidFill>
               </a:rPr>
-              <a:t>:PreviewImageManager</a:t>
+              <a:t>:PreviewImage</a:t>
             </a:r>
             <a:endParaRPr lang="en-SG" sz="1000" dirty="0">
               <a:solidFill>
@@ -4611,8 +4600,8 @@
         </p:nvSpPr>
         <p:spPr>
           <a:xfrm>
-            <a:off x="8112087" y="2459283"/>
-            <a:ext cx="125958" cy="332135"/>
+            <a:off x="8182874" y="2614340"/>
+            <a:ext cx="140648" cy="177078"/>
           </a:xfrm>
           <a:prstGeom prst="rect">
             <a:avLst/>
@@ -4646,7 +4635,7 @@
           <a:lstStyle/>
           <a:p>
             <a:pPr algn="ctr"/>
-            <a:endParaRPr lang="en-SG" sz="1167"/>
+            <a:endParaRPr lang="en-SG" sz="1167" dirty="0"/>
           </a:p>
         </p:txBody>
       </p:sp>
@@ -4698,7 +4687,7 @@
         </p:nvSpPr>
         <p:spPr>
           <a:xfrm>
-            <a:off x="6497105" y="1859875"/>
+            <a:off x="5638800" y="1714500"/>
             <a:ext cx="607214" cy="250150"/>
           </a:xfrm>
           <a:prstGeom prst="rect">
@@ -4758,9 +4747,9 @@
           <p:nvPr/>
         </p:nvCxnSpPr>
         <p:spPr>
-          <a:xfrm flipH="1">
-            <a:off x="6809103" y="2101559"/>
-            <a:ext cx="3299" cy="1446425"/>
+          <a:xfrm>
+            <a:off x="5950798" y="1996267"/>
+            <a:ext cx="1" cy="1551717"/>
           </a:xfrm>
           <a:prstGeom prst="line">
             <a:avLst/>
@@ -4796,8 +4785,8 @@
         </p:nvSpPr>
         <p:spPr>
           <a:xfrm>
-            <a:off x="6718846" y="2377047"/>
-            <a:ext cx="159319" cy="964971"/>
+            <a:off x="5849843" y="2231673"/>
+            <a:ext cx="170018" cy="1110346"/>
           </a:xfrm>
           <a:prstGeom prst="rect">
             <a:avLst/>
@@ -4844,9 +4833,9 @@
           <p:nvPr/>
         </p:nvCxnSpPr>
         <p:spPr>
-          <a:xfrm>
-            <a:off x="4361560" y="2378466"/>
-            <a:ext cx="2355169" cy="0"/>
+          <a:xfrm flipV="1">
+            <a:off x="4361560" y="2231672"/>
+            <a:ext cx="1459162" cy="1419"/>
           </a:xfrm>
           <a:prstGeom prst="straightConnector1">
             <a:avLst/>
@@ -4996,7 +4985,7 @@
         </p:nvCxnSpPr>
         <p:spPr>
           <a:xfrm>
-            <a:off x="1553380" y="2280200"/>
+            <a:off x="1553380" y="2095500"/>
             <a:ext cx="2671266" cy="0"/>
           </a:xfrm>
           <a:prstGeom prst="straightConnector1">
@@ -5130,7 +5119,7 @@
         </p:nvCxnSpPr>
         <p:spPr>
           <a:xfrm>
-            <a:off x="8175066" y="2206576"/>
+            <a:off x="8260543" y="2206576"/>
             <a:ext cx="33859" cy="1446546"/>
           </a:xfrm>
           <a:prstGeom prst="line">
@@ -5167,7 +5156,7 @@
         </p:nvSpPr>
         <p:spPr>
           <a:xfrm>
-            <a:off x="7146309" y="2319957"/>
+            <a:off x="6288004" y="2475841"/>
             <a:ext cx="534809" cy="138499"/>
           </a:xfrm>
           <a:prstGeom prst="rect">
@@ -5226,8 +5215,8 @@
         </p:nvCxnSpPr>
         <p:spPr>
           <a:xfrm>
-            <a:off x="6889922" y="2473016"/>
-            <a:ext cx="1214820" cy="0"/>
+            <a:off x="6031617" y="2628900"/>
+            <a:ext cx="2136473" cy="0"/>
           </a:xfrm>
           <a:prstGeom prst="straightConnector1">
             <a:avLst/>
@@ -5265,13 +5254,14 @@
           </p:cNvPr>
           <p:cNvCxnSpPr>
             <a:cxnSpLocks/>
+            <a:endCxn id="86" idx="2"/>
           </p:cNvCxnSpPr>
           <p:nvPr/>
         </p:nvCxnSpPr>
         <p:spPr>
           <a:xfrm>
-            <a:off x="6889922" y="2787359"/>
-            <a:ext cx="1214820" cy="4059"/>
+            <a:off x="6031617" y="2787359"/>
+            <a:ext cx="2221581" cy="4059"/>
           </a:xfrm>
           <a:prstGeom prst="straightConnector1">
             <a:avLst/>
@@ -5317,7 +5307,7 @@
         <p:spPr>
           <a:xfrm>
             <a:off x="4397787" y="3337655"/>
-            <a:ext cx="2314010" cy="1"/>
+            <a:ext cx="1403569" cy="4363"/>
           </a:xfrm>
           <a:prstGeom prst="straightConnector1">
             <a:avLst/>
@@ -5360,8 +5350,8 @@
         </p:nvSpPr>
         <p:spPr>
           <a:xfrm>
-            <a:off x="8097397" y="3047161"/>
-            <a:ext cx="133303" cy="191339"/>
+            <a:off x="8168090" y="2975622"/>
+            <a:ext cx="148087" cy="149694"/>
           </a:xfrm>
           <a:prstGeom prst="rect">
             <a:avLst/>
@@ -5413,8 +5403,8 @@
         </p:nvSpPr>
         <p:spPr>
           <a:xfrm>
-            <a:off x="6795005" y="2894484"/>
-            <a:ext cx="1434595" cy="115416"/>
+            <a:off x="6138099" y="2822562"/>
+            <a:ext cx="1434595" cy="138499"/>
           </a:xfrm>
           <a:prstGeom prst="rect">
             <a:avLst/>
@@ -5443,23 +5433,28 @@
           <a:p>
             <a:pPr algn="ctr"/>
             <a:r>
+              <a:rPr lang="en-US" sz="900" dirty="0">
+                <a:solidFill>
+                  <a:srgbClr val="7030A0"/>
+                </a:solidFill>
+              </a:rPr>
+              <a:t>getImage</a:t>
+            </a:r>
+            <a:r>
               <a:rPr lang="en-US" sz="750" dirty="0">
                 <a:solidFill>
                   <a:srgbClr val="7030A0"/>
                 </a:solidFill>
               </a:rPr>
-              <a:t>getCurrentPreviewImageState</a:t>
-            </a:r>
-            <a:r>
-              <a:rPr lang="en-US" sz="700" dirty="0">
-                <a:solidFill>
-                  <a:schemeClr val="accent4">
-                    <a:lumMod val="75000"/>
-                  </a:schemeClr>
-                </a:solidFill>
-              </a:rPr>
               <a:t>()</a:t>
             </a:r>
+            <a:endParaRPr lang="en-US" sz="700" dirty="0">
+              <a:solidFill>
+                <a:schemeClr val="accent4">
+                  <a:lumMod val="75000"/>
+                </a:schemeClr>
+              </a:solidFill>
+            </a:endParaRPr>
           </a:p>
         </p:txBody>
       </p:sp>
@@ -5479,8 +5474,8 @@
         </p:nvCxnSpPr>
         <p:spPr>
           <a:xfrm>
-            <a:off x="6882577" y="3060894"/>
-            <a:ext cx="1214820" cy="0"/>
+            <a:off x="6024272" y="2975622"/>
+            <a:ext cx="2143818" cy="0"/>
           </a:xfrm>
           <a:prstGeom prst="straightConnector1">
             <a:avLst/>
@@ -5523,8 +5518,8 @@
         </p:nvCxnSpPr>
         <p:spPr>
           <a:xfrm>
-            <a:off x="6870938" y="3230508"/>
-            <a:ext cx="1214820" cy="4059"/>
+            <a:off x="6012633" y="3117324"/>
+            <a:ext cx="2155457" cy="6256"/>
           </a:xfrm>
           <a:prstGeom prst="straightConnector1">
             <a:avLst/>
@@ -5553,6 +5548,381 @@
           </a:fontRef>
         </p:style>
       </p:cxnSp>
+      <p:sp>
+        <p:nvSpPr>
+          <p:cNvPr id="51" name="Rectangle 50">
+            <a:extLst>
+              <a:ext uri="{FF2B5EF4-FFF2-40B4-BE49-F238E27FC236}">
+                <a16:creationId xmlns:a16="http://schemas.microsoft.com/office/drawing/2014/main" id="{CD5A12EA-C41D-6B46-8385-8264FC444A60}"/>
+              </a:ext>
+            </a:extLst>
+          </p:cNvPr>
+          <p:cNvSpPr/>
+          <p:nvPr/>
+        </p:nvSpPr>
+        <p:spPr>
+          <a:xfrm>
+            <a:off x="5951567" y="2375622"/>
+            <a:ext cx="140648" cy="177078"/>
+          </a:xfrm>
+          <a:prstGeom prst="rect">
+            <a:avLst/>
+          </a:prstGeom>
+          <a:solidFill>
+            <a:srgbClr val="7030A0"/>
+          </a:solidFill>
+          <a:ln>
+            <a:solidFill>
+              <a:schemeClr val="tx1"/>
+            </a:solidFill>
+          </a:ln>
+          <a:effectLst/>
+        </p:spPr>
+        <p:style>
+          <a:lnRef idx="1">
+            <a:schemeClr val="accent3"/>
+          </a:lnRef>
+          <a:fillRef idx="2">
+            <a:schemeClr val="accent3"/>
+          </a:fillRef>
+          <a:effectRef idx="1">
+            <a:schemeClr val="accent3"/>
+          </a:effectRef>
+          <a:fontRef idx="minor">
+            <a:schemeClr val="dk1"/>
+          </a:fontRef>
+        </p:style>
+        <p:txBody>
+          <a:bodyPr rtlCol="0" anchor="ctr"/>
+          <a:lstStyle/>
+          <a:p>
+            <a:pPr algn="ctr"/>
+            <a:endParaRPr lang="en-SG" sz="1167" dirty="0"/>
+          </a:p>
+        </p:txBody>
+      </p:sp>
+      <p:sp>
+        <p:nvSpPr>
+          <p:cNvPr id="95" name="Curved Left Arrow 94">
+            <a:extLst>
+              <a:ext uri="{FF2B5EF4-FFF2-40B4-BE49-F238E27FC236}">
+                <a16:creationId xmlns:a16="http://schemas.microsoft.com/office/drawing/2014/main" id="{CE26DDDF-DDAA-4C4D-9C6D-A157B7548A7D}"/>
+              </a:ext>
+            </a:extLst>
+          </p:cNvPr>
+          <p:cNvSpPr/>
+          <p:nvPr/>
+        </p:nvSpPr>
+        <p:spPr>
+          <a:xfrm>
+            <a:off x="6096000" y="2377429"/>
+            <a:ext cx="156008" cy="175271"/>
+          </a:xfrm>
+          <a:prstGeom prst="curvedLeftArrow">
+            <a:avLst>
+              <a:gd name="adj1" fmla="val 25000"/>
+              <a:gd name="adj2" fmla="val 41821"/>
+              <a:gd name="adj3" fmla="val 25000"/>
+            </a:avLst>
+          </a:prstGeom>
+          <a:ln w="1905"/>
+        </p:spPr>
+        <p:style>
+          <a:lnRef idx="2">
+            <a:schemeClr val="accent1">
+              <a:shade val="50000"/>
+            </a:schemeClr>
+          </a:lnRef>
+          <a:fillRef idx="1">
+            <a:schemeClr val="accent1"/>
+          </a:fillRef>
+          <a:effectRef idx="0">
+            <a:schemeClr val="accent1"/>
+          </a:effectRef>
+          <a:fontRef idx="minor">
+            <a:schemeClr val="lt1"/>
+          </a:fontRef>
+        </p:style>
+        <p:txBody>
+          <a:bodyPr rtlCol="0" anchor="ctr"/>
+          <a:lstStyle/>
+          <a:p>
+            <a:pPr algn="ctr"/>
+            <a:endParaRPr lang="en-US">
+              <a:solidFill>
+                <a:schemeClr val="tx1"/>
+              </a:solidFill>
+            </a:endParaRPr>
+          </a:p>
+        </p:txBody>
+      </p:sp>
+      <p:sp>
+        <p:nvSpPr>
+          <p:cNvPr id="96" name="TextBox 95">
+            <a:extLst>
+              <a:ext uri="{FF2B5EF4-FFF2-40B4-BE49-F238E27FC236}">
+                <a16:creationId xmlns:a16="http://schemas.microsoft.com/office/drawing/2014/main" id="{932F4C8E-5822-0649-AF34-6BA14428A7B9}"/>
+              </a:ext>
+            </a:extLst>
+          </p:cNvPr>
+          <p:cNvSpPr txBox="1"/>
+          <p:nvPr/>
+        </p:nvSpPr>
+        <p:spPr>
+          <a:xfrm>
+            <a:off x="5901398" y="2223913"/>
+            <a:ext cx="1434595" cy="115416"/>
+          </a:xfrm>
+          <a:prstGeom prst="rect">
+            <a:avLst/>
+          </a:prstGeom>
+          <a:noFill/>
+          <a:ln>
+            <a:noFill/>
+          </a:ln>
+        </p:spPr>
+        <p:txBody>
+          <a:bodyPr wrap="square" lIns="0" tIns="0" rIns="0" bIns="0" rtlCol="0">
+            <a:spAutoFit/>
+          </a:bodyPr>
+          <a:lstStyle>
+            <a:defPPr>
+              <a:defRPr lang="en-US"/>
+            </a:defPPr>
+            <a:lvl1pPr algn="r">
+              <a:defRPr sz="1400">
+                <a:solidFill>
+                  <a:srgbClr val="0070C0"/>
+                </a:solidFill>
+              </a:defRPr>
+            </a:lvl1pPr>
+          </a:lstStyle>
+          <a:p>
+            <a:pPr algn="ctr"/>
+            <a:r>
+              <a:rPr lang="en-US" sz="750" dirty="0">
+                <a:solidFill>
+                  <a:srgbClr val="7030A0"/>
+                </a:solidFill>
+              </a:rPr>
+              <a:t>getCurrentPreviewImage</a:t>
+            </a:r>
+            <a:r>
+              <a:rPr lang="en-US" sz="700" dirty="0">
+                <a:solidFill>
+                  <a:schemeClr val="accent4">
+                    <a:lumMod val="75000"/>
+                  </a:schemeClr>
+                </a:solidFill>
+              </a:rPr>
+              <a:t>()</a:t>
+            </a:r>
+          </a:p>
+        </p:txBody>
+      </p:sp>
+      <p:sp>
+        <p:nvSpPr>
+          <p:cNvPr id="101" name="TextBox 100">
+            <a:extLst>
+              <a:ext uri="{FF2B5EF4-FFF2-40B4-BE49-F238E27FC236}">
+                <a16:creationId xmlns:a16="http://schemas.microsoft.com/office/drawing/2014/main" id="{43F8DA83-E7D3-0C44-AF88-6F176E7156BA}"/>
+              </a:ext>
+            </a:extLst>
+          </p:cNvPr>
+          <p:cNvSpPr txBox="1"/>
+          <p:nvPr/>
+        </p:nvSpPr>
+        <p:spPr>
+          <a:xfrm>
+            <a:off x="6288004" y="951011"/>
+            <a:ext cx="2035518" cy="584775"/>
+          </a:xfrm>
+          <a:prstGeom prst="rect">
+            <a:avLst/>
+          </a:prstGeom>
+          <a:noFill/>
+        </p:spPr>
+        <p:txBody>
+          <a:bodyPr wrap="square" rtlCol="0">
+            <a:spAutoFit/>
+          </a:bodyPr>
+          <a:lstStyle/>
+          <a:p>
+            <a:r>
+              <a:rPr lang="en-US" sz="800" dirty="0"/>
+              <a:t>This method goes through the Model’s canvas to get the current layer’s PreviewImage using canvas.getCurrentLayer().getImage()</a:t>
+            </a:r>
+          </a:p>
+        </p:txBody>
+      </p:sp>
+      <p:cxnSp>
+        <p:nvCxnSpPr>
+          <p:cNvPr id="103" name="Straight Arrow Connector 102">
+            <a:extLst>
+              <a:ext uri="{FF2B5EF4-FFF2-40B4-BE49-F238E27FC236}">
+                <a16:creationId xmlns:a16="http://schemas.microsoft.com/office/drawing/2014/main" id="{15E410EB-048C-6C44-98DA-80B7C1083FE6}"/>
+              </a:ext>
+            </a:extLst>
+          </p:cNvPr>
+          <p:cNvCxnSpPr/>
+          <p:nvPr/>
+        </p:nvCxnSpPr>
+        <p:spPr>
+          <a:xfrm>
+            <a:off x="6611382" y="1535786"/>
+            <a:ext cx="0" cy="670790"/>
+          </a:xfrm>
+          <a:prstGeom prst="straightConnector1">
+            <a:avLst/>
+          </a:prstGeom>
+          <a:ln>
+            <a:tailEnd type="triangle"/>
+          </a:ln>
+        </p:spPr>
+        <p:style>
+          <a:lnRef idx="1">
+            <a:schemeClr val="accent1"/>
+          </a:lnRef>
+          <a:fillRef idx="0">
+            <a:schemeClr val="accent1"/>
+          </a:fillRef>
+          <a:effectRef idx="0">
+            <a:schemeClr val="accent1"/>
+          </a:effectRef>
+          <a:fontRef idx="minor">
+            <a:schemeClr val="tx1"/>
+          </a:fontRef>
+        </p:style>
+      </p:cxnSp>
+      <p:sp>
+        <p:nvSpPr>
+          <p:cNvPr id="104" name="Rectangle 103">
+            <a:extLst>
+              <a:ext uri="{FF2B5EF4-FFF2-40B4-BE49-F238E27FC236}">
+                <a16:creationId xmlns:a16="http://schemas.microsoft.com/office/drawing/2014/main" id="{9B272E63-4A50-CF40-B2ED-4BF2BDF4C7F4}"/>
+              </a:ext>
+            </a:extLst>
+          </p:cNvPr>
+          <p:cNvSpPr/>
+          <p:nvPr/>
+        </p:nvSpPr>
+        <p:spPr>
+          <a:xfrm>
+            <a:off x="5983602" y="3202695"/>
+            <a:ext cx="134352" cy="95449"/>
+          </a:xfrm>
+          <a:prstGeom prst="rect">
+            <a:avLst/>
+          </a:prstGeom>
+          <a:solidFill>
+            <a:srgbClr val="7030A0"/>
+          </a:solidFill>
+          <a:ln>
+            <a:solidFill>
+              <a:schemeClr val="tx1"/>
+            </a:solidFill>
+          </a:ln>
+          <a:effectLst/>
+        </p:spPr>
+        <p:style>
+          <a:lnRef idx="1">
+            <a:schemeClr val="accent3"/>
+          </a:lnRef>
+          <a:fillRef idx="2">
+            <a:schemeClr val="accent3"/>
+          </a:fillRef>
+          <a:effectRef idx="1">
+            <a:schemeClr val="accent3"/>
+          </a:effectRef>
+          <a:fontRef idx="minor">
+            <a:schemeClr val="dk1"/>
+          </a:fontRef>
+        </p:style>
+        <p:txBody>
+          <a:bodyPr rtlCol="0" anchor="ctr"/>
+          <a:lstStyle/>
+          <a:p>
+            <a:pPr algn="ctr"/>
+            <a:endParaRPr lang="en-SG" sz="1167" dirty="0"/>
+          </a:p>
+        </p:txBody>
+      </p:sp>
+      <p:cxnSp>
+        <p:nvCxnSpPr>
+          <p:cNvPr id="106" name="Straight Arrow Connector 105">
+            <a:extLst>
+              <a:ext uri="{FF2B5EF4-FFF2-40B4-BE49-F238E27FC236}">
+                <a16:creationId xmlns:a16="http://schemas.microsoft.com/office/drawing/2014/main" id="{CD853D5D-0866-EB4D-9E23-ED67E7748A75}"/>
+              </a:ext>
+            </a:extLst>
+          </p:cNvPr>
+          <p:cNvCxnSpPr>
+            <a:cxnSpLocks/>
+          </p:cNvCxnSpPr>
+          <p:nvPr/>
+        </p:nvCxnSpPr>
+        <p:spPr>
+          <a:xfrm>
+            <a:off x="6121369" y="3250419"/>
+            <a:ext cx="355631" cy="139737"/>
+          </a:xfrm>
+          <a:prstGeom prst="straightConnector1">
+            <a:avLst/>
+          </a:prstGeom>
+          <a:ln>
+            <a:tailEnd type="triangle"/>
+          </a:ln>
+        </p:spPr>
+        <p:style>
+          <a:lnRef idx="1">
+            <a:schemeClr val="accent1"/>
+          </a:lnRef>
+          <a:fillRef idx="0">
+            <a:schemeClr val="accent1"/>
+          </a:fillRef>
+          <a:effectRef idx="0">
+            <a:schemeClr val="accent1"/>
+          </a:effectRef>
+          <a:fontRef idx="minor">
+            <a:schemeClr val="tx1"/>
+          </a:fontRef>
+        </p:style>
+      </p:cxnSp>
+      <p:sp>
+        <p:nvSpPr>
+          <p:cNvPr id="109" name="TextBox 108">
+            <a:extLst>
+              <a:ext uri="{FF2B5EF4-FFF2-40B4-BE49-F238E27FC236}">
+                <a16:creationId xmlns:a16="http://schemas.microsoft.com/office/drawing/2014/main" id="{3FC73260-39C4-3444-BD83-711F9B54E355}"/>
+              </a:ext>
+            </a:extLst>
+          </p:cNvPr>
+          <p:cNvSpPr txBox="1"/>
+          <p:nvPr/>
+        </p:nvSpPr>
+        <p:spPr>
+          <a:xfrm>
+            <a:off x="6288004" y="3365040"/>
+            <a:ext cx="1633271" cy="461665"/>
+          </a:xfrm>
+          <a:prstGeom prst="rect">
+            <a:avLst/>
+          </a:prstGeom>
+          <a:noFill/>
+        </p:spPr>
+        <p:txBody>
+          <a:bodyPr wrap="square" rtlCol="0">
+            <a:spAutoFit/>
+          </a:bodyPr>
+          <a:lstStyle/>
+          <a:p>
+            <a:r>
+              <a:rPr lang="en-US" sz="800" dirty="0"/>
+              <a:t>Here EventsCenter posts a ChangeImageEvent with the new image state (undone successful).</a:t>
+            </a:r>
+          </a:p>
+        </p:txBody>
+      </p:sp>
     </p:spTree>
     <p:extLst>
       <p:ext uri="{BB962C8B-B14F-4D97-AF65-F5344CB8AC3E}">

--- a/docs/diagrams/UndoRedoSequenceDiagram.pptx
+++ b/docs/diagrams/UndoRedoSequenceDiagram.pptx
@@ -208,7 +208,7 @@
           <a:p>
             <a:fld id="{F5CC4B3F-88C1-4FFA-B1B6-F41C21DC6924}" type="datetimeFigureOut">
               <a:rPr lang="en-US" smtClean="0"/>
-              <a:t>10/22/2018</a:t>
+              <a:t>11/1/18</a:t>
             </a:fld>
             <a:endParaRPr lang="en-US"/>
           </a:p>
@@ -654,7 +654,7 @@
           <a:p>
             <a:fld id="{78C97017-6FC3-485B-9764-EAC9E56C1D49}" type="datetimeFigureOut">
               <a:rPr lang="en-US" smtClean="0"/>
-              <a:t>10/22/2018</a:t>
+              <a:t>11/1/18</a:t>
             </a:fld>
             <a:endParaRPr lang="en-US"/>
           </a:p>
@@ -822,7 +822,7 @@
           <a:p>
             <a:fld id="{78C97017-6FC3-485B-9764-EAC9E56C1D49}" type="datetimeFigureOut">
               <a:rPr lang="en-US" smtClean="0"/>
-              <a:t>10/22/2018</a:t>
+              <a:t>11/1/18</a:t>
             </a:fld>
             <a:endParaRPr lang="en-US"/>
           </a:p>
@@ -1000,7 +1000,7 @@
           <a:p>
             <a:fld id="{78C97017-6FC3-485B-9764-EAC9E56C1D49}" type="datetimeFigureOut">
               <a:rPr lang="en-US" smtClean="0"/>
-              <a:t>10/22/2018</a:t>
+              <a:t>11/1/18</a:t>
             </a:fld>
             <a:endParaRPr lang="en-US"/>
           </a:p>
@@ -1168,7 +1168,7 @@
           <a:p>
             <a:fld id="{78C97017-6FC3-485B-9764-EAC9E56C1D49}" type="datetimeFigureOut">
               <a:rPr lang="en-US" smtClean="0"/>
-              <a:t>10/22/2018</a:t>
+              <a:t>11/1/18</a:t>
             </a:fld>
             <a:endParaRPr lang="en-US"/>
           </a:p>
@@ -1413,7 +1413,7 @@
           <a:p>
             <a:fld id="{78C97017-6FC3-485B-9764-EAC9E56C1D49}" type="datetimeFigureOut">
               <a:rPr lang="en-US" smtClean="0"/>
-              <a:t>10/22/2018</a:t>
+              <a:t>11/1/18</a:t>
             </a:fld>
             <a:endParaRPr lang="en-US"/>
           </a:p>
@@ -1698,7 +1698,7 @@
           <a:p>
             <a:fld id="{78C97017-6FC3-485B-9764-EAC9E56C1D49}" type="datetimeFigureOut">
               <a:rPr lang="en-US" smtClean="0"/>
-              <a:t>10/22/2018</a:t>
+              <a:t>11/1/18</a:t>
             </a:fld>
             <a:endParaRPr lang="en-US"/>
           </a:p>
@@ -2117,7 +2117,7 @@
           <a:p>
             <a:fld id="{78C97017-6FC3-485B-9764-EAC9E56C1D49}" type="datetimeFigureOut">
               <a:rPr lang="en-US" smtClean="0"/>
-              <a:t>10/22/2018</a:t>
+              <a:t>11/1/18</a:t>
             </a:fld>
             <a:endParaRPr lang="en-US"/>
           </a:p>
@@ -2234,7 +2234,7 @@
           <a:p>
             <a:fld id="{78C97017-6FC3-485B-9764-EAC9E56C1D49}" type="datetimeFigureOut">
               <a:rPr lang="en-US" smtClean="0"/>
-              <a:t>10/22/2018</a:t>
+              <a:t>11/1/18</a:t>
             </a:fld>
             <a:endParaRPr lang="en-US"/>
           </a:p>
@@ -2329,7 +2329,7 @@
           <a:p>
             <a:fld id="{78C97017-6FC3-485B-9764-EAC9E56C1D49}" type="datetimeFigureOut">
               <a:rPr lang="en-US" smtClean="0"/>
-              <a:t>10/22/2018</a:t>
+              <a:t>11/1/18</a:t>
             </a:fld>
             <a:endParaRPr lang="en-US"/>
           </a:p>
@@ -2604,7 +2604,7 @@
           <a:p>
             <a:fld id="{78C97017-6FC3-485B-9764-EAC9E56C1D49}" type="datetimeFigureOut">
               <a:rPr lang="en-US" smtClean="0"/>
-              <a:t>10/22/2018</a:t>
+              <a:t>11/1/18</a:t>
             </a:fld>
             <a:endParaRPr lang="en-US"/>
           </a:p>
@@ -2856,7 +2856,7 @@
           <a:p>
             <a:fld id="{78C97017-6FC3-485B-9764-EAC9E56C1D49}" type="datetimeFigureOut">
               <a:rPr lang="en-US" smtClean="0"/>
-              <a:t>10/22/2018</a:t>
+              <a:t>11/1/18</a:t>
             </a:fld>
             <a:endParaRPr lang="en-US"/>
           </a:p>
@@ -3067,7 +3067,7 @@
           <a:p>
             <a:fld id="{78C97017-6FC3-485B-9764-EAC9E56C1D49}" type="datetimeFigureOut">
               <a:rPr lang="en-US" smtClean="0"/>
-              <a:t>10/22/2018</a:t>
+              <a:t>11/1/18</a:t>
             </a:fld>
             <a:endParaRPr lang="en-US"/>
           </a:p>
@@ -3451,7 +3451,7 @@
         <p:spPr>
           <a:xfrm>
             <a:off x="6459374" y="118895"/>
-            <a:ext cx="3903825" cy="4400926"/>
+            <a:ext cx="4742026" cy="4400926"/>
           </a:xfrm>
           <a:prstGeom prst="roundRect">
             <a:avLst>
@@ -3511,7 +3511,7 @@
         </p:nvSpPr>
         <p:spPr>
           <a:xfrm>
-            <a:off x="467813" y="163018"/>
+            <a:off x="180913" y="181425"/>
             <a:ext cx="5863964" cy="4343400"/>
           </a:xfrm>
           <a:prstGeom prst="roundRect">
@@ -4027,7 +4027,23 @@
                   <a:srgbClr val="0070C0"/>
                 </a:solidFill>
               </a:rPr>
-              <a:t>execute(“undo”)</a:t>
+              <a:t>execute(“</a:t>
+            </a:r>
+            <a:r>
+              <a:rPr lang="en-US" altLang="zh-CN" sz="1400" dirty="0">
+                <a:solidFill>
+                  <a:srgbClr val="0070C0"/>
+                </a:solidFill>
+              </a:rPr>
+              <a:t>undo</a:t>
+            </a:r>
+            <a:r>
+              <a:rPr lang="en-US" sz="1400" dirty="0">
+                <a:solidFill>
+                  <a:srgbClr val="0070C0"/>
+                </a:solidFill>
+              </a:rPr>
+              <a:t>”)</a:t>
             </a:r>
           </a:p>
         </p:txBody>
@@ -4232,8 +4248,8 @@
         </p:nvSpPr>
         <p:spPr>
           <a:xfrm>
-            <a:off x="5526488" y="2731313"/>
-            <a:ext cx="161322" cy="1307285"/>
+            <a:off x="5523515" y="2717910"/>
+            <a:ext cx="164295" cy="1320687"/>
           </a:xfrm>
           <a:prstGeom prst="rect">
             <a:avLst/>
@@ -4279,7 +4295,7 @@
         </p:nvSpPr>
         <p:spPr>
           <a:xfrm>
-            <a:off x="5714083" y="2748246"/>
+            <a:off x="5710124" y="2730844"/>
             <a:ext cx="1448717" cy="184666"/>
           </a:xfrm>
           <a:prstGeom prst="rect">
@@ -4305,27 +4321,21 @@
           </a:lstStyle>
           <a:p>
             <a:r>
-              <a:rPr lang="en-US" sz="1200" dirty="0" err="1">
+              <a:rPr lang="en-US" altLang="zh-CN" sz="1200" dirty="0" err="1">
                 <a:solidFill>
                   <a:schemeClr val="accent4">
                     <a:lumMod val="75000"/>
                   </a:schemeClr>
                 </a:solidFill>
               </a:rPr>
-              <a:t>undo</a:t>
-            </a:r>
-            <a:r>
-              <a:rPr lang="en-US" sz="1200" dirty="0" err="1">
+              <a:t>undoSchedulePlanner</a:t>
+            </a:r>
+            <a:r>
+              <a:rPr lang="en-US" altLang="zh-CN" sz="1200" dirty="0">
                 <a:solidFill>
-                  <a:srgbClr val="7030A0"/>
-                </a:solidFill>
-              </a:rPr>
-              <a:t>SchedulePlanner</a:t>
-            </a:r>
-            <a:r>
-              <a:rPr lang="en-US" sz="1200" dirty="0">
-                <a:solidFill>
-                  <a:srgbClr val="7030A0"/>
+                  <a:schemeClr val="accent4">
+                    <a:lumMod val="75000"/>
+                  </a:schemeClr>
                 </a:solidFill>
               </a:rPr>
               <a:t>()</a:t>
@@ -4343,7 +4353,7 @@
         <p:spPr>
           <a:xfrm>
             <a:off x="1885189" y="1106150"/>
-            <a:ext cx="1899551" cy="215444"/>
+            <a:ext cx="2008781" cy="215444"/>
           </a:xfrm>
           <a:prstGeom prst="rect">
             <a:avLst/>
@@ -4373,7 +4383,15 @@
             </a:r>
             <a:r>
               <a:rPr lang="en-US" dirty="0"/>
-              <a:t>(“undo”)</a:t>
+              <a:t>(“</a:t>
+            </a:r>
+            <a:r>
+              <a:rPr lang="en-US" altLang="zh-CN" dirty="0"/>
+              <a:t>undo</a:t>
+            </a:r>
+            <a:r>
+              <a:rPr lang="en-US" dirty="0"/>
+              <a:t>”)</a:t>
             </a:r>
           </a:p>
         </p:txBody>
@@ -4606,9 +4624,10 @@
           </a:lstStyle>
           <a:p>
             <a:r>
-              <a:rPr lang="en-US" dirty="0"/>
+              <a:rPr lang="en-US" altLang="zh-CN" dirty="0"/>
               <a:t>u</a:t>
             </a:r>
+            <a:endParaRPr lang="en-US" dirty="0"/>
           </a:p>
         </p:txBody>
       </p:sp>
@@ -4620,7 +4639,7 @@
         </p:nvSpPr>
         <p:spPr>
           <a:xfrm>
-            <a:off x="6705600" y="2362200"/>
+            <a:off x="6732759" y="2353125"/>
             <a:ext cx="841636" cy="300180"/>
           </a:xfrm>
           <a:prstGeom prst="rect">
@@ -4768,7 +4787,7 @@
         <p:spPr>
           <a:xfrm>
             <a:off x="5685755" y="2975344"/>
-            <a:ext cx="1210345" cy="0"/>
+            <a:ext cx="1384349" cy="0"/>
           </a:xfrm>
           <a:prstGeom prst="straightConnector1">
             <a:avLst/>
@@ -4872,12 +4891,28 @@
           <a:p>
             <a:pPr algn="ctr"/>
             <a:r>
-              <a:rPr lang="en-US" sz="1600" dirty="0">
+              <a:rPr lang="en-US" altLang="zh-CN" sz="1600" dirty="0" err="1">
                 <a:solidFill>
                   <a:schemeClr val="bg1"/>
                 </a:solidFill>
               </a:rPr>
-              <a:t>u:Undo</a:t>
+              <a:t>u</a:t>
+            </a:r>
+            <a:r>
+              <a:rPr lang="en-US" sz="1600" dirty="0" err="1">
+                <a:solidFill>
+                  <a:schemeClr val="bg1"/>
+                </a:solidFill>
+              </a:rPr>
+              <a:t>:</a:t>
+            </a:r>
+            <a:r>
+              <a:rPr lang="en-US" altLang="zh-CN" sz="1600" dirty="0" err="1">
+                <a:solidFill>
+                  <a:schemeClr val="bg1"/>
+                </a:solidFill>
+              </a:rPr>
+              <a:t>Undo</a:t>
             </a:r>
             <a:br>
               <a:rPr lang="en-US" sz="1600" dirty="0">
@@ -5076,7 +5111,7 @@
           </a:lstStyle>
           <a:p>
             <a:r>
-              <a:rPr lang="en-US" sz="1200" dirty="0" err="1">
+              <a:rPr lang="en-US" altLang="zh-CN" sz="1200" dirty="0" err="1">
                 <a:solidFill>
                   <a:srgbClr val="7030A0"/>
                 </a:solidFill>
@@ -5164,8 +5199,8 @@
         </p:nvSpPr>
         <p:spPr>
           <a:xfrm>
-            <a:off x="7667691" y="2975344"/>
-            <a:ext cx="551687" cy="184666"/>
+            <a:off x="7066808" y="3000265"/>
+            <a:ext cx="1002846" cy="184666"/>
           </a:xfrm>
           <a:prstGeom prst="rect">
             <a:avLst/>
@@ -5193,7 +5228,15 @@
           </a:lstStyle>
           <a:p>
             <a:r>
-              <a:rPr lang="en-US" sz="1200" dirty="0">
+              <a:rPr lang="zh-CN" altLang="en-US" sz="1200" dirty="0">
+                <a:solidFill>
+                  <a:srgbClr val="7030A0"/>
+                </a:solidFill>
+              </a:rPr>
+              <a:t>  </a:t>
+            </a:r>
+            <a:r>
+              <a:rPr lang="en-US" altLang="zh-CN" sz="1200" dirty="0">
                 <a:solidFill>
                   <a:srgbClr val="7030A0"/>
                 </a:solidFill>

--- a/docs/diagrams/UndoRedoSequenceDiagram.pptx
+++ b/docs/diagrams/UndoRedoSequenceDiagram.pptx
@@ -208,7 +208,7 @@
           <a:p>
             <a:fld id="{F5CC4B3F-88C1-4FFA-B1B6-F41C21DC6924}" type="datetimeFigureOut">
               <a:rPr lang="en-US" smtClean="0"/>
-              <a:t>11/1/18</a:t>
+              <a:t>11/3/18</a:t>
             </a:fld>
             <a:endParaRPr lang="en-US"/>
           </a:p>
@@ -743,7 +743,7 @@
           <a:p>
             <a:fld id="{78C97017-6FC3-485B-9764-EAC9E56C1D49}" type="datetimeFigureOut">
               <a:rPr lang="en-US" smtClean="0"/>
-              <a:t>11/1/18</a:t>
+              <a:t>11/3/18</a:t>
             </a:fld>
             <a:endParaRPr lang="en-US"/>
           </a:p>
@@ -911,7 +911,7 @@
           <a:p>
             <a:fld id="{78C97017-6FC3-485B-9764-EAC9E56C1D49}" type="datetimeFigureOut">
               <a:rPr lang="en-US" smtClean="0"/>
-              <a:t>11/1/18</a:t>
+              <a:t>11/3/18</a:t>
             </a:fld>
             <a:endParaRPr lang="en-US"/>
           </a:p>
@@ -1089,7 +1089,7 @@
           <a:p>
             <a:fld id="{78C97017-6FC3-485B-9764-EAC9E56C1D49}" type="datetimeFigureOut">
               <a:rPr lang="en-US" smtClean="0"/>
-              <a:t>11/1/18</a:t>
+              <a:t>11/3/18</a:t>
             </a:fld>
             <a:endParaRPr lang="en-US"/>
           </a:p>
@@ -1257,7 +1257,7 @@
           <a:p>
             <a:fld id="{78C97017-6FC3-485B-9764-EAC9E56C1D49}" type="datetimeFigureOut">
               <a:rPr lang="en-US" smtClean="0"/>
-              <a:t>11/1/18</a:t>
+              <a:t>11/3/18</a:t>
             </a:fld>
             <a:endParaRPr lang="en-US"/>
           </a:p>
@@ -1502,7 +1502,7 @@
           <a:p>
             <a:fld id="{78C97017-6FC3-485B-9764-EAC9E56C1D49}" type="datetimeFigureOut">
               <a:rPr lang="en-US" smtClean="0"/>
-              <a:t>11/1/18</a:t>
+              <a:t>11/3/18</a:t>
             </a:fld>
             <a:endParaRPr lang="en-US"/>
           </a:p>
@@ -1787,7 +1787,7 @@
           <a:p>
             <a:fld id="{78C97017-6FC3-485B-9764-EAC9E56C1D49}" type="datetimeFigureOut">
               <a:rPr lang="en-US" smtClean="0"/>
-              <a:t>11/1/18</a:t>
+              <a:t>11/3/18</a:t>
             </a:fld>
             <a:endParaRPr lang="en-US"/>
           </a:p>
@@ -2206,7 +2206,7 @@
           <a:p>
             <a:fld id="{78C97017-6FC3-485B-9764-EAC9E56C1D49}" type="datetimeFigureOut">
               <a:rPr lang="en-US" smtClean="0"/>
-              <a:t>11/1/18</a:t>
+              <a:t>11/3/18</a:t>
             </a:fld>
             <a:endParaRPr lang="en-US"/>
           </a:p>
@@ -2323,7 +2323,7 @@
           <a:p>
             <a:fld id="{78C97017-6FC3-485B-9764-EAC9E56C1D49}" type="datetimeFigureOut">
               <a:rPr lang="en-US" smtClean="0"/>
-              <a:t>11/1/18</a:t>
+              <a:t>11/3/18</a:t>
             </a:fld>
             <a:endParaRPr lang="en-US"/>
           </a:p>
@@ -2418,7 +2418,7 @@
           <a:p>
             <a:fld id="{78C97017-6FC3-485B-9764-EAC9E56C1D49}" type="datetimeFigureOut">
               <a:rPr lang="en-US" smtClean="0"/>
-              <a:t>11/1/18</a:t>
+              <a:t>11/3/18</a:t>
             </a:fld>
             <a:endParaRPr lang="en-US"/>
           </a:p>
@@ -2693,7 +2693,7 @@
           <a:p>
             <a:fld id="{78C97017-6FC3-485B-9764-EAC9E56C1D49}" type="datetimeFigureOut">
               <a:rPr lang="en-US" smtClean="0"/>
-              <a:t>11/1/18</a:t>
+              <a:t>11/3/18</a:t>
             </a:fld>
             <a:endParaRPr lang="en-US"/>
           </a:p>
@@ -2945,7 +2945,7 @@
           <a:p>
             <a:fld id="{78C97017-6FC3-485B-9764-EAC9E56C1D49}" type="datetimeFigureOut">
               <a:rPr lang="en-US" smtClean="0"/>
-              <a:t>11/1/18</a:t>
+              <a:t>11/3/18</a:t>
             </a:fld>
             <a:endParaRPr lang="en-US"/>
           </a:p>
@@ -3156,7 +3156,7 @@
           <a:p>
             <a:fld id="{78C97017-6FC3-485B-9764-EAC9E56C1D49}" type="datetimeFigureOut">
               <a:rPr lang="en-US" smtClean="0"/>
-              <a:t>11/1/18</a:t>
+              <a:t>11/3/18</a:t>
             </a:fld>
             <a:endParaRPr lang="en-US"/>
           </a:p>
@@ -5863,7 +5863,7 @@
         </p:nvCxnSpPr>
         <p:spPr>
           <a:xfrm>
-            <a:off x="6121369" y="3250419"/>
+            <a:off x="4323605" y="3391586"/>
             <a:ext cx="355631" cy="139737"/>
           </a:xfrm>
           <a:prstGeom prst="straightConnector1">
@@ -5902,8 +5902,8 @@
         </p:nvSpPr>
         <p:spPr>
           <a:xfrm>
-            <a:off x="6288004" y="3365040"/>
-            <a:ext cx="1633271" cy="461665"/>
+            <a:off x="4490240" y="3506207"/>
+            <a:ext cx="2050136" cy="461665"/>
           </a:xfrm>
           <a:prstGeom prst="rect">
             <a:avLst/>
@@ -5918,7 +5918,7 @@
           <a:p>
             <a:r>
               <a:rPr lang="en-US" sz="800" dirty="0"/>
-              <a:t>Here EventsCenter posts a ChangeImageEvent with the new image state (undone successful).</a:t>
+              <a:t>Here, a ChangeImageEvent is posted to the EventsCenter with the new image state (undo successful).</a:t>
             </a:r>
           </a:p>
         </p:txBody>

--- a/docs/diagrams/UndoRedoSequenceDiagram.pptx
+++ b/docs/diagrams/UndoRedoSequenceDiagram.pptx
@@ -126,10 +126,6 @@
 </p:presentation>
 </file>
 
-<file path=ppt/revisionInfo.xml><?xml version="1.0" encoding="utf-8"?>
-<p1510:revInfo xmlns:a="http://schemas.openxmlformats.org/drawingml/2006/main" xmlns:r="http://schemas.openxmlformats.org/officeDocument/2006/relationships" xmlns:p1510="http://schemas.microsoft.com/office/powerpoint/2015/10/main"/>
-</file>
-
 <file path=ppt/notesMasters/notesMaster1.xml><?xml version="1.0" encoding="utf-8"?>
 <p:notesMaster xmlns:a="http://schemas.openxmlformats.org/drawingml/2006/main" xmlns:r="http://schemas.openxmlformats.org/officeDocument/2006/relationships" xmlns:p="http://schemas.openxmlformats.org/presentationml/2006/main">
   <p:cSld>
@@ -212,7 +208,7 @@
           <a:p>
             <a:fld id="{F5CC4B3F-88C1-4FFA-B1B6-F41C21DC6924}" type="datetimeFigureOut">
               <a:rPr lang="en-US" smtClean="0"/>
-              <a:t>7/6/2018</a:t>
+              <a:t>11/6/2018</a:t>
             </a:fld>
             <a:endParaRPr lang="en-US"/>
           </a:p>
@@ -658,7 +654,7 @@
           <a:p>
             <a:fld id="{78C97017-6FC3-485B-9764-EAC9E56C1D49}" type="datetimeFigureOut">
               <a:rPr lang="en-US" smtClean="0"/>
-              <a:t>7/6/2018</a:t>
+              <a:t>11/6/2018</a:t>
             </a:fld>
             <a:endParaRPr lang="en-US"/>
           </a:p>
@@ -826,7 +822,7 @@
           <a:p>
             <a:fld id="{78C97017-6FC3-485B-9764-EAC9E56C1D49}" type="datetimeFigureOut">
               <a:rPr lang="en-US" smtClean="0"/>
-              <a:t>7/6/2018</a:t>
+              <a:t>11/6/2018</a:t>
             </a:fld>
             <a:endParaRPr lang="en-US"/>
           </a:p>
@@ -1004,7 +1000,7 @@
           <a:p>
             <a:fld id="{78C97017-6FC3-485B-9764-EAC9E56C1D49}" type="datetimeFigureOut">
               <a:rPr lang="en-US" smtClean="0"/>
-              <a:t>7/6/2018</a:t>
+              <a:t>11/6/2018</a:t>
             </a:fld>
             <a:endParaRPr lang="en-US"/>
           </a:p>
@@ -1172,7 +1168,7 @@
           <a:p>
             <a:fld id="{78C97017-6FC3-485B-9764-EAC9E56C1D49}" type="datetimeFigureOut">
               <a:rPr lang="en-US" smtClean="0"/>
-              <a:t>7/6/2018</a:t>
+              <a:t>11/6/2018</a:t>
             </a:fld>
             <a:endParaRPr lang="en-US"/>
           </a:p>
@@ -1417,7 +1413,7 @@
           <a:p>
             <a:fld id="{78C97017-6FC3-485B-9764-EAC9E56C1D49}" type="datetimeFigureOut">
               <a:rPr lang="en-US" smtClean="0"/>
-              <a:t>7/6/2018</a:t>
+              <a:t>11/6/2018</a:t>
             </a:fld>
             <a:endParaRPr lang="en-US"/>
           </a:p>
@@ -1702,7 +1698,7 @@
           <a:p>
             <a:fld id="{78C97017-6FC3-485B-9764-EAC9E56C1D49}" type="datetimeFigureOut">
               <a:rPr lang="en-US" smtClean="0"/>
-              <a:t>7/6/2018</a:t>
+              <a:t>11/6/2018</a:t>
             </a:fld>
             <a:endParaRPr lang="en-US"/>
           </a:p>
@@ -2121,7 +2117,7 @@
           <a:p>
             <a:fld id="{78C97017-6FC3-485B-9764-EAC9E56C1D49}" type="datetimeFigureOut">
               <a:rPr lang="en-US" smtClean="0"/>
-              <a:t>7/6/2018</a:t>
+              <a:t>11/6/2018</a:t>
             </a:fld>
             <a:endParaRPr lang="en-US"/>
           </a:p>
@@ -2238,7 +2234,7 @@
           <a:p>
             <a:fld id="{78C97017-6FC3-485B-9764-EAC9E56C1D49}" type="datetimeFigureOut">
               <a:rPr lang="en-US" smtClean="0"/>
-              <a:t>7/6/2018</a:t>
+              <a:t>11/6/2018</a:t>
             </a:fld>
             <a:endParaRPr lang="en-US"/>
           </a:p>
@@ -2333,7 +2329,7 @@
           <a:p>
             <a:fld id="{78C97017-6FC3-485B-9764-EAC9E56C1D49}" type="datetimeFigureOut">
               <a:rPr lang="en-US" smtClean="0"/>
-              <a:t>7/6/2018</a:t>
+              <a:t>11/6/2018</a:t>
             </a:fld>
             <a:endParaRPr lang="en-US"/>
           </a:p>
@@ -2608,7 +2604,7 @@
           <a:p>
             <a:fld id="{78C97017-6FC3-485B-9764-EAC9E56C1D49}" type="datetimeFigureOut">
               <a:rPr lang="en-US" smtClean="0"/>
-              <a:t>7/6/2018</a:t>
+              <a:t>11/6/2018</a:t>
             </a:fld>
             <a:endParaRPr lang="en-US"/>
           </a:p>
@@ -2860,7 +2856,7 @@
           <a:p>
             <a:fld id="{78C97017-6FC3-485B-9764-EAC9E56C1D49}" type="datetimeFigureOut">
               <a:rPr lang="en-US" smtClean="0"/>
-              <a:t>7/6/2018</a:t>
+              <a:t>11/6/2018</a:t>
             </a:fld>
             <a:endParaRPr lang="en-US"/>
           </a:p>
@@ -3071,7 +3067,7 @@
           <a:p>
             <a:fld id="{78C97017-6FC3-485B-9764-EAC9E56C1D49}" type="datetimeFigureOut">
               <a:rPr lang="en-US" smtClean="0"/>
-              <a:t>7/6/2018</a:t>
+              <a:t>11/6/2018</a:t>
             </a:fld>
             <a:endParaRPr lang="en-US"/>
           </a:p>
@@ -3770,18 +3766,31 @@
                   <a:schemeClr val="bg1"/>
                 </a:solidFill>
               </a:rPr>
-              <a:t>:Address</a:t>
-            </a:r>
-          </a:p>
-          <a:p>
-            <a:pPr algn="ctr"/>
+              <a:t>:</a:t>
+            </a:r>
             <a:r>
               <a:rPr lang="en-US" sz="1600" dirty="0" err="1">
                 <a:solidFill>
                   <a:schemeClr val="bg1"/>
                 </a:solidFill>
               </a:rPr>
-              <a:t>BookParser</a:t>
+              <a:t>ArticleList</a:t>
+            </a:r>
+            <a:endParaRPr lang="en-US" sz="1600" dirty="0">
+              <a:solidFill>
+                <a:schemeClr val="bg1"/>
+              </a:solidFill>
+            </a:endParaRPr>
+          </a:p>
+          <a:p>
+            <a:pPr algn="ctr"/>
+            <a:r>
+              <a:rPr lang="en-US" sz="1600" dirty="0">
+                <a:solidFill>
+                  <a:schemeClr val="bg1"/>
+                </a:solidFill>
+              </a:rPr>
+              <a:t>Parser</a:t>
             </a:r>
             <a:endParaRPr lang="en-SG" sz="1600" dirty="0">
               <a:solidFill>
@@ -4286,7 +4295,7 @@
         </p:nvSpPr>
         <p:spPr>
           <a:xfrm>
-            <a:off x="5651548" y="2748246"/>
+            <a:off x="5556849" y="2738475"/>
             <a:ext cx="1298078" cy="184666"/>
           </a:xfrm>
           <a:prstGeom prst="rect">
@@ -4327,7 +4336,7 @@
                   <a:srgbClr val="7030A0"/>
                 </a:solidFill>
               </a:rPr>
-              <a:t>AddressBook</a:t>
+              <a:t>ArticleList</a:t>
             </a:r>
             <a:r>
               <a:rPr lang="en-US" sz="1200" dirty="0">
@@ -4522,7 +4531,7 @@
                   <a:schemeClr val="bg1"/>
                 </a:solidFill>
               </a:rPr>
-              <a:t>VersionedAddressBook</a:t>
+              <a:t>VersionedArticleList</a:t>
             </a:r>
             <a:endParaRPr lang="en-SG" sz="1600" dirty="0">
               <a:solidFill>
@@ -5057,7 +5066,7 @@
         </p:nvSpPr>
         <p:spPr>
           <a:xfrm>
-            <a:off x="8769530" y="3267337"/>
+            <a:off x="8606566" y="3272513"/>
             <a:ext cx="2120786" cy="184666"/>
           </a:xfrm>
           <a:prstGeom prst="rect">
@@ -5104,7 +5113,7 @@
                   <a:srgbClr val="7030A0"/>
                 </a:solidFill>
               </a:rPr>
-              <a:t>ReadOnlyAddressBook</a:t>
+              <a:t>ReadOnlyArticleList</a:t>
             </a:r>
             <a:r>
               <a:rPr lang="en-US" sz="1200" dirty="0">

--- a/docs/diagrams/UndoRedoSequenceDiagram.pptx
+++ b/docs/diagrams/UndoRedoSequenceDiagram.pptx
@@ -126,10 +126,6 @@
 </p:presentation>
 </file>
 
-<file path=ppt/revisionInfo.xml><?xml version="1.0" encoding="utf-8"?>
-<p1510:revInfo xmlns:a="http://schemas.openxmlformats.org/drawingml/2006/main" xmlns:r="http://schemas.openxmlformats.org/officeDocument/2006/relationships" xmlns:p1510="http://schemas.microsoft.com/office/powerpoint/2015/10/main"/>
-</file>
-
 <file path=ppt/notesMasters/notesMaster1.xml><?xml version="1.0" encoding="utf-8"?>
 <p:notesMaster xmlns:a="http://schemas.openxmlformats.org/drawingml/2006/main" xmlns:r="http://schemas.openxmlformats.org/officeDocument/2006/relationships" xmlns:p="http://schemas.openxmlformats.org/presentationml/2006/main">
   <p:cSld>
@@ -212,7 +208,7 @@
           <a:p>
             <a:fld id="{F5CC4B3F-88C1-4FFA-B1B6-F41C21DC6924}" type="datetimeFigureOut">
               <a:rPr lang="en-US" smtClean="0"/>
-              <a:t>7/6/2018</a:t>
+              <a:t>11/9/2018</a:t>
             </a:fld>
             <a:endParaRPr lang="en-US"/>
           </a:p>
@@ -658,7 +654,7 @@
           <a:p>
             <a:fld id="{78C97017-6FC3-485B-9764-EAC9E56C1D49}" type="datetimeFigureOut">
               <a:rPr lang="en-US" smtClean="0"/>
-              <a:t>7/6/2018</a:t>
+              <a:t>11/9/2018</a:t>
             </a:fld>
             <a:endParaRPr lang="en-US"/>
           </a:p>
@@ -826,7 +822,7 @@
           <a:p>
             <a:fld id="{78C97017-6FC3-485B-9764-EAC9E56C1D49}" type="datetimeFigureOut">
               <a:rPr lang="en-US" smtClean="0"/>
-              <a:t>7/6/2018</a:t>
+              <a:t>11/9/2018</a:t>
             </a:fld>
             <a:endParaRPr lang="en-US"/>
           </a:p>
@@ -1004,7 +1000,7 @@
           <a:p>
             <a:fld id="{78C97017-6FC3-485B-9764-EAC9E56C1D49}" type="datetimeFigureOut">
               <a:rPr lang="en-US" smtClean="0"/>
-              <a:t>7/6/2018</a:t>
+              <a:t>11/9/2018</a:t>
             </a:fld>
             <a:endParaRPr lang="en-US"/>
           </a:p>
@@ -1172,7 +1168,7 @@
           <a:p>
             <a:fld id="{78C97017-6FC3-485B-9764-EAC9E56C1D49}" type="datetimeFigureOut">
               <a:rPr lang="en-US" smtClean="0"/>
-              <a:t>7/6/2018</a:t>
+              <a:t>11/9/2018</a:t>
             </a:fld>
             <a:endParaRPr lang="en-US"/>
           </a:p>
@@ -1417,7 +1413,7 @@
           <a:p>
             <a:fld id="{78C97017-6FC3-485B-9764-EAC9E56C1D49}" type="datetimeFigureOut">
               <a:rPr lang="en-US" smtClean="0"/>
-              <a:t>7/6/2018</a:t>
+              <a:t>11/9/2018</a:t>
             </a:fld>
             <a:endParaRPr lang="en-US"/>
           </a:p>
@@ -1702,7 +1698,7 @@
           <a:p>
             <a:fld id="{78C97017-6FC3-485B-9764-EAC9E56C1D49}" type="datetimeFigureOut">
               <a:rPr lang="en-US" smtClean="0"/>
-              <a:t>7/6/2018</a:t>
+              <a:t>11/9/2018</a:t>
             </a:fld>
             <a:endParaRPr lang="en-US"/>
           </a:p>
@@ -2121,7 +2117,7 @@
           <a:p>
             <a:fld id="{78C97017-6FC3-485B-9764-EAC9E56C1D49}" type="datetimeFigureOut">
               <a:rPr lang="en-US" smtClean="0"/>
-              <a:t>7/6/2018</a:t>
+              <a:t>11/9/2018</a:t>
             </a:fld>
             <a:endParaRPr lang="en-US"/>
           </a:p>
@@ -2238,7 +2234,7 @@
           <a:p>
             <a:fld id="{78C97017-6FC3-485B-9764-EAC9E56C1D49}" type="datetimeFigureOut">
               <a:rPr lang="en-US" smtClean="0"/>
-              <a:t>7/6/2018</a:t>
+              <a:t>11/9/2018</a:t>
             </a:fld>
             <a:endParaRPr lang="en-US"/>
           </a:p>
@@ -2333,7 +2329,7 @@
           <a:p>
             <a:fld id="{78C97017-6FC3-485B-9764-EAC9E56C1D49}" type="datetimeFigureOut">
               <a:rPr lang="en-US" smtClean="0"/>
-              <a:t>7/6/2018</a:t>
+              <a:t>11/9/2018</a:t>
             </a:fld>
             <a:endParaRPr lang="en-US"/>
           </a:p>
@@ -2608,7 +2604,7 @@
           <a:p>
             <a:fld id="{78C97017-6FC3-485B-9764-EAC9E56C1D49}" type="datetimeFigureOut">
               <a:rPr lang="en-US" smtClean="0"/>
-              <a:t>7/6/2018</a:t>
+              <a:t>11/9/2018</a:t>
             </a:fld>
             <a:endParaRPr lang="en-US"/>
           </a:p>
@@ -2860,7 +2856,7 @@
           <a:p>
             <a:fld id="{78C97017-6FC3-485B-9764-EAC9E56C1D49}" type="datetimeFigureOut">
               <a:rPr lang="en-US" smtClean="0"/>
-              <a:t>7/6/2018</a:t>
+              <a:t>11/9/2018</a:t>
             </a:fld>
             <a:endParaRPr lang="en-US"/>
           </a:p>
@@ -3071,7 +3067,7 @@
           <a:p>
             <a:fld id="{78C97017-6FC3-485B-9764-EAC9E56C1D49}" type="datetimeFigureOut">
               <a:rPr lang="en-US" smtClean="0"/>
-              <a:t>7/6/2018</a:t>
+              <a:t>11/9/2018</a:t>
             </a:fld>
             <a:endParaRPr lang="en-US"/>
           </a:p>
@@ -3455,7 +3451,7 @@
         <p:spPr>
           <a:xfrm>
             <a:off x="6459374" y="118895"/>
-            <a:ext cx="3903825" cy="4400926"/>
+            <a:ext cx="4877470" cy="4400926"/>
           </a:xfrm>
           <a:prstGeom prst="roundRect">
             <a:avLst>
@@ -3770,7 +3766,7 @@
                   <a:schemeClr val="bg1"/>
                 </a:solidFill>
               </a:rPr>
-              <a:t>:Address</a:t>
+              <a:t>:Restaurant</a:t>
             </a:r>
           </a:p>
           <a:p>
@@ -4286,8 +4282,8 @@
         </p:nvSpPr>
         <p:spPr>
           <a:xfrm>
-            <a:off x="5651548" y="2748246"/>
-            <a:ext cx="1298078" cy="184666"/>
+            <a:off x="5682473" y="2747039"/>
+            <a:ext cx="1435902" cy="184666"/>
           </a:xfrm>
           <a:prstGeom prst="rect">
             <a:avLst/>
@@ -4327,7 +4323,7 @@
                   <a:srgbClr val="7030A0"/>
                 </a:solidFill>
               </a:rPr>
-              <a:t>AddressBook</a:t>
+              <a:t>RestaurantBook</a:t>
             </a:r>
             <a:r>
               <a:rPr lang="en-US" sz="1200" dirty="0">
@@ -4473,8 +4469,8 @@
         </p:nvSpPr>
         <p:spPr>
           <a:xfrm>
-            <a:off x="7497155" y="2568606"/>
-            <a:ext cx="2181777" cy="335427"/>
+            <a:off x="7655839" y="2568606"/>
+            <a:ext cx="2402561" cy="335427"/>
           </a:xfrm>
           <a:prstGeom prst="rect">
             <a:avLst/>
@@ -4522,7 +4518,7 @@
                   <a:schemeClr val="bg1"/>
                 </a:solidFill>
               </a:rPr>
-              <a:t>VersionedAddressBook</a:t>
+              <a:t>VersionedRestaurantBook</a:t>
             </a:r>
             <a:endParaRPr lang="en-SG" sz="1600" dirty="0">
               <a:solidFill>
@@ -4540,7 +4536,7 @@
         </p:nvSpPr>
         <p:spPr>
           <a:xfrm>
-            <a:off x="8514207" y="3182840"/>
+            <a:off x="8672891" y="3182840"/>
             <a:ext cx="129933" cy="398562"/>
           </a:xfrm>
           <a:prstGeom prst="rect">
@@ -4627,7 +4623,7 @@
         </p:nvSpPr>
         <p:spPr>
           <a:xfrm>
-            <a:off x="6549765" y="2362200"/>
+            <a:off x="6708449" y="2362200"/>
             <a:ext cx="841636" cy="300180"/>
           </a:xfrm>
           <a:prstGeom prst="rect">
@@ -4688,7 +4684,7 @@
         </p:nvCxnSpPr>
         <p:spPr>
           <a:xfrm flipH="1">
-            <a:off x="6986491" y="2653306"/>
+            <a:off x="7145175" y="2653306"/>
             <a:ext cx="3959" cy="1735710"/>
           </a:xfrm>
           <a:prstGeom prst="line">
@@ -4725,7 +4721,7 @@
         </p:nvSpPr>
         <p:spPr>
           <a:xfrm>
-            <a:off x="6887527" y="2958106"/>
+            <a:off x="7046211" y="2958106"/>
             <a:ext cx="168896" cy="775693"/>
           </a:xfrm>
           <a:prstGeom prst="rect">
@@ -4775,7 +4771,7 @@
         <p:spPr>
           <a:xfrm>
             <a:off x="5685755" y="2975344"/>
-            <a:ext cx="1210345" cy="0"/>
+            <a:ext cx="1360456" cy="0"/>
           </a:xfrm>
           <a:prstGeom prst="straightConnector1">
             <a:avLst/>
@@ -5057,8 +5053,8 @@
         </p:nvSpPr>
         <p:spPr>
           <a:xfrm>
-            <a:off x="8769530" y="3267337"/>
-            <a:ext cx="2120786" cy="184666"/>
+            <a:off x="8928214" y="3267337"/>
+            <a:ext cx="2331390" cy="184666"/>
           </a:xfrm>
           <a:prstGeom prst="rect">
             <a:avLst/>
@@ -5104,7 +5100,7 @@
                   <a:srgbClr val="7030A0"/>
                 </a:solidFill>
               </a:rPr>
-              <a:t>ReadOnlyAddressBook</a:t>
+              <a:t>ReadOnlyRestaurantBook</a:t>
             </a:r>
             <a:r>
               <a:rPr lang="en-US" sz="1200" dirty="0">
@@ -5134,7 +5130,7 @@
         </p:nvCxnSpPr>
         <p:spPr>
           <a:xfrm>
-            <a:off x="8588043" y="2871355"/>
+            <a:off x="8746727" y="2871355"/>
             <a:ext cx="17996" cy="1467648"/>
           </a:xfrm>
           <a:prstGeom prst="line">
@@ -5171,7 +5167,7 @@
         </p:nvSpPr>
         <p:spPr>
           <a:xfrm>
-            <a:off x="7667691" y="2975344"/>
+            <a:off x="7826375" y="2975344"/>
             <a:ext cx="551687" cy="184666"/>
           </a:xfrm>
           <a:prstGeom prst="rect">
@@ -5228,7 +5224,7 @@
         </p:nvCxnSpPr>
         <p:spPr>
           <a:xfrm rot="16200000" flipH="1">
-            <a:off x="8527578" y="3220579"/>
+            <a:off x="8686262" y="3220579"/>
             <a:ext cx="156923" cy="76200"/>
           </a:xfrm>
           <a:prstGeom prst="curvedConnector4">
@@ -5269,7 +5265,7 @@
         </p:nvCxnSpPr>
         <p:spPr>
           <a:xfrm>
-            <a:off x="7043991" y="3182839"/>
+            <a:off x="7202675" y="3182839"/>
             <a:ext cx="1470216" cy="0"/>
           </a:xfrm>
           <a:prstGeom prst="straightConnector1">
@@ -5313,7 +5309,7 @@
         </p:nvCxnSpPr>
         <p:spPr>
           <a:xfrm flipV="1">
-            <a:off x="7043991" y="3564914"/>
+            <a:off x="7202675" y="3564914"/>
             <a:ext cx="1470216" cy="6325"/>
           </a:xfrm>
           <a:prstGeom prst="straightConnector1">
@@ -5360,8 +5356,8 @@
         </p:nvCxnSpPr>
         <p:spPr>
           <a:xfrm>
-            <a:off x="5675919" y="3733799"/>
-            <a:ext cx="1296056" cy="0"/>
+            <a:off x="5685755" y="3733799"/>
+            <a:ext cx="1444904" cy="0"/>
           </a:xfrm>
           <a:prstGeom prst="straightConnector1">
             <a:avLst/>

--- a/docs/diagrams/UndoRedoSequenceDiagram.pptx
+++ b/docs/diagrams/UndoRedoSequenceDiagram.pptx
@@ -126,10 +126,6 @@
 </p:presentation>
 </file>
 
-<file path=ppt/revisionInfo.xml><?xml version="1.0" encoding="utf-8"?>
-<p1510:revInfo xmlns:a="http://schemas.openxmlformats.org/drawingml/2006/main" xmlns:r="http://schemas.openxmlformats.org/officeDocument/2006/relationships" xmlns:p1510="http://schemas.microsoft.com/office/powerpoint/2015/10/main"/>
-</file>
-
 <file path=ppt/notesMasters/notesMaster1.xml><?xml version="1.0" encoding="utf-8"?>
 <p:notesMaster xmlns:a="http://schemas.openxmlformats.org/drawingml/2006/main" xmlns:r="http://schemas.openxmlformats.org/officeDocument/2006/relationships" xmlns:p="http://schemas.openxmlformats.org/presentationml/2006/main">
   <p:cSld>
@@ -212,7 +208,7 @@
           <a:p>
             <a:fld id="{F5CC4B3F-88C1-4FFA-B1B6-F41C21DC6924}" type="datetimeFigureOut">
               <a:rPr lang="en-US" smtClean="0"/>
-              <a:t>7/6/2018</a:t>
+              <a:t>10-Nov-18</a:t>
             </a:fld>
             <a:endParaRPr lang="en-US"/>
           </a:p>
@@ -658,7 +654,7 @@
           <a:p>
             <a:fld id="{78C97017-6FC3-485B-9764-EAC9E56C1D49}" type="datetimeFigureOut">
               <a:rPr lang="en-US" smtClean="0"/>
-              <a:t>7/6/2018</a:t>
+              <a:t>10-Nov-18</a:t>
             </a:fld>
             <a:endParaRPr lang="en-US"/>
           </a:p>
@@ -826,7 +822,7 @@
           <a:p>
             <a:fld id="{78C97017-6FC3-485B-9764-EAC9E56C1D49}" type="datetimeFigureOut">
               <a:rPr lang="en-US" smtClean="0"/>
-              <a:t>7/6/2018</a:t>
+              <a:t>10-Nov-18</a:t>
             </a:fld>
             <a:endParaRPr lang="en-US"/>
           </a:p>
@@ -1004,7 +1000,7 @@
           <a:p>
             <a:fld id="{78C97017-6FC3-485B-9764-EAC9E56C1D49}" type="datetimeFigureOut">
               <a:rPr lang="en-US" smtClean="0"/>
-              <a:t>7/6/2018</a:t>
+              <a:t>10-Nov-18</a:t>
             </a:fld>
             <a:endParaRPr lang="en-US"/>
           </a:p>
@@ -1172,7 +1168,7 @@
           <a:p>
             <a:fld id="{78C97017-6FC3-485B-9764-EAC9E56C1D49}" type="datetimeFigureOut">
               <a:rPr lang="en-US" smtClean="0"/>
-              <a:t>7/6/2018</a:t>
+              <a:t>10-Nov-18</a:t>
             </a:fld>
             <a:endParaRPr lang="en-US"/>
           </a:p>
@@ -1417,7 +1413,7 @@
           <a:p>
             <a:fld id="{78C97017-6FC3-485B-9764-EAC9E56C1D49}" type="datetimeFigureOut">
               <a:rPr lang="en-US" smtClean="0"/>
-              <a:t>7/6/2018</a:t>
+              <a:t>10-Nov-18</a:t>
             </a:fld>
             <a:endParaRPr lang="en-US"/>
           </a:p>
@@ -1702,7 +1698,7 @@
           <a:p>
             <a:fld id="{78C97017-6FC3-485B-9764-EAC9E56C1D49}" type="datetimeFigureOut">
               <a:rPr lang="en-US" smtClean="0"/>
-              <a:t>7/6/2018</a:t>
+              <a:t>10-Nov-18</a:t>
             </a:fld>
             <a:endParaRPr lang="en-US"/>
           </a:p>
@@ -2121,7 +2117,7 @@
           <a:p>
             <a:fld id="{78C97017-6FC3-485B-9764-EAC9E56C1D49}" type="datetimeFigureOut">
               <a:rPr lang="en-US" smtClean="0"/>
-              <a:t>7/6/2018</a:t>
+              <a:t>10-Nov-18</a:t>
             </a:fld>
             <a:endParaRPr lang="en-US"/>
           </a:p>
@@ -2238,7 +2234,7 @@
           <a:p>
             <a:fld id="{78C97017-6FC3-485B-9764-EAC9E56C1D49}" type="datetimeFigureOut">
               <a:rPr lang="en-US" smtClean="0"/>
-              <a:t>7/6/2018</a:t>
+              <a:t>10-Nov-18</a:t>
             </a:fld>
             <a:endParaRPr lang="en-US"/>
           </a:p>
@@ -2333,7 +2329,7 @@
           <a:p>
             <a:fld id="{78C97017-6FC3-485B-9764-EAC9E56C1D49}" type="datetimeFigureOut">
               <a:rPr lang="en-US" smtClean="0"/>
-              <a:t>7/6/2018</a:t>
+              <a:t>10-Nov-18</a:t>
             </a:fld>
             <a:endParaRPr lang="en-US"/>
           </a:p>
@@ -2608,7 +2604,7 @@
           <a:p>
             <a:fld id="{78C97017-6FC3-485B-9764-EAC9E56C1D49}" type="datetimeFigureOut">
               <a:rPr lang="en-US" smtClean="0"/>
-              <a:t>7/6/2018</a:t>
+              <a:t>10-Nov-18</a:t>
             </a:fld>
             <a:endParaRPr lang="en-US"/>
           </a:p>
@@ -2860,7 +2856,7 @@
           <a:p>
             <a:fld id="{78C97017-6FC3-485B-9764-EAC9E56C1D49}" type="datetimeFigureOut">
               <a:rPr lang="en-US" smtClean="0"/>
-              <a:t>7/6/2018</a:t>
+              <a:t>10-Nov-18</a:t>
             </a:fld>
             <a:endParaRPr lang="en-US"/>
           </a:p>
@@ -3071,7 +3067,7 @@
           <a:p>
             <a:fld id="{78C97017-6FC3-485B-9764-EAC9E56C1D49}" type="datetimeFigureOut">
               <a:rPr lang="en-US" smtClean="0"/>
-              <a:t>7/6/2018</a:t>
+              <a:t>10-Nov-18</a:t>
             </a:fld>
             <a:endParaRPr lang="en-US"/>
           </a:p>
@@ -3730,7 +3726,7 @@
         <p:spPr>
           <a:xfrm>
             <a:off x="3437188" y="423022"/>
-            <a:ext cx="1219200" cy="467684"/>
+            <a:ext cx="1134806" cy="467684"/>
           </a:xfrm>
           <a:prstGeom prst="rect">
             <a:avLst/>
@@ -3770,18 +3766,15 @@
                   <a:schemeClr val="bg1"/>
                 </a:solidFill>
               </a:rPr>
-              <a:t>:Address</a:t>
-            </a:r>
-          </a:p>
-          <a:p>
-            <a:pPr algn="ctr"/>
+              <a:t>:</a:t>
+            </a:r>
             <a:r>
               <a:rPr lang="en-US" sz="1600" dirty="0" err="1">
                 <a:solidFill>
                   <a:schemeClr val="bg1"/>
                 </a:solidFill>
               </a:rPr>
-              <a:t>BookParser</a:t>
+              <a:t>SchedulerParser</a:t>
             </a:r>
             <a:endParaRPr lang="en-SG" sz="1600" dirty="0">
               <a:solidFill>
@@ -4319,15 +4312,7 @@
                   </a:schemeClr>
                 </a:solidFill>
               </a:rPr>
-              <a:t>undo</a:t>
-            </a:r>
-            <a:r>
-              <a:rPr lang="en-US" sz="1200" dirty="0" err="1">
-                <a:solidFill>
-                  <a:srgbClr val="7030A0"/>
-                </a:solidFill>
-              </a:rPr>
-              <a:t>AddressBook</a:t>
+              <a:t>undoScheduler</a:t>
             </a:r>
             <a:r>
               <a:rPr lang="en-US" sz="1200" dirty="0">
@@ -4522,7 +4507,7 @@
                   <a:schemeClr val="bg1"/>
                 </a:solidFill>
               </a:rPr>
-              <a:t>VersionedAddressBook</a:t>
+              <a:t>VersionedScheduler</a:t>
             </a:r>
             <a:endParaRPr lang="en-SG" sz="1600" dirty="0">
               <a:solidFill>
@@ -5082,6 +5067,7 @@
             </a:lvl1pPr>
           </a:lstStyle>
           <a:p>
+            <a:pPr algn="l"/>
             <a:r>
               <a:rPr lang="en-US" sz="1200" dirty="0" err="1">
                 <a:solidFill>
@@ -5104,7 +5090,7 @@
                   <a:srgbClr val="7030A0"/>
                 </a:solidFill>
               </a:rPr>
-              <a:t>ReadOnlyAddressBook</a:t>
+              <a:t>ReadOnlyScheduler</a:t>
             </a:r>
             <a:r>
               <a:rPr lang="en-US" sz="1200" dirty="0">

--- a/docs/diagrams/UndoRedoSequenceDiagram.pptx
+++ b/docs/diagrams/UndoRedoSequenceDiagram.pptx
@@ -208,7 +208,7 @@
           <a:p>
             <a:fld id="{F5CC4B3F-88C1-4FFA-B1B6-F41C21DC6924}" type="datetimeFigureOut">
               <a:rPr lang="en-US" smtClean="0"/>
-              <a:t>11/3/18</a:t>
+              <a:t>11/10/18</a:t>
             </a:fld>
             <a:endParaRPr lang="en-US"/>
           </a:p>
@@ -743,7 +743,7 @@
           <a:p>
             <a:fld id="{78C97017-6FC3-485B-9764-EAC9E56C1D49}" type="datetimeFigureOut">
               <a:rPr lang="en-US" smtClean="0"/>
-              <a:t>11/3/18</a:t>
+              <a:t>11/10/18</a:t>
             </a:fld>
             <a:endParaRPr lang="en-US"/>
           </a:p>
@@ -911,7 +911,7 @@
           <a:p>
             <a:fld id="{78C97017-6FC3-485B-9764-EAC9E56C1D49}" type="datetimeFigureOut">
               <a:rPr lang="en-US" smtClean="0"/>
-              <a:t>11/3/18</a:t>
+              <a:t>11/10/18</a:t>
             </a:fld>
             <a:endParaRPr lang="en-US"/>
           </a:p>
@@ -1089,7 +1089,7 @@
           <a:p>
             <a:fld id="{78C97017-6FC3-485B-9764-EAC9E56C1D49}" type="datetimeFigureOut">
               <a:rPr lang="en-US" smtClean="0"/>
-              <a:t>11/3/18</a:t>
+              <a:t>11/10/18</a:t>
             </a:fld>
             <a:endParaRPr lang="en-US"/>
           </a:p>
@@ -1257,7 +1257,7 @@
           <a:p>
             <a:fld id="{78C97017-6FC3-485B-9764-EAC9E56C1D49}" type="datetimeFigureOut">
               <a:rPr lang="en-US" smtClean="0"/>
-              <a:t>11/3/18</a:t>
+              <a:t>11/10/18</a:t>
             </a:fld>
             <a:endParaRPr lang="en-US"/>
           </a:p>
@@ -1502,7 +1502,7 @@
           <a:p>
             <a:fld id="{78C97017-6FC3-485B-9764-EAC9E56C1D49}" type="datetimeFigureOut">
               <a:rPr lang="en-US" smtClean="0"/>
-              <a:t>11/3/18</a:t>
+              <a:t>11/10/18</a:t>
             </a:fld>
             <a:endParaRPr lang="en-US"/>
           </a:p>
@@ -1787,7 +1787,7 @@
           <a:p>
             <a:fld id="{78C97017-6FC3-485B-9764-EAC9E56C1D49}" type="datetimeFigureOut">
               <a:rPr lang="en-US" smtClean="0"/>
-              <a:t>11/3/18</a:t>
+              <a:t>11/10/18</a:t>
             </a:fld>
             <a:endParaRPr lang="en-US"/>
           </a:p>
@@ -2206,7 +2206,7 @@
           <a:p>
             <a:fld id="{78C97017-6FC3-485B-9764-EAC9E56C1D49}" type="datetimeFigureOut">
               <a:rPr lang="en-US" smtClean="0"/>
-              <a:t>11/3/18</a:t>
+              <a:t>11/10/18</a:t>
             </a:fld>
             <a:endParaRPr lang="en-US"/>
           </a:p>
@@ -2323,7 +2323,7 @@
           <a:p>
             <a:fld id="{78C97017-6FC3-485B-9764-EAC9E56C1D49}" type="datetimeFigureOut">
               <a:rPr lang="en-US" smtClean="0"/>
-              <a:t>11/3/18</a:t>
+              <a:t>11/10/18</a:t>
             </a:fld>
             <a:endParaRPr lang="en-US"/>
           </a:p>
@@ -2418,7 +2418,7 @@
           <a:p>
             <a:fld id="{78C97017-6FC3-485B-9764-EAC9E56C1D49}" type="datetimeFigureOut">
               <a:rPr lang="en-US" smtClean="0"/>
-              <a:t>11/3/18</a:t>
+              <a:t>11/10/18</a:t>
             </a:fld>
             <a:endParaRPr lang="en-US"/>
           </a:p>
@@ -2693,7 +2693,7 @@
           <a:p>
             <a:fld id="{78C97017-6FC3-485B-9764-EAC9E56C1D49}" type="datetimeFigureOut">
               <a:rPr lang="en-US" smtClean="0"/>
-              <a:t>11/3/18</a:t>
+              <a:t>11/10/18</a:t>
             </a:fld>
             <a:endParaRPr lang="en-US"/>
           </a:p>
@@ -2945,7 +2945,7 @@
           <a:p>
             <a:fld id="{78C97017-6FC3-485B-9764-EAC9E56C1D49}" type="datetimeFigureOut">
               <a:rPr lang="en-US" smtClean="0"/>
-              <a:t>11/3/18</a:t>
+              <a:t>11/10/18</a:t>
             </a:fld>
             <a:endParaRPr lang="en-US"/>
           </a:p>
@@ -3156,7 +3156,7 @@
           <a:p>
             <a:fld id="{78C97017-6FC3-485B-9764-EAC9E56C1D49}" type="datetimeFigureOut">
               <a:rPr lang="en-US" smtClean="0"/>
-              <a:t>11/3/18</a:t>
+              <a:t>11/10/18</a:t>
             </a:fld>
             <a:endParaRPr lang="en-US"/>
           </a:p>
@@ -4600,8 +4600,8 @@
         </p:nvSpPr>
         <p:spPr>
           <a:xfrm>
-            <a:off x="8182874" y="2614340"/>
-            <a:ext cx="140648" cy="177078"/>
+            <a:off x="8168090" y="2796520"/>
+            <a:ext cx="155432" cy="348537"/>
           </a:xfrm>
           <a:prstGeom prst="rect">
             <a:avLst/>
@@ -5156,7 +5156,7 @@
         </p:nvSpPr>
         <p:spPr>
           <a:xfrm>
-            <a:off x="6288004" y="2475841"/>
+            <a:off x="6288004" y="2628900"/>
             <a:ext cx="534809" cy="138499"/>
           </a:xfrm>
           <a:prstGeom prst="rect">
@@ -5215,7 +5215,7 @@
         </p:nvCxnSpPr>
         <p:spPr>
           <a:xfrm>
-            <a:off x="6031617" y="2628900"/>
+            <a:off x="6031617" y="2781959"/>
             <a:ext cx="2136473" cy="0"/>
           </a:xfrm>
           <a:prstGeom prst="straightConnector1">
@@ -5260,8 +5260,8 @@
         </p:nvCxnSpPr>
         <p:spPr>
           <a:xfrm>
-            <a:off x="6031617" y="2787359"/>
-            <a:ext cx="2221581" cy="4059"/>
+            <a:off x="6031617" y="3140998"/>
+            <a:ext cx="2214189" cy="4059"/>
           </a:xfrm>
           <a:prstGeom prst="straightConnector1">
             <a:avLst/>
@@ -5338,59 +5338,6 @@
       </p:cxnSp>
       <p:sp>
         <p:nvSpPr>
-          <p:cNvPr id="85" name="Rectangle 84">
-            <a:extLst>
-              <a:ext uri="{FF2B5EF4-FFF2-40B4-BE49-F238E27FC236}">
-                <a16:creationId xmlns:a16="http://schemas.microsoft.com/office/drawing/2014/main" id="{7FE6E592-67DC-784B-B8EA-2DFAE62BFDF6}"/>
-              </a:ext>
-            </a:extLst>
-          </p:cNvPr>
-          <p:cNvSpPr/>
-          <p:nvPr/>
-        </p:nvSpPr>
-        <p:spPr>
-          <a:xfrm>
-            <a:off x="8168090" y="2975622"/>
-            <a:ext cx="148087" cy="149694"/>
-          </a:xfrm>
-          <a:prstGeom prst="rect">
-            <a:avLst/>
-          </a:prstGeom>
-          <a:solidFill>
-            <a:srgbClr val="7030A0"/>
-          </a:solidFill>
-          <a:ln>
-            <a:solidFill>
-              <a:srgbClr val="7030A0"/>
-            </a:solidFill>
-          </a:ln>
-          <a:effectLst/>
-        </p:spPr>
-        <p:style>
-          <a:lnRef idx="1">
-            <a:schemeClr val="accent3"/>
-          </a:lnRef>
-          <a:fillRef idx="2">
-            <a:schemeClr val="accent3"/>
-          </a:fillRef>
-          <a:effectRef idx="1">
-            <a:schemeClr val="accent3"/>
-          </a:effectRef>
-          <a:fontRef idx="minor">
-            <a:schemeClr val="dk1"/>
-          </a:fontRef>
-        </p:style>
-        <p:txBody>
-          <a:bodyPr rtlCol="0" anchor="ctr"/>
-          <a:lstStyle/>
-          <a:p>
-            <a:pPr algn="ctr"/>
-            <a:endParaRPr lang="en-SG" sz="1167"/>
-          </a:p>
-        </p:txBody>
-      </p:sp>
-      <p:sp>
-        <p:nvSpPr>
           <p:cNvPr id="87" name="TextBox 86">
             <a:extLst>
               <a:ext uri="{FF2B5EF4-FFF2-40B4-BE49-F238E27FC236}">
@@ -5403,7 +5350,7 @@
         </p:nvSpPr>
         <p:spPr>
           <a:xfrm>
-            <a:off x="6138099" y="2822562"/>
+            <a:off x="6138099" y="3176201"/>
             <a:ext cx="1434595" cy="138499"/>
           </a:xfrm>
           <a:prstGeom prst="rect">
@@ -5458,33 +5405,235 @@
           </a:p>
         </p:txBody>
       </p:sp>
-      <p:cxnSp>
-        <p:nvCxnSpPr>
-          <p:cNvPr id="90" name="Straight Arrow Connector 89">
+      <p:sp>
+        <p:nvSpPr>
+          <p:cNvPr id="51" name="Rectangle 50">
             <a:extLst>
               <a:ext uri="{FF2B5EF4-FFF2-40B4-BE49-F238E27FC236}">
-                <a16:creationId xmlns:a16="http://schemas.microsoft.com/office/drawing/2014/main" id="{65B2E0EC-6E89-844B-AE3D-1BA274ECEDCD}"/>
+                <a16:creationId xmlns:a16="http://schemas.microsoft.com/office/drawing/2014/main" id="{CD5A12EA-C41D-6B46-8385-8264FC444A60}"/>
               </a:ext>
             </a:extLst>
           </p:cNvPr>
-          <p:cNvCxnSpPr>
-            <a:cxnSpLocks/>
-          </p:cNvCxnSpPr>
+          <p:cNvSpPr/>
+          <p:nvPr/>
+        </p:nvSpPr>
+        <p:spPr>
+          <a:xfrm>
+            <a:off x="5951566" y="2375621"/>
+            <a:ext cx="169249" cy="308185"/>
+          </a:xfrm>
+          <a:prstGeom prst="rect">
+            <a:avLst/>
+          </a:prstGeom>
+          <a:solidFill>
+            <a:srgbClr val="7030A0"/>
+          </a:solidFill>
+          <a:ln>
+            <a:solidFill>
+              <a:schemeClr val="tx1"/>
+            </a:solidFill>
+          </a:ln>
+          <a:effectLst/>
+        </p:spPr>
+        <p:style>
+          <a:lnRef idx="1">
+            <a:schemeClr val="accent3"/>
+          </a:lnRef>
+          <a:fillRef idx="2">
+            <a:schemeClr val="accent3"/>
+          </a:fillRef>
+          <a:effectRef idx="1">
+            <a:schemeClr val="accent3"/>
+          </a:effectRef>
+          <a:fontRef idx="minor">
+            <a:schemeClr val="dk1"/>
+          </a:fontRef>
+        </p:style>
+        <p:txBody>
+          <a:bodyPr rtlCol="0" anchor="ctr"/>
+          <a:lstStyle/>
+          <a:p>
+            <a:pPr algn="ctr"/>
+            <a:endParaRPr lang="en-SG" sz="1167" dirty="0"/>
+          </a:p>
+        </p:txBody>
+      </p:sp>
+      <p:sp>
+        <p:nvSpPr>
+          <p:cNvPr id="95" name="Curved Left Arrow 94">
+            <a:extLst>
+              <a:ext uri="{FF2B5EF4-FFF2-40B4-BE49-F238E27FC236}">
+                <a16:creationId xmlns:a16="http://schemas.microsoft.com/office/drawing/2014/main" id="{CE26DDDF-DDAA-4C4D-9C6D-A157B7548A7D}"/>
+              </a:ext>
+            </a:extLst>
+          </p:cNvPr>
+          <p:cNvSpPr/>
+          <p:nvPr/>
+        </p:nvSpPr>
+        <p:spPr>
+          <a:xfrm>
+            <a:off x="6148698" y="2357205"/>
+            <a:ext cx="145392" cy="294471"/>
+          </a:xfrm>
+          <a:prstGeom prst="curvedLeftArrow">
+            <a:avLst>
+              <a:gd name="adj1" fmla="val 25000"/>
+              <a:gd name="adj2" fmla="val 41821"/>
+              <a:gd name="adj3" fmla="val 25000"/>
+            </a:avLst>
+          </a:prstGeom>
+          <a:ln w="1905"/>
+        </p:spPr>
+        <p:style>
+          <a:lnRef idx="2">
+            <a:schemeClr val="accent1">
+              <a:shade val="50000"/>
+            </a:schemeClr>
+          </a:lnRef>
+          <a:fillRef idx="1">
+            <a:schemeClr val="accent1"/>
+          </a:fillRef>
+          <a:effectRef idx="0">
+            <a:schemeClr val="accent1"/>
+          </a:effectRef>
+          <a:fontRef idx="minor">
+            <a:schemeClr val="lt1"/>
+          </a:fontRef>
+        </p:style>
+        <p:txBody>
+          <a:bodyPr rtlCol="0" anchor="ctr"/>
+          <a:lstStyle/>
+          <a:p>
+            <a:pPr algn="ctr"/>
+            <a:endParaRPr lang="en-US">
+              <a:solidFill>
+                <a:schemeClr val="tx1"/>
+              </a:solidFill>
+            </a:endParaRPr>
+          </a:p>
+        </p:txBody>
+      </p:sp>
+      <p:sp>
+        <p:nvSpPr>
+          <p:cNvPr id="96" name="TextBox 95">
+            <a:extLst>
+              <a:ext uri="{FF2B5EF4-FFF2-40B4-BE49-F238E27FC236}">
+                <a16:creationId xmlns:a16="http://schemas.microsoft.com/office/drawing/2014/main" id="{932F4C8E-5822-0649-AF34-6BA14428A7B9}"/>
+              </a:ext>
+            </a:extLst>
+          </p:cNvPr>
+          <p:cNvSpPr txBox="1"/>
+          <p:nvPr/>
+        </p:nvSpPr>
+        <p:spPr>
+          <a:xfrm>
+            <a:off x="5956805" y="2223913"/>
+            <a:ext cx="1434595" cy="123111"/>
+          </a:xfrm>
+          <a:prstGeom prst="rect">
+            <a:avLst/>
+          </a:prstGeom>
+          <a:noFill/>
+          <a:ln>
+            <a:noFill/>
+          </a:ln>
+        </p:spPr>
+        <p:txBody>
+          <a:bodyPr wrap="square" lIns="0" tIns="0" rIns="0" bIns="0" rtlCol="0">
+            <a:spAutoFit/>
+          </a:bodyPr>
+          <a:lstStyle>
+            <a:defPPr>
+              <a:defRPr lang="en-US"/>
+            </a:defPPr>
+            <a:lvl1pPr algn="r">
+              <a:defRPr sz="1400">
+                <a:solidFill>
+                  <a:srgbClr val="0070C0"/>
+                </a:solidFill>
+              </a:defRPr>
+            </a:lvl1pPr>
+          </a:lstStyle>
+          <a:p>
+            <a:pPr algn="ctr"/>
+            <a:r>
+              <a:rPr lang="en-US" sz="800" dirty="0">
+                <a:solidFill>
+                  <a:srgbClr val="7030A0"/>
+                </a:solidFill>
+              </a:rPr>
+              <a:t>getCurrentPreviewImage</a:t>
+            </a:r>
+            <a:r>
+              <a:rPr lang="en-US" sz="800" dirty="0">
+                <a:solidFill>
+                  <a:schemeClr val="accent4">
+                    <a:lumMod val="75000"/>
+                  </a:schemeClr>
+                </a:solidFill>
+              </a:rPr>
+              <a:t>()</a:t>
+            </a:r>
+          </a:p>
+        </p:txBody>
+      </p:sp>
+      <p:sp>
+        <p:nvSpPr>
+          <p:cNvPr id="101" name="TextBox 100">
+            <a:extLst>
+              <a:ext uri="{FF2B5EF4-FFF2-40B4-BE49-F238E27FC236}">
+                <a16:creationId xmlns:a16="http://schemas.microsoft.com/office/drawing/2014/main" id="{43F8DA83-E7D3-0C44-AF88-6F176E7156BA}"/>
+              </a:ext>
+            </a:extLst>
+          </p:cNvPr>
+          <p:cNvSpPr txBox="1"/>
+          <p:nvPr/>
+        </p:nvSpPr>
+        <p:spPr>
+          <a:xfrm>
+            <a:off x="6288004" y="951011"/>
+            <a:ext cx="2035518" cy="584775"/>
+          </a:xfrm>
+          <a:prstGeom prst="rect">
+            <a:avLst/>
+          </a:prstGeom>
+          <a:noFill/>
+        </p:spPr>
+        <p:txBody>
+          <a:bodyPr wrap="square" rtlCol="0">
+            <a:spAutoFit/>
+          </a:bodyPr>
+          <a:lstStyle/>
+          <a:p>
+            <a:r>
+              <a:rPr lang="en-US" sz="800" dirty="0"/>
+              <a:t>This method goes through the Model’s canvas to get the current layer’s PreviewImage using canvas.getCurrentLayer().getImage()</a:t>
+            </a:r>
+          </a:p>
+        </p:txBody>
+      </p:sp>
+      <p:cxnSp>
+        <p:nvCxnSpPr>
+          <p:cNvPr id="103" name="Straight Arrow Connector 102">
+            <a:extLst>
+              <a:ext uri="{FF2B5EF4-FFF2-40B4-BE49-F238E27FC236}">
+                <a16:creationId xmlns:a16="http://schemas.microsoft.com/office/drawing/2014/main" id="{15E410EB-048C-6C44-98DA-80B7C1083FE6}"/>
+              </a:ext>
+            </a:extLst>
+          </p:cNvPr>
+          <p:cNvCxnSpPr/>
           <p:nvPr/>
         </p:nvCxnSpPr>
         <p:spPr>
           <a:xfrm>
-            <a:off x="6024272" y="2975622"/>
-            <a:ext cx="2143818" cy="0"/>
+            <a:off x="6611382" y="1535786"/>
+            <a:ext cx="0" cy="670790"/>
           </a:xfrm>
           <a:prstGeom prst="straightConnector1">
             <a:avLst/>
           </a:prstGeom>
-          <a:ln w="19050">
-            <a:solidFill>
-              <a:srgbClr val="7030A0"/>
-            </a:solidFill>
-            <a:tailEnd type="arrow"/>
+          <a:ln>
+            <a:tailEnd type="triangle"/>
           </a:ln>
         </p:spPr>
         <p:style>
@@ -5504,10 +5653,10 @@
       </p:cxnSp>
       <p:cxnSp>
         <p:nvCxnSpPr>
-          <p:cNvPr id="91" name="Straight Arrow Connector 90">
+          <p:cNvPr id="106" name="Straight Arrow Connector 105">
             <a:extLst>
               <a:ext uri="{FF2B5EF4-FFF2-40B4-BE49-F238E27FC236}">
-                <a16:creationId xmlns:a16="http://schemas.microsoft.com/office/drawing/2014/main" id="{6844BE80-30D5-E443-9BCA-254B64C246B8}"/>
+                <a16:creationId xmlns:a16="http://schemas.microsoft.com/office/drawing/2014/main" id="{CD853D5D-0866-EB4D-9E23-ED67E7748A75}"/>
               </a:ext>
             </a:extLst>
           </p:cNvPr>
@@ -5518,19 +5667,14 @@
         </p:nvCxnSpPr>
         <p:spPr>
           <a:xfrm>
-            <a:off x="6012633" y="3117324"/>
-            <a:ext cx="2155457" cy="6256"/>
+            <a:off x="4323605" y="3391586"/>
+            <a:ext cx="355631" cy="139737"/>
           </a:xfrm>
           <a:prstGeom prst="straightConnector1">
             <a:avLst/>
           </a:prstGeom>
-          <a:ln w="19050">
-            <a:solidFill>
-              <a:srgbClr val="7030A0"/>
-            </a:solidFill>
-            <a:prstDash val="sysDash"/>
-            <a:headEnd type="arrow" w="med" len="med"/>
-            <a:tailEnd type="none" w="med" len="med"/>
+          <a:ln>
+            <a:tailEnd type="triangle"/>
           </a:ln>
         </p:spPr>
         <p:style>
@@ -5550,346 +5694,6 @@
       </p:cxnSp>
       <p:sp>
         <p:nvSpPr>
-          <p:cNvPr id="51" name="Rectangle 50">
-            <a:extLst>
-              <a:ext uri="{FF2B5EF4-FFF2-40B4-BE49-F238E27FC236}">
-                <a16:creationId xmlns:a16="http://schemas.microsoft.com/office/drawing/2014/main" id="{CD5A12EA-C41D-6B46-8385-8264FC444A60}"/>
-              </a:ext>
-            </a:extLst>
-          </p:cNvPr>
-          <p:cNvSpPr/>
-          <p:nvPr/>
-        </p:nvSpPr>
-        <p:spPr>
-          <a:xfrm>
-            <a:off x="5951567" y="2375622"/>
-            <a:ext cx="140648" cy="177078"/>
-          </a:xfrm>
-          <a:prstGeom prst="rect">
-            <a:avLst/>
-          </a:prstGeom>
-          <a:solidFill>
-            <a:srgbClr val="7030A0"/>
-          </a:solidFill>
-          <a:ln>
-            <a:solidFill>
-              <a:schemeClr val="tx1"/>
-            </a:solidFill>
-          </a:ln>
-          <a:effectLst/>
-        </p:spPr>
-        <p:style>
-          <a:lnRef idx="1">
-            <a:schemeClr val="accent3"/>
-          </a:lnRef>
-          <a:fillRef idx="2">
-            <a:schemeClr val="accent3"/>
-          </a:fillRef>
-          <a:effectRef idx="1">
-            <a:schemeClr val="accent3"/>
-          </a:effectRef>
-          <a:fontRef idx="minor">
-            <a:schemeClr val="dk1"/>
-          </a:fontRef>
-        </p:style>
-        <p:txBody>
-          <a:bodyPr rtlCol="0" anchor="ctr"/>
-          <a:lstStyle/>
-          <a:p>
-            <a:pPr algn="ctr"/>
-            <a:endParaRPr lang="en-SG" sz="1167" dirty="0"/>
-          </a:p>
-        </p:txBody>
-      </p:sp>
-      <p:sp>
-        <p:nvSpPr>
-          <p:cNvPr id="95" name="Curved Left Arrow 94">
-            <a:extLst>
-              <a:ext uri="{FF2B5EF4-FFF2-40B4-BE49-F238E27FC236}">
-                <a16:creationId xmlns:a16="http://schemas.microsoft.com/office/drawing/2014/main" id="{CE26DDDF-DDAA-4C4D-9C6D-A157B7548A7D}"/>
-              </a:ext>
-            </a:extLst>
-          </p:cNvPr>
-          <p:cNvSpPr/>
-          <p:nvPr/>
-        </p:nvSpPr>
-        <p:spPr>
-          <a:xfrm>
-            <a:off x="6096000" y="2377429"/>
-            <a:ext cx="156008" cy="175271"/>
-          </a:xfrm>
-          <a:prstGeom prst="curvedLeftArrow">
-            <a:avLst>
-              <a:gd name="adj1" fmla="val 25000"/>
-              <a:gd name="adj2" fmla="val 41821"/>
-              <a:gd name="adj3" fmla="val 25000"/>
-            </a:avLst>
-          </a:prstGeom>
-          <a:ln w="1905"/>
-        </p:spPr>
-        <p:style>
-          <a:lnRef idx="2">
-            <a:schemeClr val="accent1">
-              <a:shade val="50000"/>
-            </a:schemeClr>
-          </a:lnRef>
-          <a:fillRef idx="1">
-            <a:schemeClr val="accent1"/>
-          </a:fillRef>
-          <a:effectRef idx="0">
-            <a:schemeClr val="accent1"/>
-          </a:effectRef>
-          <a:fontRef idx="minor">
-            <a:schemeClr val="lt1"/>
-          </a:fontRef>
-        </p:style>
-        <p:txBody>
-          <a:bodyPr rtlCol="0" anchor="ctr"/>
-          <a:lstStyle/>
-          <a:p>
-            <a:pPr algn="ctr"/>
-            <a:endParaRPr lang="en-US">
-              <a:solidFill>
-                <a:schemeClr val="tx1"/>
-              </a:solidFill>
-            </a:endParaRPr>
-          </a:p>
-        </p:txBody>
-      </p:sp>
-      <p:sp>
-        <p:nvSpPr>
-          <p:cNvPr id="96" name="TextBox 95">
-            <a:extLst>
-              <a:ext uri="{FF2B5EF4-FFF2-40B4-BE49-F238E27FC236}">
-                <a16:creationId xmlns:a16="http://schemas.microsoft.com/office/drawing/2014/main" id="{932F4C8E-5822-0649-AF34-6BA14428A7B9}"/>
-              </a:ext>
-            </a:extLst>
-          </p:cNvPr>
-          <p:cNvSpPr txBox="1"/>
-          <p:nvPr/>
-        </p:nvSpPr>
-        <p:spPr>
-          <a:xfrm>
-            <a:off x="5901398" y="2223913"/>
-            <a:ext cx="1434595" cy="115416"/>
-          </a:xfrm>
-          <a:prstGeom prst="rect">
-            <a:avLst/>
-          </a:prstGeom>
-          <a:noFill/>
-          <a:ln>
-            <a:noFill/>
-          </a:ln>
-        </p:spPr>
-        <p:txBody>
-          <a:bodyPr wrap="square" lIns="0" tIns="0" rIns="0" bIns="0" rtlCol="0">
-            <a:spAutoFit/>
-          </a:bodyPr>
-          <a:lstStyle>
-            <a:defPPr>
-              <a:defRPr lang="en-US"/>
-            </a:defPPr>
-            <a:lvl1pPr algn="r">
-              <a:defRPr sz="1400">
-                <a:solidFill>
-                  <a:srgbClr val="0070C0"/>
-                </a:solidFill>
-              </a:defRPr>
-            </a:lvl1pPr>
-          </a:lstStyle>
-          <a:p>
-            <a:pPr algn="ctr"/>
-            <a:r>
-              <a:rPr lang="en-US" sz="750" dirty="0">
-                <a:solidFill>
-                  <a:srgbClr val="7030A0"/>
-                </a:solidFill>
-              </a:rPr>
-              <a:t>getCurrentPreviewImage</a:t>
-            </a:r>
-            <a:r>
-              <a:rPr lang="en-US" sz="700" dirty="0">
-                <a:solidFill>
-                  <a:schemeClr val="accent4">
-                    <a:lumMod val="75000"/>
-                  </a:schemeClr>
-                </a:solidFill>
-              </a:rPr>
-              <a:t>()</a:t>
-            </a:r>
-          </a:p>
-        </p:txBody>
-      </p:sp>
-      <p:sp>
-        <p:nvSpPr>
-          <p:cNvPr id="101" name="TextBox 100">
-            <a:extLst>
-              <a:ext uri="{FF2B5EF4-FFF2-40B4-BE49-F238E27FC236}">
-                <a16:creationId xmlns:a16="http://schemas.microsoft.com/office/drawing/2014/main" id="{43F8DA83-E7D3-0C44-AF88-6F176E7156BA}"/>
-              </a:ext>
-            </a:extLst>
-          </p:cNvPr>
-          <p:cNvSpPr txBox="1"/>
-          <p:nvPr/>
-        </p:nvSpPr>
-        <p:spPr>
-          <a:xfrm>
-            <a:off x="6288004" y="951011"/>
-            <a:ext cx="2035518" cy="584775"/>
-          </a:xfrm>
-          <a:prstGeom prst="rect">
-            <a:avLst/>
-          </a:prstGeom>
-          <a:noFill/>
-        </p:spPr>
-        <p:txBody>
-          <a:bodyPr wrap="square" rtlCol="0">
-            <a:spAutoFit/>
-          </a:bodyPr>
-          <a:lstStyle/>
-          <a:p>
-            <a:r>
-              <a:rPr lang="en-US" sz="800" dirty="0"/>
-              <a:t>This method goes through the Model’s canvas to get the current layer’s PreviewImage using canvas.getCurrentLayer().getImage()</a:t>
-            </a:r>
-          </a:p>
-        </p:txBody>
-      </p:sp>
-      <p:cxnSp>
-        <p:nvCxnSpPr>
-          <p:cNvPr id="103" name="Straight Arrow Connector 102">
-            <a:extLst>
-              <a:ext uri="{FF2B5EF4-FFF2-40B4-BE49-F238E27FC236}">
-                <a16:creationId xmlns:a16="http://schemas.microsoft.com/office/drawing/2014/main" id="{15E410EB-048C-6C44-98DA-80B7C1083FE6}"/>
-              </a:ext>
-            </a:extLst>
-          </p:cNvPr>
-          <p:cNvCxnSpPr/>
-          <p:nvPr/>
-        </p:nvCxnSpPr>
-        <p:spPr>
-          <a:xfrm>
-            <a:off x="6611382" y="1535786"/>
-            <a:ext cx="0" cy="670790"/>
-          </a:xfrm>
-          <a:prstGeom prst="straightConnector1">
-            <a:avLst/>
-          </a:prstGeom>
-          <a:ln>
-            <a:tailEnd type="triangle"/>
-          </a:ln>
-        </p:spPr>
-        <p:style>
-          <a:lnRef idx="1">
-            <a:schemeClr val="accent1"/>
-          </a:lnRef>
-          <a:fillRef idx="0">
-            <a:schemeClr val="accent1"/>
-          </a:fillRef>
-          <a:effectRef idx="0">
-            <a:schemeClr val="accent1"/>
-          </a:effectRef>
-          <a:fontRef idx="minor">
-            <a:schemeClr val="tx1"/>
-          </a:fontRef>
-        </p:style>
-      </p:cxnSp>
-      <p:sp>
-        <p:nvSpPr>
-          <p:cNvPr id="104" name="Rectangle 103">
-            <a:extLst>
-              <a:ext uri="{FF2B5EF4-FFF2-40B4-BE49-F238E27FC236}">
-                <a16:creationId xmlns:a16="http://schemas.microsoft.com/office/drawing/2014/main" id="{9B272E63-4A50-CF40-B2ED-4BF2BDF4C7F4}"/>
-              </a:ext>
-            </a:extLst>
-          </p:cNvPr>
-          <p:cNvSpPr/>
-          <p:nvPr/>
-        </p:nvSpPr>
-        <p:spPr>
-          <a:xfrm>
-            <a:off x="5983602" y="3202695"/>
-            <a:ext cx="134352" cy="95449"/>
-          </a:xfrm>
-          <a:prstGeom prst="rect">
-            <a:avLst/>
-          </a:prstGeom>
-          <a:solidFill>
-            <a:srgbClr val="7030A0"/>
-          </a:solidFill>
-          <a:ln>
-            <a:solidFill>
-              <a:schemeClr val="tx1"/>
-            </a:solidFill>
-          </a:ln>
-          <a:effectLst/>
-        </p:spPr>
-        <p:style>
-          <a:lnRef idx="1">
-            <a:schemeClr val="accent3"/>
-          </a:lnRef>
-          <a:fillRef idx="2">
-            <a:schemeClr val="accent3"/>
-          </a:fillRef>
-          <a:effectRef idx="1">
-            <a:schemeClr val="accent3"/>
-          </a:effectRef>
-          <a:fontRef idx="minor">
-            <a:schemeClr val="dk1"/>
-          </a:fontRef>
-        </p:style>
-        <p:txBody>
-          <a:bodyPr rtlCol="0" anchor="ctr"/>
-          <a:lstStyle/>
-          <a:p>
-            <a:pPr algn="ctr"/>
-            <a:endParaRPr lang="en-SG" sz="1167" dirty="0"/>
-          </a:p>
-        </p:txBody>
-      </p:sp>
-      <p:cxnSp>
-        <p:nvCxnSpPr>
-          <p:cNvPr id="106" name="Straight Arrow Connector 105">
-            <a:extLst>
-              <a:ext uri="{FF2B5EF4-FFF2-40B4-BE49-F238E27FC236}">
-                <a16:creationId xmlns:a16="http://schemas.microsoft.com/office/drawing/2014/main" id="{CD853D5D-0866-EB4D-9E23-ED67E7748A75}"/>
-              </a:ext>
-            </a:extLst>
-          </p:cNvPr>
-          <p:cNvCxnSpPr>
-            <a:cxnSpLocks/>
-          </p:cNvCxnSpPr>
-          <p:nvPr/>
-        </p:nvCxnSpPr>
-        <p:spPr>
-          <a:xfrm>
-            <a:off x="4323605" y="3391586"/>
-            <a:ext cx="355631" cy="139737"/>
-          </a:xfrm>
-          <a:prstGeom prst="straightConnector1">
-            <a:avLst/>
-          </a:prstGeom>
-          <a:ln>
-            <a:tailEnd type="triangle"/>
-          </a:ln>
-        </p:spPr>
-        <p:style>
-          <a:lnRef idx="1">
-            <a:schemeClr val="accent1"/>
-          </a:lnRef>
-          <a:fillRef idx="0">
-            <a:schemeClr val="accent1"/>
-          </a:fillRef>
-          <a:effectRef idx="0">
-            <a:schemeClr val="accent1"/>
-          </a:effectRef>
-          <a:fontRef idx="minor">
-            <a:schemeClr val="tx1"/>
-          </a:fontRef>
-        </p:style>
-      </p:cxnSp>
-      <p:sp>
-        <p:nvSpPr>
           <p:cNvPr id="109" name="TextBox 108">
             <a:extLst>
               <a:ext uri="{FF2B5EF4-FFF2-40B4-BE49-F238E27FC236}">
@@ -5918,7 +5722,7 @@
           <a:p>
             <a:r>
               <a:rPr lang="en-US" sz="800" dirty="0"/>
-              <a:t>Here, a ChangeImageEvent is posted to the EventsCenter with the new image state (undo successful).</a:t>
+              <a:t>Here, a ImageMagick will render the new Canvas with the new image state (undo successful).</a:t>
             </a:r>
           </a:p>
         </p:txBody>

--- a/docs/diagrams/UndoRedoSequenceDiagram.pptx
+++ b/docs/diagrams/UndoRedoSequenceDiagram.pptx
@@ -126,10 +126,6 @@
 </p:presentation>
 </file>
 
-<file path=ppt/revisionInfo.xml><?xml version="1.0" encoding="utf-8"?>
-<p1510:revInfo xmlns:a="http://schemas.openxmlformats.org/drawingml/2006/main" xmlns:r="http://schemas.openxmlformats.org/officeDocument/2006/relationships" xmlns:p1510="http://schemas.microsoft.com/office/powerpoint/2015/10/main"/>
-</file>
-
 <file path=ppt/notesMasters/notesMaster1.xml><?xml version="1.0" encoding="utf-8"?>
 <p:notesMaster xmlns:a="http://schemas.openxmlformats.org/drawingml/2006/main" xmlns:r="http://schemas.openxmlformats.org/officeDocument/2006/relationships" xmlns:p="http://schemas.openxmlformats.org/presentationml/2006/main">
   <p:cSld>
@@ -212,7 +208,7 @@
           <a:p>
             <a:fld id="{F5CC4B3F-88C1-4FFA-B1B6-F41C21DC6924}" type="datetimeFigureOut">
               <a:rPr lang="en-US" smtClean="0"/>
-              <a:t>7/6/2018</a:t>
+              <a:t>11-Nov-18</a:t>
             </a:fld>
             <a:endParaRPr lang="en-US"/>
           </a:p>
@@ -479,6 +475,90 @@
 </p:notesMaster>
 </file>
 
+<file path=ppt/notesSlides/notesSlide1.xml><?xml version="1.0" encoding="utf-8"?>
+<p:notes xmlns:a="http://schemas.openxmlformats.org/drawingml/2006/main" xmlns:r="http://schemas.openxmlformats.org/officeDocument/2006/relationships" xmlns:p="http://schemas.openxmlformats.org/presentationml/2006/main">
+  <p:cSld>
+    <p:spTree>
+      <p:nvGrpSpPr>
+        <p:cNvPr id="1" name=""/>
+        <p:cNvGrpSpPr/>
+        <p:nvPr/>
+      </p:nvGrpSpPr>
+      <p:grpSpPr>
+        <a:xfrm>
+          <a:off x="0" y="0"/>
+          <a:ext cx="0" cy="0"/>
+          <a:chOff x="0" y="0"/>
+          <a:chExt cx="0" cy="0"/>
+        </a:xfrm>
+      </p:grpSpPr>
+      <p:sp>
+        <p:nvSpPr>
+          <p:cNvPr id="2" name="Slide Image Placeholder 1"/>
+          <p:cNvSpPr>
+            <a:spLocks noGrp="1" noRot="1" noChangeAspect="1"/>
+          </p:cNvSpPr>
+          <p:nvPr>
+            <p:ph type="sldImg"/>
+          </p:nvPr>
+        </p:nvSpPr>
+        <p:spPr/>
+      </p:sp>
+      <p:sp>
+        <p:nvSpPr>
+          <p:cNvPr id="3" name="Notes Placeholder 2"/>
+          <p:cNvSpPr>
+            <a:spLocks noGrp="1"/>
+          </p:cNvSpPr>
+          <p:nvPr>
+            <p:ph type="body" idx="1"/>
+          </p:nvPr>
+        </p:nvSpPr>
+        <p:spPr/>
+        <p:txBody>
+          <a:bodyPr/>
+          <a:lstStyle/>
+          <a:p>
+            <a:endParaRPr lang="en-US" dirty="0"/>
+          </a:p>
+        </p:txBody>
+      </p:sp>
+      <p:sp>
+        <p:nvSpPr>
+          <p:cNvPr id="4" name="Slide Number Placeholder 3"/>
+          <p:cNvSpPr>
+            <a:spLocks noGrp="1"/>
+          </p:cNvSpPr>
+          <p:nvPr>
+            <p:ph type="sldNum" sz="quarter" idx="5"/>
+          </p:nvPr>
+        </p:nvSpPr>
+        <p:spPr/>
+        <p:txBody>
+          <a:bodyPr/>
+          <a:lstStyle/>
+          <a:p>
+            <a:fld id="{5A7AB025-77E3-4BD1-A2FD-B3183DBA47A3}" type="slidenum">
+              <a:rPr lang="en-US" smtClean="0"/>
+              <a:t>1</a:t>
+            </a:fld>
+            <a:endParaRPr lang="en-US"/>
+          </a:p>
+        </p:txBody>
+      </p:sp>
+    </p:spTree>
+    <p:extLst>
+      <p:ext uri="{BB962C8B-B14F-4D97-AF65-F5344CB8AC3E}">
+        <p14:creationId xmlns:p14="http://schemas.microsoft.com/office/powerpoint/2010/main" val="2649985610"/>
+      </p:ext>
+    </p:extLst>
+  </p:cSld>
+  <p:clrMapOvr>
+    <a:masterClrMapping/>
+  </p:clrMapOvr>
+</p:notes>
+</file>
+
 <file path=ppt/slideLayouts/slideLayout1.xml><?xml version="1.0" encoding="utf-8"?>
 <p:sldLayout xmlns:a="http://schemas.openxmlformats.org/drawingml/2006/main" xmlns:r="http://schemas.openxmlformats.org/officeDocument/2006/relationships" xmlns:p="http://schemas.openxmlformats.org/presentationml/2006/main" type="title" preserve="1">
   <p:cSld name="Title Slide">
@@ -658,7 +738,7 @@
           <a:p>
             <a:fld id="{78C97017-6FC3-485B-9764-EAC9E56C1D49}" type="datetimeFigureOut">
               <a:rPr lang="en-US" smtClean="0"/>
-              <a:t>7/6/2018</a:t>
+              <a:t>11-Nov-18</a:t>
             </a:fld>
             <a:endParaRPr lang="en-US"/>
           </a:p>
@@ -826,7 +906,7 @@
           <a:p>
             <a:fld id="{78C97017-6FC3-485B-9764-EAC9E56C1D49}" type="datetimeFigureOut">
               <a:rPr lang="en-US" smtClean="0"/>
-              <a:t>7/6/2018</a:t>
+              <a:t>11-Nov-18</a:t>
             </a:fld>
             <a:endParaRPr lang="en-US"/>
           </a:p>
@@ -1004,7 +1084,7 @@
           <a:p>
             <a:fld id="{78C97017-6FC3-485B-9764-EAC9E56C1D49}" type="datetimeFigureOut">
               <a:rPr lang="en-US" smtClean="0"/>
-              <a:t>7/6/2018</a:t>
+              <a:t>11-Nov-18</a:t>
             </a:fld>
             <a:endParaRPr lang="en-US"/>
           </a:p>
@@ -1172,7 +1252,7 @@
           <a:p>
             <a:fld id="{78C97017-6FC3-485B-9764-EAC9E56C1D49}" type="datetimeFigureOut">
               <a:rPr lang="en-US" smtClean="0"/>
-              <a:t>7/6/2018</a:t>
+              <a:t>11-Nov-18</a:t>
             </a:fld>
             <a:endParaRPr lang="en-US"/>
           </a:p>
@@ -1417,7 +1497,7 @@
           <a:p>
             <a:fld id="{78C97017-6FC3-485B-9764-EAC9E56C1D49}" type="datetimeFigureOut">
               <a:rPr lang="en-US" smtClean="0"/>
-              <a:t>7/6/2018</a:t>
+              <a:t>11-Nov-18</a:t>
             </a:fld>
             <a:endParaRPr lang="en-US"/>
           </a:p>
@@ -1702,7 +1782,7 @@
           <a:p>
             <a:fld id="{78C97017-6FC3-485B-9764-EAC9E56C1D49}" type="datetimeFigureOut">
               <a:rPr lang="en-US" smtClean="0"/>
-              <a:t>7/6/2018</a:t>
+              <a:t>11-Nov-18</a:t>
             </a:fld>
             <a:endParaRPr lang="en-US"/>
           </a:p>
@@ -2121,7 +2201,7 @@
           <a:p>
             <a:fld id="{78C97017-6FC3-485B-9764-EAC9E56C1D49}" type="datetimeFigureOut">
               <a:rPr lang="en-US" smtClean="0"/>
-              <a:t>7/6/2018</a:t>
+              <a:t>11-Nov-18</a:t>
             </a:fld>
             <a:endParaRPr lang="en-US"/>
           </a:p>
@@ -2238,7 +2318,7 @@
           <a:p>
             <a:fld id="{78C97017-6FC3-485B-9764-EAC9E56C1D49}" type="datetimeFigureOut">
               <a:rPr lang="en-US" smtClean="0"/>
-              <a:t>7/6/2018</a:t>
+              <a:t>11-Nov-18</a:t>
             </a:fld>
             <a:endParaRPr lang="en-US"/>
           </a:p>
@@ -2333,7 +2413,7 @@
           <a:p>
             <a:fld id="{78C97017-6FC3-485B-9764-EAC9E56C1D49}" type="datetimeFigureOut">
               <a:rPr lang="en-US" smtClean="0"/>
-              <a:t>7/6/2018</a:t>
+              <a:t>11-Nov-18</a:t>
             </a:fld>
             <a:endParaRPr lang="en-US"/>
           </a:p>
@@ -2608,7 +2688,7 @@
           <a:p>
             <a:fld id="{78C97017-6FC3-485B-9764-EAC9E56C1D49}" type="datetimeFigureOut">
               <a:rPr lang="en-US" smtClean="0"/>
-              <a:t>7/6/2018</a:t>
+              <a:t>11-Nov-18</a:t>
             </a:fld>
             <a:endParaRPr lang="en-US"/>
           </a:p>
@@ -2860,7 +2940,7 @@
           <a:p>
             <a:fld id="{78C97017-6FC3-485B-9764-EAC9E56C1D49}" type="datetimeFigureOut">
               <a:rPr lang="en-US" smtClean="0"/>
-              <a:t>7/6/2018</a:t>
+              <a:t>11-Nov-18</a:t>
             </a:fld>
             <a:endParaRPr lang="en-US"/>
           </a:p>
@@ -3071,7 +3151,7 @@
           <a:p>
             <a:fld id="{78C97017-6FC3-485B-9764-EAC9E56C1D49}" type="datetimeFigureOut">
               <a:rPr lang="en-US" smtClean="0"/>
-              <a:t>7/6/2018</a:t>
+              <a:t>11-Nov-18</a:t>
             </a:fld>
             <a:endParaRPr lang="en-US"/>
           </a:p>
@@ -3729,8 +3809,8 @@
         </p:nvSpPr>
         <p:spPr>
           <a:xfrm>
-            <a:off x="3437188" y="423022"/>
-            <a:ext cx="1219200" cy="467684"/>
+            <a:off x="3352800" y="423022"/>
+            <a:ext cx="1383633" cy="467684"/>
           </a:xfrm>
           <a:prstGeom prst="rect">
             <a:avLst/>
@@ -3770,7 +3850,7 @@
                   <a:schemeClr val="bg1"/>
                 </a:solidFill>
               </a:rPr>
-              <a:t>:Address</a:t>
+              <a:t>:Expense</a:t>
             </a:r>
           </a:p>
           <a:p>
@@ -3781,7 +3861,7 @@
                   <a:schemeClr val="bg1"/>
                 </a:solidFill>
               </a:rPr>
-              <a:t>BookParser</a:t>
+              <a:t>TrackerParser</a:t>
             </a:r>
             <a:endParaRPr lang="en-SG" sz="1600" dirty="0">
               <a:solidFill>
@@ -4286,8 +4366,8 @@
         </p:nvSpPr>
         <p:spPr>
           <a:xfrm>
-            <a:off x="5651548" y="2748246"/>
-            <a:ext cx="1298078" cy="184666"/>
+            <a:off x="5670330" y="2748246"/>
+            <a:ext cx="1298078" cy="169277"/>
           </a:xfrm>
           <a:prstGeom prst="rect">
             <a:avLst/>
@@ -4312,7 +4392,7 @@
           </a:lstStyle>
           <a:p>
             <a:r>
-              <a:rPr lang="en-US" sz="1200" dirty="0" err="1">
+              <a:rPr lang="en-US" sz="1100" dirty="0" err="1">
                 <a:solidFill>
                   <a:schemeClr val="accent4">
                     <a:lumMod val="75000"/>
@@ -4322,22 +4402,22 @@
               <a:t>undo</a:t>
             </a:r>
             <a:r>
-              <a:rPr lang="en-US" sz="1200" dirty="0" err="1">
+              <a:rPr lang="en-US" sz="1100" dirty="0" err="1">
                 <a:solidFill>
                   <a:srgbClr val="7030A0"/>
                 </a:solidFill>
               </a:rPr>
-              <a:t>AddressBook</a:t>
-            </a:r>
-            <a:r>
-              <a:rPr lang="en-US" sz="1200" dirty="0">
+              <a:t>ExpenseTracker</a:t>
+            </a:r>
+            <a:r>
+              <a:rPr lang="en-US" sz="1100" dirty="0">
                 <a:solidFill>
                   <a:srgbClr val="7030A0"/>
                 </a:solidFill>
               </a:rPr>
               <a:t>()</a:t>
             </a:r>
-            <a:endParaRPr lang="en-US" sz="1200" dirty="0"/>
+            <a:endParaRPr lang="en-US" sz="1100" dirty="0"/>
           </a:p>
         </p:txBody>
       </p:sp>
@@ -4473,8 +4553,8 @@
         </p:nvSpPr>
         <p:spPr>
           <a:xfrm>
-            <a:off x="7497155" y="2568606"/>
-            <a:ext cx="2181777" cy="335427"/>
+            <a:off x="7432832" y="2568607"/>
+            <a:ext cx="2396968" cy="300180"/>
           </a:xfrm>
           <a:prstGeom prst="rect">
             <a:avLst/>
@@ -4522,7 +4602,7 @@
                   <a:schemeClr val="bg1"/>
                 </a:solidFill>
               </a:rPr>
-              <a:t>VersionedAddressBook</a:t>
+              <a:t>VersionedExpenseTracker</a:t>
             </a:r>
             <a:endParaRPr lang="en-SG" sz="1600" dirty="0">
               <a:solidFill>
@@ -5057,8 +5137,8 @@
         </p:nvSpPr>
         <p:spPr>
           <a:xfrm>
-            <a:off x="8769530" y="3267337"/>
-            <a:ext cx="2120786" cy="184666"/>
+            <a:off x="8769529" y="3267337"/>
+            <a:ext cx="2321759" cy="184666"/>
           </a:xfrm>
           <a:prstGeom prst="rect">
             <a:avLst/>
@@ -5104,7 +5184,7 @@
                   <a:srgbClr val="7030A0"/>
                 </a:solidFill>
               </a:rPr>
-              <a:t>ReadOnlyAddressBook</a:t>
+              <a:t>ReadOnlyExpense</a:t>
             </a:r>
             <a:r>
               <a:rPr lang="en-US" sz="1200" dirty="0">
@@ -5112,7 +5192,7 @@
                   <a:srgbClr val="7030A0"/>
                 </a:solidFill>
               </a:rPr>
-              <a:t>)</a:t>
+              <a:t> Tracker)</a:t>
             </a:r>
             <a:endParaRPr lang="en-US" sz="1200" dirty="0"/>
           </a:p>

--- a/docs/diagrams/UndoRedoSequenceDiagram.pptx
+++ b/docs/diagrams/UndoRedoSequenceDiagram.pptx
@@ -126,10 +126,6 @@
 </p:presentation>
 </file>
 
-<file path=ppt/revisionInfo.xml><?xml version="1.0" encoding="utf-8"?>
-<p1510:revInfo xmlns:a="http://schemas.openxmlformats.org/drawingml/2006/main" xmlns:r="http://schemas.openxmlformats.org/officeDocument/2006/relationships" xmlns:p1510="http://schemas.microsoft.com/office/powerpoint/2015/10/main"/>
-</file>
-
 <file path=ppt/notesMasters/notesMaster1.xml><?xml version="1.0" encoding="utf-8"?>
 <p:notesMaster xmlns:a="http://schemas.openxmlformats.org/drawingml/2006/main" xmlns:r="http://schemas.openxmlformats.org/officeDocument/2006/relationships" xmlns:p="http://schemas.openxmlformats.org/presentationml/2006/main">
   <p:cSld>
@@ -212,7 +208,7 @@
           <a:p>
             <a:fld id="{F5CC4B3F-88C1-4FFA-B1B6-F41C21DC6924}" type="datetimeFigureOut">
               <a:rPr lang="en-US" smtClean="0"/>
-              <a:t>7/6/2018</a:t>
+              <a:t>11/12/2018</a:t>
             </a:fld>
             <a:endParaRPr lang="en-US"/>
           </a:p>
@@ -658,7 +654,7 @@
           <a:p>
             <a:fld id="{78C97017-6FC3-485B-9764-EAC9E56C1D49}" type="datetimeFigureOut">
               <a:rPr lang="en-US" smtClean="0"/>
-              <a:t>7/6/2018</a:t>
+              <a:t>11/12/2018</a:t>
             </a:fld>
             <a:endParaRPr lang="en-US"/>
           </a:p>
@@ -826,7 +822,7 @@
           <a:p>
             <a:fld id="{78C97017-6FC3-485B-9764-EAC9E56C1D49}" type="datetimeFigureOut">
               <a:rPr lang="en-US" smtClean="0"/>
-              <a:t>7/6/2018</a:t>
+              <a:t>11/12/2018</a:t>
             </a:fld>
             <a:endParaRPr lang="en-US"/>
           </a:p>
@@ -1004,7 +1000,7 @@
           <a:p>
             <a:fld id="{78C97017-6FC3-485B-9764-EAC9E56C1D49}" type="datetimeFigureOut">
               <a:rPr lang="en-US" smtClean="0"/>
-              <a:t>7/6/2018</a:t>
+              <a:t>11/12/2018</a:t>
             </a:fld>
             <a:endParaRPr lang="en-US"/>
           </a:p>
@@ -1172,7 +1168,7 @@
           <a:p>
             <a:fld id="{78C97017-6FC3-485B-9764-EAC9E56C1D49}" type="datetimeFigureOut">
               <a:rPr lang="en-US" smtClean="0"/>
-              <a:t>7/6/2018</a:t>
+              <a:t>11/12/2018</a:t>
             </a:fld>
             <a:endParaRPr lang="en-US"/>
           </a:p>
@@ -1417,7 +1413,7 @@
           <a:p>
             <a:fld id="{78C97017-6FC3-485B-9764-EAC9E56C1D49}" type="datetimeFigureOut">
               <a:rPr lang="en-US" smtClean="0"/>
-              <a:t>7/6/2018</a:t>
+              <a:t>11/12/2018</a:t>
             </a:fld>
             <a:endParaRPr lang="en-US"/>
           </a:p>
@@ -1702,7 +1698,7 @@
           <a:p>
             <a:fld id="{78C97017-6FC3-485B-9764-EAC9E56C1D49}" type="datetimeFigureOut">
               <a:rPr lang="en-US" smtClean="0"/>
-              <a:t>7/6/2018</a:t>
+              <a:t>11/12/2018</a:t>
             </a:fld>
             <a:endParaRPr lang="en-US"/>
           </a:p>
@@ -2121,7 +2117,7 @@
           <a:p>
             <a:fld id="{78C97017-6FC3-485B-9764-EAC9E56C1D49}" type="datetimeFigureOut">
               <a:rPr lang="en-US" smtClean="0"/>
-              <a:t>7/6/2018</a:t>
+              <a:t>11/12/2018</a:t>
             </a:fld>
             <a:endParaRPr lang="en-US"/>
           </a:p>
@@ -2238,7 +2234,7 @@
           <a:p>
             <a:fld id="{78C97017-6FC3-485B-9764-EAC9E56C1D49}" type="datetimeFigureOut">
               <a:rPr lang="en-US" smtClean="0"/>
-              <a:t>7/6/2018</a:t>
+              <a:t>11/12/2018</a:t>
             </a:fld>
             <a:endParaRPr lang="en-US"/>
           </a:p>
@@ -2333,7 +2329,7 @@
           <a:p>
             <a:fld id="{78C97017-6FC3-485B-9764-EAC9E56C1D49}" type="datetimeFigureOut">
               <a:rPr lang="en-US" smtClean="0"/>
-              <a:t>7/6/2018</a:t>
+              <a:t>11/12/2018</a:t>
             </a:fld>
             <a:endParaRPr lang="en-US"/>
           </a:p>
@@ -2608,7 +2604,7 @@
           <a:p>
             <a:fld id="{78C97017-6FC3-485B-9764-EAC9E56C1D49}" type="datetimeFigureOut">
               <a:rPr lang="en-US" smtClean="0"/>
-              <a:t>7/6/2018</a:t>
+              <a:t>11/12/2018</a:t>
             </a:fld>
             <a:endParaRPr lang="en-US"/>
           </a:p>
@@ -2860,7 +2856,7 @@
           <a:p>
             <a:fld id="{78C97017-6FC3-485B-9764-EAC9E56C1D49}" type="datetimeFigureOut">
               <a:rPr lang="en-US" smtClean="0"/>
-              <a:t>7/6/2018</a:t>
+              <a:t>11/12/2018</a:t>
             </a:fld>
             <a:endParaRPr lang="en-US"/>
           </a:p>
@@ -3071,7 +3067,7 @@
           <a:p>
             <a:fld id="{78C97017-6FC3-485B-9764-EAC9E56C1D49}" type="datetimeFigureOut">
               <a:rPr lang="en-US" smtClean="0"/>
-              <a:t>7/6/2018</a:t>
+              <a:t>11/12/2018</a:t>
             </a:fld>
             <a:endParaRPr lang="en-US"/>
           </a:p>
@@ -3770,18 +3766,31 @@
                   <a:schemeClr val="bg1"/>
                 </a:solidFill>
               </a:rPr>
-              <a:t>:Address</a:t>
-            </a:r>
-          </a:p>
-          <a:p>
-            <a:pPr algn="ctr"/>
+              <a:t>:</a:t>
+            </a:r>
             <a:r>
               <a:rPr lang="en-US" sz="1600" dirty="0" err="1">
                 <a:solidFill>
                   <a:schemeClr val="bg1"/>
                 </a:solidFill>
               </a:rPr>
-              <a:t>BookParser</a:t>
+              <a:t>ThanePark</a:t>
+            </a:r>
+            <a:endParaRPr lang="en-US" sz="1600" dirty="0">
+              <a:solidFill>
+                <a:schemeClr val="bg1"/>
+              </a:solidFill>
+            </a:endParaRPr>
+          </a:p>
+          <a:p>
+            <a:pPr algn="ctr"/>
+            <a:r>
+              <a:rPr lang="en-US" sz="1600" dirty="0">
+                <a:solidFill>
+                  <a:schemeClr val="bg1"/>
+                </a:solidFill>
+              </a:rPr>
+              <a:t>Parser</a:t>
             </a:r>
             <a:endParaRPr lang="en-SG" sz="1600" dirty="0">
               <a:solidFill>
@@ -4327,7 +4336,7 @@
                   <a:srgbClr val="7030A0"/>
                 </a:solidFill>
               </a:rPr>
-              <a:t>AddressBook</a:t>
+              <a:t>ThanePark</a:t>
             </a:r>
             <a:r>
               <a:rPr lang="en-US" sz="1200" dirty="0">
@@ -4522,7 +4531,7 @@
                   <a:schemeClr val="bg1"/>
                 </a:solidFill>
               </a:rPr>
-              <a:t>VersionedAddressBook</a:t>
+              <a:t>VersionedThanePark</a:t>
             </a:r>
             <a:endParaRPr lang="en-SG" sz="1600" dirty="0">
               <a:solidFill>
@@ -5104,7 +5113,7 @@
                   <a:srgbClr val="7030A0"/>
                 </a:solidFill>
               </a:rPr>
-              <a:t>ReadOnlyAddressBook</a:t>
+              <a:t>ReadOnlyThanePark</a:t>
             </a:r>
             <a:r>
               <a:rPr lang="en-US" sz="1200" dirty="0">

--- a/docs/diagrams/UndoRedoSequenceDiagram.pptx
+++ b/docs/diagrams/UndoRedoSequenceDiagram.pptx
@@ -126,10 +126,6 @@
 </p:presentation>
 </file>
 
-<file path=ppt/revisionInfo.xml><?xml version="1.0" encoding="utf-8"?>
-<p1510:revInfo xmlns:a="http://schemas.openxmlformats.org/drawingml/2006/main" xmlns:r="http://schemas.openxmlformats.org/officeDocument/2006/relationships" xmlns:p1510="http://schemas.microsoft.com/office/powerpoint/2015/10/main"/>
-</file>
-
 <file path=ppt/notesMasters/notesMaster1.xml><?xml version="1.0" encoding="utf-8"?>
 <p:notesMaster xmlns:a="http://schemas.openxmlformats.org/drawingml/2006/main" xmlns:r="http://schemas.openxmlformats.org/officeDocument/2006/relationships" xmlns:p="http://schemas.openxmlformats.org/presentationml/2006/main">
   <p:cSld>
@@ -212,7 +208,7 @@
           <a:p>
             <a:fld id="{F5CC4B3F-88C1-4FFA-B1B6-F41C21DC6924}" type="datetimeFigureOut">
               <a:rPr lang="en-US" smtClean="0"/>
-              <a:t>7/6/2018</a:t>
+              <a:t>11/12/2018</a:t>
             </a:fld>
             <a:endParaRPr lang="en-US"/>
           </a:p>
@@ -658,7 +654,7 @@
           <a:p>
             <a:fld id="{78C97017-6FC3-485B-9764-EAC9E56C1D49}" type="datetimeFigureOut">
               <a:rPr lang="en-US" smtClean="0"/>
-              <a:t>7/6/2018</a:t>
+              <a:t>11/12/2018</a:t>
             </a:fld>
             <a:endParaRPr lang="en-US"/>
           </a:p>
@@ -826,7 +822,7 @@
           <a:p>
             <a:fld id="{78C97017-6FC3-485B-9764-EAC9E56C1D49}" type="datetimeFigureOut">
               <a:rPr lang="en-US" smtClean="0"/>
-              <a:t>7/6/2018</a:t>
+              <a:t>11/12/2018</a:t>
             </a:fld>
             <a:endParaRPr lang="en-US"/>
           </a:p>
@@ -1004,7 +1000,7 @@
           <a:p>
             <a:fld id="{78C97017-6FC3-485B-9764-EAC9E56C1D49}" type="datetimeFigureOut">
               <a:rPr lang="en-US" smtClean="0"/>
-              <a:t>7/6/2018</a:t>
+              <a:t>11/12/2018</a:t>
             </a:fld>
             <a:endParaRPr lang="en-US"/>
           </a:p>
@@ -1172,7 +1168,7 @@
           <a:p>
             <a:fld id="{78C97017-6FC3-485B-9764-EAC9E56C1D49}" type="datetimeFigureOut">
               <a:rPr lang="en-US" smtClean="0"/>
-              <a:t>7/6/2018</a:t>
+              <a:t>11/12/2018</a:t>
             </a:fld>
             <a:endParaRPr lang="en-US"/>
           </a:p>
@@ -1417,7 +1413,7 @@
           <a:p>
             <a:fld id="{78C97017-6FC3-485B-9764-EAC9E56C1D49}" type="datetimeFigureOut">
               <a:rPr lang="en-US" smtClean="0"/>
-              <a:t>7/6/2018</a:t>
+              <a:t>11/12/2018</a:t>
             </a:fld>
             <a:endParaRPr lang="en-US"/>
           </a:p>
@@ -1702,7 +1698,7 @@
           <a:p>
             <a:fld id="{78C97017-6FC3-485B-9764-EAC9E56C1D49}" type="datetimeFigureOut">
               <a:rPr lang="en-US" smtClean="0"/>
-              <a:t>7/6/2018</a:t>
+              <a:t>11/12/2018</a:t>
             </a:fld>
             <a:endParaRPr lang="en-US"/>
           </a:p>
@@ -2121,7 +2117,7 @@
           <a:p>
             <a:fld id="{78C97017-6FC3-485B-9764-EAC9E56C1D49}" type="datetimeFigureOut">
               <a:rPr lang="en-US" smtClean="0"/>
-              <a:t>7/6/2018</a:t>
+              <a:t>11/12/2018</a:t>
             </a:fld>
             <a:endParaRPr lang="en-US"/>
           </a:p>
@@ -2238,7 +2234,7 @@
           <a:p>
             <a:fld id="{78C97017-6FC3-485B-9764-EAC9E56C1D49}" type="datetimeFigureOut">
               <a:rPr lang="en-US" smtClean="0"/>
-              <a:t>7/6/2018</a:t>
+              <a:t>11/12/2018</a:t>
             </a:fld>
             <a:endParaRPr lang="en-US"/>
           </a:p>
@@ -2333,7 +2329,7 @@
           <a:p>
             <a:fld id="{78C97017-6FC3-485B-9764-EAC9E56C1D49}" type="datetimeFigureOut">
               <a:rPr lang="en-US" smtClean="0"/>
-              <a:t>7/6/2018</a:t>
+              <a:t>11/12/2018</a:t>
             </a:fld>
             <a:endParaRPr lang="en-US"/>
           </a:p>
@@ -2608,7 +2604,7 @@
           <a:p>
             <a:fld id="{78C97017-6FC3-485B-9764-EAC9E56C1D49}" type="datetimeFigureOut">
               <a:rPr lang="en-US" smtClean="0"/>
-              <a:t>7/6/2018</a:t>
+              <a:t>11/12/2018</a:t>
             </a:fld>
             <a:endParaRPr lang="en-US"/>
           </a:p>
@@ -2860,7 +2856,7 @@
           <a:p>
             <a:fld id="{78C97017-6FC3-485B-9764-EAC9E56C1D49}" type="datetimeFigureOut">
               <a:rPr lang="en-US" smtClean="0"/>
-              <a:t>7/6/2018</a:t>
+              <a:t>11/12/2018</a:t>
             </a:fld>
             <a:endParaRPr lang="en-US"/>
           </a:p>
@@ -3071,7 +3067,7 @@
           <a:p>
             <a:fld id="{78C97017-6FC3-485B-9764-EAC9E56C1D49}" type="datetimeFigureOut">
               <a:rPr lang="en-US" smtClean="0"/>
-              <a:t>7/6/2018</a:t>
+              <a:t>11/12/2018</a:t>
             </a:fld>
             <a:endParaRPr lang="en-US"/>
           </a:p>
@@ -3770,18 +3766,22 @@
                   <a:schemeClr val="bg1"/>
                 </a:solidFill>
               </a:rPr>
-              <a:t>:Address</a:t>
-            </a:r>
-          </a:p>
-          <a:p>
-            <a:pPr algn="ctr"/>
-            <a:r>
-              <a:rPr lang="en-US" sz="1600" dirty="0" err="1">
+              <a:t>:Scheduler</a:t>
+            </a:r>
+            <a:br>
+              <a:rPr lang="en-US" sz="1600" dirty="0">
                 <a:solidFill>
                   <a:schemeClr val="bg1"/>
                 </a:solidFill>
               </a:rPr>
-              <a:t>BookParser</a:t>
+            </a:br>
+            <a:r>
+              <a:rPr lang="en-US" sz="1600" dirty="0">
+                <a:solidFill>
+                  <a:schemeClr val="bg1"/>
+                </a:solidFill>
+              </a:rPr>
+              <a:t>Parser</a:t>
             </a:r>
             <a:endParaRPr lang="en-SG" sz="1600" dirty="0">
               <a:solidFill>
@@ -4327,7 +4327,7 @@
                   <a:srgbClr val="7030A0"/>
                 </a:solidFill>
               </a:rPr>
-              <a:t>AddressBook</a:t>
+              <a:t>Scheduler</a:t>
             </a:r>
             <a:r>
               <a:rPr lang="en-US" sz="1200" dirty="0">
@@ -4522,7 +4522,7 @@
                   <a:schemeClr val="bg1"/>
                 </a:solidFill>
               </a:rPr>
-              <a:t>VersionedAddressBook</a:t>
+              <a:t>VersionedScheduler</a:t>
             </a:r>
             <a:endParaRPr lang="en-SG" sz="1600" dirty="0">
               <a:solidFill>
@@ -5104,7 +5104,7 @@
                   <a:srgbClr val="7030A0"/>
                 </a:solidFill>
               </a:rPr>
-              <a:t>ReadOnlyAddressBook</a:t>
+              <a:t>ReadOnlyScheduler</a:t>
             </a:r>
             <a:r>
               <a:rPr lang="en-US" sz="1200" dirty="0">
